--- a/STEMPDX/Starting a club/Introductory Meeting PowerPoint.pptx
+++ b/STEMPDX/Starting a club/Introductory Meeting PowerPoint.pptx
@@ -16,9 +16,9 @@
     <p:sldId id="277" r:id="rId7"/>
     <p:sldId id="286" r:id="rId8"/>
     <p:sldId id="266" r:id="rId9"/>
-    <p:sldId id="258" r:id="rId10"/>
-    <p:sldId id="274" r:id="rId11"/>
-    <p:sldId id="284" r:id="rId12"/>
+    <p:sldId id="274" r:id="rId10"/>
+    <p:sldId id="284" r:id="rId11"/>
+    <p:sldId id="258" r:id="rId12"/>
     <p:sldId id="292" r:id="rId13"/>
     <p:sldId id="293" r:id="rId14"/>
     <p:sldId id="267" r:id="rId15"/>
@@ -697,281 +697,6 @@
       </p:grpSpPr>
       <p:sp>
         <p:nvSpPr>
-          <p:cNvPr id="2" name="Slide Image Placeholder 1"/>
-          <p:cNvSpPr>
-            <a:spLocks noGrp="1" noRot="1" noChangeAspect="1"/>
-          </p:cNvSpPr>
-          <p:nvPr>
-            <p:ph type="sldImg"/>
-          </p:nvPr>
-        </p:nvSpPr>
-        <p:spPr/>
-      </p:sp>
-      <p:sp>
-        <p:nvSpPr>
-          <p:cNvPr id="3" name="Notes Placeholder 2"/>
-          <p:cNvSpPr>
-            <a:spLocks noGrp="1"/>
-          </p:cNvSpPr>
-          <p:nvPr>
-            <p:ph type="body" idx="1"/>
-          </p:nvPr>
-        </p:nvSpPr>
-        <p:spPr/>
-        <p:txBody>
-          <a:bodyPr/>
-          <a:lstStyle/>
-          <a:p>
-            <a:r>
-              <a:rPr lang="en-US" dirty="0">
-                <a:latin typeface="Arial" panose="020B0604020202020204" pitchFamily="34" charset="0"/>
-                <a:cs typeface="Arial" panose="020B0604020202020204" pitchFamily="34" charset="0"/>
-              </a:rPr>
-              <a:t>For nearly 42 years, the Coca-Cola Company has made the Toastmasters program available to its employees as part of its formal employee development plan. The international beverage giant, headquartered in Atlanta, Georgia, currently has four clubs: three in the United States and one in Sri Lanka. The Coca-Cola 310 North Toastmasters club was founded at The Coca-Cola Company’s headquarters in 1972 and currently boasts 59 members. The company launched its second Atlanta-based club, The Real Thing club, in 2002.</a:t>
-            </a:r>
-          </a:p>
-          <a:p>
-            <a:endParaRPr lang="en-US" dirty="0">
-              <a:latin typeface="Arial" panose="020B0604020202020204" pitchFamily="34" charset="0"/>
-              <a:cs typeface="Arial" panose="020B0604020202020204" pitchFamily="34" charset="0"/>
-            </a:endParaRPr>
-          </a:p>
-          <a:p>
-            <a:r>
-              <a:rPr lang="en-US" dirty="0">
-                <a:latin typeface="Arial" panose="020B0604020202020204" pitchFamily="34" charset="0"/>
-                <a:cs typeface="Arial" panose="020B0604020202020204" pitchFamily="34" charset="0"/>
-              </a:rPr>
-              <a:t>Coca-Cola’s Senior Vice President and Chief People Officer </a:t>
-            </a:r>
-            <a:r>
-              <a:rPr lang="en-US" dirty="0" err="1">
-                <a:latin typeface="Arial" panose="020B0604020202020204" pitchFamily="34" charset="0"/>
-                <a:cs typeface="Arial" panose="020B0604020202020204" pitchFamily="34" charset="0"/>
-              </a:rPr>
-              <a:t>Ceree</a:t>
-            </a:r>
-            <a:r>
-              <a:rPr lang="en-US" dirty="0">
-                <a:latin typeface="Arial" panose="020B0604020202020204" pitchFamily="34" charset="0"/>
-                <a:cs typeface="Arial" panose="020B0604020202020204" pitchFamily="34" charset="0"/>
-              </a:rPr>
-              <a:t> </a:t>
-            </a:r>
-            <a:r>
-              <a:rPr lang="en-US" dirty="0" err="1">
-                <a:latin typeface="Arial" panose="020B0604020202020204" pitchFamily="34" charset="0"/>
-                <a:cs typeface="Arial" panose="020B0604020202020204" pitchFamily="34" charset="0"/>
-              </a:rPr>
-              <a:t>Eberly</a:t>
-            </a:r>
-            <a:r>
-              <a:rPr lang="en-US" dirty="0">
-                <a:latin typeface="Arial" panose="020B0604020202020204" pitchFamily="34" charset="0"/>
-                <a:cs typeface="Arial" panose="020B0604020202020204" pitchFamily="34" charset="0"/>
-              </a:rPr>
-              <a:t> says in an interview published in the Toastmaster magazine:</a:t>
-            </a:r>
-          </a:p>
-          <a:p>
-            <a:r>
-              <a:rPr lang="en-US" i="1" dirty="0">
-                <a:latin typeface="Arial" panose="020B0604020202020204" pitchFamily="34" charset="0"/>
-                <a:cs typeface="Arial" panose="020B0604020202020204" pitchFamily="34" charset="0"/>
-              </a:rPr>
-              <a:t>“Toastmasters grooms associates today for tomorrow’s leadership challenges. It provides a safe and fun place where people learn to not only prepare and present speeches and presentations, but also to think on their feet in front of an audience. There is also the opportunity to share information and to get to know leaders and future leaders throughout the system. It is so exciting to see the growth in each associate who takes on this process. We believe in the program!”</a:t>
-            </a:r>
-          </a:p>
-          <a:p>
-            <a:endParaRPr lang="en-US" dirty="0">
-              <a:latin typeface="Arial" panose="020B0604020202020204" pitchFamily="34" charset="0"/>
-              <a:cs typeface="Arial" panose="020B0604020202020204" pitchFamily="34" charset="0"/>
-            </a:endParaRPr>
-          </a:p>
-          <a:p>
-            <a:r>
-              <a:rPr lang="en-US" b="1" dirty="0">
-                <a:latin typeface="Arial" panose="020B0604020202020204" pitchFamily="34" charset="0"/>
-                <a:cs typeface="Arial" panose="020B0604020202020204" pitchFamily="34" charset="0"/>
-              </a:rPr>
-              <a:t>The Coca-Cola Company experiences additional benefits from its Toastmasters clubs.</a:t>
-            </a:r>
-            <a:r>
-              <a:rPr lang="en-US" b="1" baseline="0" dirty="0">
-                <a:latin typeface="Arial" panose="020B0604020202020204" pitchFamily="34" charset="0"/>
-                <a:cs typeface="Arial" panose="020B0604020202020204" pitchFamily="34" charset="0"/>
-              </a:rPr>
-              <a:t> Participating in Toastmasters:</a:t>
-            </a:r>
-            <a:r>
-              <a:rPr lang="en-US" dirty="0">
-                <a:latin typeface="Arial" panose="020B0604020202020204" pitchFamily="34" charset="0"/>
-                <a:cs typeface="Arial" panose="020B0604020202020204" pitchFamily="34" charset="0"/>
-              </a:rPr>
-              <a:t> </a:t>
-            </a:r>
-          </a:p>
-          <a:p>
-            <a:r>
-              <a:rPr lang="en-US" dirty="0">
-                <a:latin typeface="Arial" panose="020B0604020202020204" pitchFamily="34" charset="0"/>
-                <a:cs typeface="Arial" panose="020B0604020202020204" pitchFamily="34" charset="0"/>
-              </a:rPr>
-              <a:t>• Increases associates’ ability to express ideas and turn corporate plans into action</a:t>
-            </a:r>
-          </a:p>
-          <a:p>
-            <a:r>
-              <a:rPr lang="en-US" dirty="0">
-                <a:latin typeface="Arial" panose="020B0604020202020204" pitchFamily="34" charset="0"/>
-                <a:cs typeface="Arial" panose="020B0604020202020204" pitchFamily="34" charset="0"/>
-              </a:rPr>
-              <a:t>• Elevates associates’ ability to make presentation to managers and customers</a:t>
-            </a:r>
-          </a:p>
-          <a:p>
-            <a:r>
-              <a:rPr lang="en-US" dirty="0">
-                <a:latin typeface="Arial" panose="020B0604020202020204" pitchFamily="34" charset="0"/>
-                <a:cs typeface="Arial" panose="020B0604020202020204" pitchFamily="34" charset="0"/>
-              </a:rPr>
-              <a:t>• Enables employees to share ideas with co-workers globally in more effective ways</a:t>
-            </a:r>
-          </a:p>
-          <a:p>
-            <a:r>
-              <a:rPr lang="en-US" dirty="0">
-                <a:latin typeface="Arial" panose="020B0604020202020204" pitchFamily="34" charset="0"/>
-                <a:cs typeface="Arial" panose="020B0604020202020204" pitchFamily="34" charset="0"/>
-              </a:rPr>
-              <a:t>• Improves English-speaking skills for associates who speak English as a second language</a:t>
-            </a:r>
-          </a:p>
-          <a:p>
-            <a:r>
-              <a:rPr lang="en-US" dirty="0">
-                <a:latin typeface="Arial" panose="020B0604020202020204" pitchFamily="34" charset="0"/>
-                <a:cs typeface="Arial" panose="020B0604020202020204" pitchFamily="34" charset="0"/>
-              </a:rPr>
-              <a:t>• Trains associates to give presentations and step into leadership roles</a:t>
-            </a:r>
-          </a:p>
-          <a:p>
-            <a:r>
-              <a:rPr lang="en-US" dirty="0">
-                <a:latin typeface="Arial" panose="020B0604020202020204" pitchFamily="34" charset="0"/>
-                <a:cs typeface="Arial" panose="020B0604020202020204" pitchFamily="34" charset="0"/>
-              </a:rPr>
-              <a:t>• Builds stronger interpersonal relationship and boost confidence </a:t>
-            </a:r>
-          </a:p>
-          <a:p>
-            <a:r>
-              <a:rPr lang="en-US" dirty="0">
-                <a:latin typeface="Arial" panose="020B0604020202020204" pitchFamily="34" charset="0"/>
-                <a:cs typeface="Arial" panose="020B0604020202020204" pitchFamily="34" charset="0"/>
-              </a:rPr>
-              <a:t>• Enhances company culture through internal and external communications. </a:t>
-            </a:r>
-          </a:p>
-          <a:p>
-            <a:endParaRPr lang="en-US" dirty="0">
-              <a:latin typeface="Arial" panose="020B0604020202020204" pitchFamily="34" charset="0"/>
-              <a:cs typeface="Arial" panose="020B0604020202020204" pitchFamily="34" charset="0"/>
-            </a:endParaRPr>
-          </a:p>
-          <a:p>
-            <a:pPr marL="0" marR="0" indent="0" algn="l" defTabSz="914400" rtl="0" eaLnBrk="1" fontAlgn="auto" latinLnBrk="0" hangingPunct="1">
-              <a:lnSpc>
-                <a:spcPct val="100000"/>
-              </a:lnSpc>
-              <a:spcBef>
-                <a:spcPts val="0"/>
-              </a:spcBef>
-              <a:spcAft>
-                <a:spcPts val="0"/>
-              </a:spcAft>
-              <a:buClrTx/>
-              <a:buSzTx/>
-              <a:buFontTx/>
-              <a:buNone/>
-              <a:tabLst/>
-              <a:defRPr/>
-            </a:pPr>
-            <a:r>
-              <a:rPr lang="en-US" b="1" baseline="0" dirty="0"/>
-              <a:t>&lt;ADVANCE TO NEXT SLIDE&gt;</a:t>
-            </a:r>
-          </a:p>
-          <a:p>
-            <a:endParaRPr lang="en-US" dirty="0">
-              <a:latin typeface="Arial" panose="020B0604020202020204" pitchFamily="34" charset="0"/>
-              <a:cs typeface="Arial" panose="020B0604020202020204" pitchFamily="34" charset="0"/>
-            </a:endParaRPr>
-          </a:p>
-          <a:p>
-            <a:endParaRPr lang="en-US" dirty="0">
-              <a:latin typeface="Arial" panose="020B0604020202020204" pitchFamily="34" charset="0"/>
-              <a:cs typeface="Arial" panose="020B0604020202020204" pitchFamily="34" charset="0"/>
-            </a:endParaRPr>
-          </a:p>
-        </p:txBody>
-      </p:sp>
-      <p:sp>
-        <p:nvSpPr>
-          <p:cNvPr id="4" name="Slide Number Placeholder 3"/>
-          <p:cNvSpPr>
-            <a:spLocks noGrp="1"/>
-          </p:cNvSpPr>
-          <p:nvPr>
-            <p:ph type="sldNum" sz="quarter" idx="10"/>
-          </p:nvPr>
-        </p:nvSpPr>
-        <p:spPr/>
-        <p:txBody>
-          <a:bodyPr/>
-          <a:lstStyle/>
-          <a:p>
-            <a:fld id="{DDC7A565-CB21-47A5-A646-15A37D848429}" type="slidenum">
-              <a:rPr lang="en-US" smtClean="0"/>
-              <a:t>10</a:t>
-            </a:fld>
-            <a:endParaRPr lang="en-US"/>
-          </a:p>
-        </p:txBody>
-      </p:sp>
-    </p:spTree>
-    <p:extLst>
-      <p:ext uri="{BB962C8B-B14F-4D97-AF65-F5344CB8AC3E}">
-        <p14:creationId xmlns:p14="http://schemas.microsoft.com/office/powerpoint/2010/main" val="44451300"/>
-      </p:ext>
-    </p:extLst>
-  </p:cSld>
-  <p:clrMapOvr>
-    <a:masterClrMapping/>
-  </p:clrMapOvr>
-</p:notes>
-</file>
-
-<file path=ppt/notesSlides/notesSlide11.xml><?xml version="1.0" encoding="utf-8"?>
-<p:notes xmlns:a="http://schemas.openxmlformats.org/drawingml/2006/main" xmlns:r="http://schemas.openxmlformats.org/officeDocument/2006/relationships" xmlns:p="http://schemas.openxmlformats.org/presentationml/2006/main">
-  <p:cSld>
-    <p:spTree>
-      <p:nvGrpSpPr>
-        <p:cNvPr id="1" name=""/>
-        <p:cNvGrpSpPr/>
-        <p:nvPr/>
-      </p:nvGrpSpPr>
-      <p:grpSpPr>
-        <a:xfrm>
-          <a:off x="0" y="0"/>
-          <a:ext cx="0" cy="0"/>
-          <a:chOff x="0" y="0"/>
-          <a:chExt cx="0" cy="0"/>
-        </a:xfrm>
-      </p:grpSpPr>
-      <p:sp>
-        <p:nvSpPr>
           <p:cNvPr id="20482" name="Slide Image Placeholder 1"/>
           <p:cNvSpPr>
             <a:spLocks noGrp="1" noRot="1" noChangeAspect="1" noTextEdit="1"/>
@@ -1412,7 +1137,7 @@
                 <a:latin typeface="Myriad Pro" pitchFamily="34" charset="0"/>
               </a:rPr>
               <a:pPr/>
-              <a:t>11</a:t>
+              <a:t>10</a:t>
             </a:fld>
             <a:endParaRPr lang="en-US" sz="1000">
               <a:latin typeface="Myriad Pro" pitchFamily="34" charset="0"/>
@@ -1465,6 +1190,162 @@
         </p:txBody>
       </p:sp>
     </p:spTree>
+  </p:cSld>
+  <p:clrMapOvr>
+    <a:masterClrMapping/>
+  </p:clrMapOvr>
+</p:notes>
+</file>
+
+<file path=ppt/notesSlides/notesSlide11.xml><?xml version="1.0" encoding="utf-8"?>
+<p:notes xmlns:a="http://schemas.openxmlformats.org/drawingml/2006/main" xmlns:r="http://schemas.openxmlformats.org/officeDocument/2006/relationships" xmlns:p="http://schemas.openxmlformats.org/presentationml/2006/main">
+  <p:cSld>
+    <p:spTree>
+      <p:nvGrpSpPr>
+        <p:cNvPr id="1" name=""/>
+        <p:cNvGrpSpPr/>
+        <p:nvPr/>
+      </p:nvGrpSpPr>
+      <p:grpSpPr>
+        <a:xfrm>
+          <a:off x="0" y="0"/>
+          <a:ext cx="0" cy="0"/>
+          <a:chOff x="0" y="0"/>
+          <a:chExt cx="0" cy="0"/>
+        </a:xfrm>
+      </p:grpSpPr>
+      <p:sp>
+        <p:nvSpPr>
+          <p:cNvPr id="2" name="Slide Image Placeholder 1"/>
+          <p:cNvSpPr>
+            <a:spLocks noGrp="1" noRot="1" noChangeAspect="1"/>
+          </p:cNvSpPr>
+          <p:nvPr>
+            <p:ph type="sldImg"/>
+          </p:nvPr>
+        </p:nvSpPr>
+        <p:spPr/>
+      </p:sp>
+      <p:sp>
+        <p:nvSpPr>
+          <p:cNvPr id="3" name="Notes Placeholder 2"/>
+          <p:cNvSpPr>
+            <a:spLocks noGrp="1"/>
+          </p:cNvSpPr>
+          <p:nvPr>
+            <p:ph type="body" idx="1"/>
+          </p:nvPr>
+        </p:nvSpPr>
+        <p:spPr/>
+        <p:txBody>
+          <a:bodyPr/>
+          <a:lstStyle/>
+          <a:p>
+            <a:r>
+              <a:rPr lang="en-US" i="1" dirty="0">
+                <a:latin typeface="Arial" panose="020B0604020202020204" pitchFamily="34" charset="0"/>
+                <a:cs typeface="Arial" panose="020B0604020202020204" pitchFamily="34" charset="0"/>
+              </a:rPr>
+              <a:t>Showcase how</a:t>
+            </a:r>
+            <a:r>
+              <a:rPr lang="en-US" i="1" baseline="0" dirty="0">
+                <a:latin typeface="Arial" panose="020B0604020202020204" pitchFamily="34" charset="0"/>
+                <a:cs typeface="Arial" panose="020B0604020202020204" pitchFamily="34" charset="0"/>
+              </a:rPr>
+              <a:t> Toastmasters is valuable to a successful company in your local area. Explain the issues/challenges the company had and </a:t>
+            </a:r>
+            <a:r>
+              <a:rPr lang="en-US" i="1" dirty="0">
+                <a:latin typeface="Arial" panose="020B0604020202020204" pitchFamily="34" charset="0"/>
+                <a:cs typeface="Arial" panose="020B0604020202020204" pitchFamily="34" charset="0"/>
+              </a:rPr>
+              <a:t>the positive results it gained</a:t>
+            </a:r>
+            <a:r>
+              <a:rPr lang="en-US" i="1" baseline="0" dirty="0">
+                <a:latin typeface="Arial" panose="020B0604020202020204" pitchFamily="34" charset="0"/>
+                <a:cs typeface="Arial" panose="020B0604020202020204" pitchFamily="34" charset="0"/>
+              </a:rPr>
+              <a:t> by</a:t>
+            </a:r>
+            <a:r>
+              <a:rPr lang="en-US" i="1" dirty="0">
+                <a:latin typeface="Arial" panose="020B0604020202020204" pitchFamily="34" charset="0"/>
+                <a:cs typeface="Arial" panose="020B0604020202020204" pitchFamily="34" charset="0"/>
+              </a:rPr>
+              <a:t> sponsoring a Toastmasters club.</a:t>
+            </a:r>
+          </a:p>
+          <a:p>
+            <a:endParaRPr lang="en-US" dirty="0"/>
+          </a:p>
+          <a:p>
+            <a:r>
+              <a:rPr lang="en-US" i="1" dirty="0"/>
+              <a:t>Skip this slide if you do not have an example available.</a:t>
+            </a:r>
+          </a:p>
+          <a:p>
+            <a:endParaRPr lang="en-US" i="1" dirty="0"/>
+          </a:p>
+          <a:p>
+            <a:pPr marL="0" marR="0" indent="0" algn="l" defTabSz="914400" rtl="0" eaLnBrk="1" fontAlgn="auto" latinLnBrk="0" hangingPunct="1">
+              <a:lnSpc>
+                <a:spcPct val="100000"/>
+              </a:lnSpc>
+              <a:spcBef>
+                <a:spcPts val="0"/>
+              </a:spcBef>
+              <a:spcAft>
+                <a:spcPts val="0"/>
+              </a:spcAft>
+              <a:buClrTx/>
+              <a:buSzTx/>
+              <a:buFontTx/>
+              <a:buNone/>
+              <a:tabLst/>
+              <a:defRPr/>
+            </a:pPr>
+            <a:r>
+              <a:rPr lang="en-US" b="1" baseline="0" dirty="0"/>
+              <a:t>&lt;ADVANCE TO NEXT SLIDE&gt;</a:t>
+            </a:r>
+          </a:p>
+          <a:p>
+            <a:endParaRPr lang="en-US" i="1" dirty="0"/>
+          </a:p>
+        </p:txBody>
+      </p:sp>
+      <p:sp>
+        <p:nvSpPr>
+          <p:cNvPr id="4" name="Slide Number Placeholder 3"/>
+          <p:cNvSpPr>
+            <a:spLocks noGrp="1"/>
+          </p:cNvSpPr>
+          <p:nvPr>
+            <p:ph type="sldNum" sz="quarter" idx="10"/>
+          </p:nvPr>
+        </p:nvSpPr>
+        <p:spPr/>
+        <p:txBody>
+          <a:bodyPr/>
+          <a:lstStyle/>
+          <a:p>
+            <a:fld id="{DDC7A565-CB21-47A5-A646-15A37D848429}" type="slidenum">
+              <a:rPr lang="en-US" smtClean="0"/>
+              <a:t>11</a:t>
+            </a:fld>
+            <a:endParaRPr lang="en-US"/>
+          </a:p>
+        </p:txBody>
+      </p:sp>
+    </p:spTree>
+    <p:extLst>
+      <p:ext uri="{BB962C8B-B14F-4D97-AF65-F5344CB8AC3E}">
+        <p14:creationId xmlns:p14="http://schemas.microsoft.com/office/powerpoint/2010/main" val="961924045"/>
+      </p:ext>
+    </p:extLst>
   </p:cSld>
   <p:clrMapOvr>
     <a:masterClrMapping/>
@@ -4605,52 +4486,162 @@
           <a:lstStyle/>
           <a:p>
             <a:r>
+              <a:rPr lang="en-US" dirty="0">
+                <a:latin typeface="Arial" panose="020B0604020202020204" pitchFamily="34" charset="0"/>
+                <a:cs typeface="Arial" panose="020B0604020202020204" pitchFamily="34" charset="0"/>
+              </a:rPr>
+              <a:t>For nearly 42 years, the Coca-Cola Company has made the Toastmasters program available to its employees as part of its formal employee development plan. The international beverage giant, headquartered in Atlanta, Georgia, currently has four clubs: three in the United States and one in Sri Lanka. The Coca-Cola 310 North Toastmasters club was founded at The Coca-Cola Company’s headquarters in 1972 and currently boasts 59 members. The company launched its second Atlanta-based club, The Real Thing club, in 2002.</a:t>
+            </a:r>
+          </a:p>
+          <a:p>
+            <a:endParaRPr lang="en-US" dirty="0">
+              <a:latin typeface="Arial" panose="020B0604020202020204" pitchFamily="34" charset="0"/>
+              <a:cs typeface="Arial" panose="020B0604020202020204" pitchFamily="34" charset="0"/>
+            </a:endParaRPr>
+          </a:p>
+          <a:p>
+            <a:r>
+              <a:rPr lang="en-US" dirty="0">
+                <a:latin typeface="Arial" panose="020B0604020202020204" pitchFamily="34" charset="0"/>
+                <a:cs typeface="Arial" panose="020B0604020202020204" pitchFamily="34" charset="0"/>
+              </a:rPr>
+              <a:t>Coca-Cola’s Senior Vice President and Chief People Officer </a:t>
+            </a:r>
+            <a:r>
+              <a:rPr lang="en-US" dirty="0" err="1">
+                <a:latin typeface="Arial" panose="020B0604020202020204" pitchFamily="34" charset="0"/>
+                <a:cs typeface="Arial" panose="020B0604020202020204" pitchFamily="34" charset="0"/>
+              </a:rPr>
+              <a:t>Ceree</a:t>
+            </a:r>
+            <a:r>
+              <a:rPr lang="en-US" dirty="0">
+                <a:latin typeface="Arial" panose="020B0604020202020204" pitchFamily="34" charset="0"/>
+                <a:cs typeface="Arial" panose="020B0604020202020204" pitchFamily="34" charset="0"/>
+              </a:rPr>
+              <a:t> </a:t>
+            </a:r>
+            <a:r>
+              <a:rPr lang="en-US" dirty="0" err="1">
+                <a:latin typeface="Arial" panose="020B0604020202020204" pitchFamily="34" charset="0"/>
+                <a:cs typeface="Arial" panose="020B0604020202020204" pitchFamily="34" charset="0"/>
+              </a:rPr>
+              <a:t>Eberly</a:t>
+            </a:r>
+            <a:r>
+              <a:rPr lang="en-US" dirty="0">
+                <a:latin typeface="Arial" panose="020B0604020202020204" pitchFamily="34" charset="0"/>
+                <a:cs typeface="Arial" panose="020B0604020202020204" pitchFamily="34" charset="0"/>
+              </a:rPr>
+              <a:t> says in an interview published in the Toastmaster magazine:</a:t>
+            </a:r>
+          </a:p>
+          <a:p>
+            <a:r>
               <a:rPr lang="en-US" i="1" dirty="0">
                 <a:latin typeface="Arial" panose="020B0604020202020204" pitchFamily="34" charset="0"/>
                 <a:cs typeface="Arial" panose="020B0604020202020204" pitchFamily="34" charset="0"/>
               </a:rPr>
-              <a:t>Showcase how</a:t>
-            </a:r>
-            <a:r>
-              <a:rPr lang="en-US" i="1" baseline="0" dirty="0">
+              <a:t>“Toastmasters grooms associates today for tomorrow’s leadership challenges. It provides a safe and fun place where people learn to not only prepare and present speeches and presentations, but also to think on their feet in front of an audience. There is also the opportunity to share information and to get to know leaders and future leaders throughout the system. It is so exciting to see the growth in each associate who takes on this process. We believe in the program!”</a:t>
+            </a:r>
+          </a:p>
+          <a:p>
+            <a:endParaRPr lang="en-US" dirty="0">
+              <a:latin typeface="Arial" panose="020B0604020202020204" pitchFamily="34" charset="0"/>
+              <a:cs typeface="Arial" panose="020B0604020202020204" pitchFamily="34" charset="0"/>
+            </a:endParaRPr>
+          </a:p>
+          <a:p>
+            <a:r>
+              <a:rPr lang="en-US" b="1" dirty="0">
                 <a:latin typeface="Arial" panose="020B0604020202020204" pitchFamily="34" charset="0"/>
                 <a:cs typeface="Arial" panose="020B0604020202020204" pitchFamily="34" charset="0"/>
               </a:rPr>
-              <a:t> Toastmasters is valuable to a successful company in your local area. Explain the issues/challenges the company had and </a:t>
-            </a:r>
-            <a:r>
-              <a:rPr lang="en-US" i="1" dirty="0">
+              <a:t>The Coca-Cola Company experiences additional benefits from its Toastmasters clubs.</a:t>
+            </a:r>
+            <a:r>
+              <a:rPr lang="en-US" b="1" baseline="0" dirty="0">
                 <a:latin typeface="Arial" panose="020B0604020202020204" pitchFamily="34" charset="0"/>
                 <a:cs typeface="Arial" panose="020B0604020202020204" pitchFamily="34" charset="0"/>
               </a:rPr>
-              <a:t>the positive results it gained</a:t>
-            </a:r>
-            <a:r>
-              <a:rPr lang="en-US" i="1" baseline="0" dirty="0">
+              <a:t> Participating in Toastmasters:</a:t>
+            </a:r>
+            <a:r>
+              <a:rPr lang="en-US" dirty="0">
                 <a:latin typeface="Arial" panose="020B0604020202020204" pitchFamily="34" charset="0"/>
                 <a:cs typeface="Arial" panose="020B0604020202020204" pitchFamily="34" charset="0"/>
               </a:rPr>
-              <a:t> by</a:t>
-            </a:r>
-            <a:r>
-              <a:rPr lang="en-US" i="1" dirty="0">
+              <a:t> </a:t>
+            </a:r>
+          </a:p>
+          <a:p>
+            <a:r>
+              <a:rPr lang="en-US" dirty="0">
                 <a:latin typeface="Arial" panose="020B0604020202020204" pitchFamily="34" charset="0"/>
                 <a:cs typeface="Arial" panose="020B0604020202020204" pitchFamily="34" charset="0"/>
               </a:rPr>
-              <a:t> sponsoring a Toastmasters club.</a:t>
-            </a:r>
-          </a:p>
-          <a:p>
-            <a:endParaRPr lang="en-US" dirty="0"/>
-          </a:p>
-          <a:p>
-            <a:r>
-              <a:rPr lang="en-US" i="1" dirty="0"/>
-              <a:t>Skip this slide if you do not have an example available.</a:t>
-            </a:r>
-          </a:p>
-          <a:p>
-            <a:endParaRPr lang="en-US" i="1" dirty="0"/>
+              <a:t>• Increases associates’ ability to express ideas and turn corporate plans into action</a:t>
+            </a:r>
+          </a:p>
+          <a:p>
+            <a:r>
+              <a:rPr lang="en-US" dirty="0">
+                <a:latin typeface="Arial" panose="020B0604020202020204" pitchFamily="34" charset="0"/>
+                <a:cs typeface="Arial" panose="020B0604020202020204" pitchFamily="34" charset="0"/>
+              </a:rPr>
+              <a:t>• Elevates associates’ ability to make presentation to managers and customers</a:t>
+            </a:r>
+          </a:p>
+          <a:p>
+            <a:r>
+              <a:rPr lang="en-US" dirty="0">
+                <a:latin typeface="Arial" panose="020B0604020202020204" pitchFamily="34" charset="0"/>
+                <a:cs typeface="Arial" panose="020B0604020202020204" pitchFamily="34" charset="0"/>
+              </a:rPr>
+              <a:t>• Enables employees to share ideas with co-workers globally in more effective ways</a:t>
+            </a:r>
+          </a:p>
+          <a:p>
+            <a:r>
+              <a:rPr lang="en-US" dirty="0">
+                <a:latin typeface="Arial" panose="020B0604020202020204" pitchFamily="34" charset="0"/>
+                <a:cs typeface="Arial" panose="020B0604020202020204" pitchFamily="34" charset="0"/>
+              </a:rPr>
+              <a:t>• Improves English-speaking skills for associates who speak English as a second language</a:t>
+            </a:r>
+          </a:p>
+          <a:p>
+            <a:r>
+              <a:rPr lang="en-US" dirty="0">
+                <a:latin typeface="Arial" panose="020B0604020202020204" pitchFamily="34" charset="0"/>
+                <a:cs typeface="Arial" panose="020B0604020202020204" pitchFamily="34" charset="0"/>
+              </a:rPr>
+              <a:t>• Trains associates to give presentations and step into leadership roles</a:t>
+            </a:r>
+          </a:p>
+          <a:p>
+            <a:r>
+              <a:rPr lang="en-US" dirty="0">
+                <a:latin typeface="Arial" panose="020B0604020202020204" pitchFamily="34" charset="0"/>
+                <a:cs typeface="Arial" panose="020B0604020202020204" pitchFamily="34" charset="0"/>
+              </a:rPr>
+              <a:t>• Builds stronger interpersonal relationship and boost confidence </a:t>
+            </a:r>
+          </a:p>
+          <a:p>
+            <a:r>
+              <a:rPr lang="en-US" dirty="0">
+                <a:latin typeface="Arial" panose="020B0604020202020204" pitchFamily="34" charset="0"/>
+                <a:cs typeface="Arial" panose="020B0604020202020204" pitchFamily="34" charset="0"/>
+              </a:rPr>
+              <a:t>• Enhances company culture through internal and external communications. </a:t>
+            </a:r>
+          </a:p>
+          <a:p>
+            <a:endParaRPr lang="en-US" dirty="0">
+              <a:latin typeface="Arial" panose="020B0604020202020204" pitchFamily="34" charset="0"/>
+              <a:cs typeface="Arial" panose="020B0604020202020204" pitchFamily="34" charset="0"/>
+            </a:endParaRPr>
           </a:p>
           <a:p>
             <a:pPr marL="0" marR="0" indent="0" algn="l" defTabSz="914400" rtl="0" eaLnBrk="1" fontAlgn="auto" latinLnBrk="0" hangingPunct="1">
@@ -4676,7 +4667,16 @@
             </a:r>
           </a:p>
           <a:p>
-            <a:endParaRPr lang="en-US" i="1" dirty="0"/>
+            <a:endParaRPr lang="en-US" dirty="0">
+              <a:latin typeface="Arial" panose="020B0604020202020204" pitchFamily="34" charset="0"/>
+              <a:cs typeface="Arial" panose="020B0604020202020204" pitchFamily="34" charset="0"/>
+            </a:endParaRPr>
+          </a:p>
+          <a:p>
+            <a:endParaRPr lang="en-US" dirty="0">
+              <a:latin typeface="Arial" panose="020B0604020202020204" pitchFamily="34" charset="0"/>
+              <a:cs typeface="Arial" panose="020B0604020202020204" pitchFamily="34" charset="0"/>
+            </a:endParaRPr>
           </a:p>
         </p:txBody>
       </p:sp>
@@ -4706,7 +4706,7 @@
     </p:spTree>
     <p:extLst>
       <p:ext uri="{BB962C8B-B14F-4D97-AF65-F5344CB8AC3E}">
-        <p14:creationId xmlns:p14="http://schemas.microsoft.com/office/powerpoint/2010/main" val="961924045"/>
+        <p14:creationId xmlns:p14="http://schemas.microsoft.com/office/powerpoint/2010/main" val="44451300"/>
       </p:ext>
     </p:extLst>
   </p:cSld>
@@ -5025,7 +5025,7 @@
               </a14:hiddenLine>
             </a:ext>
             <a:ext uri="{FAA26D3D-D897-4be2-8F04-BA451C77F1D7}">
-              <ma14:placeholderFlag xmlns:ma14="http://schemas.microsoft.com/office/mac/drawingml/2011/main" xmlns="" val="1"/>
+              <ma14:placeholderFlag xmlns="" xmlns:ma14="http://schemas.microsoft.com/office/mac/drawingml/2011/main" val="1"/>
             </a:ext>
           </a:extLst>
         </p:spPr>
@@ -6058,7 +6058,7 @@
               </a14:hiddenLine>
             </a:ext>
             <a:ext uri="{FAA26D3D-D897-4be2-8F04-BA451C77F1D7}">
-              <ma14:placeholderFlag xmlns:ma14="http://schemas.microsoft.com/office/mac/drawingml/2011/main" xmlns="" val="1"/>
+              <ma14:placeholderFlag xmlns="" xmlns:ma14="http://schemas.microsoft.com/office/mac/drawingml/2011/main" val="1"/>
             </a:ext>
           </a:extLst>
         </p:spPr>
@@ -6287,7 +6287,7 @@
               </a14:hiddenLine>
             </a:ext>
             <a:ext uri="{FAA26D3D-D897-4be2-8F04-BA451C77F1D7}">
-              <ma14:placeholderFlag xmlns:ma14="http://schemas.microsoft.com/office/mac/drawingml/2011/main" xmlns="" val="1"/>
+              <ma14:placeholderFlag xmlns="" xmlns:ma14="http://schemas.microsoft.com/office/mac/drawingml/2011/main" val="1"/>
             </a:ext>
           </a:extLst>
         </p:spPr>
@@ -6864,529 +6864,6 @@
       </p:grpSpPr>
       <p:sp>
         <p:nvSpPr>
-          <p:cNvPr id="8" name="Rectangle 7"/>
-          <p:cNvSpPr/>
-          <p:nvPr/>
-        </p:nvSpPr>
-        <p:spPr>
-          <a:xfrm>
-            <a:off x="2743200" y="2286000"/>
-            <a:ext cx="6096000" cy="2677656"/>
-          </a:xfrm>
-          <a:prstGeom prst="rect">
-            <a:avLst/>
-          </a:prstGeom>
-        </p:spPr>
-        <p:txBody>
-          <a:bodyPr wrap="square">
-            <a:spAutoFit/>
-          </a:bodyPr>
-          <a:lstStyle/>
-          <a:p>
-            <a:r>
-              <a:rPr lang="en-US" sz="2400" b="1" dirty="0"/>
-              <a:t>“I see a great value in Toastmasters International’s proven programs for developing great communicators and influential leaders.” </a:t>
-            </a:r>
-          </a:p>
-          <a:p>
-            <a:endParaRPr lang="en-US" b="1" i="1" dirty="0"/>
-          </a:p>
-          <a:p>
-            <a:r>
-              <a:rPr lang="en-US" b="1" dirty="0" err="1"/>
-              <a:t>Ceree</a:t>
-            </a:r>
-            <a:r>
-              <a:rPr lang="en-US" b="1" dirty="0"/>
-              <a:t> </a:t>
-            </a:r>
-            <a:r>
-              <a:rPr lang="en-US" b="1" dirty="0" err="1"/>
-              <a:t>Eberly</a:t>
-            </a:r>
-            <a:r>
-              <a:rPr lang="en-US" dirty="0"/>
-              <a:t>	</a:t>
-            </a:r>
-          </a:p>
-          <a:p>
-            <a:r>
-              <a:rPr lang="en-US" dirty="0"/>
-              <a:t>Senior Vice President &amp; Chief People Officer </a:t>
-            </a:r>
-          </a:p>
-          <a:p>
-            <a:r>
-              <a:rPr lang="en-US" dirty="0"/>
-              <a:t>The Coca-Cola Company</a:t>
-            </a:r>
-          </a:p>
-        </p:txBody>
-      </p:sp>
-      <p:sp>
-        <p:nvSpPr>
-          <p:cNvPr id="6" name="Title 1"/>
-          <p:cNvSpPr txBox="1">
-            <a:spLocks/>
-          </p:cNvSpPr>
-          <p:nvPr/>
-        </p:nvSpPr>
-        <p:spPr bwMode="auto">
-          <a:xfrm>
-            <a:off x="615950" y="457198"/>
-            <a:ext cx="7842250" cy="762001"/>
-          </a:xfrm>
-          <a:prstGeom prst="rect">
-            <a:avLst/>
-          </a:prstGeom>
-          <a:noFill/>
-          <a:ln>
-            <a:noFill/>
-          </a:ln>
-          <a:extLst>
-            <a:ext uri="{909E8E84-426E-40DD-AFC4-6F175D3DCCD1}">
-              <a14:hiddenFill xmlns:a14="http://schemas.microsoft.com/office/drawing/2010/main">
-                <a:solidFill>
-                  <a:srgbClr val="FFFFFF"/>
-                </a:solidFill>
-              </a14:hiddenFill>
-            </a:ext>
-            <a:ext uri="{91240B29-F687-4F45-9708-019B960494DF}">
-              <a14:hiddenLine xmlns:a14="http://schemas.microsoft.com/office/drawing/2010/main" w="9525">
-                <a:solidFill>
-                  <a:srgbClr val="000000"/>
-                </a:solidFill>
-                <a:miter lim="800000"/>
-                <a:headEnd/>
-                <a:tailEnd/>
-              </a14:hiddenLine>
-            </a:ext>
-            <a:ext uri="{FAA26D3D-D897-4be2-8F04-BA451C77F1D7}">
-              <ma14:placeholderFlag xmlns:ma14="http://schemas.microsoft.com/office/mac/drawingml/2011/main" xmlns="" val="1"/>
-            </a:ext>
-          </a:extLst>
-        </p:spPr>
-        <p:txBody>
-          <a:bodyPr vert="horz" wrap="square" lIns="91440" tIns="45720" rIns="91440" bIns="45720" numCol="1" anchor="ctr" anchorCtr="0" compatLnSpc="1">
-            <a:prstTxWarp prst="textNoShape">
-              <a:avLst/>
-            </a:prstTxWarp>
-          </a:bodyPr>
-          <a:lstStyle>
-            <a:lvl1pPr algn="l" rtl="0" eaLnBrk="1" fontAlgn="base" hangingPunct="1">
-              <a:spcBef>
-                <a:spcPct val="0"/>
-              </a:spcBef>
-              <a:spcAft>
-                <a:spcPct val="0"/>
-              </a:spcAft>
-              <a:defRPr sz="3400" b="1">
-                <a:solidFill>
-                  <a:srgbClr val="063052"/>
-                </a:solidFill>
-                <a:latin typeface="+mj-lt"/>
-                <a:ea typeface="ヒラギノ角ゴ Pro W3" charset="0"/>
-                <a:cs typeface="+mj-cs"/>
-              </a:defRPr>
-            </a:lvl1pPr>
-            <a:lvl2pPr algn="l" rtl="0" eaLnBrk="1" fontAlgn="base" hangingPunct="1">
-              <a:spcBef>
-                <a:spcPct val="0"/>
-              </a:spcBef>
-              <a:spcAft>
-                <a:spcPct val="0"/>
-              </a:spcAft>
-              <a:defRPr sz="4000" b="1">
-                <a:solidFill>
-                  <a:srgbClr val="063052"/>
-                </a:solidFill>
-                <a:latin typeface="Arial" charset="0"/>
-                <a:ea typeface="ヒラギノ角ゴ Pro W3" charset="0"/>
-              </a:defRPr>
-            </a:lvl2pPr>
-            <a:lvl3pPr algn="l" rtl="0" eaLnBrk="1" fontAlgn="base" hangingPunct="1">
-              <a:spcBef>
-                <a:spcPct val="0"/>
-              </a:spcBef>
-              <a:spcAft>
-                <a:spcPct val="0"/>
-              </a:spcAft>
-              <a:defRPr sz="4000" b="1">
-                <a:solidFill>
-                  <a:srgbClr val="063052"/>
-                </a:solidFill>
-                <a:latin typeface="Arial" charset="0"/>
-                <a:ea typeface="ヒラギノ角ゴ Pro W3" charset="0"/>
-              </a:defRPr>
-            </a:lvl3pPr>
-            <a:lvl4pPr algn="l" rtl="0" eaLnBrk="1" fontAlgn="base" hangingPunct="1">
-              <a:spcBef>
-                <a:spcPct val="0"/>
-              </a:spcBef>
-              <a:spcAft>
-                <a:spcPct val="0"/>
-              </a:spcAft>
-              <a:defRPr sz="4000" b="1">
-                <a:solidFill>
-                  <a:srgbClr val="063052"/>
-                </a:solidFill>
-                <a:latin typeface="Arial" charset="0"/>
-                <a:ea typeface="ヒラギノ角ゴ Pro W3" charset="0"/>
-              </a:defRPr>
-            </a:lvl4pPr>
-            <a:lvl5pPr algn="l" rtl="0" eaLnBrk="1" fontAlgn="base" hangingPunct="1">
-              <a:spcBef>
-                <a:spcPct val="0"/>
-              </a:spcBef>
-              <a:spcAft>
-                <a:spcPct val="0"/>
-              </a:spcAft>
-              <a:defRPr sz="4000" b="1">
-                <a:solidFill>
-                  <a:srgbClr val="063052"/>
-                </a:solidFill>
-                <a:latin typeface="Arial" charset="0"/>
-                <a:ea typeface="ヒラギノ角ゴ Pro W3" charset="0"/>
-              </a:defRPr>
-            </a:lvl5pPr>
-            <a:lvl6pPr marL="457200" algn="l" rtl="0" eaLnBrk="1" fontAlgn="base" hangingPunct="1">
-              <a:spcBef>
-                <a:spcPct val="0"/>
-              </a:spcBef>
-              <a:spcAft>
-                <a:spcPct val="0"/>
-              </a:spcAft>
-              <a:defRPr sz="4000" b="1">
-                <a:solidFill>
-                  <a:srgbClr val="063052"/>
-                </a:solidFill>
-                <a:latin typeface="Arial" charset="0"/>
-              </a:defRPr>
-            </a:lvl6pPr>
-            <a:lvl7pPr marL="914400" algn="l" rtl="0" eaLnBrk="1" fontAlgn="base" hangingPunct="1">
-              <a:spcBef>
-                <a:spcPct val="0"/>
-              </a:spcBef>
-              <a:spcAft>
-                <a:spcPct val="0"/>
-              </a:spcAft>
-              <a:defRPr sz="4000" b="1">
-                <a:solidFill>
-                  <a:srgbClr val="063052"/>
-                </a:solidFill>
-                <a:latin typeface="Arial" charset="0"/>
-              </a:defRPr>
-            </a:lvl7pPr>
-            <a:lvl8pPr marL="1371600" algn="l" rtl="0" eaLnBrk="1" fontAlgn="base" hangingPunct="1">
-              <a:spcBef>
-                <a:spcPct val="0"/>
-              </a:spcBef>
-              <a:spcAft>
-                <a:spcPct val="0"/>
-              </a:spcAft>
-              <a:defRPr sz="4000" b="1">
-                <a:solidFill>
-                  <a:srgbClr val="063052"/>
-                </a:solidFill>
-                <a:latin typeface="Arial" charset="0"/>
-              </a:defRPr>
-            </a:lvl8pPr>
-            <a:lvl9pPr marL="1828800" algn="l" rtl="0" eaLnBrk="1" fontAlgn="base" hangingPunct="1">
-              <a:spcBef>
-                <a:spcPct val="0"/>
-              </a:spcBef>
-              <a:spcAft>
-                <a:spcPct val="0"/>
-              </a:spcAft>
-              <a:defRPr sz="4000" b="1">
-                <a:solidFill>
-                  <a:srgbClr val="063052"/>
-                </a:solidFill>
-                <a:latin typeface="Arial" charset="0"/>
-              </a:defRPr>
-            </a:lvl9pPr>
-          </a:lstStyle>
-          <a:p>
-            <a:pPr algn="ctr"/>
-            <a:r>
-              <a:rPr lang="en-US" kern="0" dirty="0">
-                <a:solidFill>
-                  <a:schemeClr val="bg1"/>
-                </a:solidFill>
-              </a:rPr>
-              <a:t>Value of Toastmasters to Coca-Cola</a:t>
-            </a:r>
-          </a:p>
-        </p:txBody>
-      </p:sp>
-      <p:sp>
-        <p:nvSpPr>
-          <p:cNvPr id="2" name="AutoShape 4" descr="data:image/jpeg;base64,/9j/4AAQSkZJRgABAQAAAQABAAD/2wCEAAkGBxQTEhQUExMWFhQUGBoYGBgWGB0aGBsYGBQcGBwcGBscHCgiHhwlIBoYITEhJSkrLjAuGR8zODMsNygvLisBCgoKDg0OGxAQGywmICQsLCw3LCwsLCwvLC8sLCwsLDQtLCwsLCwsLCwsLCwsLCwsLCwsNCwsLCwsLCwsLCwsLP/AABEIAL0BCwMBEQACEQEDEQH/xAAcAAEAAgMBAQEAAAAAAAAAAAAABgcDBAUIAgH/xABGEAACAAQDBQUFBQUHAgcBAAABAgADBBEFEiEGMUFRYQcTInGBMlKRobEUI0JiwTNygpLRFRaistLh8CRDNFRjc5Ozwgj/xAAbAQEAAgMBAQAAAAAAAAAAAAAAAwQBAgUGB//EADURAAIBAgQDBQcDBQEBAAAAAAABAgMRBBIhMQVBURMiYXGBMpGhscHR8AYU4SMzQlLxNBX/2gAMAwEAAhEDEQA/ALxgBACAEAIAQAgBACAEAIAQAgBACAEAIAQAgBACAEAIAQAgBACAEAIAQAgBACAEAIAQAgBACAEAIAQAgBACAEAIAQAgBACAEAIAQAgBACAEAIAQAgBACAEAIAQAgBACAEAIAQBVPaVt5NSc1LSvkyaTJg9osR7Kn8IHEjW/K2tKvXaeWJ6bhPCqc6arVle+y5eb6/Ir2Xj9UrZhVTw3PvX+euvrFXtJdWd54TDtWcI+5Fn9nO371DimqiDMN+7mAWz2FyrAaBrXsRYG1t++5QruTyyPN8V4TGjHtqO3NdPLwLJi2efEAIAQAgBACAEAIAQAgDDUs4y5FVrsobMxWyX8RFlNyBuGl+YjDvyNoKLvmfLz1M0ZNRACAEAIAQAgBACAEAIAQAgBACAEAIAQAgDztt3g82nrJxmqcs2Y7o/4WVnLaHmL6jhHKrQcZu573huJp1sPFQeqSTXSysR6IjoG9gbstTIK+0Jssjzzi0bQ9pEGJSdGae1n8j05HYPnIgBACAEAIAQAgBACAEAIAQAgBACAEAIAQAgBACAEAIAQAgBACAEAIAQBiqqZJilJiK6nerAMD5g6RhpPRm0Jyg80XZ+BA9qezGnmIz0w7maASFBvLY77EH2eVxoL7jFaphotXjodvB8brU5KNXvR+K+/r7yDdluBmprUcj7untMY/m/APO4v5KYr4eGad+h2uM4pUcO4reWnpz+3qX1HSPECAEAIAQAgBACAEAIAQAgBACAEAIAwirTP3ede8AzZMwzW55d9usYzK9r6m/ZTyZ8ry7XtpfzMFXi0iUcsyfKRjweYqn4Exq6kY7tElPC16qvThJrwTfyNxWBAI1B3ERuQtNOzP2BgQAgBACAEAIAQAgBACAEAIAjW3WOGnkd3K8VTUfdSUG/M2mbyW/xtEVaeVWW7Ohw7CqtUzT9iOrfguXqbmyWAJRUySV1b2pje853ny4DoBGaVNQjYixuLliqzqP0XRHZiQqCAEAIAQAgBACAEAIAx1E9UUu7BVUXLMbAAcSTujDdtWbRi5NRirtkaO0VRUX+wUwZOFRUEy5J6ooGdx1AA0iLtJS9herL/AO0o0f8A0z1/1jq/V7L4mpiWF4uUZkrpQcC4lpJUKTyDtmPxjWUatrqXwJaNfh6laVJ26uX0VitaXtJxFTczw45PLS3+EA/OKixFRcz0U+C4OSso28m/rcnOynajLnMsuqQSXOgdT90T1vqnqSOoizTxSektDi43gc6Sc6LzLpz/AJLBqJ6ojO7BVUEsTuAGpJiy2krs4cISnJRirt6WKD2txvv616inZ5YNrG9nOVMlwRqoIG7+to49WqpTcon0fh/D6lLDQo1WmlurXW97eNn4GjT4RUTD4JE1yeIlsfnaI1Tk9ky/PF4emu9OK9UXjsPh8yRRSZU7R1DEi98oZywF+gIjr4eDjTSkfOeL4inXxk6lLZ29bJK53YmOaIAQAgBACAEAIAQAgBACAOPj+01NRrefMCm1wo8TkdFHDqbCI51Yw3ZcwuAr4lN046Ld7Jev03Ko2c2xlTMRmVtWJmgyyQoDCWDca630UncDcuTFJVoxqZp/8PSy4bVqYLsMNbR630zPw/m3IuPC8Uk1Cd5JmK68xvB5MDqD0MXoTjNXizyuIwtXDzyVYtP826+huRuQCAEAfjMBvMDKVz9gYEAIAQAgDHUT1lqzuwVFBZmOgAAuSYw3ZXZtGLk1GKu2QDBa4YxVTGcf9FTFcko7prtezTRxAyk5TpqOt60JdtJ32R28RSfDqMVH+5Pd9F0X3LCAtFo4RwttdoFoqV5hP3jArKXiXI09BvPQRHVqZI3LuAwjxNZQ5bvyPOQjknvxAEzbambPw+VRklpgmhTzaWAO7B/iNv4FiSpVcqah4lPB8Pp0sZPE7LLfyb3+HzZbGyuykmjlrZVadbxzCLsTxCngvQctdYv0aEaa8ep5PiPFa2MqO7ajyjy9erJBE5yxACAEAIAQAgBACAEAIAQAgDjbW44KOmeboW9mWp4ud3oNSegMRVqvZwzF/huCeMxCpct2+iX5ZeLPO+P1rzCXmMWmTDdmO82/TcLcBHLp3lJyZ73GKFChGjTVl08EKFLIvXX4xHUd5MtYOGWjHx1953tlseejnrMUnISBMXgycfUbwefmY2o1XTldEPEcDDGUHTlvyfR/Z8z0CjggEG4IuD0Mds+YNNOzPqBg5u0WJfZqabOtcotwDuLE2W/S5ER1Z5IORbwOG/c4iFLq/hu/gURiFbMnuXnOZjHi36DcB0EceUnJ3kfSqFCnQjkpRsvD69fUmmD7XTKTCmc+N++MqQHuRbIra8Sq+L5DSLtKs40bvrZHmOI8Op1+IqMdFlzSt5te96fMi9F2kV6TA7zRMW/iRlUKRyGVQV8x84jWIqJ3bLNTguElDLGNn1uy96OoEyWkwaB1VhffZgDr8Y6Sd1c8VODhJxfJ2MMvFJLTjIWahnKLmWGBYDTeOG8fGMZle19Td0Kigqji8r58jcjYiKh7Xdqs7/YpTeBCDOI4tvCeS7z1tyijiat3kR6ngeAyr9xNavby6+vLw8yH7I7UTaCaXlgMrgB0bQMBu14EXNj1MQUqrpu6OtjsDTxcFGWjWz6FgT+2CXk8FK5mcmcBQfMXJ+Aiy8WraI4Uf09PN3pq3lr+epWu0GPTqyb3k9rncqjRFHJRw+pipOpKbuz0OFwlLDQyU1935nMjQsn4TbfGbGG0ldmzgtdknK6i/dlX8yrg/pCScbPxMUJKu50ls4tX89D07SVKzESYhurqGU8wRcR2ItNXR84qU5U5uEt07GaMmggDRxfF5NLLMyfMWWg4tvJ5KN7HoLmMSkoq7JKdKdSWWCuypdp+1+a5KUSCWu7vJgDOeqr7K+t/SK067/xO1h+ExWtV38EV/iGP1U8kzaia9+Bc5fRb2HoIgc5PdnUhh6UPZivcY6DGaiSQZU+bLI912A9Rex8jBSa2ZmdCnNWlFP0Ll7Me0Fqtvs1TbvwLo4sBMAFyCNwcDXTQi+gtrapVc2jODj8AqK7Sn7Py/gseJzlCAEAIAQAgCqu2SuvNkSb6KhmEcLs2UfDK3xjm46XeUT2v6WoJU6lXq0vdq/mipsVbxAch9TEVFaHR4lK9RLwOhTnwL5D6RBP2mdSh/aj5L5GSNSU9C7KMTRUpO/uJX/1iO5R/tx8kfLeIpLF1Uv8AeXzZ1YkKRqYrQLPkzJL3yzFKm28ciOoNj6RrOKlFxZNh686FWNWG6dyscQ7Plpw0yorUSSv4shzHoBm9roL+Uc94TLrKWh66n+onWtClRbk+V9Plt7vMhO0+NJO7uVJUpTU4IlhvaYsbtMf8zHhwiOck7Rjsi7hqE4uVWq7zlvbZdEvBEn2F7OHn5Z1UCknQrL3PMG/X3UPxPTQxNRw7lrLY5nEeMxpXp0dZdeS+7+Bc6rYWGgEdA8iRvCdjJNPWTatGctNzeEkZVLtmYg2vv57rn0hjRUZuSOhW4jUq4eNCSVlbXy0R8bdbXyqGnc94nfkZZaXBbMdzFd+Ub/S3GM1KmVabmuDwjqzi5pqHN2+C8TznOxMEkkszMSSTvJJuSesUOyk9z1zx9KKtFP5H4tb+X5xh0vEzHHJ7xP1qwcjDs2bvGx5Jmu+KAf8ALxuqDKk+KxWi+5jOJA/it8o27HwIXxNP/K3wPlp4PG8ZyM1deMtW7nRwicozEnkP+fKIK8Xojq8Lq045pN9EW72U7VgEUcxhZiTJPAE6lPXUjrccRE2ErZf6cvQ536h4cqi/d0dbe1b5/R+/qWmTHQPHEA2n7SURjIoE+0z911uZa9bj27dNOvCIJ10tI6s6uF4XOos9Xux+LIHU7L11bM72snAMfeOYqOSqvhUdAYrtSk7s7NOVCjHLTX58zIezgW0qNf8A29P88Y7PxJP3a/1I/jmy0+mGZgHl++moH7w3j6dY0cWixTrwqaczhFY1uSuCZI+zWndsTpQl7q+ZiOCKpzX5AjT1ETUtZKxzOItRw8lI9JRfPJiAEAIAQBrYlXy5Epps5gktBdmN9NbDQakkkCw5xiUlFXZJSpTqzUIK7ZT/AGqTQ1arA3UyZZU8wSxB+ccrGO9T0PefpuOXBtP/AGf0K4xP2/QfrCj7JvxD+96I28Nm3W3FfpEVWNncvcPq5qeXmvkdCmpzMdJa+07BB5sQB9YjSu7FupUVODnLZJv3anoWqrJNHIDTXCSpShQT0FgABqTpuEdxuMI67I+VwhVxVZqKvKTb95WuOdrrXIpZShffnak+SKRb1JipLFN+yj0FD9Pwir15+i+7+xz8J2kxytN6Ukp7/dy0lDyZ18VuQvGYOtPma4inwzDrLlu/N/RnD2/wrFJWWfXsJqk5QykFEJ/DlAGW9uVjzvCrSk9ZGcBjaUO5RSXmt/XmfXZxVUSzxMrbi1u6uuaUG957a35aW4nhEVLs4z7xfxyxdbD/ANBWvvrq14f9uegKeoWYodGVlYXDKQQR0Ijopp6o8XOEoNxkrNEb2n27pKO6s+eaP+2hBIP5juX69IiqV4x0WrOjhOFVq6Un3Y9X9Fu/l4lSbT9qNVPuEbukO5ZZIJ829o/IdIqynUnu7Lw+526eGweEV4xzy6y+kdvfdlfT6h5rXY6RvGMYLQiq162KleT0X5ofqIBujDbZtGEYbH6WjFjLlYy0VLMnOJcqW0x23KilifQcOu4Ruo32IKldQV5MmtN2N4hNTM/cSb/hmTCX8iUVgPjE0abRzauNhPSxz6TsVxKY7KVlSlU2zzJlw3VQgY28wIkV+ZRqON+6dV+wuuVbpU07H3TnUehymDimbUsRKn5dCI4vgFXRPkqJJS+4mxVv3XGhitUguZ3MJiZSXc1XQxUxJK5Cc9wFVb5y19MgGpN+UQWd7I6naQUHKTS8Of5+Mtr+7+MVVKJdTUqgIJElnAmzABudlXy0JOp1ifs6rVnI5KxeBjNTjS1W7W3na/yt4H3syUTLISlmyXbmhYMbakzBppzNgIjh0sWsRonUc01+cjsyJ6OLo6uvNSCPlG9yJprdWMkDAIvod0ARav2Ep5j5lLy771W2X0BGn0jR00WY4uaVtyYdn2CyaVnWWviZQS7aubHdfgNdw00iegktDlcUnKpFSfUmsWDjHFmbV0izxTmevek5bWNs3ulrZQeFid+kROvTzZb6nQjwvFyo9uoPLvy2623t6HaiU54gDibaYy1JRzZ6KGdcoUHcCzhQT0F79d0R1Z5INouYDDLEYiNOTsn9FcqTDO0mpDEVWWpkPpMlsiDwnflsAPRrjy3xRjiJX72qPUVuC0HG9G8ZLZ3fx/g7Ha1Sjvaacn7OZJyrYaeA5h8nGnSMY2PeUl0Jf0zVvSqUpbqV/fp80Vhiq+JTzFvgf94iovRovcSj34y8Pl/01ZM0qbiJZRUlZlKlVlSlmidrDsbSTOkzd/dzEcj9xw36RDCnJST6HQxOMpVKEoX9pNeV1YybX7YTa2aXcnItxLQnQDnYaXPE+nCLE81R3ZyMMqWEhlhHXr1Jt2ddmvehaqvU5TZpcg6XG8NN6ck+PKLFKglqzj4/ik5txg/X7GLtS7UO5LUWHsFKeGZOS1ktp3crgCNxbhuGuombtojmU6WbvM1+0dqWgwwUUmaZ1RVNLmTXMwuzZSGM06nKGIAA0uCd9iYStawo5nPMtLFXycTbcfiBFOVBcj1FLidRK0vkbVNtNUy1ZJU+ZLR/aVHKg+do3jDKrIrVsT201KSTt1SMCTAReInG2hcjUU1mCoHNracT/SDeURpqtK1tOpsfZBw0iPtGW/2cLWWhhm0pG7X6xvGaZXqYWUdVqdXY/ZOfiM7u5XhVbGZNIuqKenFjrZePQXMTwjmOTia6oq73Lsq3odn6K6pd20G7vpzgfia2ijeTuW+guQDY0ijjf1K8rv8A4Q7Htp5tIiVNZabiM9c9PTm/c0cs3Acpf9odRc+LeL6G+HK2rJKdLtHljt1OP2t4zVJOpl+0TUmy6SSZvduyffHMWJCEAHcdByjEpNSSJaOHjOnKT6mnsd2vVdMwWpJqZO45z96o5q/4vJr35iNsxHKgnsW/X7WYfU4e89stRJNlMoreYZjaJLyHUTCd3xBsLxltNEMI1ITVtH1OBsxs3JwmQ1bUSr1c5rSpIOYo0w+CnlE3JfWxfoeAJOqSiiWc5152v6/U3MI2TxFqpqupqZKzHBWyKZmRCQciBsoWwut9d5OpN4i7GefNc6L4jhlhlQVN6O+9rvq97/mx3q2olS1aVJILHwu17kW3qTz6cI2k1FWiQ0YVKslUq7bpESrdnpMw5gplTPflHI3rbQ+oiu4JnWhiJx03XR6nJqZGIyNZcwVCDgwGf13E+jGNWprbUnjLDVPaWVmkm3cxDlnU9mG8AlT/ACsD9Y17VrdEv7CMtYSNxNvpHGXNHllP/wChG3aoj/8An1OqOpg/aHTS3Ld3OPhtoq7yQeL9I2WJjB3dyGrwWviI5YuKs+d/sYsc7UJsxSlPL7q+mdjme35QNAeusR1MbJq0VYs4T9M0qclKvLN4LRevN/AhFJTNPdJUtbzHawNySSxGp5Aaknle+6KiTk7Lc9FVqRoQlUm7RS91vvtY9IKLAcY7x8ne5+wMGOokK6sjqGVhZlYXBB4EGMNX0ZtGTi1KLs0RVuzXDi2buSNb5RMfL8M27pEP7en0OkuM4y1s3wX2NvbjAPtVG0tB45dnlAaaqLZR5i45XI5QxFLPCy3M8Hx37XFKcn3Xo/J8/R6nn7E5V13aqf8AY/8AOkcuk7Sse8x9PPSzLlr6HGdotI4M5WRrzjoY3juVKrtFlk9jOxv2qZ9rnreTJayKRpMmDXXmq6eZsOBETwp63ObisY1DIt+pNe2Xbc0UgU8lrVNQDqDrLlbi/Rjqq+THhEsnY51KnmZXPZl2YNXgVFQWl0t/CF0ebY2OUn2Uvpm46gcxqo3J6tbLpE29psGwioo6yZhqOk3DzLzMWYpNV3y3GZmuNGINgbqOBjLSaI4TlGST5kQ2F2SnYlP7qX4UWxmTSLqindpxY62XjY7gCRoo3LUq+RalyyOzjCg32RZE2dNCjvZwmG8rMCVLnMFDG2iKpNrEixvG1lexB2lXLnbsuXiVvsdsS9ZUvKlkCTKYiZOtcWDEDLzZraCK0YSm7XO7VxNLC01LLq+X50LPkbJ4QJ4oFktMnBO8dw7EqBl9tgwALXHhA48LiJOzpZsltSj+8xypfuM1o3slZa+StyNPa3ZijNTS0VPJSXMmt3k1wTdJK3vvNrtqB5dY1qUoZlFImweOxCpTr1JNpaJdW/sYdu9m6NRIpKKRL+1VLgAhmJSWurO2p0048M3KM1KcNIxWrMYLG4h5qtabyxXvb2RNsPoqbCaJtQsqUpeY9vE7aXY82Y2AHkInilCJyKtSeJq5nuymsExNsWxuQ9R7BclJd/CqS1aYqdblRfnc+UQp5p6nSnT7DDvKZaClNZXVGJVt0pJEwuxYWzFGtLkoDvOigj03mC1lmexmbVOlGlT9p/jZC9pMUerqJ1RM9qaxa3IWsq+igD0jTNd3LKo9nTyLocJEiVspwhfVlwdhux/eOa+cvglkrIB4zB7T+S7h1vxWM0482QYytbuI3pu28yqxsS6WQs9JAdJRdystG/7s9iFOlhlB5btWja93oQKChDvO19+pxNoe02tnTGkpMlS5ecrmp7+MXtcTG8VjvBAWK9WrKzO1gMBS7SDavdrfx8P+nX7KyGnvIdjldS62P41tfeOK/wCWK+FkpSys6/HqcqVBVo7p2fk/5+ZaTYBL4Fh6j+kdDskeRWPqeByq7CHl6jxLzA1HmIilTaLtHFwqaPRnIqqSXMFpiK45MAfrEbSe5djOUXeLsceZsNTzWsiOrH3G/RrgCNexT2J//oVKavJq3idBOySWALVLg8boDr01EZeCT5kVP9Tyhp2afq19zLI7KJQPjqZjD8qqv1vBYGPNmZ/qqq13aaXm2/sSzAdl6ak1ky/GRYuxzORyudw6CwizTowp+yjiYzieJxf92WnRaL3fc7MSlA4m1e08mglCZNuWY2RF9pyN9uQGlzw8yAY6lRQV2XMFgqmKnlhy3fT85FY1Pa3VlrpKkKvAEMx9TmF/gIpvFz5JHoofp/Dpd6Um/RfRnXwXtdBIWqkZfzyjceqNrbyJ8okhi/8AZFXEfp9pXoyv4P7/AMFj4ZicqoliZJmLMQ8VPyI3g9DrFqMlJXRwK1GpRlkqKzK67SdizdqqnW4NzOQD4uo6/iHrzijisPrnier4FxiLisLXfgm/k/p7uhSlXLysRw4eUawd1clxVPs5tcj9w/DnqJsuRLF3muqL5s1rnoN56CJYblCu7U2+h6loKSTQUaoLJJppZJJ5KCzMep1Y9SYuJWPNyk5O7PPWEUUzHcVLzcwSaxdgDqlOm5emmVdOLXiJyvOyOhGl2eH7Sel9l1Lk242vTCpdNKlSla5AEseELJQWNrbjuA4b+UbVKmQiwmDeIvra3zI6MGwpaTuVefTjGHlussLeblR1KollYKlzoWJHj0MZzRtfqRulV7Rx3cb/AAJZUyqbBcOmGRLCqmoBN2mTW0Bc7ySbX5AaWAtCUlCNzFClLEVVDqVJs/thWlJtLJAedWzSxmG/eZpihWsQbAWG+3h19KkaktlzPQ18FQTVSWiituWn56lpVAlYJhdksZgFgbftJ7j2iOIFr291LRYk1SgcilCWPxVnt8kvz3s0+y/Dfs9LNrqhrPUXms7bxKF2zH97xN5FY0oRyxzPmT8Wr9rWjQp7R0t4/wAbFVbYTaiomfbZyFZVUzdzci5RPCAFvewFtbWJPWK87t5nzO1hOzpw7CL1jv5vxLJ7FdnO7ktWOPHOusu/CWDqf4mHwUc4sYeFlmONxjE5p9lHZb+f8HG7aceadMWhlXISzOF1LTSPAlhvsCDbm3SNa9TvKKJ+F4JdjKvPo7eS5kOXY3E6RBWCQ8sSvHmDLnUDXMUuTbmCN17i0MklqbfucPUfZ3vc520O1VVW5ftM4uq6qoAVAbb8qgAnfqddY1lNy3JKWHp0vYRtYZsFiFTJ72TTEoRdSzKmYflDEE34Hd1jaFNvUhxGMpw7qevyI9gmETaiql0qqRNd+7II1Wx8RYflAYkdDEmUq9soxuz0JtzV/wBnYbLpKNT304Cmp1XV9R4m87X195gYleisjnU+/Nyl5lZT6N6KUcLol77Eaof9W8vXu0t+wQ8Br4mOmuu8ZdbW0RIpZ3nnsfeF9lOIoyZ5cu1ibiYCFNtzf7XitWozekeZ2+GcSw9J5qzfd2Vrt/8AN9SU7G7NTqbFJSzMt0lvMbI2aysrSxfTQkmIaFGUKyT8zqcV4lRxPDZyp3s2o6q2qafyRbkdM8MIAwTaOW2rIpPMgXjDimSRqzjopM+5UlV0VQB0FoJJbGspylrJ3MkZNRACAEAUP2tVzTMRmIfZkqiKPNA5Nud2t6CObiZXqW6HteCUlDCqS3k2/jb6EMiudcQBv4LjM6lmd5ImFG429lhyZdxHnG8JuLuiDEYaliI5aiv9PIuHZLtJk1IEufaTPtxP3bn8hO4/lPMWJi9TxClo9GeUxvBqlF5qfej8V5/dfAg222yKtLefJ8LqMzJ+E8yORtc8tOEQSio9461OrKqlSfXRmv2IYXnxB5jD9hKYjo7kIP8ACXiahZu5zeKZqcMj0d/kTrtxxQysO7pTrUzVlG2/ILzG9CEy/wAUWJu0WzkYan2lWMX1OL2A0S5Kqd+IsksdAAWPxJH8sRUFuy/xWXejE2ts9j3qMReqq3WXh8mWhLZvEyqLlABqCWLa8iLXJ0Tp3ld7GuGxfZ0clP2mznbIYgK/GVnuuVZaN3KG3gRFyothx8RY9b8ogpzz1r8jrYvDftOGZf8AKTV35/ljtdtFBVT0pZVPJeapdi2QXs2UBM3IWL6nSJ68XKyRyuFVaVKUpTdnb/v0HZnspKo5xE51euMvMUU3EmWSBa/vtffyuBpq2KVNReu5niGLnXh3VaF/e/svzw7m2Wyz10+lDMBSyizTVuczNpZR5gEX4AmN6lPO1fYhweMWGhPKu89E+hu7ZYd3tN3RmLJpgQahtx7lBmKpbQXIUX5X0O6NqiurciHC1MlTMleXLzf57yjsfxE4jWy5cpckq6U9Og3LLzZQbczvPoOEUpPPKy8j01Cl+1ouUtXrJvxPQFTMl0dKxAtLp5Wg/KiaDzNgIvNqMfI8rCMq9VLnJ/MgfZPgXed5iNQA02a7d2Tw8RzuOpN1HIA84r4eF++zscXxOS2Fp7JK/wBF9TmYJtfPq8WnsZhFHKkzz3d/uzJRbBmG4sTY3O69t0bQqZpX5EOIwXYUUmu82tTj9j+xK1T/AGqoW8iUbIhGkyYNbnmi8uJ04EHFKF9Wb4/FOC7OO7JntZ9tn4hhj0cxjQ5wzvJYlCVcl+8K6FSi5RfS5YbzE7u3ocuKjGLUtzndluEd9iOI4iyEK06Yki4IuGclmFxyyC/5mglrcxUl3VE+e0vbaXKn93RDvcQsZAmDxCRmazLLG4zmNgbbrAHdaNZTSZLRw8pxbbsjdw2ik7P4a9TPtMq5tu8Ym7TJz3IlhjrlGpJ42ZukbbIhX9SaXI6/Z5Uzfsb1tbNN55M3xGyJKUWXKNwFrtpvBER07pOUi3jFGVSNGittNN22cyTt9h9O82YGmz5s5ru6S7aDRVXOV8KjQfHjESrU4tvds6M+GYyvGEGlGMVZJv3t2vq3q/cdnBe0WiqGCB2lu2gE1ctzyzAlb+ZiSGIhLQpYjg+Jopyaul01/kl0TnLEAIAQAgBACAKn7RdmFNaZzkhJ6CxBt96i5SP5QpA42bkYoYin383U9XwbF3odkt4v4P8An6FYVEsK7KDcKxAPMA2vFU9AndXMcYMn6oJ3Any1jJhtLc/DyMYMkiwLa2ZJHdzQZsrdY+0B0J3jofiIljUa0ZRrYSM3mhoyX9j82WtZVJLbMrywyHccqvuPXxj4GJsI0pOJzP1DGU6VOq+tn52+tj7/AP6ApGaRSTBfKk5lbld5fhJ/lPxi3VfdODw9Xrx/PArzYza+fhzuZSq6TAM6NextexBGoIufj5WqwqOJ3MVglWWu65mXanbepxBlSaVSUCCJUu4W/NiTdj8uQhUqOSGCwNOnUVtXfdmHC8RmU81J0psrobg+liCORBI9Ypxk4u6PSV6EK9N05rRlg/3yxarl5aemyZh+1ly2P8rOco+fnFvt60/ZR598K4dh23Vq+ja+KWr+BydmsBxmjqGqJdMZjOCH7yYhzhiCc33l73AN42hGpF3sQYqvga0Ozc9FtZP7GXG9o8Zl1EuonU7Ikm5EtUJkWIKnOVJubHeTpwtGZTqJ3aNcPhMFUg6cJXb5319CO7U7Z1VeMs1gkoG/dywQpI3FiSSx89OkQzrSmdHC8MpYfVavqzJ2ZywcTpQd2Zj6iU5HzAhR1qIcU7uEnbw+aLV7Xp5XDJtvxNLU+XeA/pFyv7DPOcJt+6i3yv8AIgmL9ohkUdPSURAKyUE2dbcxQZhLHO5N253tziF1csVGJ0afD+1rSrVubdl68zWWjajoBJItWYnlXIdGSnzWAPIuTa3InisaWcI2W7+RazxxdbPL+3TT9Zfx+blgbYsMNwcyZHhORZCHcbv7TafiIztfmYs1JdnA4eDpPF4rXxfu/LFfbP10/C8MmTu8KzashaWWdVUL7c/I2nIDTXw3uDEUJ5YX6l/E4bt8R2cbPLu/oWvgOIzVwuXUVL55gpzOdiAt7oZgFlAAsLDdwiwn3bs41Sn/AFnTj1t9Ct+xrZFps44jUeIBmMq/4ppJzTPIXIH5r+7EVJZu8y/xCSpJUYvzOlt7RNimKyaEX7mmAecRuXOAzHlfLkUdWPWEm5VMqM0KdOlhHWnu9F+fMkG3Mszu4w2nsisA85hosqmlmwvyuRp+7bjCteVoL18hw3LRUsVPlpFdZP7fUp3aGbJaomfZkySQcqDU3Ci2Y31u1r+sUJ5c3d2PW4WNVUl2rvLd+vL0OcY0LB6V2TZzRUxmXzmSma+/2Bvvx5x16d8iufPMaorETybZn8zrRuVhACAEAIAQBr11FLnI0uaiujb1YXB/343jDSaszenUnTkpQdmuhDp3ZVQFrjvlHurM0/xKT84geFgdaPHcUlZ2fjb7HZwrYqhkexToW96Z941+ha9vS0bxowjsipW4liq3tTfpp8jvIgAsAAOmkSlJtvcx1FKjizorDkygj5xhpPczGcou8XYrjaLYulMxx3Xd31Bl+HQ66D2dN27hFOpSjc9Lg8fVdNO9/PUj1Fs7UUNQlTSsJvdk3RvCzKRYryNxfXnY2iOMXB5kW61aniaTpVFa/MsdMUocUp2ks6kTBZ5TkLNUg+6dQVI0YXFxF2M41FoeZr4avg6neVnyfJ+RX+KdkGQkpWyxL/8AWGUgdSDY+ekQPD+J1KfGLrWDv4HJGzmF0xvU4l3zD8FKl93Av4h9I0dOmlq/cWYYvFzadOnbxl+I6Era6ip//CYctxumT2zPfy1t6MIiVaEfYj7y/LhmKr/+iu/KKsvp8jMe1Os4JIHTI3+uMfvKngbL9NYS28vevsS7ZHtEl1LiVPUSpp9kg/dtYXtc+yehv58Is0cUpu0tGcbiXAKmGj2lJ5o/Fff80O5U7Y0KGzVUu/5Tm+agxK69Ncznw4TjZq6pv10+ZEdo8HwuuBaRUSJNQdxDBQ55Ohte/MC/nuiGcaVT2WrnTw1biGCsq0JOHle3k/psVglRMoKtSRadTzASvA21tfirDiOBitFShK/Q7ladLEUGou6kvz1ReMrGKHFKRlaYuSYoDozBXQ79QToQRoRcacY6GeE1a5479tisNUUlF6c0rpkAqKbCMNfvJbNW1Cn7tCwaWjDczlRluOWpvbQbxWbp09U7s7UI4zGd2Uezjzet35X/AIREP7fJrpVXUOXbvkmNpuCODZRfcALAdIhjKUpZmdKrQpUMO6MHumtetuZdO0W1eFmnzTpsmemjLKUq7sRusm8Hh4rW1vF+c6bWup5PD4XFxqdxOL67fEovanaCZXTzNmAKLZZaD2UQblH6nieW6Kc5OTuz0mHw8aEMsfV9WXRgG2tAcOld9OljLJWXMlNqxKoEYd3vYG3KxBi3GpDLqedrYKuq7yRe90/5NbY7tIpppnJMMumlyyO4VrKO6C2tppmuL5RuDAC9rxiFaL30JMVw2rCzjeTe/mbWEdoOHvVT1UpKFlbv2GTvmHhPC/hGUDNqddNNSrQzMxPhmK7OLs34LW3/AEinaDt+k5Xp6T2Hss2baxmAbkXjl1Nyd9yN2+vWrqWkTscM4TKk1Vr7rZdPF+JG8T2OnyZJmlpbZb50UkstnEtuFjlY2NvS4BMRSouKudCjxKlVqZEmr7N89L/FbHS7Pdlpc+eGqmCqpBWU2hmHkb6Zem88rRmhCMpd4i4riqtGl/Si9efT867F7COmeIEAIAQAgBACAEAIAQAgBAHKx6hzrmUeJfmOI/X4xHUjdXLmDr5JZXsyMRXOyRHbHZFagGZLHj3lfe6r+b6xFKDTzQ/6X6NenUh2GI9nk+cf4K0/s0yyQedrEagiNHVzcizDAOi9JaP83PsyOsa5iV0NNzLJn20aNZQvqieliMiyzM4qF5xHkZaWIh1Px6xeV4yqTNZY2C21ML1h8o3VJFeWMk9j4VXfcL/T4xt3YkS7Spsb1BRywbzST+UDT1O+NHURNHCS5nZTFqcWXOFtwymw+AjZRb1I51YU3lbPupNPOUhGRphFkswDZuAHHfwjOV9DRVov/IhdfhzKSLEMDqrCzDzvEsKqvZlCvgpOOam7mpLmsmhHoY3cVIrU606Tyy9zNpZ6nj8YjcWi5GvTlzPq45xg3uupklJeNZOxLShmNkWA0iPcuRSirIkWGYArKpfMXbXKPlwveMpXIpTyrwJ+lBWT1t3Fr3u7DIxuwZvaOmZgrHKBcgXvFnLUmrWOL2uBw8s2fbktfBbLktFduxtU+wc4+3Mlr5At/SNlhZc2Rz47SXsRb9y+526XAaqStpVbe25ZiXXyuWJA8olVKcdpHOqY7C1n/Uo28U9fkr+pzp+19RIcy58hCw90lbjgQdbiNHXnF2ki3DhGHrwz0Zuz66/Y6uGbY080hWJlMff9n+YafG0SQxEZb6FLEcHxFJXj3l4b+77XJCDE5yj9gBACAEAIAQAgBACAOFi+D3JeWPNf1H9IhnT5o6WGxlu5P3/c4JEQnS3OVjGAyaj2xZ/fXf68D6xHOmpFvD4ypR0Wq6Pb+CG1+w85P2ZEwdDY/Bj9CYhdKa21OpTxuGnvePxRH6rDWRirgqw3gixiLO4vYuxoQqRvGSaMBoR70Z7V9DV4Ff7BaMcflDtDCwi5mzLlou5R5nWNXNssRoU48jG9YtwC39BGVTk9bGksXRjLK5GdZ8sfjX4iMZJdDf8Ac0f9l70YKitk2tYN0A/WN4wmVa2Kw1rWv6fU4t9bjTl0iycR2Z6gwBFrKCmeplrMaZJQtnUG5ZBc689/rF1JSiro8xKc6FWXZyas+TKQ232WainmWy5pTXMpyNCvK/vLuPoeMc6pB05HssFiaeNopySut10f8kZNCnL5mNe1kTPA0Xy+LPtKVBuUfX6xh1JPmSQwtKG0fr8zLaNSexeGxWx9E9NIqGpQJjoGs7Mw8wCbWPtDTcRHQpUYOKk0ePx/EsTCtOnGeidtEl/PgTES5UhGYKktFBZiAFAAFyTaJ7RijkOdWtJJtyb9SN7C7XGveqGXKkp17vmZbAgZut0J/itwiKjV7Rsv8R4f+0jT11ad/Nf9+BLonOWIAgHaPbvpXPIb+WbT9YpYr2ken4Dfsp+f0IjFY7pMNg8bYOKdzdWB7u/4SBfL5EX8rdYtYeo75WcDjOCi4dvBarfx8fMnsXDzQgBACAEAIAQAgBACANWsw+XM9pdeY0P/ADzjWUE9yalXqU/Zfocmfs8fwOD0bT5j+kROl0L0OIL/ACXuNR8FnD8IPkw/W0a9nImWNovn8Dn4psiahbTJWo3MGUMvkb/LdGkqDluizQ4rGg7wl6WdmQjHez2skAvLl9+nKXbvAOq31/hv5RXlhJrY7FL9RYWWkk0/h7yCVlW6MUaWUYbw4IYeYNrRqqFtyZ8Ucleml8zRm1DNvb+kSKKWxUqV6lT2mYxroN5jYhO3h2yFdP8A2dJOI5shRf5nsPnGyhJ8ivPFUYbyXzJLQ9kGIOAX7mVzDuSR/IrD5xuqMitLidFbXZLdn+xqTLcPVTjOtr3aLkQ9GNySOgtEkaKW5Uq8TnJWgrFoIoAAAAA0AG4AconOWauLYXKqZZlTkDoeB4HmDvB6iNZRUlZktGvUozz03ZlaYv2Qm5NNUC3BJw3fxr/pipLCf6s9FQ/UOlq0PVfZ/c5krskrCfFNpwOJDOT6DIPrGn7SfVFmX6gw1tIy+H3JVs92WU8lg89zUMNykZZfqtyW9TbpE0MLFavU5eK47WqrLTWVe9+/l+ak/Ai0cMgvbHXPLoQq6CdNVGP5QrPb1Kj0vFbFSah5na4DSjPE3l/irr4L6nE7DZZvVtbT7oX6+M/0+MR4TmXf1E1/TXn9C1ounmBAFfdo8s99KbgZdh5qxJ/zCKWKXeR6jgUl2Mo+PzX8ETisdw6WzKE1cgDfnB9BqfkDG9L20U+INLDTb6fPRfEtuOmeHEAIAQAgBACAEAIAQAgBACAEAIAwVVHLmC0yWjjk6hh8CIWMqTWzOb/dKh/8lS//AAS/9Ma5I9CX9xW/3fvZ0aSglStJcpEH5FC/QRmyRG5SluzYjJqIAQAgBACAEAIAQBqYphsqoltKnIHRt4P1BGoPURrKKkrMko1p0ZqcHZowYBgUmjl91IXKpJY3JJJOlyT0AHpGIQUFZEmJxVTETz1HdnSjcriAOZj+DrUy8jGzDVW5H9QeIiOpTU1Yt4LFyw1TPHVc11K+qdlqpGy90W5MpBU/MW9bRSdCaex6mnxTCzjmzW8Hv+eRLNkNmjT3mzbd6RYAahQd+vFj0/WLNGjl1e5w+J8SWI/p0/ZXx/glEWDjiAEAIAQAgBACAEAIAQAgBACAEAIAQAgBACAEAIAQAgBACAEAIAQAgBACAEAIAQAgBACAEAIAQAgBACAEAIAQAgBACAEAIAQAgBACAEAIAQAgBACAEAIAQAgBACAEAIAQAgBACAEAIAQAgBACAEAIAQAgBACAOLju1VLSaT5wVjqEALP/ACqCQOpsIjnVjDdlvDYGviNacbrrsvezbwPF5dVJWdKzZGuBmFj4WKnTzBjaE1JXRHiMPOhUdOe6N+NiAQAgBACAEAIAQAgBACAEAIAQAgBACAEAIAQAgBACAEAIAQAgBACAEAIAQBD8e7O6aqqftDtMBa2dVIytlAA3i40ABsfgdYgnh4ylmZ1cNxivQo9lFLTZ9CV0tOstFRFCogAVRoABuAiZJJWRzJzlOTlJ3bMsZNRACAEAIAQAgBACAEAIAQAgBACAEAIA/9k="/>
-          <p:cNvSpPr>
-            <a:spLocks noChangeAspect="1" noChangeArrowheads="1"/>
-          </p:cNvSpPr>
-          <p:nvPr/>
-        </p:nvSpPr>
-        <p:spPr bwMode="auto">
-          <a:xfrm>
-            <a:off x="155575" y="-144463"/>
-            <a:ext cx="304800" cy="304801"/>
-          </a:xfrm>
-          <a:prstGeom prst="rect">
-            <a:avLst/>
-          </a:prstGeom>
-          <a:noFill/>
-          <a:extLst>
-            <a:ext uri="{909E8E84-426E-40DD-AFC4-6F175D3DCCD1}">
-              <a14:hiddenFill xmlns:a14="http://schemas.microsoft.com/office/drawing/2010/main">
-                <a:solidFill>
-                  <a:srgbClr val="FFFFFF"/>
-                </a:solidFill>
-              </a14:hiddenFill>
-            </a:ext>
-          </a:extLst>
-        </p:spPr>
-        <p:txBody>
-          <a:bodyPr vert="horz" wrap="square" lIns="91440" tIns="45720" rIns="91440" bIns="45720" numCol="1" anchor="t" anchorCtr="0" compatLnSpc="1">
-            <a:prstTxWarp prst="textNoShape">
-              <a:avLst/>
-            </a:prstTxWarp>
-          </a:bodyPr>
-          <a:lstStyle/>
-          <a:p>
-            <a:endParaRPr lang="en-US"/>
-          </a:p>
-        </p:txBody>
-      </p:sp>
-      <p:sp>
-        <p:nvSpPr>
-          <p:cNvPr id="3" name="AutoShape 6" descr="data:image/jpeg;base64,/9j/4AAQSkZJRgABAQAAAQABAAD/2wCEAAkGBxQTEhQUExMWFhQUGBoYGBgWGB0aGBsYGBQcGBwcGBscHCgiHhwlIBoYITEhJSkrLjAuGR8zODMsNygvLisBCgoKDg0OGxAQGywmICQsLCw3LCwsLCwvLC8sLCwsLDQtLCwsLCwsLCwsLCwsLCwsLCwsNCwsLCwsLCwsLCwsLP/AABEIAL0BCwMBEQACEQEDEQH/xAAcAAEAAgMBAQEAAAAAAAAAAAAABgcDBAUIAgH/xABGEAACAAQDBQUFBQUHAgcBAAABAgADBBEFEiEGMUFRYQcTInGBMlKRobEUI0JiwTNygpLRFRaistLh8CRDNFRjc5Ozwgj/xAAbAQEAAgMBAQAAAAAAAAAAAAAAAwQBAgUGB//EADURAAIBAgQDBQcDBQEBAAAAAAABAgMRBBIhMQVBURMiYXGBMpGhscHR8AYU4SMzQlLxNBX/2gAMAwEAAhEDEQA/ALxgBACAEAIAQAgBACAEAIAQAgBACAEAIAQAgBACAEAIAQAgBACAEAIAQAgBACAEAIAQAgBACAEAIAQAgBACAEAIAQAgBACAEAIAQAgBACAEAIAQAgBACAEAIAQAgBACAEAIAQBVPaVt5NSc1LSvkyaTJg9osR7Kn8IHEjW/K2tKvXaeWJ6bhPCqc6arVle+y5eb6/Ir2Xj9UrZhVTw3PvX+euvrFXtJdWd54TDtWcI+5Fn9nO371DimqiDMN+7mAWz2FyrAaBrXsRYG1t++5QruTyyPN8V4TGjHtqO3NdPLwLJi2efEAIAQAgBACAEAIAQAgDDUs4y5FVrsobMxWyX8RFlNyBuGl+YjDvyNoKLvmfLz1M0ZNRACAEAIAQAgBACAEAIAQAgBACAEAIAQAgDztt3g82nrJxmqcs2Y7o/4WVnLaHmL6jhHKrQcZu573huJp1sPFQeqSTXSysR6IjoG9gbstTIK+0Jssjzzi0bQ9pEGJSdGae1n8j05HYPnIgBACAEAIAQAgBACAEAIAQAgBACAEAIAQAgBACAEAIAQAgBACAEAIAQBiqqZJilJiK6nerAMD5g6RhpPRm0Jyg80XZ+BA9qezGnmIz0w7maASFBvLY77EH2eVxoL7jFaphotXjodvB8brU5KNXvR+K+/r7yDdluBmprUcj7untMY/m/APO4v5KYr4eGad+h2uM4pUcO4reWnpz+3qX1HSPECAEAIAQAgBACAEAIAQAgBACAEAIAwirTP3ede8AzZMwzW55d9usYzK9r6m/ZTyZ8ry7XtpfzMFXi0iUcsyfKRjweYqn4Exq6kY7tElPC16qvThJrwTfyNxWBAI1B3ERuQtNOzP2BgQAgBACAEAIAQAgBACAEAIAjW3WOGnkd3K8VTUfdSUG/M2mbyW/xtEVaeVWW7Ohw7CqtUzT9iOrfguXqbmyWAJRUySV1b2pje853ny4DoBGaVNQjYixuLliqzqP0XRHZiQqCAEAIAQAgBACAEAIAx1E9UUu7BVUXLMbAAcSTujDdtWbRi5NRirtkaO0VRUX+wUwZOFRUEy5J6ooGdx1AA0iLtJS9herL/AO0o0f8A0z1/1jq/V7L4mpiWF4uUZkrpQcC4lpJUKTyDtmPxjWUatrqXwJaNfh6laVJ26uX0VitaXtJxFTczw45PLS3+EA/OKixFRcz0U+C4OSso28m/rcnOynajLnMsuqQSXOgdT90T1vqnqSOoizTxSektDi43gc6Sc6LzLpz/AJLBqJ6ojO7BVUEsTuAGpJiy2krs4cISnJRirt6WKD2txvv616inZ5YNrG9nOVMlwRqoIG7+to49WqpTcon0fh/D6lLDQo1WmlurXW97eNn4GjT4RUTD4JE1yeIlsfnaI1Tk9ky/PF4emu9OK9UXjsPh8yRRSZU7R1DEi98oZywF+gIjr4eDjTSkfOeL4inXxk6lLZ29bJK53YmOaIAQAgBACAEAIAQAgBACAOPj+01NRrefMCm1wo8TkdFHDqbCI51Yw3ZcwuAr4lN046Ld7Jev03Ko2c2xlTMRmVtWJmgyyQoDCWDca630UncDcuTFJVoxqZp/8PSy4bVqYLsMNbR630zPw/m3IuPC8Uk1Cd5JmK68xvB5MDqD0MXoTjNXizyuIwtXDzyVYtP826+huRuQCAEAfjMBvMDKVz9gYEAIAQAgDHUT1lqzuwVFBZmOgAAuSYw3ZXZtGLk1GKu2QDBa4YxVTGcf9FTFcko7prtezTRxAyk5TpqOt60JdtJ32R28RSfDqMVH+5Pd9F0X3LCAtFo4RwttdoFoqV5hP3jArKXiXI09BvPQRHVqZI3LuAwjxNZQ5bvyPOQjknvxAEzbambPw+VRklpgmhTzaWAO7B/iNv4FiSpVcqah4lPB8Pp0sZPE7LLfyb3+HzZbGyuykmjlrZVadbxzCLsTxCngvQctdYv0aEaa8ep5PiPFa2MqO7ajyjy9erJBE5yxACAEAIAQAgBACAEAIAQAgDjbW44KOmeboW9mWp4ud3oNSegMRVqvZwzF/huCeMxCpct2+iX5ZeLPO+P1rzCXmMWmTDdmO82/TcLcBHLp3lJyZ73GKFChGjTVl08EKFLIvXX4xHUd5MtYOGWjHx1953tlseejnrMUnISBMXgycfUbwefmY2o1XTldEPEcDDGUHTlvyfR/Z8z0CjggEG4IuD0Mds+YNNOzPqBg5u0WJfZqabOtcotwDuLE2W/S5ER1Z5IORbwOG/c4iFLq/hu/gURiFbMnuXnOZjHi36DcB0EceUnJ3kfSqFCnQjkpRsvD69fUmmD7XTKTCmc+N++MqQHuRbIra8Sq+L5DSLtKs40bvrZHmOI8Op1+IqMdFlzSt5te96fMi9F2kV6TA7zRMW/iRlUKRyGVQV8x84jWIqJ3bLNTguElDLGNn1uy96OoEyWkwaB1VhffZgDr8Y6Sd1c8VODhJxfJ2MMvFJLTjIWahnKLmWGBYDTeOG8fGMZle19Td0Kigqji8r58jcjYiKh7Xdqs7/YpTeBCDOI4tvCeS7z1tyijiat3kR6ngeAyr9xNavby6+vLw8yH7I7UTaCaXlgMrgB0bQMBu14EXNj1MQUqrpu6OtjsDTxcFGWjWz6FgT+2CXk8FK5mcmcBQfMXJ+Aiy8WraI4Uf09PN3pq3lr+epWu0GPTqyb3k9rncqjRFHJRw+pipOpKbuz0OFwlLDQyU1935nMjQsn4TbfGbGG0ldmzgtdknK6i/dlX8yrg/pCScbPxMUJKu50ls4tX89D07SVKzESYhurqGU8wRcR2ItNXR84qU5U5uEt07GaMmggDRxfF5NLLMyfMWWg4tvJ5KN7HoLmMSkoq7JKdKdSWWCuypdp+1+a5KUSCWu7vJgDOeqr7K+t/SK067/xO1h+ExWtV38EV/iGP1U8kzaia9+Bc5fRb2HoIgc5PdnUhh6UPZivcY6DGaiSQZU+bLI912A9Rex8jBSa2ZmdCnNWlFP0Ll7Me0Fqtvs1TbvwLo4sBMAFyCNwcDXTQi+gtrapVc2jODj8AqK7Sn7Py/gseJzlCAEAIAQAgCqu2SuvNkSb6KhmEcLs2UfDK3xjm46XeUT2v6WoJU6lXq0vdq/mipsVbxAch9TEVFaHR4lK9RLwOhTnwL5D6RBP2mdSh/aj5L5GSNSU9C7KMTRUpO/uJX/1iO5R/tx8kfLeIpLF1Uv8AeXzZ1YkKRqYrQLPkzJL3yzFKm28ciOoNj6RrOKlFxZNh686FWNWG6dyscQ7Plpw0yorUSSv4shzHoBm9roL+Uc94TLrKWh66n+onWtClRbk+V9Plt7vMhO0+NJO7uVJUpTU4IlhvaYsbtMf8zHhwiOck7Rjsi7hqE4uVWq7zlvbZdEvBEn2F7OHn5Z1UCknQrL3PMG/X3UPxPTQxNRw7lrLY5nEeMxpXp0dZdeS+7+Bc6rYWGgEdA8iRvCdjJNPWTatGctNzeEkZVLtmYg2vv57rn0hjRUZuSOhW4jUq4eNCSVlbXy0R8bdbXyqGnc94nfkZZaXBbMdzFd+Ub/S3GM1KmVabmuDwjqzi5pqHN2+C8TznOxMEkkszMSSTvJJuSesUOyk9z1zx9KKtFP5H4tb+X5xh0vEzHHJ7xP1qwcjDs2bvGx5Jmu+KAf8ALxuqDKk+KxWi+5jOJA/it8o27HwIXxNP/K3wPlp4PG8ZyM1deMtW7nRwicozEnkP+fKIK8Xojq8Lq045pN9EW72U7VgEUcxhZiTJPAE6lPXUjrccRE2ErZf6cvQ536h4cqi/d0dbe1b5/R+/qWmTHQPHEA2n7SURjIoE+0z911uZa9bj27dNOvCIJ10tI6s6uF4XOos9Xux+LIHU7L11bM72snAMfeOYqOSqvhUdAYrtSk7s7NOVCjHLTX58zIezgW0qNf8A29P88Y7PxJP3a/1I/jmy0+mGZgHl++moH7w3j6dY0cWixTrwqaczhFY1uSuCZI+zWndsTpQl7q+ZiOCKpzX5AjT1ETUtZKxzOItRw8lI9JRfPJiAEAIAQBrYlXy5Epps5gktBdmN9NbDQakkkCw5xiUlFXZJSpTqzUIK7ZT/AGqTQ1arA3UyZZU8wSxB+ccrGO9T0PefpuOXBtP/AGf0K4xP2/QfrCj7JvxD+96I28Nm3W3FfpEVWNncvcPq5qeXmvkdCmpzMdJa+07BB5sQB9YjSu7FupUVODnLZJv3anoWqrJNHIDTXCSpShQT0FgABqTpuEdxuMI67I+VwhVxVZqKvKTb95WuOdrrXIpZShffnak+SKRb1JipLFN+yj0FD9Pwir15+i+7+xz8J2kxytN6Ukp7/dy0lDyZ18VuQvGYOtPma4inwzDrLlu/N/RnD2/wrFJWWfXsJqk5QykFEJ/DlAGW9uVjzvCrSk9ZGcBjaUO5RSXmt/XmfXZxVUSzxMrbi1u6uuaUG957a35aW4nhEVLs4z7xfxyxdbD/ANBWvvrq14f9uegKeoWYodGVlYXDKQQR0Ijopp6o8XOEoNxkrNEb2n27pKO6s+eaP+2hBIP5juX69IiqV4x0WrOjhOFVq6Un3Y9X9Fu/l4lSbT9qNVPuEbukO5ZZIJ829o/IdIqynUnu7Lw+526eGweEV4xzy6y+kdvfdlfT6h5rXY6RvGMYLQiq162KleT0X5ofqIBujDbZtGEYbH6WjFjLlYy0VLMnOJcqW0x23KilifQcOu4Ruo32IKldQV5MmtN2N4hNTM/cSb/hmTCX8iUVgPjE0abRzauNhPSxz6TsVxKY7KVlSlU2zzJlw3VQgY28wIkV+ZRqON+6dV+wuuVbpU07H3TnUehymDimbUsRKn5dCI4vgFXRPkqJJS+4mxVv3XGhitUguZ3MJiZSXc1XQxUxJK5Cc9wFVb5y19MgGpN+UQWd7I6naQUHKTS8Of5+Mtr+7+MVVKJdTUqgIJElnAmzABudlXy0JOp1ifs6rVnI5KxeBjNTjS1W7W3na/yt4H3syUTLISlmyXbmhYMbakzBppzNgIjh0sWsRonUc01+cjsyJ6OLo6uvNSCPlG9yJprdWMkDAIvod0ARav2Ep5j5lLy771W2X0BGn0jR00WY4uaVtyYdn2CyaVnWWviZQS7aubHdfgNdw00iegktDlcUnKpFSfUmsWDjHFmbV0izxTmevek5bWNs3ulrZQeFid+kROvTzZb6nQjwvFyo9uoPLvy2623t6HaiU54gDibaYy1JRzZ6KGdcoUHcCzhQT0F79d0R1Z5INouYDDLEYiNOTsn9FcqTDO0mpDEVWWpkPpMlsiDwnflsAPRrjy3xRjiJX72qPUVuC0HG9G8ZLZ3fx/g7Ha1Sjvaacn7OZJyrYaeA5h8nGnSMY2PeUl0Jf0zVvSqUpbqV/fp80Vhiq+JTzFvgf94iovRovcSj34y8Pl/01ZM0qbiJZRUlZlKlVlSlmidrDsbSTOkzd/dzEcj9xw36RDCnJST6HQxOMpVKEoX9pNeV1YybX7YTa2aXcnItxLQnQDnYaXPE+nCLE81R3ZyMMqWEhlhHXr1Jt2ddmvehaqvU5TZpcg6XG8NN6ck+PKLFKglqzj4/ik5txg/X7GLtS7UO5LUWHsFKeGZOS1ktp3crgCNxbhuGuombtojmU6WbvM1+0dqWgwwUUmaZ1RVNLmTXMwuzZSGM06nKGIAA0uCd9iYStawo5nPMtLFXycTbcfiBFOVBcj1FLidRK0vkbVNtNUy1ZJU+ZLR/aVHKg+do3jDKrIrVsT201KSTt1SMCTAReInG2hcjUU1mCoHNracT/SDeURpqtK1tOpsfZBw0iPtGW/2cLWWhhm0pG7X6xvGaZXqYWUdVqdXY/ZOfiM7u5XhVbGZNIuqKenFjrZePQXMTwjmOTia6oq73Lsq3odn6K6pd20G7vpzgfia2ijeTuW+guQDY0ijjf1K8rv8A4Q7Htp5tIiVNZabiM9c9PTm/c0cs3Acpf9odRc+LeL6G+HK2rJKdLtHljt1OP2t4zVJOpl+0TUmy6SSZvduyffHMWJCEAHcdByjEpNSSJaOHjOnKT6mnsd2vVdMwWpJqZO45z96o5q/4vJr35iNsxHKgnsW/X7WYfU4e89stRJNlMoreYZjaJLyHUTCd3xBsLxltNEMI1ITVtH1OBsxs3JwmQ1bUSr1c5rSpIOYo0w+CnlE3JfWxfoeAJOqSiiWc5152v6/U3MI2TxFqpqupqZKzHBWyKZmRCQciBsoWwut9d5OpN4i7GefNc6L4jhlhlQVN6O+9rvq97/mx3q2olS1aVJILHwu17kW3qTz6cI2k1FWiQ0YVKslUq7bpESrdnpMw5gplTPflHI3rbQ+oiu4JnWhiJx03XR6nJqZGIyNZcwVCDgwGf13E+jGNWprbUnjLDVPaWVmkm3cxDlnU9mG8AlT/ACsD9Y17VrdEv7CMtYSNxNvpHGXNHllP/wChG3aoj/8An1OqOpg/aHTS3Ld3OPhtoq7yQeL9I2WJjB3dyGrwWviI5YuKs+d/sYsc7UJsxSlPL7q+mdjme35QNAeusR1MbJq0VYs4T9M0qclKvLN4LRevN/AhFJTNPdJUtbzHawNySSxGp5Aaknle+6KiTk7Lc9FVqRoQlUm7RS91vvtY9IKLAcY7x8ne5+wMGOokK6sjqGVhZlYXBB4EGMNX0ZtGTi1KLs0RVuzXDi2buSNb5RMfL8M27pEP7en0OkuM4y1s3wX2NvbjAPtVG0tB45dnlAaaqLZR5i45XI5QxFLPCy3M8Hx37XFKcn3Xo/J8/R6nn7E5V13aqf8AY/8AOkcuk7Sse8x9PPSzLlr6HGdotI4M5WRrzjoY3juVKrtFlk9jOxv2qZ9rnreTJayKRpMmDXXmq6eZsOBETwp63ObisY1DIt+pNe2Xbc0UgU8lrVNQDqDrLlbi/Rjqq+THhEsnY51KnmZXPZl2YNXgVFQWl0t/CF0ebY2OUn2Uvpm46gcxqo3J6tbLpE29psGwioo6yZhqOk3DzLzMWYpNV3y3GZmuNGINgbqOBjLSaI4TlGST5kQ2F2SnYlP7qX4UWxmTSLqindpxY62XjY7gCRoo3LUq+RalyyOzjCg32RZE2dNCjvZwmG8rMCVLnMFDG2iKpNrEixvG1lexB2lXLnbsuXiVvsdsS9ZUvKlkCTKYiZOtcWDEDLzZraCK0YSm7XO7VxNLC01LLq+X50LPkbJ4QJ4oFktMnBO8dw7EqBl9tgwALXHhA48LiJOzpZsltSj+8xypfuM1o3slZa+StyNPa3ZijNTS0VPJSXMmt3k1wTdJK3vvNrtqB5dY1qUoZlFImweOxCpTr1JNpaJdW/sYdu9m6NRIpKKRL+1VLgAhmJSWurO2p0048M3KM1KcNIxWrMYLG4h5qtabyxXvb2RNsPoqbCaJtQsqUpeY9vE7aXY82Y2AHkInilCJyKtSeJq5nuymsExNsWxuQ9R7BclJd/CqS1aYqdblRfnc+UQp5p6nSnT7DDvKZaClNZXVGJVt0pJEwuxYWzFGtLkoDvOigj03mC1lmexmbVOlGlT9p/jZC9pMUerqJ1RM9qaxa3IWsq+igD0jTNd3LKo9nTyLocJEiVspwhfVlwdhux/eOa+cvglkrIB4zB7T+S7h1vxWM0482QYytbuI3pu28yqxsS6WQs9JAdJRdystG/7s9iFOlhlB5btWja93oQKChDvO19+pxNoe02tnTGkpMlS5ecrmp7+MXtcTG8VjvBAWK9WrKzO1gMBS7SDavdrfx8P+nX7KyGnvIdjldS62P41tfeOK/wCWK+FkpSys6/HqcqVBVo7p2fk/5+ZaTYBL4Fh6j+kdDskeRWPqeByq7CHl6jxLzA1HmIilTaLtHFwqaPRnIqqSXMFpiK45MAfrEbSe5djOUXeLsceZsNTzWsiOrH3G/RrgCNexT2J//oVKavJq3idBOySWALVLg8boDr01EZeCT5kVP9Tyhp2afq19zLI7KJQPjqZjD8qqv1vBYGPNmZ/qqq13aaXm2/sSzAdl6ak1ky/GRYuxzORyudw6CwizTowp+yjiYzieJxf92WnRaL3fc7MSlA4m1e08mglCZNuWY2RF9pyN9uQGlzw8yAY6lRQV2XMFgqmKnlhy3fT85FY1Pa3VlrpKkKvAEMx9TmF/gIpvFz5JHoofp/Dpd6Um/RfRnXwXtdBIWqkZfzyjceqNrbyJ8okhi/8AZFXEfp9pXoyv4P7/AMFj4ZicqoliZJmLMQ8VPyI3g9DrFqMlJXRwK1GpRlkqKzK67SdizdqqnW4NzOQD4uo6/iHrzijisPrnier4FxiLisLXfgm/k/p7uhSlXLysRw4eUawd1clxVPs5tcj9w/DnqJsuRLF3muqL5s1rnoN56CJYblCu7U2+h6loKSTQUaoLJJppZJJ5KCzMep1Y9SYuJWPNyk5O7PPWEUUzHcVLzcwSaxdgDqlOm5emmVdOLXiJyvOyOhGl2eH7Sel9l1Lk242vTCpdNKlSla5AEseELJQWNrbjuA4b+UbVKmQiwmDeIvra3zI6MGwpaTuVefTjGHlussLeblR1KollYKlzoWJHj0MZzRtfqRulV7Rx3cb/AAJZUyqbBcOmGRLCqmoBN2mTW0Bc7ySbX5AaWAtCUlCNzFClLEVVDqVJs/thWlJtLJAedWzSxmG/eZpihWsQbAWG+3h19KkaktlzPQ18FQTVSWiituWn56lpVAlYJhdksZgFgbftJ7j2iOIFr291LRYk1SgcilCWPxVnt8kvz3s0+y/Dfs9LNrqhrPUXms7bxKF2zH97xN5FY0oRyxzPmT8Wr9rWjQp7R0t4/wAbFVbYTaiomfbZyFZVUzdzci5RPCAFvewFtbWJPWK87t5nzO1hOzpw7CL1jv5vxLJ7FdnO7ktWOPHOusu/CWDqf4mHwUc4sYeFlmONxjE5p9lHZb+f8HG7aceadMWhlXISzOF1LTSPAlhvsCDbm3SNa9TvKKJ+F4JdjKvPo7eS5kOXY3E6RBWCQ8sSvHmDLnUDXMUuTbmCN17i0MklqbfucPUfZ3vc520O1VVW5ftM4uq6qoAVAbb8qgAnfqddY1lNy3JKWHp0vYRtYZsFiFTJ72TTEoRdSzKmYflDEE34Hd1jaFNvUhxGMpw7qevyI9gmETaiql0qqRNd+7II1Wx8RYflAYkdDEmUq9soxuz0JtzV/wBnYbLpKNT304Cmp1XV9R4m87X195gYleisjnU+/Nyl5lZT6N6KUcLol77Eaof9W8vXu0t+wQ8Br4mOmuu8ZdbW0RIpZ3nnsfeF9lOIoyZ5cu1ibiYCFNtzf7XitWozekeZ2+GcSw9J5qzfd2Vrt/8AN9SU7G7NTqbFJSzMt0lvMbI2aysrSxfTQkmIaFGUKyT8zqcV4lRxPDZyp3s2o6q2qafyRbkdM8MIAwTaOW2rIpPMgXjDimSRqzjopM+5UlV0VQB0FoJJbGspylrJ3MkZNRACAEAUP2tVzTMRmIfZkqiKPNA5Nud2t6CObiZXqW6HteCUlDCqS3k2/jb6EMiudcQBv4LjM6lmd5ImFG429lhyZdxHnG8JuLuiDEYaliI5aiv9PIuHZLtJk1IEufaTPtxP3bn8hO4/lPMWJi9TxClo9GeUxvBqlF5qfej8V5/dfAg222yKtLefJ8LqMzJ+E8yORtc8tOEQSio9461OrKqlSfXRmv2IYXnxB5jD9hKYjo7kIP8ACXiahZu5zeKZqcMj0d/kTrtxxQysO7pTrUzVlG2/ILzG9CEy/wAUWJu0WzkYan2lWMX1OL2A0S5Kqd+IsksdAAWPxJH8sRUFuy/xWXejE2ts9j3qMReqq3WXh8mWhLZvEyqLlABqCWLa8iLXJ0Tp3ld7GuGxfZ0clP2mznbIYgK/GVnuuVZaN3KG3gRFyothx8RY9b8ogpzz1r8jrYvDftOGZf8AKTV35/ljtdtFBVT0pZVPJeapdi2QXs2UBM3IWL6nSJ68XKyRyuFVaVKUpTdnb/v0HZnspKo5xE51euMvMUU3EmWSBa/vtffyuBpq2KVNReu5niGLnXh3VaF/e/svzw7m2Wyz10+lDMBSyizTVuczNpZR5gEX4AmN6lPO1fYhweMWGhPKu89E+hu7ZYd3tN3RmLJpgQahtx7lBmKpbQXIUX5X0O6NqiurciHC1MlTMleXLzf57yjsfxE4jWy5cpckq6U9Og3LLzZQbczvPoOEUpPPKy8j01Cl+1ouUtXrJvxPQFTMl0dKxAtLp5Wg/KiaDzNgIvNqMfI8rCMq9VLnJ/MgfZPgXed5iNQA02a7d2Tw8RzuOpN1HIA84r4eF++zscXxOS2Fp7JK/wBF9TmYJtfPq8WnsZhFHKkzz3d/uzJRbBmG4sTY3O69t0bQqZpX5EOIwXYUUmu82tTj9j+xK1T/AGqoW8iUbIhGkyYNbnmi8uJ04EHFKF9Wb4/FOC7OO7JntZ9tn4hhj0cxjQ5wzvJYlCVcl+8K6FSi5RfS5YbzE7u3ocuKjGLUtzndluEd9iOI4iyEK06Yki4IuGclmFxyyC/5mglrcxUl3VE+e0vbaXKn93RDvcQsZAmDxCRmazLLG4zmNgbbrAHdaNZTSZLRw8pxbbsjdw2ik7P4a9TPtMq5tu8Ym7TJz3IlhjrlGpJ42ZukbbIhX9SaXI6/Z5Uzfsb1tbNN55M3xGyJKUWXKNwFrtpvBER07pOUi3jFGVSNGittNN22cyTt9h9O82YGmz5s5ru6S7aDRVXOV8KjQfHjESrU4tvds6M+GYyvGEGlGMVZJv3t2vq3q/cdnBe0WiqGCB2lu2gE1ctzyzAlb+ZiSGIhLQpYjg+Jopyaul01/kl0TnLEAIAQAgBACAKn7RdmFNaZzkhJ6CxBt96i5SP5QpA42bkYoYin383U9XwbF3odkt4v4P8An6FYVEsK7KDcKxAPMA2vFU9AndXMcYMn6oJ3Any1jJhtLc/DyMYMkiwLa2ZJHdzQZsrdY+0B0J3jofiIljUa0ZRrYSM3mhoyX9j82WtZVJLbMrywyHccqvuPXxj4GJsI0pOJzP1DGU6VOq+tn52+tj7/AP6ApGaRSTBfKk5lbld5fhJ/lPxi3VfdODw9Xrx/PArzYza+fhzuZSq6TAM6NextexBGoIufj5WqwqOJ3MVglWWu65mXanbepxBlSaVSUCCJUu4W/NiTdj8uQhUqOSGCwNOnUVtXfdmHC8RmU81J0psrobg+liCORBI9Ypxk4u6PSV6EK9N05rRlg/3yxarl5aemyZh+1ly2P8rOco+fnFvt60/ZR598K4dh23Vq+ja+KWr+BydmsBxmjqGqJdMZjOCH7yYhzhiCc33l73AN42hGpF3sQYqvga0Ozc9FtZP7GXG9o8Zl1EuonU7Ikm5EtUJkWIKnOVJubHeTpwtGZTqJ3aNcPhMFUg6cJXb5319CO7U7Z1VeMs1gkoG/dywQpI3FiSSx89OkQzrSmdHC8MpYfVavqzJ2ZywcTpQd2Zj6iU5HzAhR1qIcU7uEnbw+aLV7Xp5XDJtvxNLU+XeA/pFyv7DPOcJt+6i3yv8AIgmL9ohkUdPSURAKyUE2dbcxQZhLHO5N253tziF1csVGJ0afD+1rSrVubdl68zWWjajoBJItWYnlXIdGSnzWAPIuTa3InisaWcI2W7+RazxxdbPL+3TT9Zfx+blgbYsMNwcyZHhORZCHcbv7TafiIztfmYs1JdnA4eDpPF4rXxfu/LFfbP10/C8MmTu8KzashaWWdVUL7c/I2nIDTXw3uDEUJ5YX6l/E4bt8R2cbPLu/oWvgOIzVwuXUVL55gpzOdiAt7oZgFlAAsLDdwiwn3bs41Sn/AFnTj1t9Ct+xrZFps44jUeIBmMq/4ppJzTPIXIH5r+7EVJZu8y/xCSpJUYvzOlt7RNimKyaEX7mmAecRuXOAzHlfLkUdWPWEm5VMqM0KdOlhHWnu9F+fMkG3Mszu4w2nsisA85hosqmlmwvyuRp+7bjCteVoL18hw3LRUsVPlpFdZP7fUp3aGbJaomfZkySQcqDU3Ci2Y31u1r+sUJ5c3d2PW4WNVUl2rvLd+vL0OcY0LB6V2TZzRUxmXzmSma+/2Bvvx5x16d8iufPMaorETybZn8zrRuVhACAEAIAQBr11FLnI0uaiujb1YXB/343jDSaszenUnTkpQdmuhDp3ZVQFrjvlHurM0/xKT84geFgdaPHcUlZ2fjb7HZwrYqhkexToW96Z941+ha9vS0bxowjsipW4liq3tTfpp8jvIgAsAAOmkSlJtvcx1FKjizorDkygj5xhpPczGcou8XYrjaLYulMxx3Xd31Bl+HQ66D2dN27hFOpSjc9Lg8fVdNO9/PUj1Fs7UUNQlTSsJvdk3RvCzKRYryNxfXnY2iOMXB5kW61aniaTpVFa/MsdMUocUp2ks6kTBZ5TkLNUg+6dQVI0YXFxF2M41FoeZr4avg6neVnyfJ+RX+KdkGQkpWyxL/8AWGUgdSDY+ekQPD+J1KfGLrWDv4HJGzmF0xvU4l3zD8FKl93Av4h9I0dOmlq/cWYYvFzadOnbxl+I6Era6ip//CYctxumT2zPfy1t6MIiVaEfYj7y/LhmKr/+iu/KKsvp8jMe1Os4JIHTI3+uMfvKngbL9NYS28vevsS7ZHtEl1LiVPUSpp9kg/dtYXtc+yehv58Is0cUpu0tGcbiXAKmGj2lJ5o/Fff80O5U7Y0KGzVUu/5Tm+agxK69Ncznw4TjZq6pv10+ZEdo8HwuuBaRUSJNQdxDBQ55Ohte/MC/nuiGcaVT2WrnTw1biGCsq0JOHle3k/psVglRMoKtSRadTzASvA21tfirDiOBitFShK/Q7ladLEUGou6kvz1ReMrGKHFKRlaYuSYoDozBXQ79QToQRoRcacY6GeE1a5479tisNUUlF6c0rpkAqKbCMNfvJbNW1Cn7tCwaWjDczlRluOWpvbQbxWbp09U7s7UI4zGd2Uezjzet35X/AIREP7fJrpVXUOXbvkmNpuCODZRfcALAdIhjKUpZmdKrQpUMO6MHumtetuZdO0W1eFmnzTpsmemjLKUq7sRusm8Hh4rW1vF+c6bWup5PD4XFxqdxOL67fEovanaCZXTzNmAKLZZaD2UQblH6nieW6Kc5OTuz0mHw8aEMsfV9WXRgG2tAcOld9OljLJWXMlNqxKoEYd3vYG3KxBi3GpDLqedrYKuq7yRe90/5NbY7tIpppnJMMumlyyO4VrKO6C2tppmuL5RuDAC9rxiFaL30JMVw2rCzjeTe/mbWEdoOHvVT1UpKFlbv2GTvmHhPC/hGUDNqddNNSrQzMxPhmK7OLs34LW3/AEinaDt+k5Xp6T2Hss2baxmAbkXjl1Nyd9yN2+vWrqWkTscM4TKk1Vr7rZdPF+JG8T2OnyZJmlpbZb50UkstnEtuFjlY2NvS4BMRSouKudCjxKlVqZEmr7N89L/FbHS7Pdlpc+eGqmCqpBWU2hmHkb6Zem88rRmhCMpd4i4riqtGl/Si9efT867F7COmeIEAIAQAgBACAEAIAQAgBAHKx6hzrmUeJfmOI/X4xHUjdXLmDr5JZXsyMRXOyRHbHZFagGZLHj3lfe6r+b6xFKDTzQ/6X6NenUh2GI9nk+cf4K0/s0yyQedrEagiNHVzcizDAOi9JaP83PsyOsa5iV0NNzLJn20aNZQvqieliMiyzM4qF5xHkZaWIh1Px6xeV4yqTNZY2C21ML1h8o3VJFeWMk9j4VXfcL/T4xt3YkS7Spsb1BRywbzST+UDT1O+NHURNHCS5nZTFqcWXOFtwymw+AjZRb1I51YU3lbPupNPOUhGRphFkswDZuAHHfwjOV9DRVov/IhdfhzKSLEMDqrCzDzvEsKqvZlCvgpOOam7mpLmsmhHoY3cVIrU606Tyy9zNpZ6nj8YjcWi5GvTlzPq45xg3uupklJeNZOxLShmNkWA0iPcuRSirIkWGYArKpfMXbXKPlwveMpXIpTyrwJ+lBWT1t3Fr3u7DIxuwZvaOmZgrHKBcgXvFnLUmrWOL2uBw8s2fbktfBbLktFduxtU+wc4+3Mlr5At/SNlhZc2Rz47SXsRb9y+526XAaqStpVbe25ZiXXyuWJA8olVKcdpHOqY7C1n/Uo28U9fkr+pzp+19RIcy58hCw90lbjgQdbiNHXnF2ki3DhGHrwz0Zuz66/Y6uGbY080hWJlMff9n+YafG0SQxEZb6FLEcHxFJXj3l4b+77XJCDE5yj9gBACAEAIAQAgBACAOFi+D3JeWPNf1H9IhnT5o6WGxlu5P3/c4JEQnS3OVjGAyaj2xZ/fXf68D6xHOmpFvD4ypR0Wq6Pb+CG1+w85P2ZEwdDY/Bj9CYhdKa21OpTxuGnvePxRH6rDWRirgqw3gixiLO4vYuxoQqRvGSaMBoR70Z7V9DV4Ff7BaMcflDtDCwi5mzLlou5R5nWNXNssRoU48jG9YtwC39BGVTk9bGksXRjLK5GdZ8sfjX4iMZJdDf8Ac0f9l70YKitk2tYN0A/WN4wmVa2Kw1rWv6fU4t9bjTl0iycR2Z6gwBFrKCmeplrMaZJQtnUG5ZBc689/rF1JSiro8xKc6FWXZyas+TKQ232WainmWy5pTXMpyNCvK/vLuPoeMc6pB05HssFiaeNopySut10f8kZNCnL5mNe1kTPA0Xy+LPtKVBuUfX6xh1JPmSQwtKG0fr8zLaNSexeGxWx9E9NIqGpQJjoGs7Mw8wCbWPtDTcRHQpUYOKk0ePx/EsTCtOnGeidtEl/PgTES5UhGYKktFBZiAFAAFyTaJ7RijkOdWtJJtyb9SN7C7XGveqGXKkp17vmZbAgZut0J/itwiKjV7Rsv8R4f+0jT11ad/Nf9+BLonOWIAgHaPbvpXPIb+WbT9YpYr2ken4Dfsp+f0IjFY7pMNg8bYOKdzdWB7u/4SBfL5EX8rdYtYeo75WcDjOCi4dvBarfx8fMnsXDzQgBACAEAIAQAgBACANWsw+XM9pdeY0P/ADzjWUE9yalXqU/Zfocmfs8fwOD0bT5j+kROl0L0OIL/ACXuNR8FnD8IPkw/W0a9nImWNovn8Dn4psiahbTJWo3MGUMvkb/LdGkqDluizQ4rGg7wl6WdmQjHez2skAvLl9+nKXbvAOq31/hv5RXlhJrY7FL9RYWWkk0/h7yCVlW6MUaWUYbw4IYeYNrRqqFtyZ8Ucleml8zRm1DNvb+kSKKWxUqV6lT2mYxroN5jYhO3h2yFdP8A2dJOI5shRf5nsPnGyhJ8ivPFUYbyXzJLQ9kGIOAX7mVzDuSR/IrD5xuqMitLidFbXZLdn+xqTLcPVTjOtr3aLkQ9GNySOgtEkaKW5Uq8TnJWgrFoIoAAAAA0AG4AconOWauLYXKqZZlTkDoeB4HmDvB6iNZRUlZktGvUozz03ZlaYv2Qm5NNUC3BJw3fxr/pipLCf6s9FQ/UOlq0PVfZ/c5krskrCfFNpwOJDOT6DIPrGn7SfVFmX6gw1tIy+H3JVs92WU8lg89zUMNykZZfqtyW9TbpE0MLFavU5eK47WqrLTWVe9+/l+ak/Ai0cMgvbHXPLoQq6CdNVGP5QrPb1Kj0vFbFSah5na4DSjPE3l/irr4L6nE7DZZvVtbT7oX6+M/0+MR4TmXf1E1/TXn9C1ounmBAFfdo8s99KbgZdh5qxJ/zCKWKXeR6jgUl2Mo+PzX8ETisdw6WzKE1cgDfnB9BqfkDG9L20U+INLDTb6fPRfEtuOmeHEAIAQAgBACAEAIAQAgBACAEAIAwVVHLmC0yWjjk6hh8CIWMqTWzOb/dKh/8lS//AAS/9Ma5I9CX9xW/3fvZ0aSglStJcpEH5FC/QRmyRG5SluzYjJqIAQAgBACAEAIAQBqYphsqoltKnIHRt4P1BGoPURrKKkrMko1p0ZqcHZowYBgUmjl91IXKpJY3JJJOlyT0AHpGIQUFZEmJxVTETz1HdnSjcriAOZj+DrUy8jGzDVW5H9QeIiOpTU1Yt4LFyw1TPHVc11K+qdlqpGy90W5MpBU/MW9bRSdCaex6mnxTCzjmzW8Hv+eRLNkNmjT3mzbd6RYAahQd+vFj0/WLNGjl1e5w+J8SWI/p0/ZXx/glEWDjiAEAIAQAgBACAEAIAQAgBACAEAIAQAgBACAEAIAQAgBACAEAIAQAgBACAEAIAQAgBACAEAIAQAgBACAEAIAQAgBACAEAIAQAgBACAEAIAQAgBACAEAIAQAgBACAEAIAQAgBACAEAIAQAgBACAEAIAQAgBACAOLju1VLSaT5wVjqEALP/ACqCQOpsIjnVjDdlvDYGviNacbrrsvezbwPF5dVJWdKzZGuBmFj4WKnTzBjaE1JXRHiMPOhUdOe6N+NiAQAgBACAEAIAQAgBACAEAIAQAgBACAEAIAQAgBACAEAIAQAgBACAEAIAQBD8e7O6aqqftDtMBa2dVIytlAA3i40ABsfgdYgnh4ylmZ1cNxivQo9lFLTZ9CV0tOstFRFCogAVRoABuAiZJJWRzJzlOTlJ3bMsZNRACAEAIAQAgBACAEAIAQAgBACAEAIA/9k="/>
-          <p:cNvSpPr>
-            <a:spLocks noChangeAspect="1" noChangeArrowheads="1"/>
-          </p:cNvSpPr>
-          <p:nvPr/>
-        </p:nvSpPr>
-        <p:spPr bwMode="auto">
-          <a:xfrm>
-            <a:off x="307975" y="7937"/>
-            <a:ext cx="304800" cy="304801"/>
-          </a:xfrm>
-          <a:prstGeom prst="rect">
-            <a:avLst/>
-          </a:prstGeom>
-          <a:noFill/>
-          <a:extLst>
-            <a:ext uri="{909E8E84-426E-40DD-AFC4-6F175D3DCCD1}">
-              <a14:hiddenFill xmlns:a14="http://schemas.microsoft.com/office/drawing/2010/main">
-                <a:solidFill>
-                  <a:srgbClr val="FFFFFF"/>
-                </a:solidFill>
-              </a14:hiddenFill>
-            </a:ext>
-          </a:extLst>
-        </p:spPr>
-        <p:txBody>
-          <a:bodyPr vert="horz" wrap="square" lIns="91440" tIns="45720" rIns="91440" bIns="45720" numCol="1" anchor="t" anchorCtr="0" compatLnSpc="1">
-            <a:prstTxWarp prst="textNoShape">
-              <a:avLst/>
-            </a:prstTxWarp>
-          </a:bodyPr>
-          <a:lstStyle/>
-          <a:p>
-            <a:endParaRPr lang="en-US"/>
-          </a:p>
-        </p:txBody>
-      </p:sp>
-      <p:sp>
-        <p:nvSpPr>
-          <p:cNvPr id="4" name="AutoShape 8" descr="data:image/jpeg;base64,/9j/4AAQSkZJRgABAQAAAQABAAD/2wCEAAkGBxQTEhQUExMWFhQUGBoYGBgWGB0aGBsYGBQcGBwcGBscHCgiHhwlIBoYITEhJSkrLjAuGR8zODMsNygvLisBCgoKDg0OGxAQGywmICQsLCw3LCwsLCwvLC8sLCwsLDQtLCwsLCwsLCwsLCwsLCwsLCwsNCwsLCwsLCwsLCwsLP/AABEIAL0BCwMBEQACEQEDEQH/xAAcAAEAAgMBAQEAAAAAAAAAAAAABgcDBAUIAgH/xABGEAACAAQDBQUFBQUHAgcBAAABAgADBBEFEiEGMUFRYQcTInGBMlKRobEUI0JiwTNygpLRFRaistLh8CRDNFRjc5Ozwgj/xAAbAQEAAgMBAQAAAAAAAAAAAAAAAwQBAgUGB//EADURAAIBAgQDBQcDBQEBAAAAAAABAgMRBBIhMQVBURMiYXGBMpGhscHR8AYU4SMzQlLxNBX/2gAMAwEAAhEDEQA/ALxgBACAEAIAQAgBACAEAIAQAgBACAEAIAQAgBACAEAIAQAgBACAEAIAQAgBACAEAIAQAgBACAEAIAQAgBACAEAIAQAgBACAEAIAQAgBACAEAIAQAgBACAEAIAQAgBACAEAIAQBVPaVt5NSc1LSvkyaTJg9osR7Kn8IHEjW/K2tKvXaeWJ6bhPCqc6arVle+y5eb6/Ir2Xj9UrZhVTw3PvX+euvrFXtJdWd54TDtWcI+5Fn9nO371DimqiDMN+7mAWz2FyrAaBrXsRYG1t++5QruTyyPN8V4TGjHtqO3NdPLwLJi2efEAIAQAgBACAEAIAQAgDDUs4y5FVrsobMxWyX8RFlNyBuGl+YjDvyNoKLvmfLz1M0ZNRACAEAIAQAgBACAEAIAQAgBACAEAIAQAgDztt3g82nrJxmqcs2Y7o/4WVnLaHmL6jhHKrQcZu573huJp1sPFQeqSTXSysR6IjoG9gbstTIK+0Jssjzzi0bQ9pEGJSdGae1n8j05HYPnIgBACAEAIAQAgBACAEAIAQAgBACAEAIAQAgBACAEAIAQAgBACAEAIAQBiqqZJilJiK6nerAMD5g6RhpPRm0Jyg80XZ+BA9qezGnmIz0w7maASFBvLY77EH2eVxoL7jFaphotXjodvB8brU5KNXvR+K+/r7yDdluBmprUcj7untMY/m/APO4v5KYr4eGad+h2uM4pUcO4reWnpz+3qX1HSPECAEAIAQAgBACAEAIAQAgBACAEAIAwirTP3ede8AzZMwzW55d9usYzK9r6m/ZTyZ8ry7XtpfzMFXi0iUcsyfKRjweYqn4Exq6kY7tElPC16qvThJrwTfyNxWBAI1B3ERuQtNOzP2BgQAgBACAEAIAQAgBACAEAIAjW3WOGnkd3K8VTUfdSUG/M2mbyW/xtEVaeVWW7Ohw7CqtUzT9iOrfguXqbmyWAJRUySV1b2pje853ny4DoBGaVNQjYixuLliqzqP0XRHZiQqCAEAIAQAgBACAEAIAx1E9UUu7BVUXLMbAAcSTujDdtWbRi5NRirtkaO0VRUX+wUwZOFRUEy5J6ooGdx1AA0iLtJS9herL/AO0o0f8A0z1/1jq/V7L4mpiWF4uUZkrpQcC4lpJUKTyDtmPxjWUatrqXwJaNfh6laVJ26uX0VitaXtJxFTczw45PLS3+EA/OKixFRcz0U+C4OSso28m/rcnOynajLnMsuqQSXOgdT90T1vqnqSOoizTxSektDi43gc6Sc6LzLpz/AJLBqJ6ojO7BVUEsTuAGpJiy2krs4cISnJRirt6WKD2txvv616inZ5YNrG9nOVMlwRqoIG7+to49WqpTcon0fh/D6lLDQo1WmlurXW97eNn4GjT4RUTD4JE1yeIlsfnaI1Tk9ky/PF4emu9OK9UXjsPh8yRRSZU7R1DEi98oZywF+gIjr4eDjTSkfOeL4inXxk6lLZ29bJK53YmOaIAQAgBACAEAIAQAgBACAOPj+01NRrefMCm1wo8TkdFHDqbCI51Yw3ZcwuAr4lN046Ld7Jev03Ko2c2xlTMRmVtWJmgyyQoDCWDca630UncDcuTFJVoxqZp/8PSy4bVqYLsMNbR630zPw/m3IuPC8Uk1Cd5JmK68xvB5MDqD0MXoTjNXizyuIwtXDzyVYtP826+huRuQCAEAfjMBvMDKVz9gYEAIAQAgDHUT1lqzuwVFBZmOgAAuSYw3ZXZtGLk1GKu2QDBa4YxVTGcf9FTFcko7prtezTRxAyk5TpqOt60JdtJ32R28RSfDqMVH+5Pd9F0X3LCAtFo4RwttdoFoqV5hP3jArKXiXI09BvPQRHVqZI3LuAwjxNZQ5bvyPOQjknvxAEzbambPw+VRklpgmhTzaWAO7B/iNv4FiSpVcqah4lPB8Pp0sZPE7LLfyb3+HzZbGyuykmjlrZVadbxzCLsTxCngvQctdYv0aEaa8ep5PiPFa2MqO7ajyjy9erJBE5yxACAEAIAQAgBACAEAIAQAgDjbW44KOmeboW9mWp4ud3oNSegMRVqvZwzF/huCeMxCpct2+iX5ZeLPO+P1rzCXmMWmTDdmO82/TcLcBHLp3lJyZ73GKFChGjTVl08EKFLIvXX4xHUd5MtYOGWjHx1953tlseejnrMUnISBMXgycfUbwefmY2o1XTldEPEcDDGUHTlvyfR/Z8z0CjggEG4IuD0Mds+YNNOzPqBg5u0WJfZqabOtcotwDuLE2W/S5ER1Z5IORbwOG/c4iFLq/hu/gURiFbMnuXnOZjHi36DcB0EceUnJ3kfSqFCnQjkpRsvD69fUmmD7XTKTCmc+N++MqQHuRbIra8Sq+L5DSLtKs40bvrZHmOI8Op1+IqMdFlzSt5te96fMi9F2kV6TA7zRMW/iRlUKRyGVQV8x84jWIqJ3bLNTguElDLGNn1uy96OoEyWkwaB1VhffZgDr8Y6Sd1c8VODhJxfJ2MMvFJLTjIWahnKLmWGBYDTeOG8fGMZle19Td0Kigqji8r58jcjYiKh7Xdqs7/YpTeBCDOI4tvCeS7z1tyijiat3kR6ngeAyr9xNavby6+vLw8yH7I7UTaCaXlgMrgB0bQMBu14EXNj1MQUqrpu6OtjsDTxcFGWjWz6FgT+2CXk8FK5mcmcBQfMXJ+Aiy8WraI4Uf09PN3pq3lr+epWu0GPTqyb3k9rncqjRFHJRw+pipOpKbuz0OFwlLDQyU1935nMjQsn4TbfGbGG0ldmzgtdknK6i/dlX8yrg/pCScbPxMUJKu50ls4tX89D07SVKzESYhurqGU8wRcR2ItNXR84qU5U5uEt07GaMmggDRxfF5NLLMyfMWWg4tvJ5KN7HoLmMSkoq7JKdKdSWWCuypdp+1+a5KUSCWu7vJgDOeqr7K+t/SK067/xO1h+ExWtV38EV/iGP1U8kzaia9+Bc5fRb2HoIgc5PdnUhh6UPZivcY6DGaiSQZU+bLI912A9Rex8jBSa2ZmdCnNWlFP0Ll7Me0Fqtvs1TbvwLo4sBMAFyCNwcDXTQi+gtrapVc2jODj8AqK7Sn7Py/gseJzlCAEAIAQAgCqu2SuvNkSb6KhmEcLs2UfDK3xjm46XeUT2v6WoJU6lXq0vdq/mipsVbxAch9TEVFaHR4lK9RLwOhTnwL5D6RBP2mdSh/aj5L5GSNSU9C7KMTRUpO/uJX/1iO5R/tx8kfLeIpLF1Uv8AeXzZ1YkKRqYrQLPkzJL3yzFKm28ciOoNj6RrOKlFxZNh686FWNWG6dyscQ7Plpw0yorUSSv4shzHoBm9roL+Uc94TLrKWh66n+onWtClRbk+V9Plt7vMhO0+NJO7uVJUpTU4IlhvaYsbtMf8zHhwiOck7Rjsi7hqE4uVWq7zlvbZdEvBEn2F7OHn5Z1UCknQrL3PMG/X3UPxPTQxNRw7lrLY5nEeMxpXp0dZdeS+7+Bc6rYWGgEdA8iRvCdjJNPWTatGctNzeEkZVLtmYg2vv57rn0hjRUZuSOhW4jUq4eNCSVlbXy0R8bdbXyqGnc94nfkZZaXBbMdzFd+Ub/S3GM1KmVabmuDwjqzi5pqHN2+C8TznOxMEkkszMSSTvJJuSesUOyk9z1zx9KKtFP5H4tb+X5xh0vEzHHJ7xP1qwcjDs2bvGx5Jmu+KAf8ALxuqDKk+KxWi+5jOJA/it8o27HwIXxNP/K3wPlp4PG8ZyM1deMtW7nRwicozEnkP+fKIK8Xojq8Lq045pN9EW72U7VgEUcxhZiTJPAE6lPXUjrccRE2ErZf6cvQ536h4cqi/d0dbe1b5/R+/qWmTHQPHEA2n7SURjIoE+0z911uZa9bj27dNOvCIJ10tI6s6uF4XOos9Xux+LIHU7L11bM72snAMfeOYqOSqvhUdAYrtSk7s7NOVCjHLTX58zIezgW0qNf8A29P88Y7PxJP3a/1I/jmy0+mGZgHl++moH7w3j6dY0cWixTrwqaczhFY1uSuCZI+zWndsTpQl7q+ZiOCKpzX5AjT1ETUtZKxzOItRw8lI9JRfPJiAEAIAQBrYlXy5Epps5gktBdmN9NbDQakkkCw5xiUlFXZJSpTqzUIK7ZT/AGqTQ1arA3UyZZU8wSxB+ccrGO9T0PefpuOXBtP/AGf0K4xP2/QfrCj7JvxD+96I28Nm3W3FfpEVWNncvcPq5qeXmvkdCmpzMdJa+07BB5sQB9YjSu7FupUVODnLZJv3anoWqrJNHIDTXCSpShQT0FgABqTpuEdxuMI67I+VwhVxVZqKvKTb95WuOdrrXIpZShffnak+SKRb1JipLFN+yj0FD9Pwir15+i+7+xz8J2kxytN6Ukp7/dy0lDyZ18VuQvGYOtPma4inwzDrLlu/N/RnD2/wrFJWWfXsJqk5QykFEJ/DlAGW9uVjzvCrSk9ZGcBjaUO5RSXmt/XmfXZxVUSzxMrbi1u6uuaUG957a35aW4nhEVLs4z7xfxyxdbD/ANBWvvrq14f9uegKeoWYodGVlYXDKQQR0Ijopp6o8XOEoNxkrNEb2n27pKO6s+eaP+2hBIP5juX69IiqV4x0WrOjhOFVq6Un3Y9X9Fu/l4lSbT9qNVPuEbukO5ZZIJ829o/IdIqynUnu7Lw+526eGweEV4xzy6y+kdvfdlfT6h5rXY6RvGMYLQiq162KleT0X5ofqIBujDbZtGEYbH6WjFjLlYy0VLMnOJcqW0x23KilifQcOu4Ruo32IKldQV5MmtN2N4hNTM/cSb/hmTCX8iUVgPjE0abRzauNhPSxz6TsVxKY7KVlSlU2zzJlw3VQgY28wIkV+ZRqON+6dV+wuuVbpU07H3TnUehymDimbUsRKn5dCI4vgFXRPkqJJS+4mxVv3XGhitUguZ3MJiZSXc1XQxUxJK5Cc9wFVb5y19MgGpN+UQWd7I6naQUHKTS8Of5+Mtr+7+MVVKJdTUqgIJElnAmzABudlXy0JOp1ifs6rVnI5KxeBjNTjS1W7W3na/yt4H3syUTLISlmyXbmhYMbakzBppzNgIjh0sWsRonUc01+cjsyJ6OLo6uvNSCPlG9yJprdWMkDAIvod0ARav2Ep5j5lLy771W2X0BGn0jR00WY4uaVtyYdn2CyaVnWWviZQS7aubHdfgNdw00iegktDlcUnKpFSfUmsWDjHFmbV0izxTmevek5bWNs3ulrZQeFid+kROvTzZb6nQjwvFyo9uoPLvy2623t6HaiU54gDibaYy1JRzZ6KGdcoUHcCzhQT0F79d0R1Z5INouYDDLEYiNOTsn9FcqTDO0mpDEVWWpkPpMlsiDwnflsAPRrjy3xRjiJX72qPUVuC0HG9G8ZLZ3fx/g7Ha1Sjvaacn7OZJyrYaeA5h8nGnSMY2PeUl0Jf0zVvSqUpbqV/fp80Vhiq+JTzFvgf94iovRovcSj34y8Pl/01ZM0qbiJZRUlZlKlVlSlmidrDsbSTOkzd/dzEcj9xw36RDCnJST6HQxOMpVKEoX9pNeV1YybX7YTa2aXcnItxLQnQDnYaXPE+nCLE81R3ZyMMqWEhlhHXr1Jt2ddmvehaqvU5TZpcg6XG8NN6ck+PKLFKglqzj4/ik5txg/X7GLtS7UO5LUWHsFKeGZOS1ktp3crgCNxbhuGuombtojmU6WbvM1+0dqWgwwUUmaZ1RVNLmTXMwuzZSGM06nKGIAA0uCd9iYStawo5nPMtLFXycTbcfiBFOVBcj1FLidRK0vkbVNtNUy1ZJU+ZLR/aVHKg+do3jDKrIrVsT201KSTt1SMCTAReInG2hcjUU1mCoHNracT/SDeURpqtK1tOpsfZBw0iPtGW/2cLWWhhm0pG7X6xvGaZXqYWUdVqdXY/ZOfiM7u5XhVbGZNIuqKenFjrZePQXMTwjmOTia6oq73Lsq3odn6K6pd20G7vpzgfia2ijeTuW+guQDY0ijjf1K8rv8A4Q7Htp5tIiVNZabiM9c9PTm/c0cs3Acpf9odRc+LeL6G+HK2rJKdLtHljt1OP2t4zVJOpl+0TUmy6SSZvduyffHMWJCEAHcdByjEpNSSJaOHjOnKT6mnsd2vVdMwWpJqZO45z96o5q/4vJr35iNsxHKgnsW/X7WYfU4e89stRJNlMoreYZjaJLyHUTCd3xBsLxltNEMI1ITVtH1OBsxs3JwmQ1bUSr1c5rSpIOYo0w+CnlE3JfWxfoeAJOqSiiWc5152v6/U3MI2TxFqpqupqZKzHBWyKZmRCQciBsoWwut9d5OpN4i7GefNc6L4jhlhlQVN6O+9rvq97/mx3q2olS1aVJILHwu17kW3qTz6cI2k1FWiQ0YVKslUq7bpESrdnpMw5gplTPflHI3rbQ+oiu4JnWhiJx03XR6nJqZGIyNZcwVCDgwGf13E+jGNWprbUnjLDVPaWVmkm3cxDlnU9mG8AlT/ACsD9Y17VrdEv7CMtYSNxNvpHGXNHllP/wChG3aoj/8An1OqOpg/aHTS3Ld3OPhtoq7yQeL9I2WJjB3dyGrwWviI5YuKs+d/sYsc7UJsxSlPL7q+mdjme35QNAeusR1MbJq0VYs4T9M0qclKvLN4LRevN/AhFJTNPdJUtbzHawNySSxGp5Aaknle+6KiTk7Lc9FVqRoQlUm7RS91vvtY9IKLAcY7x8ne5+wMGOokK6sjqGVhZlYXBB4EGMNX0ZtGTi1KLs0RVuzXDi2buSNb5RMfL8M27pEP7en0OkuM4y1s3wX2NvbjAPtVG0tB45dnlAaaqLZR5i45XI5QxFLPCy3M8Hx37XFKcn3Xo/J8/R6nn7E5V13aqf8AY/8AOkcuk7Sse8x9PPSzLlr6HGdotI4M5WRrzjoY3juVKrtFlk9jOxv2qZ9rnreTJayKRpMmDXXmq6eZsOBETwp63ObisY1DIt+pNe2Xbc0UgU8lrVNQDqDrLlbi/Rjqq+THhEsnY51KnmZXPZl2YNXgVFQWl0t/CF0ebY2OUn2Uvpm46gcxqo3J6tbLpE29psGwioo6yZhqOk3DzLzMWYpNV3y3GZmuNGINgbqOBjLSaI4TlGST5kQ2F2SnYlP7qX4UWxmTSLqindpxY62XjY7gCRoo3LUq+RalyyOzjCg32RZE2dNCjvZwmG8rMCVLnMFDG2iKpNrEixvG1lexB2lXLnbsuXiVvsdsS9ZUvKlkCTKYiZOtcWDEDLzZraCK0YSm7XO7VxNLC01LLq+X50LPkbJ4QJ4oFktMnBO8dw7EqBl9tgwALXHhA48LiJOzpZsltSj+8xypfuM1o3slZa+StyNPa3ZijNTS0VPJSXMmt3k1wTdJK3vvNrtqB5dY1qUoZlFImweOxCpTr1JNpaJdW/sYdu9m6NRIpKKRL+1VLgAhmJSWurO2p0048M3KM1KcNIxWrMYLG4h5qtabyxXvb2RNsPoqbCaJtQsqUpeY9vE7aXY82Y2AHkInilCJyKtSeJq5nuymsExNsWxuQ9R7BclJd/CqS1aYqdblRfnc+UQp5p6nSnT7DDvKZaClNZXVGJVt0pJEwuxYWzFGtLkoDvOigj03mC1lmexmbVOlGlT9p/jZC9pMUerqJ1RM9qaxa3IWsq+igD0jTNd3LKo9nTyLocJEiVspwhfVlwdhux/eOa+cvglkrIB4zB7T+S7h1vxWM0482QYytbuI3pu28yqxsS6WQs9JAdJRdystG/7s9iFOlhlB5btWja93oQKChDvO19+pxNoe02tnTGkpMlS5ecrmp7+MXtcTG8VjvBAWK9WrKzO1gMBS7SDavdrfx8P+nX7KyGnvIdjldS62P41tfeOK/wCWK+FkpSys6/HqcqVBVo7p2fk/5+ZaTYBL4Fh6j+kdDskeRWPqeByq7CHl6jxLzA1HmIilTaLtHFwqaPRnIqqSXMFpiK45MAfrEbSe5djOUXeLsceZsNTzWsiOrH3G/RrgCNexT2J//oVKavJq3idBOySWALVLg8boDr01EZeCT5kVP9Tyhp2afq19zLI7KJQPjqZjD8qqv1vBYGPNmZ/qqq13aaXm2/sSzAdl6ak1ky/GRYuxzORyudw6CwizTowp+yjiYzieJxf92WnRaL3fc7MSlA4m1e08mglCZNuWY2RF9pyN9uQGlzw8yAY6lRQV2XMFgqmKnlhy3fT85FY1Pa3VlrpKkKvAEMx9TmF/gIpvFz5JHoofp/Dpd6Um/RfRnXwXtdBIWqkZfzyjceqNrbyJ8okhi/8AZFXEfp9pXoyv4P7/AMFj4ZicqoliZJmLMQ8VPyI3g9DrFqMlJXRwK1GpRlkqKzK67SdizdqqnW4NzOQD4uo6/iHrzijisPrnier4FxiLisLXfgm/k/p7uhSlXLysRw4eUawd1clxVPs5tcj9w/DnqJsuRLF3muqL5s1rnoN56CJYblCu7U2+h6loKSTQUaoLJJppZJJ5KCzMep1Y9SYuJWPNyk5O7PPWEUUzHcVLzcwSaxdgDqlOm5emmVdOLXiJyvOyOhGl2eH7Sel9l1Lk242vTCpdNKlSla5AEseELJQWNrbjuA4b+UbVKmQiwmDeIvra3zI6MGwpaTuVefTjGHlussLeblR1KollYKlzoWJHj0MZzRtfqRulV7Rx3cb/AAJZUyqbBcOmGRLCqmoBN2mTW0Bc7ySbX5AaWAtCUlCNzFClLEVVDqVJs/thWlJtLJAedWzSxmG/eZpihWsQbAWG+3h19KkaktlzPQ18FQTVSWiituWn56lpVAlYJhdksZgFgbftJ7j2iOIFr291LRYk1SgcilCWPxVnt8kvz3s0+y/Dfs9LNrqhrPUXms7bxKF2zH97xN5FY0oRyxzPmT8Wr9rWjQp7R0t4/wAbFVbYTaiomfbZyFZVUzdzci5RPCAFvewFtbWJPWK87t5nzO1hOzpw7CL1jv5vxLJ7FdnO7ktWOPHOusu/CWDqf4mHwUc4sYeFlmONxjE5p9lHZb+f8HG7aceadMWhlXISzOF1LTSPAlhvsCDbm3SNa9TvKKJ+F4JdjKvPo7eS5kOXY3E6RBWCQ8sSvHmDLnUDXMUuTbmCN17i0MklqbfucPUfZ3vc520O1VVW5ftM4uq6qoAVAbb8qgAnfqddY1lNy3JKWHp0vYRtYZsFiFTJ72TTEoRdSzKmYflDEE34Hd1jaFNvUhxGMpw7qevyI9gmETaiql0qqRNd+7II1Wx8RYflAYkdDEmUq9soxuz0JtzV/wBnYbLpKNT304Cmp1XV9R4m87X195gYleisjnU+/Nyl5lZT6N6KUcLol77Eaof9W8vXu0t+wQ8Br4mOmuu8ZdbW0RIpZ3nnsfeF9lOIoyZ5cu1ibiYCFNtzf7XitWozekeZ2+GcSw9J5qzfd2Vrt/8AN9SU7G7NTqbFJSzMt0lvMbI2aysrSxfTQkmIaFGUKyT8zqcV4lRxPDZyp3s2o6q2qafyRbkdM8MIAwTaOW2rIpPMgXjDimSRqzjopM+5UlV0VQB0FoJJbGspylrJ3MkZNRACAEAUP2tVzTMRmIfZkqiKPNA5Nud2t6CObiZXqW6HteCUlDCqS3k2/jb6EMiudcQBv4LjM6lmd5ImFG429lhyZdxHnG8JuLuiDEYaliI5aiv9PIuHZLtJk1IEufaTPtxP3bn8hO4/lPMWJi9TxClo9GeUxvBqlF5qfej8V5/dfAg222yKtLefJ8LqMzJ+E8yORtc8tOEQSio9461OrKqlSfXRmv2IYXnxB5jD9hKYjo7kIP8ACXiahZu5zeKZqcMj0d/kTrtxxQysO7pTrUzVlG2/ILzG9CEy/wAUWJu0WzkYan2lWMX1OL2A0S5Kqd+IsksdAAWPxJH8sRUFuy/xWXejE2ts9j3qMReqq3WXh8mWhLZvEyqLlABqCWLa8iLXJ0Tp3ld7GuGxfZ0clP2mznbIYgK/GVnuuVZaN3KG3gRFyothx8RY9b8ogpzz1r8jrYvDftOGZf8AKTV35/ljtdtFBVT0pZVPJeapdi2QXs2UBM3IWL6nSJ68XKyRyuFVaVKUpTdnb/v0HZnspKo5xE51euMvMUU3EmWSBa/vtffyuBpq2KVNReu5niGLnXh3VaF/e/svzw7m2Wyz10+lDMBSyizTVuczNpZR5gEX4AmN6lPO1fYhweMWGhPKu89E+hu7ZYd3tN3RmLJpgQahtx7lBmKpbQXIUX5X0O6NqiurciHC1MlTMleXLzf57yjsfxE4jWy5cpckq6U9Og3LLzZQbczvPoOEUpPPKy8j01Cl+1ouUtXrJvxPQFTMl0dKxAtLp5Wg/KiaDzNgIvNqMfI8rCMq9VLnJ/MgfZPgXed5iNQA02a7d2Tw8RzuOpN1HIA84r4eF++zscXxOS2Fp7JK/wBF9TmYJtfPq8WnsZhFHKkzz3d/uzJRbBmG4sTY3O69t0bQqZpX5EOIwXYUUmu82tTj9j+xK1T/AGqoW8iUbIhGkyYNbnmi8uJ04EHFKF9Wb4/FOC7OO7JntZ9tn4hhj0cxjQ5wzvJYlCVcl+8K6FSi5RfS5YbzE7u3ocuKjGLUtzndluEd9iOI4iyEK06Yki4IuGclmFxyyC/5mglrcxUl3VE+e0vbaXKn93RDvcQsZAmDxCRmazLLG4zmNgbbrAHdaNZTSZLRw8pxbbsjdw2ik7P4a9TPtMq5tu8Ym7TJz3IlhjrlGpJ42ZukbbIhX9SaXI6/Z5Uzfsb1tbNN55M3xGyJKUWXKNwFrtpvBER07pOUi3jFGVSNGittNN22cyTt9h9O82YGmz5s5ru6S7aDRVXOV8KjQfHjESrU4tvds6M+GYyvGEGlGMVZJv3t2vq3q/cdnBe0WiqGCB2lu2gE1ctzyzAlb+ZiSGIhLQpYjg+Jopyaul01/kl0TnLEAIAQAgBACAKn7RdmFNaZzkhJ6CxBt96i5SP5QpA42bkYoYin383U9XwbF3odkt4v4P8An6FYVEsK7KDcKxAPMA2vFU9AndXMcYMn6oJ3Any1jJhtLc/DyMYMkiwLa2ZJHdzQZsrdY+0B0J3jofiIljUa0ZRrYSM3mhoyX9j82WtZVJLbMrywyHccqvuPXxj4GJsI0pOJzP1DGU6VOq+tn52+tj7/AP6ApGaRSTBfKk5lbld5fhJ/lPxi3VfdODw9Xrx/PArzYza+fhzuZSq6TAM6NextexBGoIufj5WqwqOJ3MVglWWu65mXanbepxBlSaVSUCCJUu4W/NiTdj8uQhUqOSGCwNOnUVtXfdmHC8RmU81J0psrobg+liCORBI9Ypxk4u6PSV6EK9N05rRlg/3yxarl5aemyZh+1ly2P8rOco+fnFvt60/ZR598K4dh23Vq+ja+KWr+BydmsBxmjqGqJdMZjOCH7yYhzhiCc33l73AN42hGpF3sQYqvga0Ozc9FtZP7GXG9o8Zl1EuonU7Ikm5EtUJkWIKnOVJubHeTpwtGZTqJ3aNcPhMFUg6cJXb5319CO7U7Z1VeMs1gkoG/dywQpI3FiSSx89OkQzrSmdHC8MpYfVavqzJ2ZywcTpQd2Zj6iU5HzAhR1qIcU7uEnbw+aLV7Xp5XDJtvxNLU+XeA/pFyv7DPOcJt+6i3yv8AIgmL9ohkUdPSURAKyUE2dbcxQZhLHO5N253tziF1csVGJ0afD+1rSrVubdl68zWWjajoBJItWYnlXIdGSnzWAPIuTa3InisaWcI2W7+RazxxdbPL+3TT9Zfx+blgbYsMNwcyZHhORZCHcbv7TafiIztfmYs1JdnA4eDpPF4rXxfu/LFfbP10/C8MmTu8KzashaWWdVUL7c/I2nIDTXw3uDEUJ5YX6l/E4bt8R2cbPLu/oWvgOIzVwuXUVL55gpzOdiAt7oZgFlAAsLDdwiwn3bs41Sn/AFnTj1t9Ct+xrZFps44jUeIBmMq/4ppJzTPIXIH5r+7EVJZu8y/xCSpJUYvzOlt7RNimKyaEX7mmAecRuXOAzHlfLkUdWPWEm5VMqM0KdOlhHWnu9F+fMkG3Mszu4w2nsisA85hosqmlmwvyuRp+7bjCteVoL18hw3LRUsVPlpFdZP7fUp3aGbJaomfZkySQcqDU3Ci2Y31u1r+sUJ5c3d2PW4WNVUl2rvLd+vL0OcY0LB6V2TZzRUxmXzmSma+/2Bvvx5x16d8iufPMaorETybZn8zrRuVhACAEAIAQBr11FLnI0uaiujb1YXB/343jDSaszenUnTkpQdmuhDp3ZVQFrjvlHurM0/xKT84geFgdaPHcUlZ2fjb7HZwrYqhkexToW96Z941+ha9vS0bxowjsipW4liq3tTfpp8jvIgAsAAOmkSlJtvcx1FKjizorDkygj5xhpPczGcou8XYrjaLYulMxx3Xd31Bl+HQ66D2dN27hFOpSjc9Lg8fVdNO9/PUj1Fs7UUNQlTSsJvdk3RvCzKRYryNxfXnY2iOMXB5kW61aniaTpVFa/MsdMUocUp2ks6kTBZ5TkLNUg+6dQVI0YXFxF2M41FoeZr4avg6neVnyfJ+RX+KdkGQkpWyxL/8AWGUgdSDY+ekQPD+J1KfGLrWDv4HJGzmF0xvU4l3zD8FKl93Av4h9I0dOmlq/cWYYvFzadOnbxl+I6Era6ip//CYctxumT2zPfy1t6MIiVaEfYj7y/LhmKr/+iu/KKsvp8jMe1Os4JIHTI3+uMfvKngbL9NYS28vevsS7ZHtEl1LiVPUSpp9kg/dtYXtc+yehv58Is0cUpu0tGcbiXAKmGj2lJ5o/Fff80O5U7Y0KGzVUu/5Tm+agxK69Ncznw4TjZq6pv10+ZEdo8HwuuBaRUSJNQdxDBQ55Ohte/MC/nuiGcaVT2WrnTw1biGCsq0JOHle3k/psVglRMoKtSRadTzASvA21tfirDiOBitFShK/Q7ladLEUGou6kvz1ReMrGKHFKRlaYuSYoDozBXQ79QToQRoRcacY6GeE1a5479tisNUUlF6c0rpkAqKbCMNfvJbNW1Cn7tCwaWjDczlRluOWpvbQbxWbp09U7s7UI4zGd2Uezjzet35X/AIREP7fJrpVXUOXbvkmNpuCODZRfcALAdIhjKUpZmdKrQpUMO6MHumtetuZdO0W1eFmnzTpsmemjLKUq7sRusm8Hh4rW1vF+c6bWup5PD4XFxqdxOL67fEovanaCZXTzNmAKLZZaD2UQblH6nieW6Kc5OTuz0mHw8aEMsfV9WXRgG2tAcOld9OljLJWXMlNqxKoEYd3vYG3KxBi3GpDLqedrYKuq7yRe90/5NbY7tIpppnJMMumlyyO4VrKO6C2tppmuL5RuDAC9rxiFaL30JMVw2rCzjeTe/mbWEdoOHvVT1UpKFlbv2GTvmHhPC/hGUDNqddNNSrQzMxPhmK7OLs34LW3/AEinaDt+k5Xp6T2Hss2baxmAbkXjl1Nyd9yN2+vWrqWkTscM4TKk1Vr7rZdPF+JG8T2OnyZJmlpbZb50UkstnEtuFjlY2NvS4BMRSouKudCjxKlVqZEmr7N89L/FbHS7Pdlpc+eGqmCqpBWU2hmHkb6Zem88rRmhCMpd4i4riqtGl/Si9efT867F7COmeIEAIAQAgBACAEAIAQAgBAHKx6hzrmUeJfmOI/X4xHUjdXLmDr5JZXsyMRXOyRHbHZFagGZLHj3lfe6r+b6xFKDTzQ/6X6NenUh2GI9nk+cf4K0/s0yyQedrEagiNHVzcizDAOi9JaP83PsyOsa5iV0NNzLJn20aNZQvqieliMiyzM4qF5xHkZaWIh1Px6xeV4yqTNZY2C21ML1h8o3VJFeWMk9j4VXfcL/T4xt3YkS7Spsb1BRywbzST+UDT1O+NHURNHCS5nZTFqcWXOFtwymw+AjZRb1I51YU3lbPupNPOUhGRphFkswDZuAHHfwjOV9DRVov/IhdfhzKSLEMDqrCzDzvEsKqvZlCvgpOOam7mpLmsmhHoY3cVIrU606Tyy9zNpZ6nj8YjcWi5GvTlzPq45xg3uupklJeNZOxLShmNkWA0iPcuRSirIkWGYArKpfMXbXKPlwveMpXIpTyrwJ+lBWT1t3Fr3u7DIxuwZvaOmZgrHKBcgXvFnLUmrWOL2uBw8s2fbktfBbLktFduxtU+wc4+3Mlr5At/SNlhZc2Rz47SXsRb9y+526XAaqStpVbe25ZiXXyuWJA8olVKcdpHOqY7C1n/Uo28U9fkr+pzp+19RIcy58hCw90lbjgQdbiNHXnF2ki3DhGHrwz0Zuz66/Y6uGbY080hWJlMff9n+YafG0SQxEZb6FLEcHxFJXj3l4b+77XJCDE5yj9gBACAEAIAQAgBACAOFi+D3JeWPNf1H9IhnT5o6WGxlu5P3/c4JEQnS3OVjGAyaj2xZ/fXf68D6xHOmpFvD4ypR0Wq6Pb+CG1+w85P2ZEwdDY/Bj9CYhdKa21OpTxuGnvePxRH6rDWRirgqw3gixiLO4vYuxoQqRvGSaMBoR70Z7V9DV4Ff7BaMcflDtDCwi5mzLlou5R5nWNXNssRoU48jG9YtwC39BGVTk9bGksXRjLK5GdZ8sfjX4iMZJdDf8Ac0f9l70YKitk2tYN0A/WN4wmVa2Kw1rWv6fU4t9bjTl0iycR2Z6gwBFrKCmeplrMaZJQtnUG5ZBc689/rF1JSiro8xKc6FWXZyas+TKQ232WainmWy5pTXMpyNCvK/vLuPoeMc6pB05HssFiaeNopySut10f8kZNCnL5mNe1kTPA0Xy+LPtKVBuUfX6xh1JPmSQwtKG0fr8zLaNSexeGxWx9E9NIqGpQJjoGs7Mw8wCbWPtDTcRHQpUYOKk0ePx/EsTCtOnGeidtEl/PgTES5UhGYKktFBZiAFAAFyTaJ7RijkOdWtJJtyb9SN7C7XGveqGXKkp17vmZbAgZut0J/itwiKjV7Rsv8R4f+0jT11ad/Nf9+BLonOWIAgHaPbvpXPIb+WbT9YpYr2ken4Dfsp+f0IjFY7pMNg8bYOKdzdWB7u/4SBfL5EX8rdYtYeo75WcDjOCi4dvBarfx8fMnsXDzQgBACAEAIAQAgBACANWsw+XM9pdeY0P/ADzjWUE9yalXqU/Zfocmfs8fwOD0bT5j+kROl0L0OIL/ACXuNR8FnD8IPkw/W0a9nImWNovn8Dn4psiahbTJWo3MGUMvkb/LdGkqDluizQ4rGg7wl6WdmQjHez2skAvLl9+nKXbvAOq31/hv5RXlhJrY7FL9RYWWkk0/h7yCVlW6MUaWUYbw4IYeYNrRqqFtyZ8Ucleml8zRm1DNvb+kSKKWxUqV6lT2mYxroN5jYhO3h2yFdP8A2dJOI5shRf5nsPnGyhJ8ivPFUYbyXzJLQ9kGIOAX7mVzDuSR/IrD5xuqMitLidFbXZLdn+xqTLcPVTjOtr3aLkQ9GNySOgtEkaKW5Uq8TnJWgrFoIoAAAAA0AG4AconOWauLYXKqZZlTkDoeB4HmDvB6iNZRUlZktGvUozz03ZlaYv2Qm5NNUC3BJw3fxr/pipLCf6s9FQ/UOlq0PVfZ/c5krskrCfFNpwOJDOT6DIPrGn7SfVFmX6gw1tIy+H3JVs92WU8lg89zUMNykZZfqtyW9TbpE0MLFavU5eK47WqrLTWVe9+/l+ak/Ai0cMgvbHXPLoQq6CdNVGP5QrPb1Kj0vFbFSah5na4DSjPE3l/irr4L6nE7DZZvVtbT7oX6+M/0+MR4TmXf1E1/TXn9C1ounmBAFfdo8s99KbgZdh5qxJ/zCKWKXeR6jgUl2Mo+PzX8ETisdw6WzKE1cgDfnB9BqfkDG9L20U+INLDTb6fPRfEtuOmeHEAIAQAgBACAEAIAQAgBACAEAIAwVVHLmC0yWjjk6hh8CIWMqTWzOb/dKh/8lS//AAS/9Ma5I9CX9xW/3fvZ0aSglStJcpEH5FC/QRmyRG5SluzYjJqIAQAgBACAEAIAQBqYphsqoltKnIHRt4P1BGoPURrKKkrMko1p0ZqcHZowYBgUmjl91IXKpJY3JJJOlyT0AHpGIQUFZEmJxVTETz1HdnSjcriAOZj+DrUy8jGzDVW5H9QeIiOpTU1Yt4LFyw1TPHVc11K+qdlqpGy90W5MpBU/MW9bRSdCaex6mnxTCzjmzW8Hv+eRLNkNmjT3mzbd6RYAahQd+vFj0/WLNGjl1e5w+J8SWI/p0/ZXx/glEWDjiAEAIAQAgBACAEAIAQAgBACAEAIAQAgBACAEAIAQAgBACAEAIAQAgBACAEAIAQAgBACAEAIAQAgBACAEAIAQAgBACAEAIAQAgBACAEAIAQAgBACAEAIAQAgBACAEAIAQAgBACAEAIAQAgBACAEAIAQAgBACAOLju1VLSaT5wVjqEALP/ACqCQOpsIjnVjDdlvDYGviNacbrrsvezbwPF5dVJWdKzZGuBmFj4WKnTzBjaE1JXRHiMPOhUdOe6N+NiAQAgBACAEAIAQAgBACAEAIAQAgBACAEAIAQAgBACAEAIAQAgBACAEAIAQBD8e7O6aqqftDtMBa2dVIytlAA3i40ABsfgdYgnh4ylmZ1cNxivQo9lFLTZ9CV0tOstFRFCogAVRoABuAiZJJWRzJzlOTlJ3bMsZNRACAEAIAQAgBACAEAIAQAgBACAEAIA/9k="/>
-          <p:cNvSpPr>
-            <a:spLocks noChangeAspect="1" noChangeArrowheads="1"/>
-          </p:cNvSpPr>
-          <p:nvPr/>
-        </p:nvSpPr>
-        <p:spPr bwMode="auto">
-          <a:xfrm>
-            <a:off x="460375" y="160337"/>
-            <a:ext cx="304800" cy="304801"/>
-          </a:xfrm>
-          <a:prstGeom prst="rect">
-            <a:avLst/>
-          </a:prstGeom>
-          <a:noFill/>
-          <a:extLst>
-            <a:ext uri="{909E8E84-426E-40DD-AFC4-6F175D3DCCD1}">
-              <a14:hiddenFill xmlns:a14="http://schemas.microsoft.com/office/drawing/2010/main">
-                <a:solidFill>
-                  <a:srgbClr val="FFFFFF"/>
-                </a:solidFill>
-              </a14:hiddenFill>
-            </a:ext>
-          </a:extLst>
-        </p:spPr>
-        <p:txBody>
-          <a:bodyPr vert="horz" wrap="square" lIns="91440" tIns="45720" rIns="91440" bIns="45720" numCol="1" anchor="t" anchorCtr="0" compatLnSpc="1">
-            <a:prstTxWarp prst="textNoShape">
-              <a:avLst/>
-            </a:prstTxWarp>
-          </a:bodyPr>
-          <a:lstStyle/>
-          <a:p>
-            <a:endParaRPr lang="en-US"/>
-          </a:p>
-        </p:txBody>
-      </p:sp>
-      <p:sp>
-        <p:nvSpPr>
-          <p:cNvPr id="5" name="AutoShape 10" descr="data:image/jpeg;base64,/9j/4AAQSkZJRgABAQAAAQABAAD/2wCEAAkGBxQSEhUUExQWFhUXGSAaGRgXGB0cHBweHxwcHBogHxwcHSggHholHB8cIjEhJSkrLi4uGh8zODMsNyktLisBCgoKDg0OGxAQGywkICY0LDA3LC8sLC8sLywsLCw0LC8sLCwsLCwsLDQsLCwsLCwsLCwsLCwsLDQsLCwsLDQsLP/AABEIAIABiAMBEQACEQEDEQH/xAAcAAACAgMBAQAAAAAAAAAAAAAABwUGAwQIAgH/xABGEAABAgMFBQQIBAMHAwUBAAABAgMABBEFBiExQQcSUWFxEyKBkRQjMkJSYqGxcoKSwaLR8BUkM0NTwuFj0vEWRFSTsjT/xAAbAQACAwEBAQAAAAAAAAAAAAAABAMFBgIBB//EADcRAAEDAgQCCAYCAwACAwAAAAEAAgMEEQUSITFBURMiYXGhsdHhFDKBkcHwI0IGUvEVMyQ0Q//aAAwDAQACEQMRAD8AeMCEQIRAhECEQIRAhBMCFSry7SJWWqhv17g0Qe4DzXl4CsLyVDW6DVW1Lg883Wd1R27/AG9UuLY2izz5NHOxT8LQp/Eaqr0IhR1Q93Yr+DCKWLcZj2+myjZGy56exQh94fEpRKf1rO7XxjkNe/a5TEk1NTaOLW9nH7DVSjRtKx1IWtK0Nk03SoKaVqUmhICqV4HOO/5ITcpYijxBpa0gnnaxCd9kWgmYZbeR7LiQoDhUZdRl4RYNdmFwshNEYpHRu3BstuOlEiBCIEIgQiBCIEIgQiBCIEIgQiBCIEIgQiBCIEIgQiBCIELUtO02pdBcecS2gaqNPADMnkI5c4NFypYoZJXZYxcpcW9taAqmUa3v+o7gPBAx8yOkKvq/9Qr6mwEnWZ30HqqU/eW0JxYQHnlqOTbNU/wt0w5mFzJI82urdtHSU7cxaAOZ181IquvarLZfUtTQSKkqmQkj+OnhWOuilAv+UuK2hkd0YAd3Nv8AhbFm7U5ttkoUlDq/dcXUEDgpKabx51HOsdNqnAWOq4lwOB8mYEtHIfgnZRNr3utF3Fx55tJ0QC2nzSAT4kxG6WQ7lNQ0FGzRrQT26qG/tV/Pt3evaK/nEed3NNdBF/qPsFI2ffCeZPcmXDyWd8eS6/SO2zPGxUEuH00nzMH008lervbWQSEzje7/ANRqpHijPxBPSGWVX+ypqnASNYD9D6+qZUhPNvoDjS0uIOSkmo/88obDgRcKgkifG7K8WPatiPVGiBCIEKt3rvpLyIos77tMGkHvdVHJI5nwBiKSZrN90/R4dNVG7dG8z+6pbOX3tOed3JUFPyMpBoOKlqBp1wEKdNK82atAMNoqZmaXXtJ8gPdWrZdeOZfcmJeaUVKaoQVABQNSlSTTA0P7xNTyOcS1yrMXo4YmskhFgftzBTDhpUaCYEKtS9u+mTBZljVlo1eeGSjo2g61zUrgKDOsRB+d1m7KwdTfDxZ5fmdsOXafwOfcrLEqr0QIRAhECEQIUbb1uMybRdfXujIDNSjwSNT/AEaRw94YLlMU1NJUPyRi/wCO9JS91+5idJQCWmP9NJxUPnOvTLrnFfLO5+nBa2iwuKms46u58u79uq1JSi3lpbaQVrUaJSkYn/jnkIhAJNgrCSRsbS95sAm9dHZi0yA5N0dcz7P/AC09R7564ctYfipgNXarL1uNPk6sPVHPifTzV7m5puXaUtZS22gVJyAHQeQAhkkNFyqZjHyvDW6kpQX72gtzrCpdplQSVA9ositEmuCRWlevGEJqgPGUBajDsJfTyCR7tbbDt7Ux9n0spuzpZKs9ze/USofQiG4RaMKhxJ4fVPI5+WisMSpFECEQIRAhECEQIRAhECEQIRAhECEQIRAhECEQIRAhECFRL6bRmpUqal6OvjAn3EHmR7SvlHiRC0tQG6DdXNBhD57Pk6rfE/vNJ61rVemXC4+4paueQ5JGSRyEIOeXG5WqhgjhbkjFh+781Z7m7PnpyjrpLTBxCqd9Y+UHIfMfAGJoqcv1OgVdXYtHT3YzrO8B3+iZU4/JWLL1SgJJwSkYuOEcScTzJwHkIcJZC1Z9janEZdTft4BUmUsyet1wOvq7GVB7oAw/In3lab58OELBr5zc6BXD5qbDG5Ixmfx9+XcPdeH7FZlbblGJcHdTuFW8aknvkk113aZQFgbMA1etqZJ8Okkk3N/wnEtIIoQCOBh9ZUG2yrFubP5KZqeyDS/jaonzT7J8REL4GO4Kxp8VqYdM1xyOvulderZ/MydVpHbMjHfQMUj5k5jqKjpCclO5mu4Wio8VhqOqeq7kfwVUYXVot+xraflF77DikHUD2VclJOBjtj3MNwoJ6aKduWQX/eBTXurtQZeoibAZc+P/AC1eJxR44c4djqQdHaLNVmCSR9aHrDlx9/3RMFKgRUGoORENKjIsl3f7aGGN6XlCFPZLczS3yGhX9BzOAVmqMvVbur7DcIMlpZvl4Dn7eaX11LsvWk8cVblauvKqc+Z9pZ/5MKxxukKu6ytjo49teA/dgnZLSctZkqsoSENtpKlH3lEDMnVRy8gIsAGxt0WRfJNWTDMbk6dg9lUtj8mpfpM4sUL7lB4EqWem8qn5TEFMCbvPFWeNyNb0cDf6j/ngPFXa2rbYlEb77iUDQe8rklIxJ6Qy97Wi5VRBTSzuyxi/7xSttW9M1bDwlJRJaaV7XxFOqnCMkfKM8qmtISdK6Y5W7LRw0MGHx9PMbuH2v2dvamjd2xW5NhDDQwTmTmpRzUeZ+mA0hxjAxtgs7VVL6iQyP/4OSko7S6IEIgQiBCr18b2NSDdVd51XsNg4nmeCRxiKWURhPUNC+qfYaAbn94pEW3bL026XX17ytBklI4JGg/oxWveXm5Wzp6aOBmSMWHn3rFZVmuTLqWmU7y1HAcOJJ0A1MeNaXGwXU0zIWF7zYBPq5l0WpBvCi3lDvuUz5J4IHDXWLOKIRjtWLrq99U/XRo2H7xVjiVIJYbbpxYRLNDBCypSuZTuhI8N4ny4QnVk2AWi/x+Npc953Fh97+ipFxrtKnplKSD2KCFOq0p8NfiVl0qdIXhjzu7Fb4hWCmiJ/sdvX6LoVKQAAMAMhFosMTdfYEIgQiBCIEIgQiBCIEIgQiBCIEIgQiBCIEIgQiBC+KUACSaAYkmBAF9AlDf3aKp0ql5NRS3kt4Zr4hHBPzZnTDNGaov1WrU4dhAZaSca8By7+3sS1hNX6auz7Z3gmYnEc0MqHkVjj8vnwDsFP/Z32WbxPFt4oD3u9PX7K/Xmt5uRYU85pghIzUrRI/noAYakeGNuVSUlK+pkDG/U8glzdO7rtqvmenqlqvcRkFUOCQNGh9TXnCkcZlOd6vqyrZQx/DU+/E8vfyTaQgAAAAACgAwAGlOUPLMkkm5Srul/fbcmJkYoa3t06ZdkjzSFGEo+vMXLSVv8A8fDmQ8Tb1PjZNaHVmkQIRAhUW9+zdmZq4xRl444DuLPzAZH5h4gwtLTh2o0KuaLGJIbNk6zfEd3ok/bFkPSrhbfbKFaVyUOKTkR0hF7C02K1MFRHO3PGbj93WOy7OcmHUtNJ3lrNAPuSdAMyY8a0uNguppmQsL3mwCuVs2//AGfL/wBnyjylrFe2e3jRJPtIa+EcSMutaMPk6NuRp+voqmCl+Kl+JmbYcG/l3P8AeCrt1rvGbWqquzYbG886ckJ+28caecRRx5z2J+sqxA0WF3HQDmfRNmyL5WTLspaZeCEJGA3HK8ye7Uk6mHWzRNFgVmZsOr5Xl723J7R6qKvZfizZlrslKfcRvAlLSdzepkCV07taHDHARxJNG4W1TNFhlZC/OA0HmTe32uq3NbSXENJYkmUy7SBupJO+sDxwB61iE1JAswWT7MHY55kncXE/Qfv2UDY9kTVpvmhU4o+264SUpHNX2SIjax8rk7PUQUUetgOAHH95p43VuyzINbjQqo4rcPtLP7AaDTzMWMcYYLBY6srZKp+Z+3AcApuJEoiBCIEIgQq9fO9TcgzvGinVVDbfE8TwSNT4RFLKIwnqChfVPsNGjc/vFIK1LRcmHVOvKKlqOJ+wA0A0EVjnFxuVtYYWQsDGCwCxycqt1aW20lS1miUjUn+s48AJNgu3vaxpc42AT8uPdJEg1op5Y9Yv/an5R9c+lnDEIx2rE4hXuqn8mjYfk9qs0TKvRAhaNr2cw+ikwhC0Jx74FBzqco5c1pHWU0M0sbrxEg9i0rMtWQboyw9LJxwQ2tAx6A4mOWujGgIU0sFU/wDkka49pBU3EiTRAhECEQIUW9eOUQrdVNMBXAupr944MjBxCZbR1DhcMdbuKkWnQoBSSFA5EGoPQiO0uQQbFe4F4iBC8uLCQSSABmSaAQL0Ak2C0JW3pVxfZtzDK1/ClxJPkDHAe0mwKmfSzsbmcwgc7FSMdqBECEQIRAhECF8UqgqcAIEbpMbRr9mZKpeWVRgYLWP8w8v+n9+kV88+bqt2WtwvC+hAllHW4Dl7+SX8Kq7TX2Z3Epuzc0nHNpsjLgtQ+LgNM86Uep4P7OWaxbFL3ghPefwPymgTSHFnEnnt63bS3QT6Ix4d2uJ/E4RhwSOUIG88nYFqm5cMpL/3d5+g803pdlKEpQhISlIASkCgAGAAHCHgLaBZdzi4lzjclVvaLeAScmsg0dcqhvjUjFX5RU9acYinkyM7U/hdL8ROAdhqfT6rW2WWH6NJJUoUce9YquYHuD9OPVRjynZlZ3qTGKnpqggbN09fFXGJ1VIgQiBCIELStaymZlstvtpWg6HTmDmDzEcuaHCxUsM8kLs8ZsUpLzTDFlB2VkVKL7n+K6SCptGjaSAKE6nMV40ojIWxXazdaekbLXFs1QOqNhwJ5n996bYdkuTTyGGhVSjnokaqPID+WsQMYXGwVtUTsgjMj9h49inL2Wu2hsSEof7u2fWL1ecGajxSDlpgNAIkkeAMjdvNJ0UD3O+Jm+Y7D/Ucu/8AeaqsQKyW5ZllvTCt1hpbh+VNQOpyHiY6axztgopZ44ReRwHemHdvZQokLnV7o/0mzU9FLyHRNesNx0vFyoqrHQOrAPqfwPX7JoWfINsNhtlCUIGSUig/5PMw41oaLBZ2WV8rszzcrZj1RogQiBCIEKMvFbbckwp504DAJGalHJI5n6Cp0jh7wxtymKWmfUSCNn/BzXPNuWu5NvLedNVKyGiRokcAP5nWKt7y83K3VPAyCMRs2Hj2rQMcKZOzZhc/0Vv0h5Pr3BgD/loOn4jrwy4xY08OUZjusji2IdO7omfKPE+nJXyGVSogQqjfS/bMjVCaOv8AwA4J4FZ06ZnlnEEs4ZpxVpQYXJU9Y6N58+5KObtGdtR4IKlOqUe62nBCee7kAB7x84RLnymy07IaaijLgABz4/vYpW2Nms1Ly6n1KaUEDeWhJNQkZkEgA0GJjt1M5rbpaDGYJZRGARfYnmr3sithb8opDhKiyrdBOe6RVIPTEdAIZpnlzbHgqbGqdsU4c0WzC/14q9QyqZRV47wMyTRceVT4Uj2lngkfvkI4fIGC5TNLSyVL8jB9eA70kb1X2mZ0kFRbZ0aQcKfMc1Hrhyiukmc/uWvo8NhphcC7uZ/HLzX271wpucQHEIS22clOkpCugAJI50pAyB7xcIqcUp6d2VxJPIcFY9nTz8jaKpB04LBqkGqQoI7RKk8imv0rlE0BcyTIUhijYqmkFSzh97XtY/VN+HlllAXuvWzIN7y+84r2Gwe8rnyTxP3yiKWURjVO0VDJVPs3QcT+8exJC8d5pmeXV1Z3a91pPsDhQanmamK98rnnVbClooaZvUGvPipFvZ7O+jqmFJQ2EJK91at1dAK1pSiTTQkGOvh35cygOLU3SiIEm+lwNP36KEtK3JiYUFuurUQkJBqRgBhlrqTqTEbpHO1JTcVNFEC1jRzVq2W2Kuame1WpZZYoTVRopfup5ge0eg4xPTsLnXOwVbjFS2CHI0DM7wHH0TI2gXj9BlSpJ9c53GxzpirokY9aDWGppMje1UGG0fxMwB+Uan0+qQXpTnxrJ/Ef5xW3K22RnIfZPzZ7YCpSVT2lS8533N41I4J/KPqTFlCzK3XdYrE6oTzHL8o0Hr9VSdqN9e0KpOXV3Bg8se8dUA/CNeOWVar1E1+q1W+EYdlAnlGvAcu30S0hNaBMLZfcz0hQmn0+pQfVpPvqGp+QHzPQ1bp4c3WOyo8XxHoh0MZ6x3PIevknND6yap+1O2TLSKgk0W8ezHIEErP6QR4iIKh+VnerXB6fpqkE7N19PFbGzqwRJyaAR6xz1jnUjBP5U0HWvGPYI8jFHilV8RUEjYaD97VYLQnUMNqddUEoQKqJ/rPlEriALlIxxukcGMFyUq7HZXbk+Zh1JEowaJQcjqlPDePtK5UHCEmgzPzHYLSTubhtN0TD13cfz+B903IeWYRAhECEQIRAhVDaJe4SLO42QZhwHcHwjIrPTQanoYgnlyCw3VphlAal+Z3yjft7PVIhRUpVTVSlHqSSfMkmK3dbPRo5BPfZ5dIScuS4kF90esrjujRHQa8T0EWUEWRuu5WMxOvNRLZp6rdvX0W/M3Ms81KpVkAYkgbo/hpHRhj5KFuI1Y0Eh81VLrGUmpxbctZ7Ho7RxfWN4nhugjMmtMchXlEMeVzrNaLc1ZVnTwwB0szsx/qPz+7pktthIASAAMgBQeUNqgJJNyvUC8RAhECEQIRAhfFKABJNAMSTAgC6QG0C9Bnpg7pPYN1S2OPFfVWnKnOKyeXO7sW3w2iFNFr8x39P3iqvECsVf9lN1PSHfSXR6po9wEYLWP8AanPrTgYaposxzHZUmM13RM6FnzHfsHv5J0xYLJIgQqFtGvz6IDLy5BmFDFWYbByP4zoNMzpVaefJ1RurrC8M6c9LJ8vn7JLOLKiVKJKiakk1JJzJJzMV61oAAsE6dj9joblPSKeseJx4JSopAHKoJ8eUWFKwBmbmsljdQ58/RcG+ZVmvdMBuRmVHIMrHiUkAeJIiaQ2YVX0TC+oYBzHmqlsUkymUdcPvu0HRKQPuT5RBSDqkqzx+QOna3kPNWy9F42ZFkuOmpOCED2lngOXE6RNJIGC5VZSUklS/Kz6nkkBb9tuzjxeeVUnID2UjRKRoPvFY95eblbempo6eMMYPfvV12bXED9JqaT6rNts+/wDMofBwGvTNiCDN1nbKoxXFOivDCetxPLsHb5d6l9ot/Vy7no0oQlaQO0coDu1GCUg4VpmdK0iSectOVqVwvC2zN6abY7Dn2lROyxh2bn3Jx5RWW04rOq1DcSMBTBAOXLjEdOC9+cprGHMgphBGLX4dg180wb5XpbkGd9VFOKqG2/iPE8EjU+GsNSyiMXVHQ0L6qTKNANz+8UgbUtJyYdU68oqWrMn6ADQDQRWOcXG5W1hhZCwMYLAJobLLmbgTOTCe8RVlBHsj4z8x04DHXBynht1nLO4xiOa8EZ04n8eq97Yrx7iEybZ7zgCnaaIr3U/mIx5DnHtVJYZQvMDo8zjO7YaDv5/Tz7kppaXU4tLaBvLWoJSBqSaCEQLmwWme8MaXO2C6NurYaZKWbZTQkCq1fEs+0fPAcgIto2BjbLB1lSaiYyH6dg4KHvVcRE+8HXH3E0TupQkJ3UjXMZk5npwiOSAPNyU1R4o6ljyNYO9aVjbL5dh5t4uuObh3glQTQkZVoNDj4Ry2ma03U0+NyyxlmUC/EXRtQvd6K36Oyr17gxIzbQcK/iOQ8TwgqJcoyjdGEUHTv6V46o8T6c0kxFctcrHcW66p98JNQyihdVy0SPmV9BUxNDFnd2JDEK0UsV/7HYfn6LoGWYS2hKEJCUpACUjAADAARZgW0CxDnFzi5xuSskerlK/bYgj0NZFW0qWFDmdwgeKQqE6v+pWiwAj+Ro3sPz7K2TV+pBDXa+kIUCKhCDVZ5bgxB60pE5njAvdVrMLqnPyZCO07fdUBx6bt9/dSCzKIVjwHMn33KZAYCviVbvnPIK6DafC47nrSH9+g8017IsxuWaSy0ndQkYcTxJOpJxJh1rQ0WCzU8z5nl7zqVuR0okQIRAhECFHXgthuTYW+5kkYAZqJySOZMcPeGNuVPTU76iQRt4+HaudbZtRyaeW86arWa8gNEjkBhFU9xcblbuCBkMYjZsP26vWyS63ar9MdT3GzRoH3ljNXROnPpDNNFc5iqbGq7I3oGHU793L6+XenDD6yyWt+7fcnHhZklipRo8sZAe8mvwj3v08RCk0heejYtBh1Kynj+Ln2Gw/Pp91drtWE3JMJZaGWKlaqUc1H+sAANIYjYGNsFUVVU+pkMj/+DkpSO0siBCIEIgQiBCIEJd7XrydkyJVs994VXTRvh+Y4dAqFamSwyjir3BKPpH9M7Zu3f7eiTcV61a37Cslc2+2w3ms4n4R7yjyAjtjC91goKidsERkdw/bLo+y7PRLsoZbFEITuj+Z5k4nrFq1oaLBYKaV0ry925W1HSjVYv7ekSDFU0Ly8G0n6qPyp+poIhmlyN7VYYdQmqlsflG5/H1SBfeUtSlrJUpRJUo5knMmKwm+pW3a0NAa3YK5XQuCudlXXidwkUYrkpQOJPy4bvmdIYigL2k/ZVNbiraeZsY1/27B2dvFSlxL4/wBn70lOoU2lKjuqIxQTiQoDEpJxChXPhjHcM3R9R6XxHD/i7VFOQb+Pd29i2tq17GnZdtiWdQ4HFbyyhQIATikHgSqh/LHtTKC3K0qLBqCSOUyStItoL9vt5rL/AOuZazpNqWlqTDqEUJFQ2FHFRKtaqJNB5iPenbG0NbqVz/4yarndLL1Wk/W3DTu5pZ2vajs06XXllaz5AaADRI4Qm5xcblaGCBkLAyMWCsGzq6vpz9Vj1DVCv5jojxzPLqIlgizu12SOKV3w0Vm/Mduzt9O1PtCQAABQDAAaRZrFk31KTlu7OJx6edUnc7JxxS+1KhgFGtCn2qjLAaZwg+neXlaqnxinjp2g3uABa3Lt2TClmJeyJE49xsVUfecWf9xNABphwhoBsTFRvdNX1HafsAkXeG2nJx9T7uZwCdEpGSRyH1JJite8vdcrY01MynjEbP8Ap5qy7M7o+lu9s8n+7tnI/wCYsYhP4RmfAcYmp4s5udlX4tX/AA7OjYesfAc+/knHbNpolWHHnMEoTWnE5ADmTQDrD73BouVlYIXTyCNu5XN9q2guYececNVuK3jy4AcgKAdIqXOLjcrfQxNijEbdgmLsdu3vKM64ME1Q1XjktXh7I6qhulj/ALlUOOVlgKdvefwPz9k2YdWZRAhRV5rcRJS63l40wSnVSj7KR/WABMcSPDG3KZpKZ1RKI2/8C50tGeW+6t107y1neUf2HIDADgIqnOLjcrdxRNiYGM2C+SMmt5xDTY3lrUEpHM/sMydADA0EmwXskjY2F7tgui7r2EiSl0MoxIxWr4ln2lfy4AARaxsDG2CwlZVOqZTI76DkFLR2lUQIWjbNktTTRaeTvIPgQRkQRiCI5c0OFipoJ3wPD4zYqrSOy2RbXvK7V0aJWvu/wgE+MQilYCrKTG6lzbCw7QPW6uctLpbSEISEpSKBKQAAOQETgAaBVLnueczjcrJHq5RAhECEQIRAhIfaVej0yY3GzVhkkJpkpWSl9NByx1itqJc7rDYLZ4VRfDxZnDrO8By9VB3asVc5MIYRhvGqlfCge0ryy5kRFGwvdYJ2rqW08Rkd/wBPBdGWfJoZbQ02N1CEhKRyH3POLZoDRYLBSSOkeXu3Kpd/73qbIkpOq5pzukpxKK6D5yPIY8IXmlt1G7q3w3D2uHxE+jBz4+3mpS4d00yDPeop9eLi/wDaPlH1OPCncMWQdqWxGvNVJpo0bD8/uytETKuRAhECEQIRAhECFim5hLaFOLNEoSVKPAAVP0jwmwuV0xhe4NbuVzZeC1lTcw4+vNaqgfCnJI8BT6xUveXuJW/poBBE2McPPio+OFOnFsdu/wBmyqbWO+73UV0QDn+ZQ8kph+ljsMx4rK45V55BC3Zu/f7eqY0NqhWOZfS2hS1kJSkFSicgAKk+UeE2FyumNL3Brdyucr126qdmVvKqE5NpPuoGQ66nmTFVJIXuut5R0raaIRjfj2lfLrWIqdmUMJqAcVqHuoHtHroOZEEbM7rL2sqRTQmQ/TtK6NlZZLSEtoAShACUgZADARagWFgsE97nuLnG5Khr3WVJusrcnEJKW0k7+S0gcFDHHhqY4lawi7k3RT1DJA2A6nhwSouHcxNoLdWorbl0GiaEFRJNQmpFO6mlTTUQjDD0lzwWlxHETSBrRYuP27/qdlDXwYl2plbUqD2bXcKlKKitQ9o8KA4YcDHEoaHWam6F0z4Q+bc625Dh6qIYZUtSUIG8pRCUgakmgHnEYF9AmnODQXO2C6OurYaZKWbZTQkCq1fEs+0fPAcgIto2BjbLBVlSaiYyH6dg4KXjtKr4TAhIjaRev01/cbP93aNEUyWrIr6aDljrFbPLnNhstnhVD8NHmd8x37By9fZV+wLIXNvoYbzWcTSoSkYqUeQH7DWImML3WCeqahsERkdw8exdG2TZzcsyhlobqECgH3J4kmpJ4mLVrQ0WCwc0z5nmR51KUu128nbPCVbPq2jVynvOcOiR9SeEJVMlzlC02CUfRs6Z27tu738lTLAslc3MNsIzWcT8KRipR6D9oXYwvdYK2qZ2wRGR3Dz4BdH2dJIYaQ02KIQkJSOQ/eLZoDRYLBSyOkeXu3KxyNrMPFSWnm3Cn2ghYURpjQ4R4HNOxXskEsYBe0i/MLdjpRJD7TLy+lzJQg+pZJSmmSle8rzwHIV1itqJM7rDYLZ4TR/Dw5nfM7XuHAevsqfC6tU3Nj92txBnHB3l1S0Don3ldVHAchzh+ljsM5WYxuszO6Buw37+X08+5MyG1nlqWjaTLCd55xDaeK1AV6VzPSOXODd1JFDJKbMaSexQLW0KzlL3BMAE4VKFhP6ikAdThEfxEd7XTpwmrDc2TxF/tdWhKgQCDUHIiJlXEWX2BCIELw64EgqUQlIxJJoB1JgXoBJsFWZnaHZ6FbpmATxQhah+pKSD4RCaiMcVYswmrcL5PuQPMqesy0mphsOMrS4g6p+x1B5GJGuDhcJGWF8TskgsVtx0o1Rdqt5fRpfsGzR18EVGaUZKPU+yPHhC1TJlbYblXOD0fTS9I75W+J4eqSMVy16eey27Xost2qxR58BRrmlHuJ5HU8zTSLKnjytudysdi9Z08uRvyt8TxPosd/76+jf3aV780ugwFezrlhqs6J8ToD5NNl6rd17huG9N/NNowePtzKzXAub6GkvP9+acxUomu5XEgHVR1Vr9+oYcmp3XOJYj8Qejj0YPH25BWa1LWZlk777qG06bxpXoMyekSucG7lV0MEkxyxtJKhpG/sg8sNomBvE0G8laQT1UkCIxPGTYFNyYXVRtzOZp2EHyKnJy0mWiA6622TiAtaU16VMSlwG5SbIZH6saT3Ba/wD6glf/AJLH/wBqP5xz0jeYUnws/wDo77FSUdpdECEQIVC2xWv2UollJ7z6qH8CcVfXdHiYWqn2bbmrrA6fPOZDs3zO35SUiuWuW7YlmqmZhphObigmvAZqPgmp8I7Y3M4BQ1EwhidIeA/4ulpWXS2hKECiUJCUgaACgHlFsBYWC+fveXuLnblZY9XKXu2O2i1LIl0minz3vwJoT5q3R0BhWqfZuXmrzA6bPKZTs3zPskzFetYnLsbsbs5ZUyod540T+BJoPNW8fARYUrLNzc1k8dqM8oiGzfM+yYcNKjSp2i2yuemW7NlTvd/1hGRUNCfhQKk8xyhKd5e7o2rS4XTtpojVzctO732HurTbbqLJsspawKU7jZ1U4r3jzrVR6GJnkRR6Ktp2ur6y7+Op7hw/CQkVi2qv+x6xO1mVTCh3WB3fxqwHkmvmIapWXdm5KkxypyQiIbu8h7p0xYLJIgQlhtVvjuhUmwrvEUeUNB8A5nXgMNcE6ma3UC0WD4fmInkGnAfn0SmhFaZOfZBYHZS5mVjvvezybGX6jj03YsKaOzcx4rJ43VdJL0Tdm+ft6qfv3eMSMqpYI7VfdaHzUz6JGJ8BrEs0mRt0lh1GamYN/qNT3e656WskkkkkmpJzJOZMVa3AAAsE59kl2+wYMy4n1jw7tc0t5j9R73Tdh+mjytzHisnjVZ0knRNOjfP22+6NpN6VJpIytVTDtEq3c0hWSeS1DyGOognl/o3de4VQg/8AyZtGDnxtx7h4lWC5V2kyEuGxQuK7ziuKqZD5RkPPUxLFGGNska+sdVS5uA2HZ6rR2mXg9ElCEGjr1UI4gU76vAYdVCOaiTI3tKmwmk6ee5+Vup/ASFEVi2il7qWIZ2abYFd0mqyNED2j+w5kRJEzO6yVrKkU8Jk48O/gujmGkoSlKQAlIAAGQAwA8otgLLBOcXEk7lUe/wDf5MnVhii5jUnFLfXiv5fE8CtNPk0G6uMNwo1H8kmjfE+3alAtb84+KlbzzhoK4k8hoEjHgAIRu57uZWpAip49LNaFcn9lMwhhThdbLiUlXZAE1oK0365+FKxOaVwbe6qW47E6UMDTbn7e6texy0lOySm1GvYr3U1+EgKA8DvDpSJ6V12W5KtxyEMqA4f2Hir7DKpVX73XsZkG6r7zivYbBxVzPBPP7xFLKIxqnaKhkqnWboOJ/eKSttW/N2k6EqKlbyqNso9kHSg1PzH6CK98j5D+FroKWCjZcaW3cd/3sCulk7I6t1mHylw+62AQnqT7R6U/eGG0mnWKqZsfs+0TbjmePotfZSXJa0ZiUUagJUFcN5tQAUOoJ8xHlNdshau8YyTUrJh2fYjZNidmktNrcWaIQkqUeAAqYdJAFys1Gxz3Brdyub7x2wucmHH1+8e6PhSPZT4DPnUxUyPL3XW9padtPEI28PE8VM7N7u+mTYKxVlqi18CfcT4nHokxJBHnd2BK4rV/DwafM7Qfkpg35vuWleiyfrJpR3apG9uE6Aaucshrwhqaa3VbuqLD8NEg6afRg8fbz4LNcK5AlPXzB7SaXUkk13K50OqzqrwHP2GHL1juucSxIz/xx6MHj7cgvd+r9tyQLTVHJgj2fdRXIqprwT9tSacM0G68w7C3VPXfozz7vVJW0J96ad33VKdcUaDU8gkDIVyAivc4uNytbFFHCzKwWA/dVbU7M5gSq33nG2ilBX2ZxNAK0UqtEnzif4Z2XMSqw41EZhGwE3Nr+g4+CqFoWg4+UqeWVlKAgFWYSnIf88zEDnF26tI4mRAhgtck/Uq1bLbt+lTXarT6piijhgpfuDw9o9BxianjzOudgq3GKzoYcjT1neXH0T1iyWNRAhECEjNrlo9rPlFe6yhKPE99X3A8Irql1325LY4LDkps3+xJ/CpULK3TG2LWXvvuzBGDadxP4l5+ISKfmhukbclyocemyxNiHE3+g9/JOKH1lUQISG2rTxdtFxOjSUoHlvH6q+kVtS68i2mDRZKUHnc/j8KnmF1aLpO6SEiSlQj2exRT9Ir9Yt4/kFlga0k1Embe581Vdod+hLgy0sd6YVgpScezr93OA08hEE8+Xqt3VjhmGGU9LLo3z9lsbNLoGUbLzw/vDoyOaE57tfiJxPgNMeoIsgud1xiuICd3Rx/KPE8+7koLbfOGsszp3nD1wSn7q84iqzsE5/j8Y67+4fvglZCS0ieuyOWCbOQoZuLWpXUKKR9EiLKmH8axuNPLqsg8APK/5VzhhVKoe0K/Ho392lu9MrwNMezrlhq4dE+J0BWnny9Vu6usMwzpv5ZdGDx9uZ/QmJpCkrUF13wohVTU71e9U6mtYrze+q1jC0tBbt+F7s2ULzzTQzcWlH6lAfvHrRcgLmWTo2OfyBP2XSM1MsycvvLIbZaSB0AFAANTkABFsSGN12WBYySols0XcSkDfC8a5+YLqqpQO62g+6n/ALjmfLQRWSyF7rrbUNG2liyDfieZ9OSzXEsD02bQ2r/DT33PwgjD8xIHQnhHsMed1lziNV8NAXDc6Dv9k07+X3bkUFpndVMEUCRk2NCrnwT+0OTTBgsN1m8Ow19S7O/Rvn3fkrU2a3SU1WcmqmYdqQFZoCsyfnV9BhxjyCK3XdupcVrw/wDgi+QcuNvwFf4ZVIkDtLtr0qeXQ1bZ9WjwPfPiquPACKyofmf3LbYVTdDTi+7tT+PBVWIFZJy7G7E7OXVMqHeeNE8kJNPqqp6BMWFKyzc3NZTHKnPKIhs3zPt+VO3/ALy+gyxUmnaud1sHjqrokY9aDWJJpMje1JYbR/EzWPyjU+n1XP7jhUSpRJUSSScSScSSeNYrFtwABYJz7J7sBhgTLg9a8Kpr7renirM8qRYU0WUZjuVk8ZrTLJ0Lflb4n22V0taYDbDq1ZIbUo+CSYncbAlVELC+RrRxIVD2IMESry/idp+lCf5wvSDqkq6/yB15mt5DzJVpvleZuQY7RXecVg2j4lc+CRmT+5ESyyCMXVdQ0TqqTKNhueQ9eS5/tS0XJh1TryipajifsANANBFY5xcblbaGFkLAxgsAr5sUkkKmH3VCqm0JCeW+VbxHOiaeJhmkaCSVTY/I5sTGDYk3+lvVOImH1lUrNmifSLTnpoYoqoJP43Kp/hR9YTg60jnLSYqeio4oTvp4D1KybZbwbqUSaDiqi3afD7qfEiv5RxgqpP6hc4FSXJndw0HfxKU0IrTK6Xftl7sEyNnIV2zveeeyNTgQn4EJFBvnnShNYZY85cjN1U1NPH0hqaojKNAPXmTy+6ZFybktyCd9RDkwr2nDpXMJrkOJzP0hqKEM14qgxDEn1RyjRo4ev7osG0S+Qkm+zaIMwsYa7ifiI48Bx6R5PNkFhuu8Mw41Ls7/AJB49nqkY4tSlEqJUpRqSSSSTxOZJMV262IAaLDQBOjZxcYSqRMTCazCh3Un/KB/3kZnTLjWwggy9Y7rJ4piZmPRRnq+fso3bFeTdAkmziqinSOHup8czyA4xxVSf0CnwOjuTO7hoPyUqmGlLUlCBvKUQlIGpJoB4mEgLmy0rnBoLjsF0ZdGwkyUqhkUKvaWr4ln2j00HICLWJgY2ywdbVGpmMh24dymYkSiIEIgQuaLyTPazcwv4nV+W8QPpSKiQ3cSvoFIzJAxvYPJR0cJhPTZHI9nZ6VUxdWpZ89wfRIPjFlTNsxY3Gpc9UR/qAPz+VdIYVSiBC53v+gi0ZoH/Ur4FII+kVU//sK3WGkGkjty/Kr8RJ5SkneGbbb7Bp91LZwCEnjoKYip0HGJBI8CwKWkpIHv6R7ATzP7ZMzZxcHsN2Zmk+tzbbPufMr5+WnXJuCDL1nbrP4pivSXihPV4nn2Ds8+5MiG1QJU7cJQ1lnaYd9BPPBSfsryhKrGxWl/x9467O4/vglbCS0avdwr/iRaLDza1t7xUgopvJrmKEgEVxrXUw1DPkFiqbEcKNS/pGEA8bqQtvaa/MkMyLSkKXgFGinDXRKRgk88fCOn1LnaMCgp8Fih/kqHXA+31Kn7lXIEmlU1Mesmt0qFTUIwJOOqzqrwGpMsUOTrO3SNfiXxBEMWjPP25BJZSyokk1JxJ5nExXrXWA0C9MuqQpKkkhSSFJIzBBqCOYMANtV45ocCDsVPzkzO2g24+84pbUumpUQEpBNAAAkAFZr5eESkvkFzsEkxlNSPbGwWc77+PBV2IU8tuzrTel1FTLim1FO6Sk0JB0846a4t2UUsEcwAkbcJmbOrhneE3OJO9XebbVnXPfXX3tQD1OMOQQf2cs/imKC3QQHTYkeQTRhxZxRN67U9FlHntUIO7+I91P8AERHEjsrSUzRwdPO2PmfDj4Lm2Khb9ZZSWU64htPtLUEjqo0EegXNly94Y0uOw1+y6bs+USy0hpHsoSEjoBSLhosLBfPJZDI8vdudUi9pttekzywDVtn1aeo9s+KqjokRW1D8z+5bLCaboacE7u19PBQd3rO9JmmWdHFgH8Oav4QYjjbmcAnKqboYXSch48PFdLoSAAAKAYARbr5+TfUqk7W7XDEiWwe++dwfhGKz0pRP5hC9S/Ky3NW2C0/SVGbg3X68PX6KQurLps+zWy8dzcQXHCdCrvEdRXd8I6jHRx6qGseaurOTW5sPpp7pK3pt9c9MKeXgMkJ+BOg66k8TFfJIXuuVraOlbTRBjfqeZUjs/usZ+Y74IYboXCMK8EA8TrwFeUdwxZ3a7KDEq74WLq/MdvVSyEO2DP7xSpcu5VNR7yK1FDl2ieBzx4x3rA/sSxMeKU1gbPHgfQ/uyt98r8Mf2etcs8la3R2aQD3k7w7xKc0kJrnrSJ5Zm5LtKqqHDZfig2VtgNew2279V7uW01ZlnJXMKShSwXVhRANSO6kA4lW6AKcax7EBHHcryvdJW1ZbGLgaD8n7pN2xaK5l9x9z2nFFRHAZAdAKDwivc4uJJWrghbDG2NuwUlc667loPFCVBCEAFxZFaAmgAGqjjToY7iiMhsl66tZSx5iLk7D94J63du+xJN9mymnxKOKlHio/tkNIsmRtYLBY2qq5Kl+aQ/TgO5eL12+iRl1PLxOSE19pRyHTUngDHkkgY25XtHSuqZQwfU8gud7RnlvurddVvLWaqP8ALgAMAOAirc4uNyt1FG2JgYwaBMHZLdPtVemPJqhB9SDqoHFXRJwHOvCGqaK/XKpMar8g6Bh1O/dy+vl3pnXgtZEpLuPryQMB8RySkcyaCHHvDW3KztNA6eURt4rnCfnFvurdcNVrUVKPM8OQyA4CKlxLjcrfRxtjYGN2CYOx67u+4qccHdb7rVdVe8rwGHUnhDVLHc5iqPHKvK0QN3Op7uATfh5ZZECEQIRAhcsuGpJOZNYpl9HGgXmPF6ujLjopZ8qB/ooPmKxbRfIFg8QN6qTvKnIkSaIEJe7Rrhrm1iYlyntd3dWhWAXTIg6KAwxwIplTFWeAvOZqvMLxRtO3opduB5eypMjs0tBxVFNJaGqlrSR5IKiYXFNIVcSYzSNFw6/cD+bJlXRuExJUcPrX/jUME/gTp1xMNxQNZrxWercUlqeqOq3lz7/2yt0TqsRAhRl4rEbnGFMu5HEEZpUMlDmPtURw9geLFMUtS+nkEjP+hJu0tmc+2shDaXk6KQtKfNKyCD59YQdTPB01Wrixmle27jlPIg/hbNlbLJxwjtShhOtSFq8Ak0/ij1tK876KObHKdg6l3H7Dx9EzrrXQl5EerTvOEUU6uhUeQ+FPIeNYcjiazZZ6sxCaqPWNhyG3up9QrgYlSKSd4NmM026r0ZIeaJ7tFJSpI0CgoitMqg48orn0zgerqFr6bGoHsHSnK7u08FuXd2UvLUFTag2jVCCFLPIqHdT1FY6jpSfmUNVjsbRaEXPM7ep8EyJ27jKpNcm2kNtqQUjdGRzB5mtCa4mGzGMmUKhjrJBUCdxub3SfOzS0N/c7JFK/4naJ3eue9/DCPw0l7WWp/wDM0mXNmPdY39PFMC52zlqUIdfIeeGIw7iD8oOZ+Y+AEMxU4bqdSqOuxd84yR9Vvie/0V5hlU6IEJc7a57dlmWgf8RwqPMIH81JhWrd1QFfYBFeVz+Q8/8AhSdivWqVs2XSPa2i1XJsKcPgKD+JQPhE9O28gVZi8uSkd22H79Anfbc92Eu89/ptqV4gEj6xYvdlaSshTxdLK1nMgJA3WuvMWg4Q3gkH1jqvZBOJ/ErkPGkVkcTpDottWVsVI3rb8AP3QJ03YuZLSIBQjfd1dXirnTRI5DxrFhHC1myyVXiM1SbONhyG3urCo0xOUSpBKaXV/bNr7+crLYjgQDh+tYr+FMJD+aW/ALTOH/j6HL/d/wC+A8Sse2K8RW4mTQe6iinaaqOKU9AMepHCPKqS5yhdYHSZWmd250HdxP4S4YZUtSUIG8pRCUgakmgHnCgF9FfucGguOwXRl0rCTJSyGU03s1q+JZ9o/sOQEWsbAxtlg62qdUzGQ7cOwLftGQafbLbyErQcwoYdeRHGO3NDhYqCKV8Tg5hsUjrJuqifnn25VRRLIJPaK79BkKYiu8oEipyitbEJHkN2WxmrnUtM10wu88Nv23HtXu/t0m7PS165brrhPtAABKRjxNakUx4x7NEI7a6rnDq99UXdUNaPMqnwurVPnZdYvo0ihShRx71iuND7A/TQ9SYs6dmVnesXi9T01QQNm6eviratYAJJAAFSTkBE6rACTYLn6/t5jPTJUknsW6paHLVR5qP0oIq5pc7uxbfDqIUsVj8x39PotC61hqnZlDCcAcVqHuoHtHroOZEcxszusp6ypFNCZD9O0royTlUNIS22kJQgBKQNAMotQABYLBPe57i5xuSk3tavJ274lmzVtk96mSnMj+kYdSqEKmTMco4LV4LR9FH0rt3bd3v6KmWRZy5l5tlv23FUHLiTyAqfCF2tLjYK2mmbDGZHbBdI2TZyJZlDLYohtNB+5PMmpPMmLZrQ0WCwM0zppDI7cqHsC+LU4+4ywhxQb9p3u7mdBTGprjTDIGOGTB7iAmqnD5KeNr5CNeHFWSJUgiBCIELmS25bsph9v4HVp8lGn0ioeLOIX0Knfnia7mB5LSjhTLoTZzNByzpYj3Ubh6oJT+0WsBvGFhsUYWVbx23++qskSpBECEQIRAhECEQIRAhECEQIRAhECFjU8kZqA6kQXXoaTwQl9JyUk9CI8uvS0jcLJHq5RAhECEQIRAhECEpNuCvWyo03F/dP8oRq9wtP/j/ySd4/KWUJrQpjbEmgZl9WoaAHirH7CG6QdYlUOPuPRMHb+E0Lw2X6VLrY3ikLoFEZ7u8CoDmQCK84ce3M2yzlNP0Eokte3nbRbNnSDcu2lppAQhIoEj+sScydY6a0NFguJZXyvL3m5K2Y9UaW+0+9B/8A4JXvOuUS5u4kBWSB8yteA64KVEv9G7q/wiiH/wBmXRo1H049w81OWHZqLIs5alUK0pLjpHvLpgkcskj/AJiRjRFGk6iZ1fVADYmw7B+6lIibmVOrW4s1WtRUo8yamK0m5uVs2Maxoa3YaK87HrG7WaU+od1hOH41VA8khXmIZpWXdm5Kmxyo6OERjd3kPdOqLBZJUDajeUtoElL1U+/RJ3c0pVhT8S8ulTwhaoksMg3Ku8Iow53xEnyt8x+ArBcq7qZGWS1gXD3nFDVR/YZDpziSKPI2yRr6s1Mxfw2HclFtQtTt7QcANUtAND8uK/HfJHhCNQ7M/uWowiDoqVvN2v328FBWBZ3pMyyz/qLAP4a1V/CDEbG5nAJypm6GF0nIePDxXTCEgAAYAYARbr5+TfVLba7ejs0ehtHvrFXSNEaJ6q15dYUqZbDKFf4JRZndO8aDbv5/Tz7koYQWoTv2SWF2Ep2yh6yY73RA9geOKvzDhFjTMytvzWPxqq6Wfoxs3T68fRb+0O84kZY7h9e5VLY4cV9E/ciO55cje1Q4ZRfEy6/KN/T6pAk1xOJ1JisW2Ti2QXb7Jozbg77oo3XRvj1UfoBxh6mjsMxWVxuszv6Fuw37/bzWXaZeRWFnytVPvUSvdzSlXu8ioZ8E1Ooj2eT+jdyucJo2/wD2ZtGt27xx+nmrLc67qJGWS0KFZ7ziviUc/AZDkImijDG2VfXVbqqUvO3AdinIkSaIEIgQkhtdsYsznbAdx8VroFpACh4ih8TFdUss6/Na/BKgSQdGd2+R2VGhZXKY2yK8yWVqlXVUS6rebJyC8in8wApzHOG6aSxylUON0RkaJmDUb93P6JxQ+sqiBCIEIgQiBCIELTtC1WGBV55tv8agPoTHJc1u5UscEkujGk9wVWtLafIt13FLeP8A00EDzXQU6ViF1SwbaqyiwSqf8wDe8+l1VbR2uvKqGGG0Di4orPkN0feIXVZ4BWUWARj/ANjye7T1Vbnr/Wg7nMKQODYSn6gV+sQmeQ8U/HhVIz+l+/VQsxaj7ntvOr/E4o/cxGXuO5TbYIm/K0D6BaZEcqVFIEXW9J2xMNf4b7qPwuKA8q0jsPcNioX08T/mYD9ArVY+1CcaoHdx9PzDdV4KSKeYMTNqnjfVVs+CU8nyXafuPsfVMu7F+JWdolKuzd/03MCfwnJXhjyhuOZr+9Z+rwyem1Iu3mPzyVmiZV6IEIgQlftvkyUSzwySpSD+YBQ//JhOrGgK0X+PyDM9ncft/wBSnhFaZXDZXbCZeeAWaIeT2dTkFVBRXxFPzQxTPyv14qqxinMtPdu7dfpx9U+IsljEQIS+v9tBTLhTEqoLfOCljFLf/cvlprwKs1QG6N3V5huEulIkmFm8ufsjZtcssf3uaBMwupSFYlAOZNf8xWvAGmpgghy9Z26MVxES/wAMXyjx9gve2aeKJJDY/wA1wA9Egq+4THtU6zLLzAo81QXch56eqSsVy1qcWxJafRXkgjfD1VDWhQnd8MFeRh+k+UrK4+HdM08LfkqZvxfdqRQUJIXMEd1GifmXTIcsz9RJNMGDtSmH4a+pdc6M58+wfuihdmt2HCo2hN1U85i2FZgHNZ4EjADQdcI4IzfO7dN4rWsA+Gh0aN7eXrzKYM2+G21rOSElR6AVhomwuqNjS5waOK5gfeK1KWrFSiVHqTU/WKcm5uvorWhoDRsNFcdkTIVaKSc0trUnrgn7ExPTD+RVWNuIpSBxITTvpeluQZKjRTqqhtHE8TwSNT4aw7LKIws3QUL6qSw+Ubn94rn6cmlurU44oqWslSlHUn+soqySTcrcMY2NoY0WAXmXa31pTWm8oJr1IEAFyhzsrSeS6Qta1WJFjfdUEIQAlIGZoKBKRqYtnOawXKwMMEtTJlYLk/tyuf7yW45OvqecwrglOiEjJI/c6kmKyR5e65W3paZlNEI2/fmV6upY/pk20x7qjVZ4IGKvMYdSIImZ3ALysqPh4HScRt38E3r731as9vsmd1T+7RKB7LYpgVdBknXpD00wjFhusvh+GvqnZ3/Lz593qtfZvdVbVZyaqZl2pG9mgHMn51a8BhxjyCIjru3KkxSua/8Agh+RvLj7BXyGVSogQiBCIEKLvJYbc6wpl3I4pUM0qGSh0+oJEcSMDxYpilqX00gkZ/0ckgLx3feknS28n8Kx7KxxB/bMRWSRlhsVt6WrjqWZmH6cQooxGmVdrtbSpmWAQ6PSGxlvGiwOS9fzV6wzHUubodVUVWDQzHMzqnw+3or3JbUpFY75caPBSCfqjehkVTDuqWTBKpp6tj3H1stpzaTZw/zyejbn/bHvxMfNRjB6w/18R6qLndrUon/DbecPGiUjzJr9I4NWwbJmPAZz8zgPFQytpU9MmkpKDqErdP0AA8Y4+Je75Qmhg1LDrNJ5D1XpNhW5Of4z5ZSdCsIw/C0PoTBknfubI+Jwyn+RmY91/Fy3JHZC1m/MuLOZ3EhP1VvE9Y6FIOJUUn+QP2jYB36+inZXZrZ6KVZUsjVbiz9AQPpEgpoxwST8Zq3f2t3AKRRcyQH/ALRnxSD9476FnJQHEao//ofusb9xrPWKGVbH4apPmkgx4YIzwXrcTq2m4kPn5qv2tsnllglhxxlWgJ30+R731iJ1K07aJ6HHZm/+wBw+x9PBLW8t1JmRV65NUE0S4jFB8dDyP1hSSJzN1oKSuhqR1DryO6g4iTizyUk48rdabW4rghJUfoMI6DSdguJJGRi7yB3mymE3Jnz/AO1c8aD7mO+gk5JQ4lSD/wDQLUmruzbOK5Z9NMd7cUQPzAU+seGN44FSsrKeTRr2n6jyVzuXtMW0QzOkrbGAdzWn8YzUOefWJ4qkjR6qa/Bmv68Gh5cD3cvLuTdl30uJStCgpKhUKSagjiCIeBB1CzDmuYS1wsQskerlRN6rFE5KuME0KhVKuChik9K58iY4kZnaQmaOpNPM2QcPLiuc52UWy4ptxJStBopJ0P8ALWusVJBBsVvI3tkaHtNwVhjxdq5WLtLnJdAQrceSBQFwHeA07wIr41POGGVL2i26qZ8Gp5XZhdp7NvsvFpX3tCfIZQd3fw7NhJBV1VUqpxxA4wOmkfoPBdRYbSUo6R2tuLv2yvFwdniZbdfmQFP5pQMUt/8AcvnkNOMMQ0+XV26p8SxYzXji0bz4n2TBhpUaWG3Fo9nKq90LWD1ISR9EmE6saArRf4+4ZpBxsP3xSmhFaZZJeYW2d5C1INKVSopNOFRpHoJGy5cxrxZwv3plbP8AZ6pakzM4khNd5DSs1HPeXXTXdOevAuQ09+s5UGJYsGgxQHvPLsHr9k2odWYUbeRlS5SZQn2lMuAdSggRxILtITFK4NnY47AjzXNAioX0BbEjOuMrS40soWnJScxx8KaR01xabhcSRtkaWPFwUw7jXUennROzxUtGBQF5uEZYaNjhkembUMRec71RYhXR0zPh6ewPG3D38u9Lh9JClA5hRr1qawod1ftIIFl4jxeqzWVd+YnGHZp1TnYsNLUlS1ElRSkkJRvV7tRicvHKdsbnguOwVfNVw08jYWAZnEbcLnc28FWYgVgs0nMuNrCmlqQsYBSCQccMxjHocRqFw9jXts8AjtTQ2e3EKVCbnBVQO8htWJrnvrr72oB6nGG6eMHruWdxTFBboYNuJ/A7E0d4cYduFnF83xxguEIKxxEeoQVjDnAhfEOA5HOBC9wIWtaEg2+gtvIS4g5pUKj/AIPOPHNDhYqSOV8TszDYqg2tskYWSZd5bXyqG+nwxCvMmFXUjTsbK6hx6VukjQ7wPooF3ZHNA919gjnvj/aYjNI7mnRj8HFrvBZZfZC+fbmWk/hSpX33Y9FIeJXLsfi/qwn6geqm5HZHLJp2rzrnIbqAfoT9YkFI3iUnJj8x+RoHirJZ1yZFmm5LNkjVY3z/AB1p4RK2Fg4JCXEqqTd5+mnkp9CABQAAcBhEqSJJ1K9QLxECEQIRAhECEQIWCdlEPIU24kLQoUUkioIjwgEWK7jkdG4OabEJVS+y1XpykKJ9ETRYVXvKByRXRQoanhTjCQpev2LSOxsfDhwHX2twHb6eyadnWe0wgNsoS2gZBIp/5PMw61oaLBZyWV8rszzcrZj1RogQom2Ltys0PXMIUfipRQ6KFFfWOHRtduEzBWTwf+txHZw+2ygrMu6/ZqiZVan5YmqpdZG+niptWAJ+U0rxrETY3R/LqOSdlq4qwfzDK/8A2Gx7x+VcGXQpIUMjjiCD4g4g8jDAN1VOBabFe4F4q7eu50vPirgKHQKJdRTepwOik8j4UiKSFr90/R4hLSmzdRyO3sl/M7IpgH1cw0ocVBST5De+8KmkdwKu24/ER1mEfY+i27O2QGoL8yKahpOP6lZfpjptJzKil/yAW/jZ9z+B6pgXfu3LySd1hsJJ9pZxWrqo4+GUNMjazZUlTWTVBvIfpw+yl47SqIEKMvFYjc6wpl2tDiFDNKhkRz/5jh7A8WKYpal9PIJGf9CWB2RTG9QTDO58VFV/Tl9YT+EdfdaL/wA/Db5Df6efsrldbZ7LSZDivXPDJaxgk/KjIHmannDEdO1mu5VVWYtNUDKOq3kPyVcInVUiBCIEJX3l2VFx1Tkq4hCVmpbWDRJOe6U1w5UwhOSlubtK0VJjgYwNmaSRxH5W5drZY0yoLmlh9QyQBRvxrirxoORjqOlA1dqoqrHJJBliGXt4+yYaRTAZQ0qJLa9my8vvLelnUo7Q7ykLBpvHMpKeJxpTOvSFJKbMbtK0FFjfRRiOVpNuI5dq+3d2UNtqC5tztSMm0AhHiTiocsPGBlKBq7VeVWOveMsIy9p39kw1yqC2Wt0dmU7u6BQbpFKUGQpDVhayow9wdnvrvftSmmdkL3aENzDfZ1wKwreA5gChPiPCEjSG+hWmbj8eXrMN+zZXG6uz+WkyFn1zw99YwSflTkOpqecTx07W9pVVWYrNUdUdVvIfk/oVr3MIkDLBVhN18Lce5V4gNwZULyqX5n+v5R0hAZyxyygQvqGqUxy/rGBC/9k="/>
-          <p:cNvSpPr>
-            <a:spLocks noChangeAspect="1" noChangeArrowheads="1"/>
-          </p:cNvSpPr>
-          <p:nvPr/>
-        </p:nvSpPr>
-        <p:spPr bwMode="auto">
-          <a:xfrm>
-            <a:off x="612775" y="312737"/>
-            <a:ext cx="304800" cy="304801"/>
-          </a:xfrm>
-          <a:prstGeom prst="rect">
-            <a:avLst/>
-          </a:prstGeom>
-          <a:noFill/>
-          <a:extLst>
-            <a:ext uri="{909E8E84-426E-40DD-AFC4-6F175D3DCCD1}">
-              <a14:hiddenFill xmlns:a14="http://schemas.microsoft.com/office/drawing/2010/main">
-                <a:solidFill>
-                  <a:srgbClr val="FFFFFF"/>
-                </a:solidFill>
-              </a14:hiddenFill>
-            </a:ext>
-          </a:extLst>
-        </p:spPr>
-        <p:txBody>
-          <a:bodyPr vert="horz" wrap="square" lIns="91440" tIns="45720" rIns="91440" bIns="45720" numCol="1" anchor="t" anchorCtr="0" compatLnSpc="1">
-            <a:prstTxWarp prst="textNoShape">
-              <a:avLst/>
-            </a:prstTxWarp>
-          </a:bodyPr>
-          <a:lstStyle/>
-          <a:p>
-            <a:endParaRPr lang="en-US"/>
-          </a:p>
-        </p:txBody>
-      </p:sp>
-      <p:sp>
-        <p:nvSpPr>
-          <p:cNvPr id="7" name="AutoShape 12" descr="data:image/jpeg;base64,/9j/4AAQSkZJRgABAQAAAQABAAD/2wCEAAkGBxQSEhUUExQWFhUXGSAaGRgXGB0cHBweHxwcHBogHxwcHSggHholHB8cIjEhJSkrLi4uGh8zODMsNyktLisBCgoKDg0OGxAQGywkICY0LDA3LC8sLC8sLywsLCw0LC8sLCwsLCwsLDQsLCwsLCwsLCwsLCwsLDQsLCwsLDQsLP/AABEIAIABiAMBEQACEQEDEQH/xAAcAAACAgMBAQAAAAAAAAAAAAAABwUGAwQIAgH/xABGEAABAgMFBQQIBAMHAwUBAAABAgMABBEFBiExQQcSUWFxEyKBkRQjMkJSYqGxcoKSwaLR8BUkM0NTwuFj0vEWRFSTsjT/xAAbAQACAwEBAQAAAAAAAAAAAAAABAMFBgIBB//EADcRAAEDAgQCCAYCAwACAwAAAAEAAgMEEQUSITFBURMiYXGhsdHhFDKBkcHwI0IGUvEVMyQ0Q//aAAwDAQACEQMRAD8AeMCEQIRAhECEQIRAhBMCFSry7SJWWqhv17g0Qe4DzXl4CsLyVDW6DVW1Lg883Wd1R27/AG9UuLY2izz5NHOxT8LQp/Eaqr0IhR1Q93Yr+DCKWLcZj2+myjZGy56exQh94fEpRKf1rO7XxjkNe/a5TEk1NTaOLW9nH7DVSjRtKx1IWtK0Nk03SoKaVqUmhICqV4HOO/5ITcpYijxBpa0gnnaxCd9kWgmYZbeR7LiQoDhUZdRl4RYNdmFwshNEYpHRu3BstuOlEiBCIEIgQiBCIEIgQiBCIEIgQiBCIEIgQiBCIEIgQiBCIELUtO02pdBcecS2gaqNPADMnkI5c4NFypYoZJXZYxcpcW9taAqmUa3v+o7gPBAx8yOkKvq/9Qr6mwEnWZ30HqqU/eW0JxYQHnlqOTbNU/wt0w5mFzJI82urdtHSU7cxaAOZ181IquvarLZfUtTQSKkqmQkj+OnhWOuilAv+UuK2hkd0YAd3Nv8AhbFm7U5ttkoUlDq/dcXUEDgpKabx51HOsdNqnAWOq4lwOB8mYEtHIfgnZRNr3utF3Fx55tJ0QC2nzSAT4kxG6WQ7lNQ0FGzRrQT26qG/tV/Pt3evaK/nEed3NNdBF/qPsFI2ffCeZPcmXDyWd8eS6/SO2zPGxUEuH00nzMH008lervbWQSEzje7/ANRqpHijPxBPSGWVX+ypqnASNYD9D6+qZUhPNvoDjS0uIOSkmo/88obDgRcKgkifG7K8WPatiPVGiBCIEKt3rvpLyIos77tMGkHvdVHJI5nwBiKSZrN90/R4dNVG7dG8z+6pbOX3tOed3JUFPyMpBoOKlqBp1wEKdNK82atAMNoqZmaXXtJ8gPdWrZdeOZfcmJeaUVKaoQVABQNSlSTTA0P7xNTyOcS1yrMXo4YmskhFgftzBTDhpUaCYEKtS9u+mTBZljVlo1eeGSjo2g61zUrgKDOsRB+d1m7KwdTfDxZ5fmdsOXafwOfcrLEqr0QIRAhECEQIUbb1uMybRdfXujIDNSjwSNT/AEaRw94YLlMU1NJUPyRi/wCO9JS91+5idJQCWmP9NJxUPnOvTLrnFfLO5+nBa2iwuKms46u58u79uq1JSi3lpbaQVrUaJSkYn/jnkIhAJNgrCSRsbS95sAm9dHZi0yA5N0dcz7P/AC09R7564ctYfipgNXarL1uNPk6sPVHPifTzV7m5puXaUtZS22gVJyAHQeQAhkkNFyqZjHyvDW6kpQX72gtzrCpdplQSVA9ositEmuCRWlevGEJqgPGUBajDsJfTyCR7tbbDt7Ux9n0spuzpZKs9ze/USofQiG4RaMKhxJ4fVPI5+WisMSpFECEQIRAhECEQIRAhECEQIRAhECEQIRAhECEQIRAhECFRL6bRmpUqal6OvjAn3EHmR7SvlHiRC0tQG6DdXNBhD57Pk6rfE/vNJ61rVemXC4+4paueQ5JGSRyEIOeXG5WqhgjhbkjFh+781Z7m7PnpyjrpLTBxCqd9Y+UHIfMfAGJoqcv1OgVdXYtHT3YzrO8B3+iZU4/JWLL1SgJJwSkYuOEcScTzJwHkIcJZC1Z9janEZdTft4BUmUsyet1wOvq7GVB7oAw/In3lab58OELBr5zc6BXD5qbDG5Ixmfx9+XcPdeH7FZlbblGJcHdTuFW8aknvkk113aZQFgbMA1etqZJ8Okkk3N/wnEtIIoQCOBh9ZUG2yrFubP5KZqeyDS/jaonzT7J8REL4GO4Kxp8VqYdM1xyOvulderZ/MydVpHbMjHfQMUj5k5jqKjpCclO5mu4Wio8VhqOqeq7kfwVUYXVot+xraflF77DikHUD2VclJOBjtj3MNwoJ6aKduWQX/eBTXurtQZeoibAZc+P/AC1eJxR44c4djqQdHaLNVmCSR9aHrDlx9/3RMFKgRUGoORENKjIsl3f7aGGN6XlCFPZLczS3yGhX9BzOAVmqMvVbur7DcIMlpZvl4Dn7eaX11LsvWk8cVblauvKqc+Z9pZ/5MKxxukKu6ytjo49teA/dgnZLSctZkqsoSENtpKlH3lEDMnVRy8gIsAGxt0WRfJNWTDMbk6dg9lUtj8mpfpM4sUL7lB4EqWem8qn5TEFMCbvPFWeNyNb0cDf6j/ngPFXa2rbYlEb77iUDQe8rklIxJ6Qy97Wi5VRBTSzuyxi/7xSttW9M1bDwlJRJaaV7XxFOqnCMkfKM8qmtISdK6Y5W7LRw0MGHx9PMbuH2v2dvamjd2xW5NhDDQwTmTmpRzUeZ+mA0hxjAxtgs7VVL6iQyP/4OSko7S6IEIgQiBCr18b2NSDdVd51XsNg4nmeCRxiKWURhPUNC+qfYaAbn94pEW3bL026XX17ytBklI4JGg/oxWveXm5Wzp6aOBmSMWHn3rFZVmuTLqWmU7y1HAcOJJ0A1MeNaXGwXU0zIWF7zYBPq5l0WpBvCi3lDvuUz5J4IHDXWLOKIRjtWLrq99U/XRo2H7xVjiVIJYbbpxYRLNDBCypSuZTuhI8N4ny4QnVk2AWi/x+Npc953Fh97+ipFxrtKnplKSD2KCFOq0p8NfiVl0qdIXhjzu7Fb4hWCmiJ/sdvX6LoVKQAAMAMhFosMTdfYEIgQiBCIEIgQiBCIEIgQiBCIEIgQiBCIEIgQiBC+KUACSaAYkmBAF9AlDf3aKp0ql5NRS3kt4Zr4hHBPzZnTDNGaov1WrU4dhAZaSca8By7+3sS1hNX6auz7Z3gmYnEc0MqHkVjj8vnwDsFP/Z32WbxPFt4oD3u9PX7K/Xmt5uRYU85pghIzUrRI/noAYakeGNuVSUlK+pkDG/U8glzdO7rtqvmenqlqvcRkFUOCQNGh9TXnCkcZlOd6vqyrZQx/DU+/E8vfyTaQgAAAAACgAwAGlOUPLMkkm5Srul/fbcmJkYoa3t06ZdkjzSFGEo+vMXLSVv8A8fDmQ8Tb1PjZNaHVmkQIRAhUW9+zdmZq4xRl444DuLPzAZH5h4gwtLTh2o0KuaLGJIbNk6zfEd3ok/bFkPSrhbfbKFaVyUOKTkR0hF7C02K1MFRHO3PGbj93WOy7OcmHUtNJ3lrNAPuSdAMyY8a0uNguppmQsL3mwCuVs2//AGfL/wBnyjylrFe2e3jRJPtIa+EcSMutaMPk6NuRp+voqmCl+Kl+JmbYcG/l3P8AeCrt1rvGbWqquzYbG886ckJ+28caecRRx5z2J+sqxA0WF3HQDmfRNmyL5WTLspaZeCEJGA3HK8ye7Uk6mHWzRNFgVmZsOr5Xl723J7R6qKvZfizZlrslKfcRvAlLSdzepkCV07taHDHARxJNG4W1TNFhlZC/OA0HmTe32uq3NbSXENJYkmUy7SBupJO+sDxwB61iE1JAswWT7MHY55kncXE/Qfv2UDY9kTVpvmhU4o+264SUpHNX2SIjax8rk7PUQUUetgOAHH95p43VuyzINbjQqo4rcPtLP7AaDTzMWMcYYLBY6srZKp+Z+3AcApuJEoiBCIEIgQq9fO9TcgzvGinVVDbfE8TwSNT4RFLKIwnqChfVPsNGjc/vFIK1LRcmHVOvKKlqOJ+wA0A0EVjnFxuVtYYWQsDGCwCxycqt1aW20lS1miUjUn+s48AJNgu3vaxpc42AT8uPdJEg1op5Y9Yv/an5R9c+lnDEIx2rE4hXuqn8mjYfk9qs0TKvRAhaNr2cw+ikwhC0Jx74FBzqco5c1pHWU0M0sbrxEg9i0rMtWQboyw9LJxwQ2tAx6A4mOWujGgIU0sFU/wDkka49pBU3EiTRAhECEQIUW9eOUQrdVNMBXAupr944MjBxCZbR1DhcMdbuKkWnQoBSSFA5EGoPQiO0uQQbFe4F4iBC8uLCQSSABmSaAQL0Ak2C0JW3pVxfZtzDK1/ClxJPkDHAe0mwKmfSzsbmcwgc7FSMdqBECEQIRAhECF8UqgqcAIEbpMbRr9mZKpeWVRgYLWP8w8v+n9+kV88+bqt2WtwvC+hAllHW4Dl7+SX8Kq7TX2Z3Epuzc0nHNpsjLgtQ+LgNM86Uep4P7OWaxbFL3ghPefwPymgTSHFnEnnt63bS3QT6Ix4d2uJ/E4RhwSOUIG88nYFqm5cMpL/3d5+g803pdlKEpQhISlIASkCgAGAAHCHgLaBZdzi4lzjclVvaLeAScmsg0dcqhvjUjFX5RU9acYinkyM7U/hdL8ROAdhqfT6rW2WWH6NJJUoUce9YquYHuD9OPVRjynZlZ3qTGKnpqggbN09fFXGJ1VIgQiBCIELStaymZlstvtpWg6HTmDmDzEcuaHCxUsM8kLs8ZsUpLzTDFlB2VkVKL7n+K6SCptGjaSAKE6nMV40ojIWxXazdaekbLXFs1QOqNhwJ5n996bYdkuTTyGGhVSjnokaqPID+WsQMYXGwVtUTsgjMj9h49inL2Wu2hsSEof7u2fWL1ecGajxSDlpgNAIkkeAMjdvNJ0UD3O+Jm+Y7D/Ucu/8AeaqsQKyW5ZllvTCt1hpbh+VNQOpyHiY6axztgopZ44ReRwHemHdvZQokLnV7o/0mzU9FLyHRNesNx0vFyoqrHQOrAPqfwPX7JoWfINsNhtlCUIGSUig/5PMw41oaLBZ2WV8rszzcrZj1RogQiBCIEKMvFbbckwp504DAJGalHJI5n6Cp0jh7wxtymKWmfUSCNn/BzXPNuWu5NvLedNVKyGiRokcAP5nWKt7y83K3VPAyCMRs2Hj2rQMcKZOzZhc/0Vv0h5Pr3BgD/loOn4jrwy4xY08OUZjusji2IdO7omfKPE+nJXyGVSogQqjfS/bMjVCaOv8AwA4J4FZ06ZnlnEEs4ZpxVpQYXJU9Y6N58+5KObtGdtR4IKlOqUe62nBCee7kAB7x84RLnymy07IaaijLgABz4/vYpW2Nms1Ly6n1KaUEDeWhJNQkZkEgA0GJjt1M5rbpaDGYJZRGARfYnmr3sithb8opDhKiyrdBOe6RVIPTEdAIZpnlzbHgqbGqdsU4c0WzC/14q9QyqZRV47wMyTRceVT4Uj2lngkfvkI4fIGC5TNLSyVL8jB9eA70kb1X2mZ0kFRbZ0aQcKfMc1Hrhyiukmc/uWvo8NhphcC7uZ/HLzX271wpucQHEIS22clOkpCugAJI50pAyB7xcIqcUp6d2VxJPIcFY9nTz8jaKpB04LBqkGqQoI7RKk8imv0rlE0BcyTIUhijYqmkFSzh97XtY/VN+HlllAXuvWzIN7y+84r2Gwe8rnyTxP3yiKWURjVO0VDJVPs3QcT+8exJC8d5pmeXV1Z3a91pPsDhQanmamK98rnnVbClooaZvUGvPipFvZ7O+jqmFJQ2EJK91at1dAK1pSiTTQkGOvh35cygOLU3SiIEm+lwNP36KEtK3JiYUFuurUQkJBqRgBhlrqTqTEbpHO1JTcVNFEC1jRzVq2W2Kuame1WpZZYoTVRopfup5ge0eg4xPTsLnXOwVbjFS2CHI0DM7wHH0TI2gXj9BlSpJ9c53GxzpirokY9aDWGppMje1UGG0fxMwB+Uan0+qQXpTnxrJ/Ef5xW3K22RnIfZPzZ7YCpSVT2lS8533N41I4J/KPqTFlCzK3XdYrE6oTzHL8o0Hr9VSdqN9e0KpOXV3Bg8se8dUA/CNeOWVar1E1+q1W+EYdlAnlGvAcu30S0hNaBMLZfcz0hQmn0+pQfVpPvqGp+QHzPQ1bp4c3WOyo8XxHoh0MZ6x3PIevknND6yap+1O2TLSKgk0W8ezHIEErP6QR4iIKh+VnerXB6fpqkE7N19PFbGzqwRJyaAR6xz1jnUjBP5U0HWvGPYI8jFHilV8RUEjYaD97VYLQnUMNqddUEoQKqJ/rPlEriALlIxxukcGMFyUq7HZXbk+Zh1JEowaJQcjqlPDePtK5UHCEmgzPzHYLSTubhtN0TD13cfz+B903IeWYRAhECEQIRAhVDaJe4SLO42QZhwHcHwjIrPTQanoYgnlyCw3VphlAal+Z3yjft7PVIhRUpVTVSlHqSSfMkmK3dbPRo5BPfZ5dIScuS4kF90esrjujRHQa8T0EWUEWRuu5WMxOvNRLZp6rdvX0W/M3Ms81KpVkAYkgbo/hpHRhj5KFuI1Y0Eh81VLrGUmpxbctZ7Ho7RxfWN4nhugjMmtMchXlEMeVzrNaLc1ZVnTwwB0szsx/qPz+7pktthIASAAMgBQeUNqgJJNyvUC8RAhECEQIRAhfFKABJNAMSTAgC6QG0C9Bnpg7pPYN1S2OPFfVWnKnOKyeXO7sW3w2iFNFr8x39P3iqvECsVf9lN1PSHfSXR6po9wEYLWP8AanPrTgYaposxzHZUmM13RM6FnzHfsHv5J0xYLJIgQqFtGvz6IDLy5BmFDFWYbByP4zoNMzpVaefJ1RurrC8M6c9LJ8vn7JLOLKiVKJKiakk1JJzJJzMV61oAAsE6dj9joblPSKeseJx4JSopAHKoJ8eUWFKwBmbmsljdQ58/RcG+ZVmvdMBuRmVHIMrHiUkAeJIiaQ2YVX0TC+oYBzHmqlsUkymUdcPvu0HRKQPuT5RBSDqkqzx+QOna3kPNWy9F42ZFkuOmpOCED2lngOXE6RNJIGC5VZSUklS/Kz6nkkBb9tuzjxeeVUnID2UjRKRoPvFY95eblbempo6eMMYPfvV12bXED9JqaT6rNts+/wDMofBwGvTNiCDN1nbKoxXFOivDCetxPLsHb5d6l9ot/Vy7no0oQlaQO0coDu1GCUg4VpmdK0iSectOVqVwvC2zN6abY7Dn2lROyxh2bn3Jx5RWW04rOq1DcSMBTBAOXLjEdOC9+cprGHMgphBGLX4dg180wb5XpbkGd9VFOKqG2/iPE8EjU+GsNSyiMXVHQ0L6qTKNANz+8UgbUtJyYdU68oqWrMn6ADQDQRWOcXG5W1hhZCwMYLAJobLLmbgTOTCe8RVlBHsj4z8x04DHXBynht1nLO4xiOa8EZ04n8eq97Yrx7iEybZ7zgCnaaIr3U/mIx5DnHtVJYZQvMDo8zjO7YaDv5/Tz7kppaXU4tLaBvLWoJSBqSaCEQLmwWme8MaXO2C6NurYaZKWbZTQkCq1fEs+0fPAcgIto2BjbLB1lSaiYyH6dg4KHvVcRE+8HXH3E0TupQkJ3UjXMZk5npwiOSAPNyU1R4o6ljyNYO9aVjbL5dh5t4uuObh3glQTQkZVoNDj4Ry2ma03U0+NyyxlmUC/EXRtQvd6K36Oyr17gxIzbQcK/iOQ8TwgqJcoyjdGEUHTv6V46o8T6c0kxFctcrHcW66p98JNQyihdVy0SPmV9BUxNDFnd2JDEK0UsV/7HYfn6LoGWYS2hKEJCUpACUjAADAARZgW0CxDnFzi5xuSskerlK/bYgj0NZFW0qWFDmdwgeKQqE6v+pWiwAj+Ro3sPz7K2TV+pBDXa+kIUCKhCDVZ5bgxB60pE5njAvdVrMLqnPyZCO07fdUBx6bt9/dSCzKIVjwHMn33KZAYCviVbvnPIK6DafC47nrSH9+g8017IsxuWaSy0ndQkYcTxJOpJxJh1rQ0WCzU8z5nl7zqVuR0okQIRAhECFHXgthuTYW+5kkYAZqJySOZMcPeGNuVPTU76iQRt4+HaudbZtRyaeW86arWa8gNEjkBhFU9xcblbuCBkMYjZsP26vWyS63ar9MdT3GzRoH3ljNXROnPpDNNFc5iqbGq7I3oGHU793L6+XenDD6yyWt+7fcnHhZklipRo8sZAe8mvwj3v08RCk0heejYtBh1Kynj+Ln2Gw/Pp91drtWE3JMJZaGWKlaqUc1H+sAANIYjYGNsFUVVU+pkMj/+DkpSO0siBCIEIgQiBCIEJd7XrydkyJVs994VXTRvh+Y4dAqFamSwyjir3BKPpH9M7Zu3f7eiTcV61a37Cslc2+2w3ms4n4R7yjyAjtjC91goKidsERkdw/bLo+y7PRLsoZbFEITuj+Z5k4nrFq1oaLBYKaV0ry925W1HSjVYv7ekSDFU0Ly8G0n6qPyp+poIhmlyN7VYYdQmqlsflG5/H1SBfeUtSlrJUpRJUo5knMmKwm+pW3a0NAa3YK5XQuCudlXXidwkUYrkpQOJPy4bvmdIYigL2k/ZVNbiraeZsY1/27B2dvFSlxL4/wBn70lOoU2lKjuqIxQTiQoDEpJxChXPhjHcM3R9R6XxHD/i7VFOQb+Pd29i2tq17GnZdtiWdQ4HFbyyhQIATikHgSqh/LHtTKC3K0qLBqCSOUyStItoL9vt5rL/AOuZazpNqWlqTDqEUJFQ2FHFRKtaqJNB5iPenbG0NbqVz/4yarndLL1Wk/W3DTu5pZ2vajs06XXllaz5AaADRI4Qm5xcblaGCBkLAyMWCsGzq6vpz9Vj1DVCv5jojxzPLqIlgizu12SOKV3w0Vm/Mduzt9O1PtCQAABQDAAaRZrFk31KTlu7OJx6edUnc7JxxS+1KhgFGtCn2qjLAaZwg+neXlaqnxinjp2g3uABa3Lt2TClmJeyJE49xsVUfecWf9xNABphwhoBsTFRvdNX1HafsAkXeG2nJx9T7uZwCdEpGSRyH1JJite8vdcrY01MynjEbP8Ap5qy7M7o+lu9s8n+7tnI/wCYsYhP4RmfAcYmp4s5udlX4tX/AA7OjYesfAc+/knHbNpolWHHnMEoTWnE5ADmTQDrD73BouVlYIXTyCNu5XN9q2guYececNVuK3jy4AcgKAdIqXOLjcrfQxNijEbdgmLsdu3vKM64ME1Q1XjktXh7I6qhulj/ALlUOOVlgKdvefwPz9k2YdWZRAhRV5rcRJS63l40wSnVSj7KR/WABMcSPDG3KZpKZ1RKI2/8C50tGeW+6t107y1neUf2HIDADgIqnOLjcrdxRNiYGM2C+SMmt5xDTY3lrUEpHM/sMydADA0EmwXskjY2F7tgui7r2EiSl0MoxIxWr4ln2lfy4AARaxsDG2CwlZVOqZTI76DkFLR2lUQIWjbNktTTRaeTvIPgQRkQRiCI5c0OFipoJ3wPD4zYqrSOy2RbXvK7V0aJWvu/wgE+MQilYCrKTG6lzbCw7QPW6uctLpbSEISEpSKBKQAAOQETgAaBVLnueczjcrJHq5RAhECEQIRAhIfaVej0yY3GzVhkkJpkpWSl9NByx1itqJc7rDYLZ4VRfDxZnDrO8By9VB3asVc5MIYRhvGqlfCge0ryy5kRFGwvdYJ2rqW08Rkd/wBPBdGWfJoZbQ02N1CEhKRyH3POLZoDRYLBSSOkeXu3Kpd/73qbIkpOq5pzukpxKK6D5yPIY8IXmlt1G7q3w3D2uHxE+jBz4+3mpS4d00yDPeop9eLi/wDaPlH1OPCncMWQdqWxGvNVJpo0bD8/uytETKuRAhECEQIRAhECFim5hLaFOLNEoSVKPAAVP0jwmwuV0xhe4NbuVzZeC1lTcw4+vNaqgfCnJI8BT6xUveXuJW/poBBE2McPPio+OFOnFsdu/wBmyqbWO+73UV0QDn+ZQ8kph+ljsMx4rK45V55BC3Zu/f7eqY0NqhWOZfS2hS1kJSkFSicgAKk+UeE2FyumNL3Brdyucr126qdmVvKqE5NpPuoGQ66nmTFVJIXuut5R0raaIRjfj2lfLrWIqdmUMJqAcVqHuoHtHroOZEEbM7rL2sqRTQmQ/TtK6NlZZLSEtoAShACUgZADARagWFgsE97nuLnG5Khr3WVJusrcnEJKW0k7+S0gcFDHHhqY4lawi7k3RT1DJA2A6nhwSouHcxNoLdWorbl0GiaEFRJNQmpFO6mlTTUQjDD0lzwWlxHETSBrRYuP27/qdlDXwYl2plbUqD2bXcKlKKitQ9o8KA4YcDHEoaHWam6F0z4Q+bc625Dh6qIYZUtSUIG8pRCUgakmgHnEYF9AmnODQXO2C6OurYaZKWbZTQkCq1fEs+0fPAcgIto2BjbLBVlSaiYyH6dg4KXjtKr4TAhIjaRev01/cbP93aNEUyWrIr6aDljrFbPLnNhstnhVD8NHmd8x37By9fZV+wLIXNvoYbzWcTSoSkYqUeQH7DWImML3WCeqahsERkdw8exdG2TZzcsyhlobqECgH3J4kmpJ4mLVrQ0WCwc0z5nmR51KUu128nbPCVbPq2jVynvOcOiR9SeEJVMlzlC02CUfRs6Z27tu738lTLAslc3MNsIzWcT8KRipR6D9oXYwvdYK2qZ2wRGR3Dz4BdH2dJIYaQ02KIQkJSOQ/eLZoDRYLBSyOkeXu3KxyNrMPFSWnm3Cn2ghYURpjQ4R4HNOxXskEsYBe0i/MLdjpRJD7TLy+lzJQg+pZJSmmSle8rzwHIV1itqJM7rDYLZ4TR/Dw5nfM7XuHAevsqfC6tU3Nj92txBnHB3l1S0Don3ldVHAchzh+ljsM5WYxuszO6Buw37+X08+5MyG1nlqWjaTLCd55xDaeK1AV6VzPSOXODd1JFDJKbMaSexQLW0KzlL3BMAE4VKFhP6ikAdThEfxEd7XTpwmrDc2TxF/tdWhKgQCDUHIiJlXEWX2BCIELw64EgqUQlIxJJoB1JgXoBJsFWZnaHZ6FbpmATxQhah+pKSD4RCaiMcVYswmrcL5PuQPMqesy0mphsOMrS4g6p+x1B5GJGuDhcJGWF8TskgsVtx0o1Rdqt5fRpfsGzR18EVGaUZKPU+yPHhC1TJlbYblXOD0fTS9I75W+J4eqSMVy16eey27Xost2qxR58BRrmlHuJ5HU8zTSLKnjytudysdi9Z08uRvyt8TxPosd/76+jf3aV780ugwFezrlhqs6J8ToD5NNl6rd17huG9N/NNowePtzKzXAub6GkvP9+acxUomu5XEgHVR1Vr9+oYcmp3XOJYj8Qejj0YPH25BWa1LWZlk777qG06bxpXoMyekSucG7lV0MEkxyxtJKhpG/sg8sNomBvE0G8laQT1UkCIxPGTYFNyYXVRtzOZp2EHyKnJy0mWiA6622TiAtaU16VMSlwG5SbIZH6saT3Ba/wD6glf/AJLH/wBqP5xz0jeYUnws/wDo77FSUdpdECEQIVC2xWv2UollJ7z6qH8CcVfXdHiYWqn2bbmrrA6fPOZDs3zO35SUiuWuW7YlmqmZhphObigmvAZqPgmp8I7Y3M4BQ1EwhidIeA/4ulpWXS2hKECiUJCUgaACgHlFsBYWC+fveXuLnblZY9XKXu2O2i1LIl0minz3vwJoT5q3R0BhWqfZuXmrzA6bPKZTs3zPskzFetYnLsbsbs5ZUyod540T+BJoPNW8fARYUrLNzc1k8dqM8oiGzfM+yYcNKjSp2i2yuemW7NlTvd/1hGRUNCfhQKk8xyhKd5e7o2rS4XTtpojVzctO732HurTbbqLJsspawKU7jZ1U4r3jzrVR6GJnkRR6Ktp2ur6y7+Op7hw/CQkVi2qv+x6xO1mVTCh3WB3fxqwHkmvmIapWXdm5KkxypyQiIbu8h7p0xYLJIgQlhtVvjuhUmwrvEUeUNB8A5nXgMNcE6ma3UC0WD4fmInkGnAfn0SmhFaZOfZBYHZS5mVjvvezybGX6jj03YsKaOzcx4rJ43VdJL0Tdm+ft6qfv3eMSMqpYI7VfdaHzUz6JGJ8BrEs0mRt0lh1GamYN/qNT3e656WskkkkkmpJzJOZMVa3AAAsE59kl2+wYMy4n1jw7tc0t5j9R73Tdh+mjytzHisnjVZ0knRNOjfP22+6NpN6VJpIytVTDtEq3c0hWSeS1DyGOognl/o3de4VQg/8AyZtGDnxtx7h4lWC5V2kyEuGxQuK7ziuKqZD5RkPPUxLFGGNska+sdVS5uA2HZ6rR2mXg9ElCEGjr1UI4gU76vAYdVCOaiTI3tKmwmk6ee5+Vup/ASFEVi2il7qWIZ2abYFd0mqyNED2j+w5kRJEzO6yVrKkU8Jk48O/gujmGkoSlKQAlIAAGQAwA8otgLLBOcXEk7lUe/wDf5MnVhii5jUnFLfXiv5fE8CtNPk0G6uMNwo1H8kmjfE+3alAtb84+KlbzzhoK4k8hoEjHgAIRu57uZWpAip49LNaFcn9lMwhhThdbLiUlXZAE1oK0365+FKxOaVwbe6qW47E6UMDTbn7e6texy0lOySm1GvYr3U1+EgKA8DvDpSJ6V12W5KtxyEMqA4f2Hir7DKpVX73XsZkG6r7zivYbBxVzPBPP7xFLKIxqnaKhkqnWboOJ/eKSttW/N2k6EqKlbyqNso9kHSg1PzH6CK98j5D+FroKWCjZcaW3cd/3sCulk7I6t1mHylw+62AQnqT7R6U/eGG0mnWKqZsfs+0TbjmePotfZSXJa0ZiUUagJUFcN5tQAUOoJ8xHlNdshau8YyTUrJh2fYjZNidmktNrcWaIQkqUeAAqYdJAFys1Gxz3Brdyub7x2wucmHH1+8e6PhSPZT4DPnUxUyPL3XW9padtPEI28PE8VM7N7u+mTYKxVlqi18CfcT4nHokxJBHnd2BK4rV/DwafM7Qfkpg35vuWleiyfrJpR3apG9uE6Aaucshrwhqaa3VbuqLD8NEg6afRg8fbz4LNcK5AlPXzB7SaXUkk13K50OqzqrwHP2GHL1juucSxIz/xx6MHj7cgvd+r9tyQLTVHJgj2fdRXIqprwT9tSacM0G68w7C3VPXfozz7vVJW0J96ad33VKdcUaDU8gkDIVyAivc4uNytbFFHCzKwWA/dVbU7M5gSq33nG2ilBX2ZxNAK0UqtEnzif4Z2XMSqw41EZhGwE3Nr+g4+CqFoWg4+UqeWVlKAgFWYSnIf88zEDnF26tI4mRAhgtck/Uq1bLbt+lTXarT6piijhgpfuDw9o9BxianjzOudgq3GKzoYcjT1neXH0T1iyWNRAhECEjNrlo9rPlFe6yhKPE99X3A8Irql1325LY4LDkps3+xJ/CpULK3TG2LWXvvuzBGDadxP4l5+ISKfmhukbclyocemyxNiHE3+g9/JOKH1lUQISG2rTxdtFxOjSUoHlvH6q+kVtS68i2mDRZKUHnc/j8KnmF1aLpO6SEiSlQj2exRT9Ir9Yt4/kFlga0k1Embe581Vdod+hLgy0sd6YVgpScezr93OA08hEE8+Xqt3VjhmGGU9LLo3z9lsbNLoGUbLzw/vDoyOaE57tfiJxPgNMeoIsgud1xiuICd3Rx/KPE8+7koLbfOGsszp3nD1wSn7q84iqzsE5/j8Y67+4fvglZCS0ieuyOWCbOQoZuLWpXUKKR9EiLKmH8axuNPLqsg8APK/5VzhhVKoe0K/Ho392lu9MrwNMezrlhq4dE+J0BWnny9Vu6usMwzpv5ZdGDx9uZ/QmJpCkrUF13wohVTU71e9U6mtYrze+q1jC0tBbt+F7s2ULzzTQzcWlH6lAfvHrRcgLmWTo2OfyBP2XSM1MsycvvLIbZaSB0AFAANTkABFsSGN12WBYySols0XcSkDfC8a5+YLqqpQO62g+6n/ALjmfLQRWSyF7rrbUNG2liyDfieZ9OSzXEsD02bQ2r/DT33PwgjD8xIHQnhHsMed1lziNV8NAXDc6Dv9k07+X3bkUFpndVMEUCRk2NCrnwT+0OTTBgsN1m8Ow19S7O/Rvn3fkrU2a3SU1WcmqmYdqQFZoCsyfnV9BhxjyCK3XdupcVrw/wDgi+QcuNvwFf4ZVIkDtLtr0qeXQ1bZ9WjwPfPiquPACKyofmf3LbYVTdDTi+7tT+PBVWIFZJy7G7E7OXVMqHeeNE8kJNPqqp6BMWFKyzc3NZTHKnPKIhs3zPt+VO3/ALy+gyxUmnaud1sHjqrokY9aDWJJpMje1JYbR/EzWPyjU+n1XP7jhUSpRJUSSScSScSSeNYrFtwABYJz7J7sBhgTLg9a8Kpr7renirM8qRYU0WUZjuVk8ZrTLJ0Lflb4n22V0taYDbDq1ZIbUo+CSYncbAlVELC+RrRxIVD2IMESry/idp+lCf5wvSDqkq6/yB15mt5DzJVpvleZuQY7RXecVg2j4lc+CRmT+5ESyyCMXVdQ0TqqTKNhueQ9eS5/tS0XJh1TryipajifsANANBFY5xcblbaGFkLAxgsAr5sUkkKmH3VCqm0JCeW+VbxHOiaeJhmkaCSVTY/I5sTGDYk3+lvVOImH1lUrNmifSLTnpoYoqoJP43Kp/hR9YTg60jnLSYqeio4oTvp4D1KybZbwbqUSaDiqi3afD7qfEiv5RxgqpP6hc4FSXJndw0HfxKU0IrTK6Xftl7sEyNnIV2zveeeyNTgQn4EJFBvnnShNYZY85cjN1U1NPH0hqaojKNAPXmTy+6ZFybktyCd9RDkwr2nDpXMJrkOJzP0hqKEM14qgxDEn1RyjRo4ev7osG0S+Qkm+zaIMwsYa7ifiI48Bx6R5PNkFhuu8Mw41Ls7/AJB49nqkY4tSlEqJUpRqSSSSTxOZJMV262IAaLDQBOjZxcYSqRMTCazCh3Un/KB/3kZnTLjWwggy9Y7rJ4piZmPRRnq+fso3bFeTdAkmziqinSOHup8czyA4xxVSf0CnwOjuTO7hoPyUqmGlLUlCBvKUQlIGpJoB4mEgLmy0rnBoLjsF0ZdGwkyUqhkUKvaWr4ln2j00HICLWJgY2ywdbVGpmMh24dymYkSiIEIgQuaLyTPazcwv4nV+W8QPpSKiQ3cSvoFIzJAxvYPJR0cJhPTZHI9nZ6VUxdWpZ89wfRIPjFlTNsxY3Gpc9UR/qAPz+VdIYVSiBC53v+gi0ZoH/Ur4FII+kVU//sK3WGkGkjty/Kr8RJ5SkneGbbb7Bp91LZwCEnjoKYip0HGJBI8CwKWkpIHv6R7ATzP7ZMzZxcHsN2Zmk+tzbbPufMr5+WnXJuCDL1nbrP4pivSXihPV4nn2Ds8+5MiG1QJU7cJQ1lnaYd9BPPBSfsryhKrGxWl/x9467O4/vglbCS0avdwr/iRaLDza1t7xUgopvJrmKEgEVxrXUw1DPkFiqbEcKNS/pGEA8bqQtvaa/MkMyLSkKXgFGinDXRKRgk88fCOn1LnaMCgp8Fih/kqHXA+31Kn7lXIEmlU1Mesmt0qFTUIwJOOqzqrwGpMsUOTrO3SNfiXxBEMWjPP25BJZSyokk1JxJ5nExXrXWA0C9MuqQpKkkhSSFJIzBBqCOYMANtV45ocCDsVPzkzO2g24+84pbUumpUQEpBNAAAkAFZr5eESkvkFzsEkxlNSPbGwWc77+PBV2IU8tuzrTel1FTLim1FO6Sk0JB0846a4t2UUsEcwAkbcJmbOrhneE3OJO9XebbVnXPfXX3tQD1OMOQQf2cs/imKC3QQHTYkeQTRhxZxRN67U9FlHntUIO7+I91P8AERHEjsrSUzRwdPO2PmfDj4Lm2Khb9ZZSWU64htPtLUEjqo0EegXNly94Y0uOw1+y6bs+USy0hpHsoSEjoBSLhosLBfPJZDI8vdudUi9pttekzywDVtn1aeo9s+KqjokRW1D8z+5bLCaboacE7u19PBQd3rO9JmmWdHFgH8Oav4QYjjbmcAnKqboYXSch48PFdLoSAAAKAYARbr5+TfUqk7W7XDEiWwe++dwfhGKz0pRP5hC9S/Ky3NW2C0/SVGbg3X68PX6KQurLps+zWy8dzcQXHCdCrvEdRXd8I6jHRx6qGseaurOTW5sPpp7pK3pt9c9MKeXgMkJ+BOg66k8TFfJIXuuVraOlbTRBjfqeZUjs/usZ+Y74IYboXCMK8EA8TrwFeUdwxZ3a7KDEq74WLq/MdvVSyEO2DP7xSpcu5VNR7yK1FDl2ieBzx4x3rA/sSxMeKU1gbPHgfQ/uyt98r8Mf2etcs8la3R2aQD3k7w7xKc0kJrnrSJ5Zm5LtKqqHDZfig2VtgNew2279V7uW01ZlnJXMKShSwXVhRANSO6kA4lW6AKcax7EBHHcryvdJW1ZbGLgaD8n7pN2xaK5l9x9z2nFFRHAZAdAKDwivc4uJJWrghbDG2NuwUlc667loPFCVBCEAFxZFaAmgAGqjjToY7iiMhsl66tZSx5iLk7D94J63du+xJN9mymnxKOKlHio/tkNIsmRtYLBY2qq5Kl+aQ/TgO5eL12+iRl1PLxOSE19pRyHTUngDHkkgY25XtHSuqZQwfU8gud7RnlvurddVvLWaqP8ALgAMAOAirc4uNyt1FG2JgYwaBMHZLdPtVemPJqhB9SDqoHFXRJwHOvCGqaK/XKpMar8g6Bh1O/dy+vl3pnXgtZEpLuPryQMB8RySkcyaCHHvDW3KztNA6eURt4rnCfnFvurdcNVrUVKPM8OQyA4CKlxLjcrfRxtjYGN2CYOx67u+4qccHdb7rVdVe8rwGHUnhDVLHc5iqPHKvK0QN3Op7uATfh5ZZECEQIRAhcsuGpJOZNYpl9HGgXmPF6ujLjopZ8qB/ooPmKxbRfIFg8QN6qTvKnIkSaIEJe7Rrhrm1iYlyntd3dWhWAXTIg6KAwxwIplTFWeAvOZqvMLxRtO3opduB5eypMjs0tBxVFNJaGqlrSR5IKiYXFNIVcSYzSNFw6/cD+bJlXRuExJUcPrX/jUME/gTp1xMNxQNZrxWercUlqeqOq3lz7/2yt0TqsRAhRl4rEbnGFMu5HEEZpUMlDmPtURw9geLFMUtS+nkEjP+hJu0tmc+2shDaXk6KQtKfNKyCD59YQdTPB01Wrixmle27jlPIg/hbNlbLJxwjtShhOtSFq8Ak0/ij1tK876KObHKdg6l3H7Dx9EzrrXQl5EerTvOEUU6uhUeQ+FPIeNYcjiazZZ6sxCaqPWNhyG3up9QrgYlSKSd4NmM026r0ZIeaJ7tFJSpI0CgoitMqg48orn0zgerqFr6bGoHsHSnK7u08FuXd2UvLUFTag2jVCCFLPIqHdT1FY6jpSfmUNVjsbRaEXPM7ep8EyJ27jKpNcm2kNtqQUjdGRzB5mtCa4mGzGMmUKhjrJBUCdxub3SfOzS0N/c7JFK/4naJ3eue9/DCPw0l7WWp/wDM0mXNmPdY39PFMC52zlqUIdfIeeGIw7iD8oOZ+Y+AEMxU4bqdSqOuxd84yR9Vvie/0V5hlU6IEJc7a57dlmWgf8RwqPMIH81JhWrd1QFfYBFeVz+Q8/8AhSdivWqVs2XSPa2i1XJsKcPgKD+JQPhE9O28gVZi8uSkd22H79Anfbc92Eu89/ptqV4gEj6xYvdlaSshTxdLK1nMgJA3WuvMWg4Q3gkH1jqvZBOJ/ErkPGkVkcTpDottWVsVI3rb8AP3QJ03YuZLSIBQjfd1dXirnTRI5DxrFhHC1myyVXiM1SbONhyG3urCo0xOUSpBKaXV/bNr7+crLYjgQDh+tYr+FMJD+aW/ALTOH/j6HL/d/wC+A8Sse2K8RW4mTQe6iinaaqOKU9AMepHCPKqS5yhdYHSZWmd250HdxP4S4YZUtSUIG8pRCUgakmgHnCgF9FfucGguOwXRl0rCTJSyGU03s1q+JZ9o/sOQEWsbAxtlg62qdUzGQ7cOwLftGQafbLbyErQcwoYdeRHGO3NDhYqCKV8Tg5hsUjrJuqifnn25VRRLIJPaK79BkKYiu8oEipyitbEJHkN2WxmrnUtM10wu88Nv23HtXu/t0m7PS165brrhPtAABKRjxNakUx4x7NEI7a6rnDq99UXdUNaPMqnwurVPnZdYvo0ihShRx71iuND7A/TQ9SYs6dmVnesXi9T01QQNm6eviratYAJJAAFSTkBE6rACTYLn6/t5jPTJUknsW6paHLVR5qP0oIq5pc7uxbfDqIUsVj8x39PotC61hqnZlDCcAcVqHuoHtHroOZEcxszusp6ypFNCZD9O0royTlUNIS22kJQgBKQNAMotQABYLBPe57i5xuSk3tavJ274lmzVtk96mSnMj+kYdSqEKmTMco4LV4LR9FH0rt3bd3v6KmWRZy5l5tlv23FUHLiTyAqfCF2tLjYK2mmbDGZHbBdI2TZyJZlDLYohtNB+5PMmpPMmLZrQ0WCwM0zppDI7cqHsC+LU4+4ywhxQb9p3u7mdBTGprjTDIGOGTB7iAmqnD5KeNr5CNeHFWSJUgiBCIELmS25bsph9v4HVp8lGn0ioeLOIX0Knfnia7mB5LSjhTLoTZzNByzpYj3Ubh6oJT+0WsBvGFhsUYWVbx23++qskSpBECEQIRAhECEQIRAhECEQIRAhECFjU8kZqA6kQXXoaTwQl9JyUk9CI8uvS0jcLJHq5RAhECEQIRAhECEpNuCvWyo03F/dP8oRq9wtP/j/ySd4/KWUJrQpjbEmgZl9WoaAHirH7CG6QdYlUOPuPRMHb+E0Lw2X6VLrY3ikLoFEZ7u8CoDmQCK84ce3M2yzlNP0Eokte3nbRbNnSDcu2lppAQhIoEj+sScydY6a0NFguJZXyvL3m5K2Y9UaW+0+9B/8A4JXvOuUS5u4kBWSB8yteA64KVEv9G7q/wiiH/wBmXRo1H049w81OWHZqLIs5alUK0pLjpHvLpgkcskj/AJiRjRFGk6iZ1fVADYmw7B+6lIibmVOrW4s1WtRUo8yamK0m5uVs2Maxoa3YaK87HrG7WaU+od1hOH41VA8khXmIZpWXdm5Kmxyo6OERjd3kPdOqLBZJUDajeUtoElL1U+/RJ3c0pVhT8S8ulTwhaoksMg3Ku8Iow53xEnyt8x+ArBcq7qZGWS1gXD3nFDVR/YZDpziSKPI2yRr6s1Mxfw2HclFtQtTt7QcANUtAND8uK/HfJHhCNQ7M/uWowiDoqVvN2v328FBWBZ3pMyyz/qLAP4a1V/CDEbG5nAJypm6GF0nIePDxXTCEgAAYAYARbr5+TfVLba7ejs0ehtHvrFXSNEaJ6q15dYUqZbDKFf4JRZndO8aDbv5/Tz7koYQWoTv2SWF2Ep2yh6yY73RA9geOKvzDhFjTMytvzWPxqq6Wfoxs3T68fRb+0O84kZY7h9e5VLY4cV9E/ciO55cje1Q4ZRfEy6/KN/T6pAk1xOJ1JisW2Ti2QXb7Jozbg77oo3XRvj1UfoBxh6mjsMxWVxuszv6Fuw37/bzWXaZeRWFnytVPvUSvdzSlXu8ioZ8E1Ooj2eT+jdyucJo2/wD2ZtGt27xx+nmrLc67qJGWS0KFZ7ziviUc/AZDkImijDG2VfXVbqqUvO3AdinIkSaIEIgQkhtdsYsznbAdx8VroFpACh4ih8TFdUss6/Na/BKgSQdGd2+R2VGhZXKY2yK8yWVqlXVUS6rebJyC8in8wApzHOG6aSxylUON0RkaJmDUb93P6JxQ+sqiBCIEIgQiBCIELTtC1WGBV55tv8agPoTHJc1u5UscEkujGk9wVWtLafIt13FLeP8A00EDzXQU6ViF1SwbaqyiwSqf8wDe8+l1VbR2uvKqGGG0Di4orPkN0feIXVZ4BWUWARj/ANjye7T1Vbnr/Wg7nMKQODYSn6gV+sQmeQ8U/HhVIz+l+/VQsxaj7ntvOr/E4o/cxGXuO5TbYIm/K0D6BaZEcqVFIEXW9J2xMNf4b7qPwuKA8q0jsPcNioX08T/mYD9ArVY+1CcaoHdx9PzDdV4KSKeYMTNqnjfVVs+CU8nyXafuPsfVMu7F+JWdolKuzd/03MCfwnJXhjyhuOZr+9Z+rwyem1Iu3mPzyVmiZV6IEIgQlftvkyUSzwySpSD+YBQ//JhOrGgK0X+PyDM9ncft/wBSnhFaZXDZXbCZeeAWaIeT2dTkFVBRXxFPzQxTPyv14qqxinMtPdu7dfpx9U+IsljEQIS+v9tBTLhTEqoLfOCljFLf/cvlprwKs1QG6N3V5huEulIkmFm8ufsjZtcssf3uaBMwupSFYlAOZNf8xWvAGmpgghy9Z26MVxES/wAMXyjx9gve2aeKJJDY/wA1wA9Egq+4THtU6zLLzAo81QXch56eqSsVy1qcWxJafRXkgjfD1VDWhQnd8MFeRh+k+UrK4+HdM08LfkqZvxfdqRQUJIXMEd1GifmXTIcsz9RJNMGDtSmH4a+pdc6M58+wfuihdmt2HCo2hN1U85i2FZgHNZ4EjADQdcI4IzfO7dN4rWsA+Gh0aN7eXrzKYM2+G21rOSElR6AVhomwuqNjS5waOK5gfeK1KWrFSiVHqTU/WKcm5uvorWhoDRsNFcdkTIVaKSc0trUnrgn7ExPTD+RVWNuIpSBxITTvpeluQZKjRTqqhtHE8TwSNT4aw7LKIws3QUL6qSw+Ubn94rn6cmlurU44oqWslSlHUn+soqySTcrcMY2NoY0WAXmXa31pTWm8oJr1IEAFyhzsrSeS6Qta1WJFjfdUEIQAlIGZoKBKRqYtnOawXKwMMEtTJlYLk/tyuf7yW45OvqecwrglOiEjJI/c6kmKyR5e65W3paZlNEI2/fmV6upY/pk20x7qjVZ4IGKvMYdSIImZ3ALysqPh4HScRt38E3r731as9vsmd1T+7RKB7LYpgVdBknXpD00wjFhusvh+GvqnZ3/Lz593qtfZvdVbVZyaqZl2pG9mgHMn51a8BhxjyCIjru3KkxSua/8Agh+RvLj7BXyGVSogQiBCIEKLvJYbc6wpl3I4pUM0qGSh0+oJEcSMDxYpilqX00gkZ/0ckgLx3feknS28n8Kx7KxxB/bMRWSRlhsVt6WrjqWZmH6cQooxGmVdrtbSpmWAQ6PSGxlvGiwOS9fzV6wzHUubodVUVWDQzHMzqnw+3or3JbUpFY75caPBSCfqjehkVTDuqWTBKpp6tj3H1stpzaTZw/zyejbn/bHvxMfNRjB6w/18R6qLndrUon/DbecPGiUjzJr9I4NWwbJmPAZz8zgPFQytpU9MmkpKDqErdP0AA8Y4+Je75Qmhg1LDrNJ5D1XpNhW5Of4z5ZSdCsIw/C0PoTBknfubI+Jwyn+RmY91/Fy3JHZC1m/MuLOZ3EhP1VvE9Y6FIOJUUn+QP2jYB36+inZXZrZ6KVZUsjVbiz9AQPpEgpoxwST8Zq3f2t3AKRRcyQH/ALRnxSD9476FnJQHEao//ofusb9xrPWKGVbH4apPmkgx4YIzwXrcTq2m4kPn5qv2tsnllglhxxlWgJ30+R731iJ1K07aJ6HHZm/+wBw+x9PBLW8t1JmRV65NUE0S4jFB8dDyP1hSSJzN1oKSuhqR1DryO6g4iTizyUk48rdabW4rghJUfoMI6DSdguJJGRi7yB3mymE3Jnz/AO1c8aD7mO+gk5JQ4lSD/wDQLUmruzbOK5Z9NMd7cUQPzAU+seGN44FSsrKeTRr2n6jyVzuXtMW0QzOkrbGAdzWn8YzUOefWJ4qkjR6qa/Bmv68Gh5cD3cvLuTdl30uJStCgpKhUKSagjiCIeBB1CzDmuYS1wsQskerlRN6rFE5KuME0KhVKuChik9K58iY4kZnaQmaOpNPM2QcPLiuc52UWy4ptxJStBopJ0P8ALWusVJBBsVvI3tkaHtNwVhjxdq5WLtLnJdAQrceSBQFwHeA07wIr41POGGVL2i26qZ8Gp5XZhdp7NvsvFpX3tCfIZQd3fw7NhJBV1VUqpxxA4wOmkfoPBdRYbSUo6R2tuLv2yvFwdniZbdfmQFP5pQMUt/8AcvnkNOMMQ0+XV26p8SxYzXji0bz4n2TBhpUaWG3Fo9nKq90LWD1ISR9EmE6saArRf4+4ZpBxsP3xSmhFaZZJeYW2d5C1INKVSopNOFRpHoJGy5cxrxZwv3plbP8AZ6pakzM4khNd5DSs1HPeXXTXdOevAuQ09+s5UGJYsGgxQHvPLsHr9k2odWYUbeRlS5SZQn2lMuAdSggRxILtITFK4NnY47AjzXNAioX0BbEjOuMrS40soWnJScxx8KaR01xabhcSRtkaWPFwUw7jXUennROzxUtGBQF5uEZYaNjhkembUMRec71RYhXR0zPh6ewPG3D38u9Lh9JClA5hRr1qawod1ftIIFl4jxeqzWVd+YnGHZp1TnYsNLUlS1ElRSkkJRvV7tRicvHKdsbnguOwVfNVw08jYWAZnEbcLnc28FWYgVgs0nMuNrCmlqQsYBSCQccMxjHocRqFw9jXts8AjtTQ2e3EKVCbnBVQO8htWJrnvrr72oB6nGG6eMHruWdxTFBboYNuJ/A7E0d4cYduFnF83xxguEIKxxEeoQVjDnAhfEOA5HOBC9wIWtaEg2+gtvIS4g5pUKj/AIPOPHNDhYqSOV8TszDYqg2tskYWSZd5bXyqG+nwxCvMmFXUjTsbK6hx6VukjQ7wPooF3ZHNA919gjnvj/aYjNI7mnRj8HFrvBZZfZC+fbmWk/hSpX33Y9FIeJXLsfi/qwn6geqm5HZHLJp2rzrnIbqAfoT9YkFI3iUnJj8x+RoHirJZ1yZFmm5LNkjVY3z/AB1p4RK2Fg4JCXEqqTd5+mnkp9CABQAAcBhEqSJJ1K9QLxECEQIRAhECEQIWCdlEPIU24kLQoUUkioIjwgEWK7jkdG4OabEJVS+y1XpykKJ9ETRYVXvKByRXRQoanhTjCQpev2LSOxsfDhwHX2twHb6eyadnWe0wgNsoS2gZBIp/5PMw61oaLBZyWV8rszzcrZj1RogQom2Ltys0PXMIUfipRQ6KFFfWOHRtduEzBWTwf+txHZw+2ygrMu6/ZqiZVan5YmqpdZG+niptWAJ+U0rxrETY3R/LqOSdlq4qwfzDK/8A2Gx7x+VcGXQpIUMjjiCD4g4g8jDAN1VOBabFe4F4q7eu50vPirgKHQKJdRTepwOik8j4UiKSFr90/R4hLSmzdRyO3sl/M7IpgH1cw0ocVBST5De+8KmkdwKu24/ER1mEfY+i27O2QGoL8yKahpOP6lZfpjptJzKil/yAW/jZ9z+B6pgXfu3LySd1hsJJ9pZxWrqo4+GUNMjazZUlTWTVBvIfpw+yl47SqIEKMvFYjc6wpl2tDiFDNKhkRz/5jh7A8WKYpal9PIJGf9CWB2RTG9QTDO58VFV/Tl9YT+EdfdaL/wA/Db5Df6efsrldbZ7LSZDivXPDJaxgk/KjIHmannDEdO1mu5VVWYtNUDKOq3kPyVcInVUiBCIEJX3l2VFx1Tkq4hCVmpbWDRJOe6U1w5UwhOSlubtK0VJjgYwNmaSRxH5W5drZY0yoLmlh9QyQBRvxrirxoORjqOlA1dqoqrHJJBliGXt4+yYaRTAZQ0qJLa9my8vvLelnUo7Q7ykLBpvHMpKeJxpTOvSFJKbMbtK0FFjfRRiOVpNuI5dq+3d2UNtqC5tztSMm0AhHiTiocsPGBlKBq7VeVWOveMsIy9p39kw1yqC2Wt0dmU7u6BQbpFKUGQpDVhayow9wdnvrvftSmmdkL3aENzDfZ1wKwreA5gChPiPCEjSG+hWmbj8eXrMN+zZXG6uz+WkyFn1zw99YwSflTkOpqecTx07W9pVVWYrNUdUdVvIfk/oVr3MIkDLBVhN18Lce5V4gNwZULyqX5n+v5R0hAZyxyygQvqGqUxy/rGBC/9k="/>
-          <p:cNvSpPr>
-            <a:spLocks noChangeAspect="1" noChangeArrowheads="1"/>
-          </p:cNvSpPr>
-          <p:nvPr/>
-        </p:nvSpPr>
-        <p:spPr bwMode="auto">
-          <a:xfrm>
-            <a:off x="765175" y="465137"/>
-            <a:ext cx="304800" cy="304801"/>
-          </a:xfrm>
-          <a:prstGeom prst="rect">
-            <a:avLst/>
-          </a:prstGeom>
-          <a:noFill/>
-          <a:extLst>
-            <a:ext uri="{909E8E84-426E-40DD-AFC4-6F175D3DCCD1}">
-              <a14:hiddenFill xmlns:a14="http://schemas.microsoft.com/office/drawing/2010/main">
-                <a:solidFill>
-                  <a:srgbClr val="FFFFFF"/>
-                </a:solidFill>
-              </a14:hiddenFill>
-            </a:ext>
-          </a:extLst>
-        </p:spPr>
-        <p:txBody>
-          <a:bodyPr vert="horz" wrap="square" lIns="91440" tIns="45720" rIns="91440" bIns="45720" numCol="1" anchor="t" anchorCtr="0" compatLnSpc="1">
-            <a:prstTxWarp prst="textNoShape">
-              <a:avLst/>
-            </a:prstTxWarp>
-          </a:bodyPr>
-          <a:lstStyle/>
-          <a:p>
-            <a:endParaRPr lang="en-US"/>
-          </a:p>
-        </p:txBody>
-      </p:sp>
-      <p:pic>
-        <p:nvPicPr>
-          <p:cNvPr id="2062" name="Picture 14" descr="http://3.bp.blogspot.com/-3REYcax42Qo/T6WlsyG29sI/AAAAAAAAFXE/zecE9b-hIsI/s1600/coca-universoPNG.png"/>
-          <p:cNvPicPr>
-            <a:picLocks noChangeAspect="1" noChangeArrowheads="1"/>
-          </p:cNvPicPr>
-          <p:nvPr/>
-        </p:nvPicPr>
-        <p:blipFill>
-          <a:blip r:embed="rId3">
-            <a:extLst>
-              <a:ext uri="{28A0092B-C50C-407E-A947-70E740481C1C}">
-                <a14:useLocalDpi xmlns:a14="http://schemas.microsoft.com/office/drawing/2010/main" val="0"/>
-              </a:ext>
-            </a:extLst>
-          </a:blip>
-          <a:srcRect/>
-          <a:stretch>
-            <a:fillRect/>
-          </a:stretch>
-        </p:blipFill>
-        <p:spPr bwMode="auto">
-          <a:xfrm>
-            <a:off x="765175" y="2789022"/>
-            <a:ext cx="1676400" cy="1671611"/>
-          </a:xfrm>
-          <a:prstGeom prst="rect">
-            <a:avLst/>
-          </a:prstGeom>
-          <a:noFill/>
-          <a:extLst>
-            <a:ext uri="{909E8E84-426E-40DD-AFC4-6F175D3DCCD1}">
-              <a14:hiddenFill xmlns:a14="http://schemas.microsoft.com/office/drawing/2010/main">
-                <a:solidFill>
-                  <a:srgbClr val="FFFFFF"/>
-                </a:solidFill>
-              </a14:hiddenFill>
-            </a:ext>
-          </a:extLst>
-        </p:spPr>
-      </p:pic>
-    </p:spTree>
-    <p:extLst>
-      <p:ext uri="{BB962C8B-B14F-4D97-AF65-F5344CB8AC3E}">
-        <p14:creationId xmlns:p14="http://schemas.microsoft.com/office/powerpoint/2010/main" val="516903489"/>
-      </p:ext>
-    </p:extLst>
-  </p:cSld>
-  <p:clrMapOvr>
-    <a:masterClrMapping/>
-  </p:clrMapOvr>
-</p:sld>
-</file>
-
-<file path=ppt/slides/slide11.xml><?xml version="1.0" encoding="utf-8"?>
-<p:sld xmlns:a="http://schemas.openxmlformats.org/drawingml/2006/main" xmlns:r="http://schemas.openxmlformats.org/officeDocument/2006/relationships" xmlns:p="http://schemas.openxmlformats.org/presentationml/2006/main">
-  <p:cSld>
-    <p:spTree>
-      <p:nvGrpSpPr>
-        <p:cNvPr id="1" name=""/>
-        <p:cNvGrpSpPr/>
-        <p:nvPr/>
-      </p:nvGrpSpPr>
-      <p:grpSpPr>
-        <a:xfrm>
-          <a:off x="0" y="0"/>
-          <a:ext cx="0" cy="0"/>
-          <a:chOff x="0" y="0"/>
-          <a:chExt cx="0" cy="0"/>
-        </a:xfrm>
-      </p:grpSpPr>
-      <p:sp>
-        <p:nvSpPr>
           <p:cNvPr id="2" name="Title 1"/>
           <p:cNvSpPr>
             <a:spLocks noGrp="1"/>
@@ -7410,7 +6887,7 @@
             </a:pPr>
             <a:r>
               <a:rPr lang="en-US" dirty="0"/>
-              <a:t>Value of Toastmasters to Nike</a:t>
+              <a:t>Value of Toastmasters</a:t>
             </a:r>
           </a:p>
         </p:txBody>
@@ -7484,7 +6961,7 @@
               </a14:hiddenLine>
             </a:ext>
             <a:ext uri="{FAA26D3D-D897-4be2-8F04-BA451C77F1D7}">
-              <ma14:placeholderFlag xmlns:ma14="http://schemas.microsoft.com/office/mac/drawingml/2011/main" xmlns="" val="1"/>
+              <ma14:placeholderFlag xmlns="" xmlns:ma14="http://schemas.microsoft.com/office/mac/drawingml/2011/main" val="1"/>
             </a:ext>
           </a:extLst>
         </p:spPr>
@@ -7762,6 +7239,545 @@
     <p:extLst>
       <p:ext uri="{BB962C8B-B14F-4D97-AF65-F5344CB8AC3E}">
         <p14:creationId xmlns:p14="http://schemas.microsoft.com/office/powerpoint/2010/main" val="2791663713"/>
+      </p:ext>
+    </p:extLst>
+  </p:cSld>
+  <p:clrMapOvr>
+    <a:masterClrMapping/>
+  </p:clrMapOvr>
+</p:sld>
+</file>
+
+<file path=ppt/slides/slide11.xml><?xml version="1.0" encoding="utf-8"?>
+<p:sld xmlns:a="http://schemas.openxmlformats.org/drawingml/2006/main" xmlns:r="http://schemas.openxmlformats.org/officeDocument/2006/relationships" xmlns:p="http://schemas.openxmlformats.org/presentationml/2006/main">
+  <p:cSld>
+    <p:spTree>
+      <p:nvGrpSpPr>
+        <p:cNvPr id="1" name=""/>
+        <p:cNvGrpSpPr/>
+        <p:nvPr/>
+      </p:nvGrpSpPr>
+      <p:grpSpPr>
+        <a:xfrm>
+          <a:off x="0" y="0"/>
+          <a:ext cx="0" cy="0"/>
+          <a:chOff x="0" y="0"/>
+          <a:chExt cx="0" cy="0"/>
+        </a:xfrm>
+      </p:grpSpPr>
+      <p:sp>
+        <p:nvSpPr>
+          <p:cNvPr id="6" name="Title 1"/>
+          <p:cNvSpPr txBox="1">
+            <a:spLocks/>
+          </p:cNvSpPr>
+          <p:nvPr/>
+        </p:nvSpPr>
+        <p:spPr bwMode="auto">
+          <a:xfrm>
+            <a:off x="952351" y="381000"/>
+            <a:ext cx="7238702" cy="838200"/>
+          </a:xfrm>
+          <a:prstGeom prst="rect">
+            <a:avLst/>
+          </a:prstGeom>
+          <a:noFill/>
+          <a:ln>
+            <a:noFill/>
+          </a:ln>
+          <a:extLst>
+            <a:ext uri="{909E8E84-426E-40DD-AFC4-6F175D3DCCD1}">
+              <a14:hiddenFill xmlns:a14="http://schemas.microsoft.com/office/drawing/2010/main">
+                <a:solidFill>
+                  <a:srgbClr val="FFFFFF"/>
+                </a:solidFill>
+              </a14:hiddenFill>
+            </a:ext>
+            <a:ext uri="{91240B29-F687-4F45-9708-019B960494DF}">
+              <a14:hiddenLine xmlns:a14="http://schemas.microsoft.com/office/drawing/2010/main" w="9525">
+                <a:solidFill>
+                  <a:srgbClr val="000000"/>
+                </a:solidFill>
+                <a:miter lim="800000"/>
+                <a:headEnd/>
+                <a:tailEnd/>
+              </a14:hiddenLine>
+            </a:ext>
+            <a:ext uri="{FAA26D3D-D897-4be2-8F04-BA451C77F1D7}">
+              <ma14:placeholderFlag xmlns="" xmlns:ma14="http://schemas.microsoft.com/office/mac/drawingml/2011/main" val="1"/>
+            </a:ext>
+          </a:extLst>
+        </p:spPr>
+        <p:txBody>
+          <a:bodyPr vert="horz" wrap="square" lIns="91440" tIns="45720" rIns="91440" bIns="45720" numCol="1" anchor="ctr" anchorCtr="0" compatLnSpc="1">
+            <a:prstTxWarp prst="textNoShape">
+              <a:avLst/>
+            </a:prstTxWarp>
+          </a:bodyPr>
+          <a:lstStyle>
+            <a:lvl1pPr algn="l" rtl="0" eaLnBrk="1" fontAlgn="base" hangingPunct="1">
+              <a:spcBef>
+                <a:spcPct val="0"/>
+              </a:spcBef>
+              <a:spcAft>
+                <a:spcPct val="0"/>
+              </a:spcAft>
+              <a:defRPr sz="3400" b="1">
+                <a:solidFill>
+                  <a:srgbClr val="063052"/>
+                </a:solidFill>
+                <a:latin typeface="+mj-lt"/>
+                <a:ea typeface="ヒラギノ角ゴ Pro W3" charset="0"/>
+                <a:cs typeface="+mj-cs"/>
+              </a:defRPr>
+            </a:lvl1pPr>
+            <a:lvl2pPr algn="l" rtl="0" eaLnBrk="1" fontAlgn="base" hangingPunct="1">
+              <a:spcBef>
+                <a:spcPct val="0"/>
+              </a:spcBef>
+              <a:spcAft>
+                <a:spcPct val="0"/>
+              </a:spcAft>
+              <a:defRPr sz="4000" b="1">
+                <a:solidFill>
+                  <a:srgbClr val="063052"/>
+                </a:solidFill>
+                <a:latin typeface="Arial" charset="0"/>
+                <a:ea typeface="ヒラギノ角ゴ Pro W3" charset="0"/>
+              </a:defRPr>
+            </a:lvl2pPr>
+            <a:lvl3pPr algn="l" rtl="0" eaLnBrk="1" fontAlgn="base" hangingPunct="1">
+              <a:spcBef>
+                <a:spcPct val="0"/>
+              </a:spcBef>
+              <a:spcAft>
+                <a:spcPct val="0"/>
+              </a:spcAft>
+              <a:defRPr sz="4000" b="1">
+                <a:solidFill>
+                  <a:srgbClr val="063052"/>
+                </a:solidFill>
+                <a:latin typeface="Arial" charset="0"/>
+                <a:ea typeface="ヒラギノ角ゴ Pro W3" charset="0"/>
+              </a:defRPr>
+            </a:lvl3pPr>
+            <a:lvl4pPr algn="l" rtl="0" eaLnBrk="1" fontAlgn="base" hangingPunct="1">
+              <a:spcBef>
+                <a:spcPct val="0"/>
+              </a:spcBef>
+              <a:spcAft>
+                <a:spcPct val="0"/>
+              </a:spcAft>
+              <a:defRPr sz="4000" b="1">
+                <a:solidFill>
+                  <a:srgbClr val="063052"/>
+                </a:solidFill>
+                <a:latin typeface="Arial" charset="0"/>
+                <a:ea typeface="ヒラギノ角ゴ Pro W3" charset="0"/>
+              </a:defRPr>
+            </a:lvl4pPr>
+            <a:lvl5pPr algn="l" rtl="0" eaLnBrk="1" fontAlgn="base" hangingPunct="1">
+              <a:spcBef>
+                <a:spcPct val="0"/>
+              </a:spcBef>
+              <a:spcAft>
+                <a:spcPct val="0"/>
+              </a:spcAft>
+              <a:defRPr sz="4000" b="1">
+                <a:solidFill>
+                  <a:srgbClr val="063052"/>
+                </a:solidFill>
+                <a:latin typeface="Arial" charset="0"/>
+                <a:ea typeface="ヒラギノ角ゴ Pro W3" charset="0"/>
+              </a:defRPr>
+            </a:lvl5pPr>
+            <a:lvl6pPr marL="457200" algn="l" rtl="0" eaLnBrk="1" fontAlgn="base" hangingPunct="1">
+              <a:spcBef>
+                <a:spcPct val="0"/>
+              </a:spcBef>
+              <a:spcAft>
+                <a:spcPct val="0"/>
+              </a:spcAft>
+              <a:defRPr sz="4000" b="1">
+                <a:solidFill>
+                  <a:srgbClr val="063052"/>
+                </a:solidFill>
+                <a:latin typeface="Arial" charset="0"/>
+              </a:defRPr>
+            </a:lvl6pPr>
+            <a:lvl7pPr marL="914400" algn="l" rtl="0" eaLnBrk="1" fontAlgn="base" hangingPunct="1">
+              <a:spcBef>
+                <a:spcPct val="0"/>
+              </a:spcBef>
+              <a:spcAft>
+                <a:spcPct val="0"/>
+              </a:spcAft>
+              <a:defRPr sz="4000" b="1">
+                <a:solidFill>
+                  <a:srgbClr val="063052"/>
+                </a:solidFill>
+                <a:latin typeface="Arial" charset="0"/>
+              </a:defRPr>
+            </a:lvl7pPr>
+            <a:lvl8pPr marL="1371600" algn="l" rtl="0" eaLnBrk="1" fontAlgn="base" hangingPunct="1">
+              <a:spcBef>
+                <a:spcPct val="0"/>
+              </a:spcBef>
+              <a:spcAft>
+                <a:spcPct val="0"/>
+              </a:spcAft>
+              <a:defRPr sz="4000" b="1">
+                <a:solidFill>
+                  <a:srgbClr val="063052"/>
+                </a:solidFill>
+                <a:latin typeface="Arial" charset="0"/>
+              </a:defRPr>
+            </a:lvl8pPr>
+            <a:lvl9pPr marL="1828800" algn="l" rtl="0" eaLnBrk="1" fontAlgn="base" hangingPunct="1">
+              <a:spcBef>
+                <a:spcPct val="0"/>
+              </a:spcBef>
+              <a:spcAft>
+                <a:spcPct val="0"/>
+              </a:spcAft>
+              <a:defRPr sz="4000" b="1">
+                <a:solidFill>
+                  <a:srgbClr val="063052"/>
+                </a:solidFill>
+                <a:latin typeface="Arial" charset="0"/>
+              </a:defRPr>
+            </a:lvl9pPr>
+          </a:lstStyle>
+          <a:p>
+            <a:pPr algn="ctr"/>
+            <a:r>
+              <a:rPr lang="en-US" sz="2400" kern="0" dirty="0">
+                <a:solidFill>
+                  <a:schemeClr val="bg1"/>
+                </a:solidFill>
+              </a:rPr>
+              <a:t>Value of Toastmasters to your Organization</a:t>
+            </a:r>
+          </a:p>
+        </p:txBody>
+      </p:sp>
+      <p:sp>
+        <p:nvSpPr>
+          <p:cNvPr id="3" name="Content Placeholder 3"/>
+          <p:cNvSpPr txBox="1">
+            <a:spLocks/>
+          </p:cNvSpPr>
+          <p:nvPr/>
+        </p:nvSpPr>
+        <p:spPr bwMode="auto">
+          <a:xfrm>
+            <a:off x="533400" y="1676400"/>
+            <a:ext cx="6400800" cy="4114800"/>
+          </a:xfrm>
+          <a:prstGeom prst="rect">
+            <a:avLst/>
+          </a:prstGeom>
+          <a:noFill/>
+          <a:ln>
+            <a:noFill/>
+          </a:ln>
+          <a:extLst>
+            <a:ext uri="{909E8E84-426E-40DD-AFC4-6F175D3DCCD1}">
+              <a14:hiddenFill xmlns:a14="http://schemas.microsoft.com/office/drawing/2010/main">
+                <a:solidFill>
+                  <a:srgbClr val="FFFFFF"/>
+                </a:solidFill>
+              </a14:hiddenFill>
+            </a:ext>
+            <a:ext uri="{91240B29-F687-4F45-9708-019B960494DF}">
+              <a14:hiddenLine xmlns:a14="http://schemas.microsoft.com/office/drawing/2010/main" w="9525">
+                <a:solidFill>
+                  <a:srgbClr val="000000"/>
+                </a:solidFill>
+                <a:miter lim="800000"/>
+                <a:headEnd/>
+                <a:tailEnd/>
+              </a14:hiddenLine>
+            </a:ext>
+            <a:ext uri="{FAA26D3D-D897-4be2-8F04-BA451C77F1D7}">
+              <ma14:placeholderFlag xmlns="" xmlns:ma14="http://schemas.microsoft.com/office/mac/drawingml/2011/main" val="1"/>
+            </a:ext>
+          </a:extLst>
+        </p:spPr>
+        <p:txBody>
+          <a:bodyPr vert="horz" wrap="square" lIns="91440" tIns="45720" rIns="91440" bIns="45720" numCol="1" anchor="t" anchorCtr="0" compatLnSpc="1">
+            <a:prstTxWarp prst="textNoShape">
+              <a:avLst/>
+            </a:prstTxWarp>
+          </a:bodyPr>
+          <a:lstStyle>
+            <a:lvl1pPr marL="398463" indent="-398463" algn="l" rtl="0" eaLnBrk="1" fontAlgn="base" hangingPunct="1">
+              <a:spcBef>
+                <a:spcPct val="20000"/>
+              </a:spcBef>
+              <a:spcAft>
+                <a:spcPct val="0"/>
+              </a:spcAft>
+              <a:buClr>
+                <a:srgbClr val="CD202C"/>
+              </a:buClr>
+              <a:buFont typeface="Webdings" charset="2"/>
+              <a:buChar char="4"/>
+              <a:defRPr sz="2800" spc="-50">
+                <a:solidFill>
+                  <a:schemeClr val="tx1"/>
+                </a:solidFill>
+                <a:latin typeface="+mn-lt"/>
+                <a:ea typeface="ヒラギノ角ゴ Pro W3" charset="0"/>
+                <a:cs typeface="+mn-cs"/>
+              </a:defRPr>
+            </a:lvl1pPr>
+            <a:lvl2pPr marL="742950" indent="-285750" algn="l" rtl="0" eaLnBrk="1" fontAlgn="base" hangingPunct="1">
+              <a:spcBef>
+                <a:spcPct val="20000"/>
+              </a:spcBef>
+              <a:spcAft>
+                <a:spcPct val="0"/>
+              </a:spcAft>
+              <a:buClr>
+                <a:srgbClr val="063052"/>
+              </a:buClr>
+              <a:buFont typeface="Wingdings" charset="0"/>
+              <a:buChar char="§"/>
+              <a:defRPr sz="2500" spc="-50">
+                <a:solidFill>
+                  <a:schemeClr val="tx1"/>
+                </a:solidFill>
+                <a:latin typeface="+mn-lt"/>
+                <a:ea typeface="ヒラギノ角ゴ Pro W3" charset="0"/>
+              </a:defRPr>
+            </a:lvl2pPr>
+            <a:lvl3pPr marL="1143000" indent="-228600" algn="l" rtl="0" eaLnBrk="1" fontAlgn="base" hangingPunct="1">
+              <a:spcBef>
+                <a:spcPct val="20000"/>
+              </a:spcBef>
+              <a:spcAft>
+                <a:spcPct val="0"/>
+              </a:spcAft>
+              <a:buClr>
+                <a:srgbClr val="800000"/>
+              </a:buClr>
+              <a:buChar char="•"/>
+              <a:defRPr sz="2200" spc="-50">
+                <a:solidFill>
+                  <a:schemeClr val="tx1"/>
+                </a:solidFill>
+                <a:latin typeface="+mn-lt"/>
+                <a:ea typeface="ヒラギノ角ゴ Pro W3" charset="0"/>
+              </a:defRPr>
+            </a:lvl3pPr>
+            <a:lvl4pPr marL="1600200" indent="-228600" algn="l" rtl="0" eaLnBrk="1" fontAlgn="base" hangingPunct="1">
+              <a:spcBef>
+                <a:spcPct val="20000"/>
+              </a:spcBef>
+              <a:spcAft>
+                <a:spcPct val="0"/>
+              </a:spcAft>
+              <a:buClr>
+                <a:srgbClr val="063052"/>
+              </a:buClr>
+              <a:buFont typeface="Lucida Grande"/>
+              <a:buChar char="–"/>
+              <a:defRPr sz="2000" spc="-50">
+                <a:solidFill>
+                  <a:schemeClr val="tx1"/>
+                </a:solidFill>
+                <a:latin typeface="+mn-lt"/>
+                <a:ea typeface="ヒラギノ角ゴ Pro W3" charset="0"/>
+              </a:defRPr>
+            </a:lvl4pPr>
+            <a:lvl5pPr marL="2057400" indent="-228600" algn="l" rtl="0" eaLnBrk="1" fontAlgn="base" hangingPunct="1">
+              <a:spcBef>
+                <a:spcPct val="20000"/>
+              </a:spcBef>
+              <a:spcAft>
+                <a:spcPct val="0"/>
+              </a:spcAft>
+              <a:buClr>
+                <a:srgbClr val="800000"/>
+              </a:buClr>
+              <a:buFont typeface="Arial Black" charset="0"/>
+              <a:buChar char="►"/>
+              <a:defRPr sz="2000">
+                <a:solidFill>
+                  <a:srgbClr val="063052"/>
+                </a:solidFill>
+                <a:latin typeface="+mn-lt"/>
+                <a:ea typeface="ヒラギノ角ゴ Pro W3" charset="0"/>
+              </a:defRPr>
+            </a:lvl5pPr>
+            <a:lvl6pPr marL="2514600" indent="-228600" algn="l" rtl="0" eaLnBrk="1" fontAlgn="base" hangingPunct="1">
+              <a:spcBef>
+                <a:spcPct val="20000"/>
+              </a:spcBef>
+              <a:spcAft>
+                <a:spcPct val="0"/>
+              </a:spcAft>
+              <a:buClr>
+                <a:srgbClr val="800000"/>
+              </a:buClr>
+              <a:buFont typeface="Arial Black" pitchFamily="34" charset="0"/>
+              <a:buChar char="►"/>
+              <a:defRPr sz="2000">
+                <a:solidFill>
+                  <a:srgbClr val="063052"/>
+                </a:solidFill>
+                <a:latin typeface="+mn-lt"/>
+              </a:defRPr>
+            </a:lvl6pPr>
+            <a:lvl7pPr marL="2971800" indent="-228600" algn="l" rtl="0" eaLnBrk="1" fontAlgn="base" hangingPunct="1">
+              <a:spcBef>
+                <a:spcPct val="20000"/>
+              </a:spcBef>
+              <a:spcAft>
+                <a:spcPct val="0"/>
+              </a:spcAft>
+              <a:buClr>
+                <a:srgbClr val="800000"/>
+              </a:buClr>
+              <a:buFont typeface="Arial Black" pitchFamily="34" charset="0"/>
+              <a:buChar char="►"/>
+              <a:defRPr sz="2000">
+                <a:solidFill>
+                  <a:srgbClr val="063052"/>
+                </a:solidFill>
+                <a:latin typeface="+mn-lt"/>
+              </a:defRPr>
+            </a:lvl7pPr>
+            <a:lvl8pPr marL="3429000" indent="-228600" algn="l" rtl="0" eaLnBrk="1" fontAlgn="base" hangingPunct="1">
+              <a:spcBef>
+                <a:spcPct val="20000"/>
+              </a:spcBef>
+              <a:spcAft>
+                <a:spcPct val="0"/>
+              </a:spcAft>
+              <a:buClr>
+                <a:srgbClr val="800000"/>
+              </a:buClr>
+              <a:buFont typeface="Arial Black" pitchFamily="34" charset="0"/>
+              <a:buChar char="►"/>
+              <a:defRPr sz="2000">
+                <a:solidFill>
+                  <a:srgbClr val="063052"/>
+                </a:solidFill>
+                <a:latin typeface="+mn-lt"/>
+              </a:defRPr>
+            </a:lvl8pPr>
+            <a:lvl9pPr marL="3886200" indent="-228600" algn="l" rtl="0" eaLnBrk="1" fontAlgn="base" hangingPunct="1">
+              <a:spcBef>
+                <a:spcPct val="20000"/>
+              </a:spcBef>
+              <a:spcAft>
+                <a:spcPct val="0"/>
+              </a:spcAft>
+              <a:buClr>
+                <a:srgbClr val="800000"/>
+              </a:buClr>
+              <a:buFont typeface="Arial Black" pitchFamily="34" charset="0"/>
+              <a:buChar char="►"/>
+              <a:defRPr sz="2000">
+                <a:solidFill>
+                  <a:srgbClr val="063052"/>
+                </a:solidFill>
+                <a:latin typeface="+mn-lt"/>
+              </a:defRPr>
+            </a:lvl9pPr>
+          </a:lstStyle>
+          <a:p>
+            <a:pPr>
+              <a:lnSpc>
+                <a:spcPct val="120000"/>
+              </a:lnSpc>
+            </a:pPr>
+            <a:r>
+              <a:rPr lang="en-US" dirty="0">
+                <a:latin typeface="+mj-lt"/>
+                <a:cs typeface="Arial" charset="0"/>
+              </a:rPr>
+              <a:t>Enhanced Performance</a:t>
+            </a:r>
+          </a:p>
+          <a:p>
+            <a:pPr>
+              <a:lnSpc>
+                <a:spcPct val="120000"/>
+              </a:lnSpc>
+            </a:pPr>
+            <a:r>
+              <a:rPr lang="en-US" dirty="0">
+                <a:latin typeface="+mj-lt"/>
+                <a:cs typeface="Arial" charset="0"/>
+              </a:rPr>
+              <a:t>Heightened Morale</a:t>
+            </a:r>
+          </a:p>
+          <a:p>
+            <a:pPr>
+              <a:lnSpc>
+                <a:spcPct val="120000"/>
+              </a:lnSpc>
+            </a:pPr>
+            <a:r>
+              <a:rPr lang="en-US" dirty="0">
+                <a:latin typeface="+mj-lt"/>
+                <a:cs typeface="Arial" charset="0"/>
+              </a:rPr>
+              <a:t>Better Customer Service</a:t>
+            </a:r>
+          </a:p>
+          <a:p>
+            <a:pPr>
+              <a:lnSpc>
+                <a:spcPct val="120000"/>
+              </a:lnSpc>
+            </a:pPr>
+            <a:r>
+              <a:rPr lang="en-US" dirty="0">
+                <a:latin typeface="+mj-lt"/>
+                <a:cs typeface="Arial" charset="0"/>
+              </a:rPr>
+              <a:t>Ideas Presented Effectively</a:t>
+            </a:r>
+          </a:p>
+          <a:p>
+            <a:pPr>
+              <a:lnSpc>
+                <a:spcPct val="120000"/>
+              </a:lnSpc>
+            </a:pPr>
+            <a:r>
+              <a:rPr lang="en-US" dirty="0">
+                <a:latin typeface="+mj-lt"/>
+                <a:cs typeface="Arial" charset="0"/>
+              </a:rPr>
+              <a:t>Increased Productivity</a:t>
+            </a:r>
+          </a:p>
+          <a:p>
+            <a:pPr>
+              <a:lnSpc>
+                <a:spcPct val="120000"/>
+              </a:lnSpc>
+            </a:pPr>
+            <a:r>
+              <a:rPr lang="en-US" dirty="0">
+                <a:latin typeface="+mj-lt"/>
+                <a:cs typeface="Arial" charset="0"/>
+              </a:rPr>
+              <a:t>Improved Teamwork</a:t>
+            </a:r>
+          </a:p>
+        </p:txBody>
+      </p:sp>
+    </p:spTree>
+    <p:extLst>
+      <p:ext uri="{BB962C8B-B14F-4D97-AF65-F5344CB8AC3E}">
+        <p14:creationId xmlns:p14="http://schemas.microsoft.com/office/powerpoint/2010/main" val="1200544047"/>
       </p:ext>
     </p:extLst>
   </p:cSld>
@@ -7934,6 +7950,32 @@
               </a:rPr>
               <a:t> dues</a:t>
             </a:r>
+          </a:p>
+          <a:p>
+            <a:pPr marL="457200" indent="-457200" eaLnBrk="1" hangingPunct="1">
+              <a:lnSpc>
+                <a:spcPct val="150000"/>
+              </a:lnSpc>
+              <a:spcBef>
+                <a:spcPct val="0"/>
+              </a:spcBef>
+              <a:spcAft>
+                <a:spcPts val="1600"/>
+              </a:spcAft>
+              <a:buFont typeface="Arial" panose="020B0604020202020204" pitchFamily="34" charset="0"/>
+              <a:buChar char="•"/>
+            </a:pPr>
+            <a:r>
+              <a:rPr lang="en-US" dirty="0">
+                <a:latin typeface="+mj-lt"/>
+                <a:cs typeface="Arial" charset="0"/>
+              </a:rPr>
+              <a:t>Maximum investment from your Organization </a:t>
+            </a:r>
+            <a:endParaRPr lang="en-US" sz="2800" dirty="0">
+              <a:latin typeface="+mj-lt"/>
+              <a:cs typeface="Arial" charset="0"/>
+            </a:endParaRPr>
           </a:p>
         </p:txBody>
       </p:sp>
@@ -8164,7 +8206,7 @@
               </a14:hiddenLine>
             </a:ext>
             <a:ext uri="{FAA26D3D-D897-4be2-8F04-BA451C77F1D7}">
-              <ma14:placeholderFlag xmlns:ma14="http://schemas.microsoft.com/office/mac/drawingml/2011/main" xmlns="" val="1"/>
+              <ma14:placeholderFlag xmlns="" xmlns:ma14="http://schemas.microsoft.com/office/mac/drawingml/2011/main" val="1"/>
             </a:ext>
           </a:extLst>
         </p:spPr>
@@ -9041,7 +9083,7 @@
               </a14:hiddenLine>
             </a:ext>
             <a:ext uri="{FAA26D3D-D897-4be2-8F04-BA451C77F1D7}">
-              <ma14:placeholderFlag xmlns:ma14="http://schemas.microsoft.com/office/mac/drawingml/2011/main" xmlns="" val="1"/>
+              <ma14:placeholderFlag xmlns="" xmlns:ma14="http://schemas.microsoft.com/office/mac/drawingml/2011/main" val="1"/>
             </a:ext>
           </a:extLst>
         </p:spPr>
@@ -9290,7 +9332,7 @@
               </a14:hiddenLine>
             </a:ext>
             <a:ext uri="{FAA26D3D-D897-4be2-8F04-BA451C77F1D7}">
-              <ma14:placeholderFlag xmlns:ma14="http://schemas.microsoft.com/office/mac/drawingml/2011/main" xmlns="" val="1"/>
+              <ma14:placeholderFlag xmlns="" xmlns:ma14="http://schemas.microsoft.com/office/mac/drawingml/2011/main" val="1"/>
             </a:ext>
           </a:extLst>
         </p:spPr>
@@ -9916,7 +9958,7 @@
               </a14:hiddenLine>
             </a:ext>
             <a:ext uri="{FAA26D3D-D897-4be2-8F04-BA451C77F1D7}">
-              <ma14:placeholderFlag xmlns="" xmlns:ma14="http://schemas.microsoft.com/office/mac/drawingml/2011/main" val="1"/>
+              <ma14:placeholderFlag xmlns:ma14="http://schemas.microsoft.com/office/mac/drawingml/2011/main" xmlns="" val="1"/>
             </a:ext>
           </a:extLst>
         </p:spPr>
@@ -10234,7 +10276,7 @@
               </a14:hiddenLine>
             </a:ext>
             <a:ext uri="{FAA26D3D-D897-4be2-8F04-BA451C77F1D7}">
-              <ma14:placeholderFlag xmlns="" xmlns:ma14="http://schemas.microsoft.com/office/mac/drawingml/2011/main" val="1"/>
+              <ma14:placeholderFlag xmlns:ma14="http://schemas.microsoft.com/office/mac/drawingml/2011/main" xmlns="" val="1"/>
             </a:ext>
           </a:extLst>
         </p:spPr>
@@ -10571,7 +10613,7 @@
               </a14:hiddenLine>
             </a:ext>
             <a:ext uri="{FAA26D3D-D897-4be2-8F04-BA451C77F1D7}">
-              <ma14:placeholderFlag xmlns="" xmlns:ma14="http://schemas.microsoft.com/office/mac/drawingml/2011/main" val="1"/>
+              <ma14:placeholderFlag xmlns:ma14="http://schemas.microsoft.com/office/mac/drawingml/2011/main" xmlns="" val="1"/>
             </a:ext>
           </a:extLst>
         </p:spPr>
@@ -10918,7 +10960,7 @@
               </a14:hiddenLine>
             </a:ext>
             <a:ext uri="{FAA26D3D-D897-4be2-8F04-BA451C77F1D7}">
-              <ma14:placeholderFlag xmlns="" xmlns:ma14="http://schemas.microsoft.com/office/mac/drawingml/2011/main" val="1"/>
+              <ma14:placeholderFlag xmlns:ma14="http://schemas.microsoft.com/office/mac/drawingml/2011/main" xmlns="" val="1"/>
             </a:ext>
           </a:extLst>
         </p:spPr>
@@ -12098,6 +12140,67 @@
       </p:grpSpPr>
       <p:sp>
         <p:nvSpPr>
+          <p:cNvPr id="8" name="Rectangle 7"/>
+          <p:cNvSpPr/>
+          <p:nvPr/>
+        </p:nvSpPr>
+        <p:spPr>
+          <a:xfrm>
+            <a:off x="2743200" y="2286000"/>
+            <a:ext cx="6096000" cy="2677656"/>
+          </a:xfrm>
+          <a:prstGeom prst="rect">
+            <a:avLst/>
+          </a:prstGeom>
+        </p:spPr>
+        <p:txBody>
+          <a:bodyPr wrap="square">
+            <a:spAutoFit/>
+          </a:bodyPr>
+          <a:lstStyle/>
+          <a:p>
+            <a:r>
+              <a:rPr lang="en-US" sz="2400" b="1" dirty="0"/>
+              <a:t>“I see a great value in Toastmasters International’s proven programs for developing great communicators and influential leaders.” </a:t>
+            </a:r>
+          </a:p>
+          <a:p>
+            <a:endParaRPr lang="en-US" b="1" i="1" dirty="0"/>
+          </a:p>
+          <a:p>
+            <a:r>
+              <a:rPr lang="en-US" b="1" dirty="0" err="1"/>
+              <a:t>Ceree</a:t>
+            </a:r>
+            <a:r>
+              <a:rPr lang="en-US" b="1" dirty="0"/>
+              <a:t> </a:t>
+            </a:r>
+            <a:r>
+              <a:rPr lang="en-US" b="1" dirty="0" err="1"/>
+              <a:t>Eberly</a:t>
+            </a:r>
+            <a:r>
+              <a:rPr lang="en-US" dirty="0"/>
+              <a:t>	</a:t>
+            </a:r>
+          </a:p>
+          <a:p>
+            <a:r>
+              <a:rPr lang="en-US" dirty="0"/>
+              <a:t>Senior Vice President &amp; Chief People Officer </a:t>
+            </a:r>
+          </a:p>
+          <a:p>
+            <a:r>
+              <a:rPr lang="en-US" dirty="0"/>
+              <a:t>The Coca-Cola Company</a:t>
+            </a:r>
+          </a:p>
+        </p:txBody>
+      </p:sp>
+      <p:sp>
+        <p:nvSpPr>
           <p:cNvPr id="6" name="Title 1"/>
           <p:cNvSpPr txBox="1">
             <a:spLocks/>
@@ -12106,8 +12209,8 @@
         </p:nvSpPr>
         <p:spPr bwMode="auto">
           <a:xfrm>
-            <a:off x="952351" y="381000"/>
-            <a:ext cx="7238702" cy="838200"/>
+            <a:off x="615950" y="457198"/>
+            <a:ext cx="7842250" cy="762001"/>
           </a:xfrm>
           <a:prstGeom prst="rect">
             <a:avLst/>
@@ -12135,7 +12238,7 @@
               </a14:hiddenLine>
             </a:ext>
             <a:ext uri="{FAA26D3D-D897-4be2-8F04-BA451C77F1D7}">
-              <ma14:placeholderFlag xmlns:ma14="http://schemas.microsoft.com/office/mac/drawingml/2011/main" xmlns="" val="1"/>
+              <ma14:placeholderFlag xmlns="" xmlns:ma14="http://schemas.microsoft.com/office/mac/drawingml/2011/main" val="1"/>
             </a:ext>
           </a:extLst>
         </p:spPr>
@@ -12287,15 +12390,251 @@
                   <a:schemeClr val="bg1"/>
                 </a:solidFill>
               </a:rPr>
-              <a:t>Value of Toastmasters to NIKE</a:t>
+              <a:t>Value of Toastmasters to Coca-Cola</a:t>
             </a:r>
           </a:p>
         </p:txBody>
       </p:sp>
+      <p:sp>
+        <p:nvSpPr>
+          <p:cNvPr id="2" name="AutoShape 4" descr="data:image/jpeg;base64,/9j/4AAQSkZJRgABAQAAAQABAAD/2wCEAAkGBxQTEhQUExMWFhQUGBoYGBgWGB0aGBsYGBQcGBwcGBscHCgiHhwlIBoYITEhJSkrLjAuGR8zODMsNygvLisBCgoKDg0OGxAQGywmICQsLCw3LCwsLCwvLC8sLCwsLDQtLCwsLCwsLCwsLCwsLCwsLCwsNCwsLCwsLCwsLCwsLP/AABEIAL0BCwMBEQACEQEDEQH/xAAcAAEAAgMBAQEAAAAAAAAAAAAABgcDBAUIAgH/xABGEAACAAQDBQUFBQUHAgcBAAABAgADBBEFEiEGMUFRYQcTInGBMlKRobEUI0JiwTNygpLRFRaistLh8CRDNFRjc5Ozwgj/xAAbAQEAAgMBAQAAAAAAAAAAAAAAAwQBAgUGB//EADURAAIBAgQDBQcDBQEBAAAAAAABAgMRBBIhMQVBURMiYXGBMpGhscHR8AYU4SMzQlLxNBX/2gAMAwEAAhEDEQA/ALxgBACAEAIAQAgBACAEAIAQAgBACAEAIAQAgBACAEAIAQAgBACAEAIAQAgBACAEAIAQAgBACAEAIAQAgBACAEAIAQAgBACAEAIAQAgBACAEAIAQAgBACAEAIAQAgBACAEAIAQBVPaVt5NSc1LSvkyaTJg9osR7Kn8IHEjW/K2tKvXaeWJ6bhPCqc6arVle+y5eb6/Ir2Xj9UrZhVTw3PvX+euvrFXtJdWd54TDtWcI+5Fn9nO371DimqiDMN+7mAWz2FyrAaBrXsRYG1t++5QruTyyPN8V4TGjHtqO3NdPLwLJi2efEAIAQAgBACAEAIAQAgDDUs4y5FVrsobMxWyX8RFlNyBuGl+YjDvyNoKLvmfLz1M0ZNRACAEAIAQAgBACAEAIAQAgBACAEAIAQAgDztt3g82nrJxmqcs2Y7o/4WVnLaHmL6jhHKrQcZu573huJp1sPFQeqSTXSysR6IjoG9gbstTIK+0Jssjzzi0bQ9pEGJSdGae1n8j05HYPnIgBACAEAIAQAgBACAEAIAQAgBACAEAIAQAgBACAEAIAQAgBACAEAIAQBiqqZJilJiK6nerAMD5g6RhpPRm0Jyg80XZ+BA9qezGnmIz0w7maASFBvLY77EH2eVxoL7jFaphotXjodvB8brU5KNXvR+K+/r7yDdluBmprUcj7untMY/m/APO4v5KYr4eGad+h2uM4pUcO4reWnpz+3qX1HSPECAEAIAQAgBACAEAIAQAgBACAEAIAwirTP3ede8AzZMwzW55d9usYzK9r6m/ZTyZ8ry7XtpfzMFXi0iUcsyfKRjweYqn4Exq6kY7tElPC16qvThJrwTfyNxWBAI1B3ERuQtNOzP2BgQAgBACAEAIAQAgBACAEAIAjW3WOGnkd3K8VTUfdSUG/M2mbyW/xtEVaeVWW7Ohw7CqtUzT9iOrfguXqbmyWAJRUySV1b2pje853ny4DoBGaVNQjYixuLliqzqP0XRHZiQqCAEAIAQAgBACAEAIAx1E9UUu7BVUXLMbAAcSTujDdtWbRi5NRirtkaO0VRUX+wUwZOFRUEy5J6ooGdx1AA0iLtJS9herL/AO0o0f8A0z1/1jq/V7L4mpiWF4uUZkrpQcC4lpJUKTyDtmPxjWUatrqXwJaNfh6laVJ26uX0VitaXtJxFTczw45PLS3+EA/OKixFRcz0U+C4OSso28m/rcnOynajLnMsuqQSXOgdT90T1vqnqSOoizTxSektDi43gc6Sc6LzLpz/AJLBqJ6ojO7BVUEsTuAGpJiy2krs4cISnJRirt6WKD2txvv616inZ5YNrG9nOVMlwRqoIG7+to49WqpTcon0fh/D6lLDQo1WmlurXW97eNn4GjT4RUTD4JE1yeIlsfnaI1Tk9ky/PF4emu9OK9UXjsPh8yRRSZU7R1DEi98oZywF+gIjr4eDjTSkfOeL4inXxk6lLZ29bJK53YmOaIAQAgBACAEAIAQAgBACAOPj+01NRrefMCm1wo8TkdFHDqbCI51Yw3ZcwuAr4lN046Ld7Jev03Ko2c2xlTMRmVtWJmgyyQoDCWDca630UncDcuTFJVoxqZp/8PSy4bVqYLsMNbR630zPw/m3IuPC8Uk1Cd5JmK68xvB5MDqD0MXoTjNXizyuIwtXDzyVYtP826+huRuQCAEAfjMBvMDKVz9gYEAIAQAgDHUT1lqzuwVFBZmOgAAuSYw3ZXZtGLk1GKu2QDBa4YxVTGcf9FTFcko7prtezTRxAyk5TpqOt60JdtJ32R28RSfDqMVH+5Pd9F0X3LCAtFo4RwttdoFoqV5hP3jArKXiXI09BvPQRHVqZI3LuAwjxNZQ5bvyPOQjknvxAEzbambPw+VRklpgmhTzaWAO7B/iNv4FiSpVcqah4lPB8Pp0sZPE7LLfyb3+HzZbGyuykmjlrZVadbxzCLsTxCngvQctdYv0aEaa8ep5PiPFa2MqO7ajyjy9erJBE5yxACAEAIAQAgBACAEAIAQAgDjbW44KOmeboW9mWp4ud3oNSegMRVqvZwzF/huCeMxCpct2+iX5ZeLPO+P1rzCXmMWmTDdmO82/TcLcBHLp3lJyZ73GKFChGjTVl08EKFLIvXX4xHUd5MtYOGWjHx1953tlseejnrMUnISBMXgycfUbwefmY2o1XTldEPEcDDGUHTlvyfR/Z8z0CjggEG4IuD0Mds+YNNOzPqBg5u0WJfZqabOtcotwDuLE2W/S5ER1Z5IORbwOG/c4iFLq/hu/gURiFbMnuXnOZjHi36DcB0EceUnJ3kfSqFCnQjkpRsvD69fUmmD7XTKTCmc+N++MqQHuRbIra8Sq+L5DSLtKs40bvrZHmOI8Op1+IqMdFlzSt5te96fMi9F2kV6TA7zRMW/iRlUKRyGVQV8x84jWIqJ3bLNTguElDLGNn1uy96OoEyWkwaB1VhffZgDr8Y6Sd1c8VODhJxfJ2MMvFJLTjIWahnKLmWGBYDTeOG8fGMZle19Td0Kigqji8r58jcjYiKh7Xdqs7/YpTeBCDOI4tvCeS7z1tyijiat3kR6ngeAyr9xNavby6+vLw8yH7I7UTaCaXlgMrgB0bQMBu14EXNj1MQUqrpu6OtjsDTxcFGWjWz6FgT+2CXk8FK5mcmcBQfMXJ+Aiy8WraI4Uf09PN3pq3lr+epWu0GPTqyb3k9rncqjRFHJRw+pipOpKbuz0OFwlLDQyU1935nMjQsn4TbfGbGG0ldmzgtdknK6i/dlX8yrg/pCScbPxMUJKu50ls4tX89D07SVKzESYhurqGU8wRcR2ItNXR84qU5U5uEt07GaMmggDRxfF5NLLMyfMWWg4tvJ5KN7HoLmMSkoq7JKdKdSWWCuypdp+1+a5KUSCWu7vJgDOeqr7K+t/SK067/xO1h+ExWtV38EV/iGP1U8kzaia9+Bc5fRb2HoIgc5PdnUhh6UPZivcY6DGaiSQZU+bLI912A9Rex8jBSa2ZmdCnNWlFP0Ll7Me0Fqtvs1TbvwLo4sBMAFyCNwcDXTQi+gtrapVc2jODj8AqK7Sn7Py/gseJzlCAEAIAQAgCqu2SuvNkSb6KhmEcLs2UfDK3xjm46XeUT2v6WoJU6lXq0vdq/mipsVbxAch9TEVFaHR4lK9RLwOhTnwL5D6RBP2mdSh/aj5L5GSNSU9C7KMTRUpO/uJX/1iO5R/tx8kfLeIpLF1Uv8AeXzZ1YkKRqYrQLPkzJL3yzFKm28ciOoNj6RrOKlFxZNh686FWNWG6dyscQ7Plpw0yorUSSv4shzHoBm9roL+Uc94TLrKWh66n+onWtClRbk+V9Plt7vMhO0+NJO7uVJUpTU4IlhvaYsbtMf8zHhwiOck7Rjsi7hqE4uVWq7zlvbZdEvBEn2F7OHn5Z1UCknQrL3PMG/X3UPxPTQxNRw7lrLY5nEeMxpXp0dZdeS+7+Bc6rYWGgEdA8iRvCdjJNPWTatGctNzeEkZVLtmYg2vv57rn0hjRUZuSOhW4jUq4eNCSVlbXy0R8bdbXyqGnc94nfkZZaXBbMdzFd+Ub/S3GM1KmVabmuDwjqzi5pqHN2+C8TznOxMEkkszMSSTvJJuSesUOyk9z1zx9KKtFP5H4tb+X5xh0vEzHHJ7xP1qwcjDs2bvGx5Jmu+KAf8ALxuqDKk+KxWi+5jOJA/it8o27HwIXxNP/K3wPlp4PG8ZyM1deMtW7nRwicozEnkP+fKIK8Xojq8Lq045pN9EW72U7VgEUcxhZiTJPAE6lPXUjrccRE2ErZf6cvQ536h4cqi/d0dbe1b5/R+/qWmTHQPHEA2n7SURjIoE+0z911uZa9bj27dNOvCIJ10tI6s6uF4XOos9Xux+LIHU7L11bM72snAMfeOYqOSqvhUdAYrtSk7s7NOVCjHLTX58zIezgW0qNf8A29P88Y7PxJP3a/1I/jmy0+mGZgHl++moH7w3j6dY0cWixTrwqaczhFY1uSuCZI+zWndsTpQl7q+ZiOCKpzX5AjT1ETUtZKxzOItRw8lI9JRfPJiAEAIAQBrYlXy5Epps5gktBdmN9NbDQakkkCw5xiUlFXZJSpTqzUIK7ZT/AGqTQ1arA3UyZZU8wSxB+ccrGO9T0PefpuOXBtP/AGf0K4xP2/QfrCj7JvxD+96I28Nm3W3FfpEVWNncvcPq5qeXmvkdCmpzMdJa+07BB5sQB9YjSu7FupUVODnLZJv3anoWqrJNHIDTXCSpShQT0FgABqTpuEdxuMI67I+VwhVxVZqKvKTb95WuOdrrXIpZShffnak+SKRb1JipLFN+yj0FD9Pwir15+i+7+xz8J2kxytN6Ukp7/dy0lDyZ18VuQvGYOtPma4inwzDrLlu/N/RnD2/wrFJWWfXsJqk5QykFEJ/DlAGW9uVjzvCrSk9ZGcBjaUO5RSXmt/XmfXZxVUSzxMrbi1u6uuaUG957a35aW4nhEVLs4z7xfxyxdbD/ANBWvvrq14f9uegKeoWYodGVlYXDKQQR0Ijopp6o8XOEoNxkrNEb2n27pKO6s+eaP+2hBIP5juX69IiqV4x0WrOjhOFVq6Un3Y9X9Fu/l4lSbT9qNVPuEbukO5ZZIJ829o/IdIqynUnu7Lw+526eGweEV4xzy6y+kdvfdlfT6h5rXY6RvGMYLQiq162KleT0X5ofqIBujDbZtGEYbH6WjFjLlYy0VLMnOJcqW0x23KilifQcOu4Ruo32IKldQV5MmtN2N4hNTM/cSb/hmTCX8iUVgPjE0abRzauNhPSxz6TsVxKY7KVlSlU2zzJlw3VQgY28wIkV+ZRqON+6dV+wuuVbpU07H3TnUehymDimbUsRKn5dCI4vgFXRPkqJJS+4mxVv3XGhitUguZ3MJiZSXc1XQxUxJK5Cc9wFVb5y19MgGpN+UQWd7I6naQUHKTS8Of5+Mtr+7+MVVKJdTUqgIJElnAmzABudlXy0JOp1ifs6rVnI5KxeBjNTjS1W7W3na/yt4H3syUTLISlmyXbmhYMbakzBppzNgIjh0sWsRonUc01+cjsyJ6OLo6uvNSCPlG9yJprdWMkDAIvod0ARav2Ep5j5lLy771W2X0BGn0jR00WY4uaVtyYdn2CyaVnWWviZQS7aubHdfgNdw00iegktDlcUnKpFSfUmsWDjHFmbV0izxTmevek5bWNs3ulrZQeFid+kROvTzZb6nQjwvFyo9uoPLvy2623t6HaiU54gDibaYy1JRzZ6KGdcoUHcCzhQT0F79d0R1Z5INouYDDLEYiNOTsn9FcqTDO0mpDEVWWpkPpMlsiDwnflsAPRrjy3xRjiJX72qPUVuC0HG9G8ZLZ3fx/g7Ha1Sjvaacn7OZJyrYaeA5h8nGnSMY2PeUl0Jf0zVvSqUpbqV/fp80Vhiq+JTzFvgf94iovRovcSj34y8Pl/01ZM0qbiJZRUlZlKlVlSlmidrDsbSTOkzd/dzEcj9xw36RDCnJST6HQxOMpVKEoX9pNeV1YybX7YTa2aXcnItxLQnQDnYaXPE+nCLE81R3ZyMMqWEhlhHXr1Jt2ddmvehaqvU5TZpcg6XG8NN6ck+PKLFKglqzj4/ik5txg/X7GLtS7UO5LUWHsFKeGZOS1ktp3crgCNxbhuGuombtojmU6WbvM1+0dqWgwwUUmaZ1RVNLmTXMwuzZSGM06nKGIAA0uCd9iYStawo5nPMtLFXycTbcfiBFOVBcj1FLidRK0vkbVNtNUy1ZJU+ZLR/aVHKg+do3jDKrIrVsT201KSTt1SMCTAReInG2hcjUU1mCoHNracT/SDeURpqtK1tOpsfZBw0iPtGW/2cLWWhhm0pG7X6xvGaZXqYWUdVqdXY/ZOfiM7u5XhVbGZNIuqKenFjrZePQXMTwjmOTia6oq73Lsq3odn6K6pd20G7vpzgfia2ijeTuW+guQDY0ijjf1K8rv8A4Q7Htp5tIiVNZabiM9c9PTm/c0cs3Acpf9odRc+LeL6G+HK2rJKdLtHljt1OP2t4zVJOpl+0TUmy6SSZvduyffHMWJCEAHcdByjEpNSSJaOHjOnKT6mnsd2vVdMwWpJqZO45z96o5q/4vJr35iNsxHKgnsW/X7WYfU4e89stRJNlMoreYZjaJLyHUTCd3xBsLxltNEMI1ITVtH1OBsxs3JwmQ1bUSr1c5rSpIOYo0w+CnlE3JfWxfoeAJOqSiiWc5152v6/U3MI2TxFqpqupqZKzHBWyKZmRCQciBsoWwut9d5OpN4i7GefNc6L4jhlhlQVN6O+9rvq97/mx3q2olS1aVJILHwu17kW3qTz6cI2k1FWiQ0YVKslUq7bpESrdnpMw5gplTPflHI3rbQ+oiu4JnWhiJx03XR6nJqZGIyNZcwVCDgwGf13E+jGNWprbUnjLDVPaWVmkm3cxDlnU9mG8AlT/ACsD9Y17VrdEv7CMtYSNxNvpHGXNHllP/wChG3aoj/8An1OqOpg/aHTS3Ld3OPhtoq7yQeL9I2WJjB3dyGrwWviI5YuKs+d/sYsc7UJsxSlPL7q+mdjme35QNAeusR1MbJq0VYs4T9M0qclKvLN4LRevN/AhFJTNPdJUtbzHawNySSxGp5Aaknle+6KiTk7Lc9FVqRoQlUm7RS91vvtY9IKLAcY7x8ne5+wMGOokK6sjqGVhZlYXBB4EGMNX0ZtGTi1KLs0RVuzXDi2buSNb5RMfL8M27pEP7en0OkuM4y1s3wX2NvbjAPtVG0tB45dnlAaaqLZR5i45XI5QxFLPCy3M8Hx37XFKcn3Xo/J8/R6nn7E5V13aqf8AY/8AOkcuk7Sse8x9PPSzLlr6HGdotI4M5WRrzjoY3juVKrtFlk9jOxv2qZ9rnreTJayKRpMmDXXmq6eZsOBETwp63ObisY1DIt+pNe2Xbc0UgU8lrVNQDqDrLlbi/Rjqq+THhEsnY51KnmZXPZl2YNXgVFQWl0t/CF0ebY2OUn2Uvpm46gcxqo3J6tbLpE29psGwioo6yZhqOk3DzLzMWYpNV3y3GZmuNGINgbqOBjLSaI4TlGST5kQ2F2SnYlP7qX4UWxmTSLqindpxY62XjY7gCRoo3LUq+RalyyOzjCg32RZE2dNCjvZwmG8rMCVLnMFDG2iKpNrEixvG1lexB2lXLnbsuXiVvsdsS9ZUvKlkCTKYiZOtcWDEDLzZraCK0YSm7XO7VxNLC01LLq+X50LPkbJ4QJ4oFktMnBO8dw7EqBl9tgwALXHhA48LiJOzpZsltSj+8xypfuM1o3slZa+StyNPa3ZijNTS0VPJSXMmt3k1wTdJK3vvNrtqB5dY1qUoZlFImweOxCpTr1JNpaJdW/sYdu9m6NRIpKKRL+1VLgAhmJSWurO2p0048M3KM1KcNIxWrMYLG4h5qtabyxXvb2RNsPoqbCaJtQsqUpeY9vE7aXY82Y2AHkInilCJyKtSeJq5nuymsExNsWxuQ9R7BclJd/CqS1aYqdblRfnc+UQp5p6nSnT7DDvKZaClNZXVGJVt0pJEwuxYWzFGtLkoDvOigj03mC1lmexmbVOlGlT9p/jZC9pMUerqJ1RM9qaxa3IWsq+igD0jTNd3LKo9nTyLocJEiVspwhfVlwdhux/eOa+cvglkrIB4zB7T+S7h1vxWM0482QYytbuI3pu28yqxsS6WQs9JAdJRdystG/7s9iFOlhlB5btWja93oQKChDvO19+pxNoe02tnTGkpMlS5ecrmp7+MXtcTG8VjvBAWK9WrKzO1gMBS7SDavdrfx8P+nX7KyGnvIdjldS62P41tfeOK/wCWK+FkpSys6/HqcqVBVo7p2fk/5+ZaTYBL4Fh6j+kdDskeRWPqeByq7CHl6jxLzA1HmIilTaLtHFwqaPRnIqqSXMFpiK45MAfrEbSe5djOUXeLsceZsNTzWsiOrH3G/RrgCNexT2J//oVKavJq3idBOySWALVLg8boDr01EZeCT5kVP9Tyhp2afq19zLI7KJQPjqZjD8qqv1vBYGPNmZ/qqq13aaXm2/sSzAdl6ak1ky/GRYuxzORyudw6CwizTowp+yjiYzieJxf92WnRaL3fc7MSlA4m1e08mglCZNuWY2RF9pyN9uQGlzw8yAY6lRQV2XMFgqmKnlhy3fT85FY1Pa3VlrpKkKvAEMx9TmF/gIpvFz5JHoofp/Dpd6Um/RfRnXwXtdBIWqkZfzyjceqNrbyJ8okhi/8AZFXEfp9pXoyv4P7/AMFj4ZicqoliZJmLMQ8VPyI3g9DrFqMlJXRwK1GpRlkqKzK67SdizdqqnW4NzOQD4uo6/iHrzijisPrnier4FxiLisLXfgm/k/p7uhSlXLysRw4eUawd1clxVPs5tcj9w/DnqJsuRLF3muqL5s1rnoN56CJYblCu7U2+h6loKSTQUaoLJJppZJJ5KCzMep1Y9SYuJWPNyk5O7PPWEUUzHcVLzcwSaxdgDqlOm5emmVdOLXiJyvOyOhGl2eH7Sel9l1Lk242vTCpdNKlSla5AEseELJQWNrbjuA4b+UbVKmQiwmDeIvra3zI6MGwpaTuVefTjGHlussLeblR1KollYKlzoWJHj0MZzRtfqRulV7Rx3cb/AAJZUyqbBcOmGRLCqmoBN2mTW0Bc7ySbX5AaWAtCUlCNzFClLEVVDqVJs/thWlJtLJAedWzSxmG/eZpihWsQbAWG+3h19KkaktlzPQ18FQTVSWiituWn56lpVAlYJhdksZgFgbftJ7j2iOIFr291LRYk1SgcilCWPxVnt8kvz3s0+y/Dfs9LNrqhrPUXms7bxKF2zH97xN5FY0oRyxzPmT8Wr9rWjQp7R0t4/wAbFVbYTaiomfbZyFZVUzdzci5RPCAFvewFtbWJPWK87t5nzO1hOzpw7CL1jv5vxLJ7FdnO7ktWOPHOusu/CWDqf4mHwUc4sYeFlmONxjE5p9lHZb+f8HG7aceadMWhlXISzOF1LTSPAlhvsCDbm3SNa9TvKKJ+F4JdjKvPo7eS5kOXY3E6RBWCQ8sSvHmDLnUDXMUuTbmCN17i0MklqbfucPUfZ3vc520O1VVW5ftM4uq6qoAVAbb8qgAnfqddY1lNy3JKWHp0vYRtYZsFiFTJ72TTEoRdSzKmYflDEE34Hd1jaFNvUhxGMpw7qevyI9gmETaiql0qqRNd+7II1Wx8RYflAYkdDEmUq9soxuz0JtzV/wBnYbLpKNT304Cmp1XV9R4m87X195gYleisjnU+/Nyl5lZT6N6KUcLol77Eaof9W8vXu0t+wQ8Br4mOmuu8ZdbW0RIpZ3nnsfeF9lOIoyZ5cu1ibiYCFNtzf7XitWozekeZ2+GcSw9J5qzfd2Vrt/8AN9SU7G7NTqbFJSzMt0lvMbI2aysrSxfTQkmIaFGUKyT8zqcV4lRxPDZyp3s2o6q2qafyRbkdM8MIAwTaOW2rIpPMgXjDimSRqzjopM+5UlV0VQB0FoJJbGspylrJ3MkZNRACAEAUP2tVzTMRmIfZkqiKPNA5Nud2t6CObiZXqW6HteCUlDCqS3k2/jb6EMiudcQBv4LjM6lmd5ImFG429lhyZdxHnG8JuLuiDEYaliI5aiv9PIuHZLtJk1IEufaTPtxP3bn8hO4/lPMWJi9TxClo9GeUxvBqlF5qfej8V5/dfAg222yKtLefJ8LqMzJ+E8yORtc8tOEQSio9461OrKqlSfXRmv2IYXnxB5jD9hKYjo7kIP8ACXiahZu5zeKZqcMj0d/kTrtxxQysO7pTrUzVlG2/ILzG9CEy/wAUWJu0WzkYan2lWMX1OL2A0S5Kqd+IsksdAAWPxJH8sRUFuy/xWXejE2ts9j3qMReqq3WXh8mWhLZvEyqLlABqCWLa8iLXJ0Tp3ld7GuGxfZ0clP2mznbIYgK/GVnuuVZaN3KG3gRFyothx8RY9b8ogpzz1r8jrYvDftOGZf8AKTV35/ljtdtFBVT0pZVPJeapdi2QXs2UBM3IWL6nSJ68XKyRyuFVaVKUpTdnb/v0HZnspKo5xE51euMvMUU3EmWSBa/vtffyuBpq2KVNReu5niGLnXh3VaF/e/svzw7m2Wyz10+lDMBSyizTVuczNpZR5gEX4AmN6lPO1fYhweMWGhPKu89E+hu7ZYd3tN3RmLJpgQahtx7lBmKpbQXIUX5X0O6NqiurciHC1MlTMleXLzf57yjsfxE4jWy5cpckq6U9Og3LLzZQbczvPoOEUpPPKy8j01Cl+1ouUtXrJvxPQFTMl0dKxAtLp5Wg/KiaDzNgIvNqMfI8rCMq9VLnJ/MgfZPgXed5iNQA02a7d2Tw8RzuOpN1HIA84r4eF++zscXxOS2Fp7JK/wBF9TmYJtfPq8WnsZhFHKkzz3d/uzJRbBmG4sTY3O69t0bQqZpX5EOIwXYUUmu82tTj9j+xK1T/AGqoW8iUbIhGkyYNbnmi8uJ04EHFKF9Wb4/FOC7OO7JntZ9tn4hhj0cxjQ5wzvJYlCVcl+8K6FSi5RfS5YbzE7u3ocuKjGLUtzndluEd9iOI4iyEK06Yki4IuGclmFxyyC/5mglrcxUl3VE+e0vbaXKn93RDvcQsZAmDxCRmazLLG4zmNgbbrAHdaNZTSZLRw8pxbbsjdw2ik7P4a9TPtMq5tu8Ym7TJz3IlhjrlGpJ42ZukbbIhX9SaXI6/Z5Uzfsb1tbNN55M3xGyJKUWXKNwFrtpvBER07pOUi3jFGVSNGittNN22cyTt9h9O82YGmz5s5ru6S7aDRVXOV8KjQfHjESrU4tvds6M+GYyvGEGlGMVZJv3t2vq3q/cdnBe0WiqGCB2lu2gE1ctzyzAlb+ZiSGIhLQpYjg+Jopyaul01/kl0TnLEAIAQAgBACAKn7RdmFNaZzkhJ6CxBt96i5SP5QpA42bkYoYin383U9XwbF3odkt4v4P8An6FYVEsK7KDcKxAPMA2vFU9AndXMcYMn6oJ3Any1jJhtLc/DyMYMkiwLa2ZJHdzQZsrdY+0B0J3jofiIljUa0ZRrYSM3mhoyX9j82WtZVJLbMrywyHccqvuPXxj4GJsI0pOJzP1DGU6VOq+tn52+tj7/AP6ApGaRSTBfKk5lbld5fhJ/lPxi3VfdODw9Xrx/PArzYza+fhzuZSq6TAM6NextexBGoIufj5WqwqOJ3MVglWWu65mXanbepxBlSaVSUCCJUu4W/NiTdj8uQhUqOSGCwNOnUVtXfdmHC8RmU81J0psrobg+liCORBI9Ypxk4u6PSV6EK9N05rRlg/3yxarl5aemyZh+1ly2P8rOco+fnFvt60/ZR598K4dh23Vq+ja+KWr+BydmsBxmjqGqJdMZjOCH7yYhzhiCc33l73AN42hGpF3sQYqvga0Ozc9FtZP7GXG9o8Zl1EuonU7Ikm5EtUJkWIKnOVJubHeTpwtGZTqJ3aNcPhMFUg6cJXb5319CO7U7Z1VeMs1gkoG/dywQpI3FiSSx89OkQzrSmdHC8MpYfVavqzJ2ZywcTpQd2Zj6iU5HzAhR1qIcU7uEnbw+aLV7Xp5XDJtvxNLU+XeA/pFyv7DPOcJt+6i3yv8AIgmL9ohkUdPSURAKyUE2dbcxQZhLHO5N253tziF1csVGJ0afD+1rSrVubdl68zWWjajoBJItWYnlXIdGSnzWAPIuTa3InisaWcI2W7+RazxxdbPL+3TT9Zfx+blgbYsMNwcyZHhORZCHcbv7TafiIztfmYs1JdnA4eDpPF4rXxfu/LFfbP10/C8MmTu8KzashaWWdVUL7c/I2nIDTXw3uDEUJ5YX6l/E4bt8R2cbPLu/oWvgOIzVwuXUVL55gpzOdiAt7oZgFlAAsLDdwiwn3bs41Sn/AFnTj1t9Ct+xrZFps44jUeIBmMq/4ppJzTPIXIH5r+7EVJZu8y/xCSpJUYvzOlt7RNimKyaEX7mmAecRuXOAzHlfLkUdWPWEm5VMqM0KdOlhHWnu9F+fMkG3Mszu4w2nsisA85hosqmlmwvyuRp+7bjCteVoL18hw3LRUsVPlpFdZP7fUp3aGbJaomfZkySQcqDU3Ci2Y31u1r+sUJ5c3d2PW4WNVUl2rvLd+vL0OcY0LB6V2TZzRUxmXzmSma+/2Bvvx5x16d8iufPMaorETybZn8zrRuVhACAEAIAQBr11FLnI0uaiujb1YXB/343jDSaszenUnTkpQdmuhDp3ZVQFrjvlHurM0/xKT84geFgdaPHcUlZ2fjb7HZwrYqhkexToW96Z941+ha9vS0bxowjsipW4liq3tTfpp8jvIgAsAAOmkSlJtvcx1FKjizorDkygj5xhpPczGcou8XYrjaLYulMxx3Xd31Bl+HQ66D2dN27hFOpSjc9Lg8fVdNO9/PUj1Fs7UUNQlTSsJvdk3RvCzKRYryNxfXnY2iOMXB5kW61aniaTpVFa/MsdMUocUp2ks6kTBZ5TkLNUg+6dQVI0YXFxF2M41FoeZr4avg6neVnyfJ+RX+KdkGQkpWyxL/8AWGUgdSDY+ekQPD+J1KfGLrWDv4HJGzmF0xvU4l3zD8FKl93Av4h9I0dOmlq/cWYYvFzadOnbxl+I6Era6ip//CYctxumT2zPfy1t6MIiVaEfYj7y/LhmKr/+iu/KKsvp8jMe1Os4JIHTI3+uMfvKngbL9NYS28vevsS7ZHtEl1LiVPUSpp9kg/dtYXtc+yehv58Is0cUpu0tGcbiXAKmGj2lJ5o/Fff80O5U7Y0KGzVUu/5Tm+agxK69Ncznw4TjZq6pv10+ZEdo8HwuuBaRUSJNQdxDBQ55Ohte/MC/nuiGcaVT2WrnTw1biGCsq0JOHle3k/psVglRMoKtSRadTzASvA21tfirDiOBitFShK/Q7ladLEUGou6kvz1ReMrGKHFKRlaYuSYoDozBXQ79QToQRoRcacY6GeE1a5479tisNUUlF6c0rpkAqKbCMNfvJbNW1Cn7tCwaWjDczlRluOWpvbQbxWbp09U7s7UI4zGd2Uezjzet35X/AIREP7fJrpVXUOXbvkmNpuCODZRfcALAdIhjKUpZmdKrQpUMO6MHumtetuZdO0W1eFmnzTpsmemjLKUq7sRusm8Hh4rW1vF+c6bWup5PD4XFxqdxOL67fEovanaCZXTzNmAKLZZaD2UQblH6nieW6Kc5OTuz0mHw8aEMsfV9WXRgG2tAcOld9OljLJWXMlNqxKoEYd3vYG3KxBi3GpDLqedrYKuq7yRe90/5NbY7tIpppnJMMumlyyO4VrKO6C2tppmuL5RuDAC9rxiFaL30JMVw2rCzjeTe/mbWEdoOHvVT1UpKFlbv2GTvmHhPC/hGUDNqddNNSrQzMxPhmK7OLs34LW3/AEinaDt+k5Xp6T2Hss2baxmAbkXjl1Nyd9yN2+vWrqWkTscM4TKk1Vr7rZdPF+JG8T2OnyZJmlpbZb50UkstnEtuFjlY2NvS4BMRSouKudCjxKlVqZEmr7N89L/FbHS7Pdlpc+eGqmCqpBWU2hmHkb6Zem88rRmhCMpd4i4riqtGl/Si9efT867F7COmeIEAIAQAgBACAEAIAQAgBAHKx6hzrmUeJfmOI/X4xHUjdXLmDr5JZXsyMRXOyRHbHZFagGZLHj3lfe6r+b6xFKDTzQ/6X6NenUh2GI9nk+cf4K0/s0yyQedrEagiNHVzcizDAOi9JaP83PsyOsa5iV0NNzLJn20aNZQvqieliMiyzM4qF5xHkZaWIh1Px6xeV4yqTNZY2C21ML1h8o3VJFeWMk9j4VXfcL/T4xt3YkS7Spsb1BRywbzST+UDT1O+NHURNHCS5nZTFqcWXOFtwymw+AjZRb1I51YU3lbPupNPOUhGRphFkswDZuAHHfwjOV9DRVov/IhdfhzKSLEMDqrCzDzvEsKqvZlCvgpOOam7mpLmsmhHoY3cVIrU606Tyy9zNpZ6nj8YjcWi5GvTlzPq45xg3uupklJeNZOxLShmNkWA0iPcuRSirIkWGYArKpfMXbXKPlwveMpXIpTyrwJ+lBWT1t3Fr3u7DIxuwZvaOmZgrHKBcgXvFnLUmrWOL2uBw8s2fbktfBbLktFduxtU+wc4+3Mlr5At/SNlhZc2Rz47SXsRb9y+526XAaqStpVbe25ZiXXyuWJA8olVKcdpHOqY7C1n/Uo28U9fkr+pzp+19RIcy58hCw90lbjgQdbiNHXnF2ki3DhGHrwz0Zuz66/Y6uGbY080hWJlMff9n+YafG0SQxEZb6FLEcHxFJXj3l4b+77XJCDE5yj9gBACAEAIAQAgBACAOFi+D3JeWPNf1H9IhnT5o6WGxlu5P3/c4JEQnS3OVjGAyaj2xZ/fXf68D6xHOmpFvD4ypR0Wq6Pb+CG1+w85P2ZEwdDY/Bj9CYhdKa21OpTxuGnvePxRH6rDWRirgqw3gixiLO4vYuxoQqRvGSaMBoR70Z7V9DV4Ff7BaMcflDtDCwi5mzLlou5R5nWNXNssRoU48jG9YtwC39BGVTk9bGksXRjLK5GdZ8sfjX4iMZJdDf8Ac0f9l70YKitk2tYN0A/WN4wmVa2Kw1rWv6fU4t9bjTl0iycR2Z6gwBFrKCmeplrMaZJQtnUG5ZBc689/rF1JSiro8xKc6FWXZyas+TKQ232WainmWy5pTXMpyNCvK/vLuPoeMc6pB05HssFiaeNopySut10f8kZNCnL5mNe1kTPA0Xy+LPtKVBuUfX6xh1JPmSQwtKG0fr8zLaNSexeGxWx9E9NIqGpQJjoGs7Mw8wCbWPtDTcRHQpUYOKk0ePx/EsTCtOnGeidtEl/PgTES5UhGYKktFBZiAFAAFyTaJ7RijkOdWtJJtyb9SN7C7XGveqGXKkp17vmZbAgZut0J/itwiKjV7Rsv8R4f+0jT11ad/Nf9+BLonOWIAgHaPbvpXPIb+WbT9YpYr2ken4Dfsp+f0IjFY7pMNg8bYOKdzdWB7u/4SBfL5EX8rdYtYeo75WcDjOCi4dvBarfx8fMnsXDzQgBACAEAIAQAgBACANWsw+XM9pdeY0P/ADzjWUE9yalXqU/Zfocmfs8fwOD0bT5j+kROl0L0OIL/ACXuNR8FnD8IPkw/W0a9nImWNovn8Dn4psiahbTJWo3MGUMvkb/LdGkqDluizQ4rGg7wl6WdmQjHez2skAvLl9+nKXbvAOq31/hv5RXlhJrY7FL9RYWWkk0/h7yCVlW6MUaWUYbw4IYeYNrRqqFtyZ8Ucleml8zRm1DNvb+kSKKWxUqV6lT2mYxroN5jYhO3h2yFdP8A2dJOI5shRf5nsPnGyhJ8ivPFUYbyXzJLQ9kGIOAX7mVzDuSR/IrD5xuqMitLidFbXZLdn+xqTLcPVTjOtr3aLkQ9GNySOgtEkaKW5Uq8TnJWgrFoIoAAAAA0AG4AconOWauLYXKqZZlTkDoeB4HmDvB6iNZRUlZktGvUozz03ZlaYv2Qm5NNUC3BJw3fxr/pipLCf6s9FQ/UOlq0PVfZ/c5krskrCfFNpwOJDOT6DIPrGn7SfVFmX6gw1tIy+H3JVs92WU8lg89zUMNykZZfqtyW9TbpE0MLFavU5eK47WqrLTWVe9+/l+ak/Ai0cMgvbHXPLoQq6CdNVGP5QrPb1Kj0vFbFSah5na4DSjPE3l/irr4L6nE7DZZvVtbT7oX6+M/0+MR4TmXf1E1/TXn9C1ounmBAFfdo8s99KbgZdh5qxJ/zCKWKXeR6jgUl2Mo+PzX8ETisdw6WzKE1cgDfnB9BqfkDG9L20U+INLDTb6fPRfEtuOmeHEAIAQAgBACAEAIAQAgBACAEAIAwVVHLmC0yWjjk6hh8CIWMqTWzOb/dKh/8lS//AAS/9Ma5I9CX9xW/3fvZ0aSglStJcpEH5FC/QRmyRG5SluzYjJqIAQAgBACAEAIAQBqYphsqoltKnIHRt4P1BGoPURrKKkrMko1p0ZqcHZowYBgUmjl91IXKpJY3JJJOlyT0AHpGIQUFZEmJxVTETz1HdnSjcriAOZj+DrUy8jGzDVW5H9QeIiOpTU1Yt4LFyw1TPHVc11K+qdlqpGy90W5MpBU/MW9bRSdCaex6mnxTCzjmzW8Hv+eRLNkNmjT3mzbd6RYAahQd+vFj0/WLNGjl1e5w+J8SWI/p0/ZXx/glEWDjiAEAIAQAgBACAEAIAQAgBACAEAIAQAgBACAEAIAQAgBACAEAIAQAgBACAEAIAQAgBACAEAIAQAgBACAEAIAQAgBACAEAIAQAgBACAEAIAQAgBACAEAIAQAgBACAEAIAQAgBACAEAIAQAgBACAEAIAQAgBACAOLju1VLSaT5wVjqEALP/ACqCQOpsIjnVjDdlvDYGviNacbrrsvezbwPF5dVJWdKzZGuBmFj4WKnTzBjaE1JXRHiMPOhUdOe6N+NiAQAgBACAEAIAQAgBACAEAIAQAgBACAEAIAQAgBACAEAIAQAgBACAEAIAQBD8e7O6aqqftDtMBa2dVIytlAA3i40ABsfgdYgnh4ylmZ1cNxivQo9lFLTZ9CV0tOstFRFCogAVRoABuAiZJJWRzJzlOTlJ3bMsZNRACAEAIAQAgBACAEAIAQAgBACAEAIA/9k="/>
+          <p:cNvSpPr>
+            <a:spLocks noChangeAspect="1" noChangeArrowheads="1"/>
+          </p:cNvSpPr>
+          <p:nvPr/>
+        </p:nvSpPr>
+        <p:spPr bwMode="auto">
+          <a:xfrm>
+            <a:off x="155575" y="-144463"/>
+            <a:ext cx="304800" cy="304801"/>
+          </a:xfrm>
+          <a:prstGeom prst="rect">
+            <a:avLst/>
+          </a:prstGeom>
+          <a:noFill/>
+          <a:extLst>
+            <a:ext uri="{909E8E84-426E-40DD-AFC4-6F175D3DCCD1}">
+              <a14:hiddenFill xmlns:a14="http://schemas.microsoft.com/office/drawing/2010/main">
+                <a:solidFill>
+                  <a:srgbClr val="FFFFFF"/>
+                </a:solidFill>
+              </a14:hiddenFill>
+            </a:ext>
+          </a:extLst>
+        </p:spPr>
+        <p:txBody>
+          <a:bodyPr vert="horz" wrap="square" lIns="91440" tIns="45720" rIns="91440" bIns="45720" numCol="1" anchor="t" anchorCtr="0" compatLnSpc="1">
+            <a:prstTxWarp prst="textNoShape">
+              <a:avLst/>
+            </a:prstTxWarp>
+          </a:bodyPr>
+          <a:lstStyle/>
+          <a:p>
+            <a:endParaRPr lang="en-US"/>
+          </a:p>
+        </p:txBody>
+      </p:sp>
+      <p:sp>
+        <p:nvSpPr>
+          <p:cNvPr id="3" name="AutoShape 6" descr="data:image/jpeg;base64,/9j/4AAQSkZJRgABAQAAAQABAAD/2wCEAAkGBxQTEhQUExMWFhQUGBoYGBgWGB0aGBsYGBQcGBwcGBscHCgiHhwlIBoYITEhJSkrLjAuGR8zODMsNygvLisBCgoKDg0OGxAQGywmICQsLCw3LCwsLCwvLC8sLCwsLDQtLCwsLCwsLCwsLCwsLCwsLCwsNCwsLCwsLCwsLCwsLP/AABEIAL0BCwMBEQACEQEDEQH/xAAcAAEAAgMBAQEAAAAAAAAAAAAABgcDBAUIAgH/xABGEAACAAQDBQUFBQUHAgcBAAABAgADBBEFEiEGMUFRYQcTInGBMlKRobEUI0JiwTNygpLRFRaistLh8CRDNFRjc5Ozwgj/xAAbAQEAAgMBAQAAAAAAAAAAAAAAAwQBAgUGB//EADURAAIBAgQDBQcDBQEBAAAAAAABAgMRBBIhMQVBURMiYXGBMpGhscHR8AYU4SMzQlLxNBX/2gAMAwEAAhEDEQA/ALxgBACAEAIAQAgBACAEAIAQAgBACAEAIAQAgBACAEAIAQAgBACAEAIAQAgBACAEAIAQAgBACAEAIAQAgBACAEAIAQAgBACAEAIAQAgBACAEAIAQAgBACAEAIAQAgBACAEAIAQBVPaVt5NSc1LSvkyaTJg9osR7Kn8IHEjW/K2tKvXaeWJ6bhPCqc6arVle+y5eb6/Ir2Xj9UrZhVTw3PvX+euvrFXtJdWd54TDtWcI+5Fn9nO371DimqiDMN+7mAWz2FyrAaBrXsRYG1t++5QruTyyPN8V4TGjHtqO3NdPLwLJi2efEAIAQAgBACAEAIAQAgDDUs4y5FVrsobMxWyX8RFlNyBuGl+YjDvyNoKLvmfLz1M0ZNRACAEAIAQAgBACAEAIAQAgBACAEAIAQAgDztt3g82nrJxmqcs2Y7o/4WVnLaHmL6jhHKrQcZu573huJp1sPFQeqSTXSysR6IjoG9gbstTIK+0Jssjzzi0bQ9pEGJSdGae1n8j05HYPnIgBACAEAIAQAgBACAEAIAQAgBACAEAIAQAgBACAEAIAQAgBACAEAIAQBiqqZJilJiK6nerAMD5g6RhpPRm0Jyg80XZ+BA9qezGnmIz0w7maASFBvLY77EH2eVxoL7jFaphotXjodvB8brU5KNXvR+K+/r7yDdluBmprUcj7untMY/m/APO4v5KYr4eGad+h2uM4pUcO4reWnpz+3qX1HSPECAEAIAQAgBACAEAIAQAgBACAEAIAwirTP3ede8AzZMwzW55d9usYzK9r6m/ZTyZ8ry7XtpfzMFXi0iUcsyfKRjweYqn4Exq6kY7tElPC16qvThJrwTfyNxWBAI1B3ERuQtNOzP2BgQAgBACAEAIAQAgBACAEAIAjW3WOGnkd3K8VTUfdSUG/M2mbyW/xtEVaeVWW7Ohw7CqtUzT9iOrfguXqbmyWAJRUySV1b2pje853ny4DoBGaVNQjYixuLliqzqP0XRHZiQqCAEAIAQAgBACAEAIAx1E9UUu7BVUXLMbAAcSTujDdtWbRi5NRirtkaO0VRUX+wUwZOFRUEy5J6ooGdx1AA0iLtJS9herL/AO0o0f8A0z1/1jq/V7L4mpiWF4uUZkrpQcC4lpJUKTyDtmPxjWUatrqXwJaNfh6laVJ26uX0VitaXtJxFTczw45PLS3+EA/OKixFRcz0U+C4OSso28m/rcnOynajLnMsuqQSXOgdT90T1vqnqSOoizTxSektDi43gc6Sc6LzLpz/AJLBqJ6ojO7BVUEsTuAGpJiy2krs4cISnJRirt6WKD2txvv616inZ5YNrG9nOVMlwRqoIG7+to49WqpTcon0fh/D6lLDQo1WmlurXW97eNn4GjT4RUTD4JE1yeIlsfnaI1Tk9ky/PF4emu9OK9UXjsPh8yRRSZU7R1DEi98oZywF+gIjr4eDjTSkfOeL4inXxk6lLZ29bJK53YmOaIAQAgBACAEAIAQAgBACAOPj+01NRrefMCm1wo8TkdFHDqbCI51Yw3ZcwuAr4lN046Ld7Jev03Ko2c2xlTMRmVtWJmgyyQoDCWDca630UncDcuTFJVoxqZp/8PSy4bVqYLsMNbR630zPw/m3IuPC8Uk1Cd5JmK68xvB5MDqD0MXoTjNXizyuIwtXDzyVYtP826+huRuQCAEAfjMBvMDKVz9gYEAIAQAgDHUT1lqzuwVFBZmOgAAuSYw3ZXZtGLk1GKu2QDBa4YxVTGcf9FTFcko7prtezTRxAyk5TpqOt60JdtJ32R28RSfDqMVH+5Pd9F0X3LCAtFo4RwttdoFoqV5hP3jArKXiXI09BvPQRHVqZI3LuAwjxNZQ5bvyPOQjknvxAEzbambPw+VRklpgmhTzaWAO7B/iNv4FiSpVcqah4lPB8Pp0sZPE7LLfyb3+HzZbGyuykmjlrZVadbxzCLsTxCngvQctdYv0aEaa8ep5PiPFa2MqO7ajyjy9erJBE5yxACAEAIAQAgBACAEAIAQAgDjbW44KOmeboW9mWp4ud3oNSegMRVqvZwzF/huCeMxCpct2+iX5ZeLPO+P1rzCXmMWmTDdmO82/TcLcBHLp3lJyZ73GKFChGjTVl08EKFLIvXX4xHUd5MtYOGWjHx1953tlseejnrMUnISBMXgycfUbwefmY2o1XTldEPEcDDGUHTlvyfR/Z8z0CjggEG4IuD0Mds+YNNOzPqBg5u0WJfZqabOtcotwDuLE2W/S5ER1Z5IORbwOG/c4iFLq/hu/gURiFbMnuXnOZjHi36DcB0EceUnJ3kfSqFCnQjkpRsvD69fUmmD7XTKTCmc+N++MqQHuRbIra8Sq+L5DSLtKs40bvrZHmOI8Op1+IqMdFlzSt5te96fMi9F2kV6TA7zRMW/iRlUKRyGVQV8x84jWIqJ3bLNTguElDLGNn1uy96OoEyWkwaB1VhffZgDr8Y6Sd1c8VODhJxfJ2MMvFJLTjIWahnKLmWGBYDTeOG8fGMZle19Td0Kigqji8r58jcjYiKh7Xdqs7/YpTeBCDOI4tvCeS7z1tyijiat3kR6ngeAyr9xNavby6+vLw8yH7I7UTaCaXlgMrgB0bQMBu14EXNj1MQUqrpu6OtjsDTxcFGWjWz6FgT+2CXk8FK5mcmcBQfMXJ+Aiy8WraI4Uf09PN3pq3lr+epWu0GPTqyb3k9rncqjRFHJRw+pipOpKbuz0OFwlLDQyU1935nMjQsn4TbfGbGG0ldmzgtdknK6i/dlX8yrg/pCScbPxMUJKu50ls4tX89D07SVKzESYhurqGU8wRcR2ItNXR84qU5U5uEt07GaMmggDRxfF5NLLMyfMWWg4tvJ5KN7HoLmMSkoq7JKdKdSWWCuypdp+1+a5KUSCWu7vJgDOeqr7K+t/SK067/xO1h+ExWtV38EV/iGP1U8kzaia9+Bc5fRb2HoIgc5PdnUhh6UPZivcY6DGaiSQZU+bLI912A9Rex8jBSa2ZmdCnNWlFP0Ll7Me0Fqtvs1TbvwLo4sBMAFyCNwcDXTQi+gtrapVc2jODj8AqK7Sn7Py/gseJzlCAEAIAQAgCqu2SuvNkSb6KhmEcLs2UfDK3xjm46XeUT2v6WoJU6lXq0vdq/mipsVbxAch9TEVFaHR4lK9RLwOhTnwL5D6RBP2mdSh/aj5L5GSNSU9C7KMTRUpO/uJX/1iO5R/tx8kfLeIpLF1Uv8AeXzZ1YkKRqYrQLPkzJL3yzFKm28ciOoNj6RrOKlFxZNh686FWNWG6dyscQ7Plpw0yorUSSv4shzHoBm9roL+Uc94TLrKWh66n+onWtClRbk+V9Plt7vMhO0+NJO7uVJUpTU4IlhvaYsbtMf8zHhwiOck7Rjsi7hqE4uVWq7zlvbZdEvBEn2F7OHn5Z1UCknQrL3PMG/X3UPxPTQxNRw7lrLY5nEeMxpXp0dZdeS+7+Bc6rYWGgEdA8iRvCdjJNPWTatGctNzeEkZVLtmYg2vv57rn0hjRUZuSOhW4jUq4eNCSVlbXy0R8bdbXyqGnc94nfkZZaXBbMdzFd+Ub/S3GM1KmVabmuDwjqzi5pqHN2+C8TznOxMEkkszMSSTvJJuSesUOyk9z1zx9KKtFP5H4tb+X5xh0vEzHHJ7xP1qwcjDs2bvGx5Jmu+KAf8ALxuqDKk+KxWi+5jOJA/it8o27HwIXxNP/K3wPlp4PG8ZyM1deMtW7nRwicozEnkP+fKIK8Xojq8Lq045pN9EW72U7VgEUcxhZiTJPAE6lPXUjrccRE2ErZf6cvQ536h4cqi/d0dbe1b5/R+/qWmTHQPHEA2n7SURjIoE+0z911uZa9bj27dNOvCIJ10tI6s6uF4XOos9Xux+LIHU7L11bM72snAMfeOYqOSqvhUdAYrtSk7s7NOVCjHLTX58zIezgW0qNf8A29P88Y7PxJP3a/1I/jmy0+mGZgHl++moH7w3j6dY0cWixTrwqaczhFY1uSuCZI+zWndsTpQl7q+ZiOCKpzX5AjT1ETUtZKxzOItRw8lI9JRfPJiAEAIAQBrYlXy5Epps5gktBdmN9NbDQakkkCw5xiUlFXZJSpTqzUIK7ZT/AGqTQ1arA3UyZZU8wSxB+ccrGO9T0PefpuOXBtP/AGf0K4xP2/QfrCj7JvxD+96I28Nm3W3FfpEVWNncvcPq5qeXmvkdCmpzMdJa+07BB5sQB9YjSu7FupUVODnLZJv3anoWqrJNHIDTXCSpShQT0FgABqTpuEdxuMI67I+VwhVxVZqKvKTb95WuOdrrXIpZShffnak+SKRb1JipLFN+yj0FD9Pwir15+i+7+xz8J2kxytN6Ukp7/dy0lDyZ18VuQvGYOtPma4inwzDrLlu/N/RnD2/wrFJWWfXsJqk5QykFEJ/DlAGW9uVjzvCrSk9ZGcBjaUO5RSXmt/XmfXZxVUSzxMrbi1u6uuaUG957a35aW4nhEVLs4z7xfxyxdbD/ANBWvvrq14f9uegKeoWYodGVlYXDKQQR0Ijopp6o8XOEoNxkrNEb2n27pKO6s+eaP+2hBIP5juX69IiqV4x0WrOjhOFVq6Un3Y9X9Fu/l4lSbT9qNVPuEbukO5ZZIJ829o/IdIqynUnu7Lw+526eGweEV4xzy6y+kdvfdlfT6h5rXY6RvGMYLQiq162KleT0X5ofqIBujDbZtGEYbH6WjFjLlYy0VLMnOJcqW0x23KilifQcOu4Ruo32IKldQV5MmtN2N4hNTM/cSb/hmTCX8iUVgPjE0abRzauNhPSxz6TsVxKY7KVlSlU2zzJlw3VQgY28wIkV+ZRqON+6dV+wuuVbpU07H3TnUehymDimbUsRKn5dCI4vgFXRPkqJJS+4mxVv3XGhitUguZ3MJiZSXc1XQxUxJK5Cc9wFVb5y19MgGpN+UQWd7I6naQUHKTS8Of5+Mtr+7+MVVKJdTUqgIJElnAmzABudlXy0JOp1ifs6rVnI5KxeBjNTjS1W7W3na/yt4H3syUTLISlmyXbmhYMbakzBppzNgIjh0sWsRonUc01+cjsyJ6OLo6uvNSCPlG9yJprdWMkDAIvod0ARav2Ep5j5lLy771W2X0BGn0jR00WY4uaVtyYdn2CyaVnWWviZQS7aubHdfgNdw00iegktDlcUnKpFSfUmsWDjHFmbV0izxTmevek5bWNs3ulrZQeFid+kROvTzZb6nQjwvFyo9uoPLvy2623t6HaiU54gDibaYy1JRzZ6KGdcoUHcCzhQT0F79d0R1Z5INouYDDLEYiNOTsn9FcqTDO0mpDEVWWpkPpMlsiDwnflsAPRrjy3xRjiJX72qPUVuC0HG9G8ZLZ3fx/g7Ha1Sjvaacn7OZJyrYaeA5h8nGnSMY2PeUl0Jf0zVvSqUpbqV/fp80Vhiq+JTzFvgf94iovRovcSj34y8Pl/01ZM0qbiJZRUlZlKlVlSlmidrDsbSTOkzd/dzEcj9xw36RDCnJST6HQxOMpVKEoX9pNeV1YybX7YTa2aXcnItxLQnQDnYaXPE+nCLE81R3ZyMMqWEhlhHXr1Jt2ddmvehaqvU5TZpcg6XG8NN6ck+PKLFKglqzj4/ik5txg/X7GLtS7UO5LUWHsFKeGZOS1ktp3crgCNxbhuGuombtojmU6WbvM1+0dqWgwwUUmaZ1RVNLmTXMwuzZSGM06nKGIAA0uCd9iYStawo5nPMtLFXycTbcfiBFOVBcj1FLidRK0vkbVNtNUy1ZJU+ZLR/aVHKg+do3jDKrIrVsT201KSTt1SMCTAReInG2hcjUU1mCoHNracT/SDeURpqtK1tOpsfZBw0iPtGW/2cLWWhhm0pG7X6xvGaZXqYWUdVqdXY/ZOfiM7u5XhVbGZNIuqKenFjrZePQXMTwjmOTia6oq73Lsq3odn6K6pd20G7vpzgfia2ijeTuW+guQDY0ijjf1K8rv8A4Q7Htp5tIiVNZabiM9c9PTm/c0cs3Acpf9odRc+LeL6G+HK2rJKdLtHljt1OP2t4zVJOpl+0TUmy6SSZvduyffHMWJCEAHcdByjEpNSSJaOHjOnKT6mnsd2vVdMwWpJqZO45z96o5q/4vJr35iNsxHKgnsW/X7WYfU4e89stRJNlMoreYZjaJLyHUTCd3xBsLxltNEMI1ITVtH1OBsxs3JwmQ1bUSr1c5rSpIOYo0w+CnlE3JfWxfoeAJOqSiiWc5152v6/U3MI2TxFqpqupqZKzHBWyKZmRCQciBsoWwut9d5OpN4i7GefNc6L4jhlhlQVN6O+9rvq97/mx3q2olS1aVJILHwu17kW3qTz6cI2k1FWiQ0YVKslUq7bpESrdnpMw5gplTPflHI3rbQ+oiu4JnWhiJx03XR6nJqZGIyNZcwVCDgwGf13E+jGNWprbUnjLDVPaWVmkm3cxDlnU9mG8AlT/ACsD9Y17VrdEv7CMtYSNxNvpHGXNHllP/wChG3aoj/8An1OqOpg/aHTS3Ld3OPhtoq7yQeL9I2WJjB3dyGrwWviI5YuKs+d/sYsc7UJsxSlPL7q+mdjme35QNAeusR1MbJq0VYs4T9M0qclKvLN4LRevN/AhFJTNPdJUtbzHawNySSxGp5Aaknle+6KiTk7Lc9FVqRoQlUm7RS91vvtY9IKLAcY7x8ne5+wMGOokK6sjqGVhZlYXBB4EGMNX0ZtGTi1KLs0RVuzXDi2buSNb5RMfL8M27pEP7en0OkuM4y1s3wX2NvbjAPtVG0tB45dnlAaaqLZR5i45XI5QxFLPCy3M8Hx37XFKcn3Xo/J8/R6nn7E5V13aqf8AY/8AOkcuk7Sse8x9PPSzLlr6HGdotI4M5WRrzjoY3juVKrtFlk9jOxv2qZ9rnreTJayKRpMmDXXmq6eZsOBETwp63ObisY1DIt+pNe2Xbc0UgU8lrVNQDqDrLlbi/Rjqq+THhEsnY51KnmZXPZl2YNXgVFQWl0t/CF0ebY2OUn2Uvpm46gcxqo3J6tbLpE29psGwioo6yZhqOk3DzLzMWYpNV3y3GZmuNGINgbqOBjLSaI4TlGST5kQ2F2SnYlP7qX4UWxmTSLqindpxY62XjY7gCRoo3LUq+RalyyOzjCg32RZE2dNCjvZwmG8rMCVLnMFDG2iKpNrEixvG1lexB2lXLnbsuXiVvsdsS9ZUvKlkCTKYiZOtcWDEDLzZraCK0YSm7XO7VxNLC01LLq+X50LPkbJ4QJ4oFktMnBO8dw7EqBl9tgwALXHhA48LiJOzpZsltSj+8xypfuM1o3slZa+StyNPa3ZijNTS0VPJSXMmt3k1wTdJK3vvNrtqB5dY1qUoZlFImweOxCpTr1JNpaJdW/sYdu9m6NRIpKKRL+1VLgAhmJSWurO2p0048M3KM1KcNIxWrMYLG4h5qtabyxXvb2RNsPoqbCaJtQsqUpeY9vE7aXY82Y2AHkInilCJyKtSeJq5nuymsExNsWxuQ9R7BclJd/CqS1aYqdblRfnc+UQp5p6nSnT7DDvKZaClNZXVGJVt0pJEwuxYWzFGtLkoDvOigj03mC1lmexmbVOlGlT9p/jZC9pMUerqJ1RM9qaxa3IWsq+igD0jTNd3LKo9nTyLocJEiVspwhfVlwdhux/eOa+cvglkrIB4zB7T+S7h1vxWM0482QYytbuI3pu28yqxsS6WQs9JAdJRdystG/7s9iFOlhlB5btWja93oQKChDvO19+pxNoe02tnTGkpMlS5ecrmp7+MXtcTG8VjvBAWK9WrKzO1gMBS7SDavdrfx8P+nX7KyGnvIdjldS62P41tfeOK/wCWK+FkpSys6/HqcqVBVo7p2fk/5+ZaTYBL4Fh6j+kdDskeRWPqeByq7CHl6jxLzA1HmIilTaLtHFwqaPRnIqqSXMFpiK45MAfrEbSe5djOUXeLsceZsNTzWsiOrH3G/RrgCNexT2J//oVKavJq3idBOySWALVLg8boDr01EZeCT5kVP9Tyhp2afq19zLI7KJQPjqZjD8qqv1vBYGPNmZ/qqq13aaXm2/sSzAdl6ak1ky/GRYuxzORyudw6CwizTowp+yjiYzieJxf92WnRaL3fc7MSlA4m1e08mglCZNuWY2RF9pyN9uQGlzw8yAY6lRQV2XMFgqmKnlhy3fT85FY1Pa3VlrpKkKvAEMx9TmF/gIpvFz5JHoofp/Dpd6Um/RfRnXwXtdBIWqkZfzyjceqNrbyJ8okhi/8AZFXEfp9pXoyv4P7/AMFj4ZicqoliZJmLMQ8VPyI3g9DrFqMlJXRwK1GpRlkqKzK67SdizdqqnW4NzOQD4uo6/iHrzijisPrnier4FxiLisLXfgm/k/p7uhSlXLysRw4eUawd1clxVPs5tcj9w/DnqJsuRLF3muqL5s1rnoN56CJYblCu7U2+h6loKSTQUaoLJJppZJJ5KCzMep1Y9SYuJWPNyk5O7PPWEUUzHcVLzcwSaxdgDqlOm5emmVdOLXiJyvOyOhGl2eH7Sel9l1Lk242vTCpdNKlSla5AEseELJQWNrbjuA4b+UbVKmQiwmDeIvra3zI6MGwpaTuVefTjGHlussLeblR1KollYKlzoWJHj0MZzRtfqRulV7Rx3cb/AAJZUyqbBcOmGRLCqmoBN2mTW0Bc7ySbX5AaWAtCUlCNzFClLEVVDqVJs/thWlJtLJAedWzSxmG/eZpihWsQbAWG+3h19KkaktlzPQ18FQTVSWiituWn56lpVAlYJhdksZgFgbftJ7j2iOIFr291LRYk1SgcilCWPxVnt8kvz3s0+y/Dfs9LNrqhrPUXms7bxKF2zH97xN5FY0oRyxzPmT8Wr9rWjQp7R0t4/wAbFVbYTaiomfbZyFZVUzdzci5RPCAFvewFtbWJPWK87t5nzO1hOzpw7CL1jv5vxLJ7FdnO7ktWOPHOusu/CWDqf4mHwUc4sYeFlmONxjE5p9lHZb+f8HG7aceadMWhlXISzOF1LTSPAlhvsCDbm3SNa9TvKKJ+F4JdjKvPo7eS5kOXY3E6RBWCQ8sSvHmDLnUDXMUuTbmCN17i0MklqbfucPUfZ3vc520O1VVW5ftM4uq6qoAVAbb8qgAnfqddY1lNy3JKWHp0vYRtYZsFiFTJ72TTEoRdSzKmYflDEE34Hd1jaFNvUhxGMpw7qevyI9gmETaiql0qqRNd+7II1Wx8RYflAYkdDEmUq9soxuz0JtzV/wBnYbLpKNT304Cmp1XV9R4m87X195gYleisjnU+/Nyl5lZT6N6KUcLol77Eaof9W8vXu0t+wQ8Br4mOmuu8ZdbW0RIpZ3nnsfeF9lOIoyZ5cu1ibiYCFNtzf7XitWozekeZ2+GcSw9J5qzfd2Vrt/8AN9SU7G7NTqbFJSzMt0lvMbI2aysrSxfTQkmIaFGUKyT8zqcV4lRxPDZyp3s2o6q2qafyRbkdM8MIAwTaOW2rIpPMgXjDimSRqzjopM+5UlV0VQB0FoJJbGspylrJ3MkZNRACAEAUP2tVzTMRmIfZkqiKPNA5Nud2t6CObiZXqW6HteCUlDCqS3k2/jb6EMiudcQBv4LjM6lmd5ImFG429lhyZdxHnG8JuLuiDEYaliI5aiv9PIuHZLtJk1IEufaTPtxP3bn8hO4/lPMWJi9TxClo9GeUxvBqlF5qfej8V5/dfAg222yKtLefJ8LqMzJ+E8yORtc8tOEQSio9461OrKqlSfXRmv2IYXnxB5jD9hKYjo7kIP8ACXiahZu5zeKZqcMj0d/kTrtxxQysO7pTrUzVlG2/ILzG9CEy/wAUWJu0WzkYan2lWMX1OL2A0S5Kqd+IsksdAAWPxJH8sRUFuy/xWXejE2ts9j3qMReqq3WXh8mWhLZvEyqLlABqCWLa8iLXJ0Tp3ld7GuGxfZ0clP2mznbIYgK/GVnuuVZaN3KG3gRFyothx8RY9b8ogpzz1r8jrYvDftOGZf8AKTV35/ljtdtFBVT0pZVPJeapdi2QXs2UBM3IWL6nSJ68XKyRyuFVaVKUpTdnb/v0HZnspKo5xE51euMvMUU3EmWSBa/vtffyuBpq2KVNReu5niGLnXh3VaF/e/svzw7m2Wyz10+lDMBSyizTVuczNpZR5gEX4AmN6lPO1fYhweMWGhPKu89E+hu7ZYd3tN3RmLJpgQahtx7lBmKpbQXIUX5X0O6NqiurciHC1MlTMleXLzf57yjsfxE4jWy5cpckq6U9Og3LLzZQbczvPoOEUpPPKy8j01Cl+1ouUtXrJvxPQFTMl0dKxAtLp5Wg/KiaDzNgIvNqMfI8rCMq9VLnJ/MgfZPgXed5iNQA02a7d2Tw8RzuOpN1HIA84r4eF++zscXxOS2Fp7JK/wBF9TmYJtfPq8WnsZhFHKkzz3d/uzJRbBmG4sTY3O69t0bQqZpX5EOIwXYUUmu82tTj9j+xK1T/AGqoW8iUbIhGkyYNbnmi8uJ04EHFKF9Wb4/FOC7OO7JntZ9tn4hhj0cxjQ5wzvJYlCVcl+8K6FSi5RfS5YbzE7u3ocuKjGLUtzndluEd9iOI4iyEK06Yki4IuGclmFxyyC/5mglrcxUl3VE+e0vbaXKn93RDvcQsZAmDxCRmazLLG4zmNgbbrAHdaNZTSZLRw8pxbbsjdw2ik7P4a9TPtMq5tu8Ym7TJz3IlhjrlGpJ42ZukbbIhX9SaXI6/Z5Uzfsb1tbNN55M3xGyJKUWXKNwFrtpvBER07pOUi3jFGVSNGittNN22cyTt9h9O82YGmz5s5ru6S7aDRVXOV8KjQfHjESrU4tvds6M+GYyvGEGlGMVZJv3t2vq3q/cdnBe0WiqGCB2lu2gE1ctzyzAlb+ZiSGIhLQpYjg+Jopyaul01/kl0TnLEAIAQAgBACAKn7RdmFNaZzkhJ6CxBt96i5SP5QpA42bkYoYin383U9XwbF3odkt4v4P8An6FYVEsK7KDcKxAPMA2vFU9AndXMcYMn6oJ3Any1jJhtLc/DyMYMkiwLa2ZJHdzQZsrdY+0B0J3jofiIljUa0ZRrYSM3mhoyX9j82WtZVJLbMrywyHccqvuPXxj4GJsI0pOJzP1DGU6VOq+tn52+tj7/AP6ApGaRSTBfKk5lbld5fhJ/lPxi3VfdODw9Xrx/PArzYza+fhzuZSq6TAM6NextexBGoIufj5WqwqOJ3MVglWWu65mXanbepxBlSaVSUCCJUu4W/NiTdj8uQhUqOSGCwNOnUVtXfdmHC8RmU81J0psrobg+liCORBI9Ypxk4u6PSV6EK9N05rRlg/3yxarl5aemyZh+1ly2P8rOco+fnFvt60/ZR598K4dh23Vq+ja+KWr+BydmsBxmjqGqJdMZjOCH7yYhzhiCc33l73AN42hGpF3sQYqvga0Ozc9FtZP7GXG9o8Zl1EuonU7Ikm5EtUJkWIKnOVJubHeTpwtGZTqJ3aNcPhMFUg6cJXb5319CO7U7Z1VeMs1gkoG/dywQpI3FiSSx89OkQzrSmdHC8MpYfVavqzJ2ZywcTpQd2Zj6iU5HzAhR1qIcU7uEnbw+aLV7Xp5XDJtvxNLU+XeA/pFyv7DPOcJt+6i3yv8AIgmL9ohkUdPSURAKyUE2dbcxQZhLHO5N253tziF1csVGJ0afD+1rSrVubdl68zWWjajoBJItWYnlXIdGSnzWAPIuTa3InisaWcI2W7+RazxxdbPL+3TT9Zfx+blgbYsMNwcyZHhORZCHcbv7TafiIztfmYs1JdnA4eDpPF4rXxfu/LFfbP10/C8MmTu8KzashaWWdVUL7c/I2nIDTXw3uDEUJ5YX6l/E4bt8R2cbPLu/oWvgOIzVwuXUVL55gpzOdiAt7oZgFlAAsLDdwiwn3bs41Sn/AFnTj1t9Ct+xrZFps44jUeIBmMq/4ppJzTPIXIH5r+7EVJZu8y/xCSpJUYvzOlt7RNimKyaEX7mmAecRuXOAzHlfLkUdWPWEm5VMqM0KdOlhHWnu9F+fMkG3Mszu4w2nsisA85hosqmlmwvyuRp+7bjCteVoL18hw3LRUsVPlpFdZP7fUp3aGbJaomfZkySQcqDU3Ci2Y31u1r+sUJ5c3d2PW4WNVUl2rvLd+vL0OcY0LB6V2TZzRUxmXzmSma+/2Bvvx5x16d8iufPMaorETybZn8zrRuVhACAEAIAQBr11FLnI0uaiujb1YXB/343jDSaszenUnTkpQdmuhDp3ZVQFrjvlHurM0/xKT84geFgdaPHcUlZ2fjb7HZwrYqhkexToW96Z941+ha9vS0bxowjsipW4liq3tTfpp8jvIgAsAAOmkSlJtvcx1FKjizorDkygj5xhpPczGcou8XYrjaLYulMxx3Xd31Bl+HQ66D2dN27hFOpSjc9Lg8fVdNO9/PUj1Fs7UUNQlTSsJvdk3RvCzKRYryNxfXnY2iOMXB5kW61aniaTpVFa/MsdMUocUp2ks6kTBZ5TkLNUg+6dQVI0YXFxF2M41FoeZr4avg6neVnyfJ+RX+KdkGQkpWyxL/8AWGUgdSDY+ekQPD+J1KfGLrWDv4HJGzmF0xvU4l3zD8FKl93Av4h9I0dOmlq/cWYYvFzadOnbxl+I6Era6ip//CYctxumT2zPfy1t6MIiVaEfYj7y/LhmKr/+iu/KKsvp8jMe1Os4JIHTI3+uMfvKngbL9NYS28vevsS7ZHtEl1LiVPUSpp9kg/dtYXtc+yehv58Is0cUpu0tGcbiXAKmGj2lJ5o/Fff80O5U7Y0KGzVUu/5Tm+agxK69Ncznw4TjZq6pv10+ZEdo8HwuuBaRUSJNQdxDBQ55Ohte/MC/nuiGcaVT2WrnTw1biGCsq0JOHle3k/psVglRMoKtSRadTzASvA21tfirDiOBitFShK/Q7ladLEUGou6kvz1ReMrGKHFKRlaYuSYoDozBXQ79QToQRoRcacY6GeE1a5479tisNUUlF6c0rpkAqKbCMNfvJbNW1Cn7tCwaWjDczlRluOWpvbQbxWbp09U7s7UI4zGd2Uezjzet35X/AIREP7fJrpVXUOXbvkmNpuCODZRfcALAdIhjKUpZmdKrQpUMO6MHumtetuZdO0W1eFmnzTpsmemjLKUq7sRusm8Hh4rW1vF+c6bWup5PD4XFxqdxOL67fEovanaCZXTzNmAKLZZaD2UQblH6nieW6Kc5OTuz0mHw8aEMsfV9WXRgG2tAcOld9OljLJWXMlNqxKoEYd3vYG3KxBi3GpDLqedrYKuq7yRe90/5NbY7tIpppnJMMumlyyO4VrKO6C2tppmuL5RuDAC9rxiFaL30JMVw2rCzjeTe/mbWEdoOHvVT1UpKFlbv2GTvmHhPC/hGUDNqddNNSrQzMxPhmK7OLs34LW3/AEinaDt+k5Xp6T2Hss2baxmAbkXjl1Nyd9yN2+vWrqWkTscM4TKk1Vr7rZdPF+JG8T2OnyZJmlpbZb50UkstnEtuFjlY2NvS4BMRSouKudCjxKlVqZEmr7N89L/FbHS7Pdlpc+eGqmCqpBWU2hmHkb6Zem88rRmhCMpd4i4riqtGl/Si9efT867F7COmeIEAIAQAgBACAEAIAQAgBAHKx6hzrmUeJfmOI/X4xHUjdXLmDr5JZXsyMRXOyRHbHZFagGZLHj3lfe6r+b6xFKDTzQ/6X6NenUh2GI9nk+cf4K0/s0yyQedrEagiNHVzcizDAOi9JaP83PsyOsa5iV0NNzLJn20aNZQvqieliMiyzM4qF5xHkZaWIh1Px6xeV4yqTNZY2C21ML1h8o3VJFeWMk9j4VXfcL/T4xt3YkS7Spsb1BRywbzST+UDT1O+NHURNHCS5nZTFqcWXOFtwymw+AjZRb1I51YU3lbPupNPOUhGRphFkswDZuAHHfwjOV9DRVov/IhdfhzKSLEMDqrCzDzvEsKqvZlCvgpOOam7mpLmsmhHoY3cVIrU606Tyy9zNpZ6nj8YjcWi5GvTlzPq45xg3uupklJeNZOxLShmNkWA0iPcuRSirIkWGYArKpfMXbXKPlwveMpXIpTyrwJ+lBWT1t3Fr3u7DIxuwZvaOmZgrHKBcgXvFnLUmrWOL2uBw8s2fbktfBbLktFduxtU+wc4+3Mlr5At/SNlhZc2Rz47SXsRb9y+526XAaqStpVbe25ZiXXyuWJA8olVKcdpHOqY7C1n/Uo28U9fkr+pzp+19RIcy58hCw90lbjgQdbiNHXnF2ki3DhGHrwz0Zuz66/Y6uGbY080hWJlMff9n+YafG0SQxEZb6FLEcHxFJXj3l4b+77XJCDE5yj9gBACAEAIAQAgBACAOFi+D3JeWPNf1H9IhnT5o6WGxlu5P3/c4JEQnS3OVjGAyaj2xZ/fXf68D6xHOmpFvD4ypR0Wq6Pb+CG1+w85P2ZEwdDY/Bj9CYhdKa21OpTxuGnvePxRH6rDWRirgqw3gixiLO4vYuxoQqRvGSaMBoR70Z7V9DV4Ff7BaMcflDtDCwi5mzLlou5R5nWNXNssRoU48jG9YtwC39BGVTk9bGksXRjLK5GdZ8sfjX4iMZJdDf8Ac0f9l70YKitk2tYN0A/WN4wmVa2Kw1rWv6fU4t9bjTl0iycR2Z6gwBFrKCmeplrMaZJQtnUG5ZBc689/rF1JSiro8xKc6FWXZyas+TKQ232WainmWy5pTXMpyNCvK/vLuPoeMc6pB05HssFiaeNopySut10f8kZNCnL5mNe1kTPA0Xy+LPtKVBuUfX6xh1JPmSQwtKG0fr8zLaNSexeGxWx9E9NIqGpQJjoGs7Mw8wCbWPtDTcRHQpUYOKk0ePx/EsTCtOnGeidtEl/PgTES5UhGYKktFBZiAFAAFyTaJ7RijkOdWtJJtyb9SN7C7XGveqGXKkp17vmZbAgZut0J/itwiKjV7Rsv8R4f+0jT11ad/Nf9+BLonOWIAgHaPbvpXPIb+WbT9YpYr2ken4Dfsp+f0IjFY7pMNg8bYOKdzdWB7u/4SBfL5EX8rdYtYeo75WcDjOCi4dvBarfx8fMnsXDzQgBACAEAIAQAgBACANWsw+XM9pdeY0P/ADzjWUE9yalXqU/Zfocmfs8fwOD0bT5j+kROl0L0OIL/ACXuNR8FnD8IPkw/W0a9nImWNovn8Dn4psiahbTJWo3MGUMvkb/LdGkqDluizQ4rGg7wl6WdmQjHez2skAvLl9+nKXbvAOq31/hv5RXlhJrY7FL9RYWWkk0/h7yCVlW6MUaWUYbw4IYeYNrRqqFtyZ8Ucleml8zRm1DNvb+kSKKWxUqV6lT2mYxroN5jYhO3h2yFdP8A2dJOI5shRf5nsPnGyhJ8ivPFUYbyXzJLQ9kGIOAX7mVzDuSR/IrD5xuqMitLidFbXZLdn+xqTLcPVTjOtr3aLkQ9GNySOgtEkaKW5Uq8TnJWgrFoIoAAAAA0AG4AconOWauLYXKqZZlTkDoeB4HmDvB6iNZRUlZktGvUozz03ZlaYv2Qm5NNUC3BJw3fxr/pipLCf6s9FQ/UOlq0PVfZ/c5krskrCfFNpwOJDOT6DIPrGn7SfVFmX6gw1tIy+H3JVs92WU8lg89zUMNykZZfqtyW9TbpE0MLFavU5eK47WqrLTWVe9+/l+ak/Ai0cMgvbHXPLoQq6CdNVGP5QrPb1Kj0vFbFSah5na4DSjPE3l/irr4L6nE7DZZvVtbT7oX6+M/0+MR4TmXf1E1/TXn9C1ounmBAFfdo8s99KbgZdh5qxJ/zCKWKXeR6jgUl2Mo+PzX8ETisdw6WzKE1cgDfnB9BqfkDG9L20U+INLDTb6fPRfEtuOmeHEAIAQAgBACAEAIAQAgBACAEAIAwVVHLmC0yWjjk6hh8CIWMqTWzOb/dKh/8lS//AAS/9Ma5I9CX9xW/3fvZ0aSglStJcpEH5FC/QRmyRG5SluzYjJqIAQAgBACAEAIAQBqYphsqoltKnIHRt4P1BGoPURrKKkrMko1p0ZqcHZowYBgUmjl91IXKpJY3JJJOlyT0AHpGIQUFZEmJxVTETz1HdnSjcriAOZj+DrUy8jGzDVW5H9QeIiOpTU1Yt4LFyw1TPHVc11K+qdlqpGy90W5MpBU/MW9bRSdCaex6mnxTCzjmzW8Hv+eRLNkNmjT3mzbd6RYAahQd+vFj0/WLNGjl1e5w+J8SWI/p0/ZXx/glEWDjiAEAIAQAgBACAEAIAQAgBACAEAIAQAgBACAEAIAQAgBACAEAIAQAgBACAEAIAQAgBACAEAIAQAgBACAEAIAQAgBACAEAIAQAgBACAEAIAQAgBACAEAIAQAgBACAEAIAQAgBACAEAIAQAgBACAEAIAQAgBACAOLju1VLSaT5wVjqEALP/ACqCQOpsIjnVjDdlvDYGviNacbrrsvezbwPF5dVJWdKzZGuBmFj4WKnTzBjaE1JXRHiMPOhUdOe6N+NiAQAgBACAEAIAQAgBACAEAIAQAgBACAEAIAQAgBACAEAIAQAgBACAEAIAQBD8e7O6aqqftDtMBa2dVIytlAA3i40ABsfgdYgnh4ylmZ1cNxivQo9lFLTZ9CV0tOstFRFCogAVRoABuAiZJJWRzJzlOTlJ3bMsZNRACAEAIAQAgBACAEAIAQAgBACAEAIA/9k="/>
+          <p:cNvSpPr>
+            <a:spLocks noChangeAspect="1" noChangeArrowheads="1"/>
+          </p:cNvSpPr>
+          <p:nvPr/>
+        </p:nvSpPr>
+        <p:spPr bwMode="auto">
+          <a:xfrm>
+            <a:off x="307975" y="7937"/>
+            <a:ext cx="304800" cy="304801"/>
+          </a:xfrm>
+          <a:prstGeom prst="rect">
+            <a:avLst/>
+          </a:prstGeom>
+          <a:noFill/>
+          <a:extLst>
+            <a:ext uri="{909E8E84-426E-40DD-AFC4-6F175D3DCCD1}">
+              <a14:hiddenFill xmlns:a14="http://schemas.microsoft.com/office/drawing/2010/main">
+                <a:solidFill>
+                  <a:srgbClr val="FFFFFF"/>
+                </a:solidFill>
+              </a14:hiddenFill>
+            </a:ext>
+          </a:extLst>
+        </p:spPr>
+        <p:txBody>
+          <a:bodyPr vert="horz" wrap="square" lIns="91440" tIns="45720" rIns="91440" bIns="45720" numCol="1" anchor="t" anchorCtr="0" compatLnSpc="1">
+            <a:prstTxWarp prst="textNoShape">
+              <a:avLst/>
+            </a:prstTxWarp>
+          </a:bodyPr>
+          <a:lstStyle/>
+          <a:p>
+            <a:endParaRPr lang="en-US"/>
+          </a:p>
+        </p:txBody>
+      </p:sp>
+      <p:sp>
+        <p:nvSpPr>
+          <p:cNvPr id="4" name="AutoShape 8" descr="data:image/jpeg;base64,/9j/4AAQSkZJRgABAQAAAQABAAD/2wCEAAkGBxQTEhQUExMWFhQUGBoYGBgWGB0aGBsYGBQcGBwcGBscHCgiHhwlIBoYITEhJSkrLjAuGR8zODMsNygvLisBCgoKDg0OGxAQGywmICQsLCw3LCwsLCwvLC8sLCwsLDQtLCwsLCwsLCwsLCwsLCwsLCwsNCwsLCwsLCwsLCwsLP/AABEIAL0BCwMBEQACEQEDEQH/xAAcAAEAAgMBAQEAAAAAAAAAAAAABgcDBAUIAgH/xABGEAACAAQDBQUFBQUHAgcBAAABAgADBBEFEiEGMUFRYQcTInGBMlKRobEUI0JiwTNygpLRFRaistLh8CRDNFRjc5Ozwgj/xAAbAQEAAgMBAQAAAAAAAAAAAAAAAwQBAgUGB//EADURAAIBAgQDBQcDBQEBAAAAAAABAgMRBBIhMQVBURMiYXGBMpGhscHR8AYU4SMzQlLxNBX/2gAMAwEAAhEDEQA/ALxgBACAEAIAQAgBACAEAIAQAgBACAEAIAQAgBACAEAIAQAgBACAEAIAQAgBACAEAIAQAgBACAEAIAQAgBACAEAIAQAgBACAEAIAQAgBACAEAIAQAgBACAEAIAQAgBACAEAIAQBVPaVt5NSc1LSvkyaTJg9osR7Kn8IHEjW/K2tKvXaeWJ6bhPCqc6arVle+y5eb6/Ir2Xj9UrZhVTw3PvX+euvrFXtJdWd54TDtWcI+5Fn9nO371DimqiDMN+7mAWz2FyrAaBrXsRYG1t++5QruTyyPN8V4TGjHtqO3NdPLwLJi2efEAIAQAgBACAEAIAQAgDDUs4y5FVrsobMxWyX8RFlNyBuGl+YjDvyNoKLvmfLz1M0ZNRACAEAIAQAgBACAEAIAQAgBACAEAIAQAgDztt3g82nrJxmqcs2Y7o/4WVnLaHmL6jhHKrQcZu573huJp1sPFQeqSTXSysR6IjoG9gbstTIK+0Jssjzzi0bQ9pEGJSdGae1n8j05HYPnIgBACAEAIAQAgBACAEAIAQAgBACAEAIAQAgBACAEAIAQAgBACAEAIAQBiqqZJilJiK6nerAMD5g6RhpPRm0Jyg80XZ+BA9qezGnmIz0w7maASFBvLY77EH2eVxoL7jFaphotXjodvB8brU5KNXvR+K+/r7yDdluBmprUcj7untMY/m/APO4v5KYr4eGad+h2uM4pUcO4reWnpz+3qX1HSPECAEAIAQAgBACAEAIAQAgBACAEAIAwirTP3ede8AzZMwzW55d9usYzK9r6m/ZTyZ8ry7XtpfzMFXi0iUcsyfKRjweYqn4Exq6kY7tElPC16qvThJrwTfyNxWBAI1B3ERuQtNOzP2BgQAgBACAEAIAQAgBACAEAIAjW3WOGnkd3K8VTUfdSUG/M2mbyW/xtEVaeVWW7Ohw7CqtUzT9iOrfguXqbmyWAJRUySV1b2pje853ny4DoBGaVNQjYixuLliqzqP0XRHZiQqCAEAIAQAgBACAEAIAx1E9UUu7BVUXLMbAAcSTujDdtWbRi5NRirtkaO0VRUX+wUwZOFRUEy5J6ooGdx1AA0iLtJS9herL/AO0o0f8A0z1/1jq/V7L4mpiWF4uUZkrpQcC4lpJUKTyDtmPxjWUatrqXwJaNfh6laVJ26uX0VitaXtJxFTczw45PLS3+EA/OKixFRcz0U+C4OSso28m/rcnOynajLnMsuqQSXOgdT90T1vqnqSOoizTxSektDi43gc6Sc6LzLpz/AJLBqJ6ojO7BVUEsTuAGpJiy2krs4cISnJRirt6WKD2txvv616inZ5YNrG9nOVMlwRqoIG7+to49WqpTcon0fh/D6lLDQo1WmlurXW97eNn4GjT4RUTD4JE1yeIlsfnaI1Tk9ky/PF4emu9OK9UXjsPh8yRRSZU7R1DEi98oZywF+gIjr4eDjTSkfOeL4inXxk6lLZ29bJK53YmOaIAQAgBACAEAIAQAgBACAOPj+01NRrefMCm1wo8TkdFHDqbCI51Yw3ZcwuAr4lN046Ld7Jev03Ko2c2xlTMRmVtWJmgyyQoDCWDca630UncDcuTFJVoxqZp/8PSy4bVqYLsMNbR630zPw/m3IuPC8Uk1Cd5JmK68xvB5MDqD0MXoTjNXizyuIwtXDzyVYtP826+huRuQCAEAfjMBvMDKVz9gYEAIAQAgDHUT1lqzuwVFBZmOgAAuSYw3ZXZtGLk1GKu2QDBa4YxVTGcf9FTFcko7prtezTRxAyk5TpqOt60JdtJ32R28RSfDqMVH+5Pd9F0X3LCAtFo4RwttdoFoqV5hP3jArKXiXI09BvPQRHVqZI3LuAwjxNZQ5bvyPOQjknvxAEzbambPw+VRklpgmhTzaWAO7B/iNv4FiSpVcqah4lPB8Pp0sZPE7LLfyb3+HzZbGyuykmjlrZVadbxzCLsTxCngvQctdYv0aEaa8ep5PiPFa2MqO7ajyjy9erJBE5yxACAEAIAQAgBACAEAIAQAgDjbW44KOmeboW9mWp4ud3oNSegMRVqvZwzF/huCeMxCpct2+iX5ZeLPO+P1rzCXmMWmTDdmO82/TcLcBHLp3lJyZ73GKFChGjTVl08EKFLIvXX4xHUd5MtYOGWjHx1953tlseejnrMUnISBMXgycfUbwefmY2o1XTldEPEcDDGUHTlvyfR/Z8z0CjggEG4IuD0Mds+YNNOzPqBg5u0WJfZqabOtcotwDuLE2W/S5ER1Z5IORbwOG/c4iFLq/hu/gURiFbMnuXnOZjHi36DcB0EceUnJ3kfSqFCnQjkpRsvD69fUmmD7XTKTCmc+N++MqQHuRbIra8Sq+L5DSLtKs40bvrZHmOI8Op1+IqMdFlzSt5te96fMi9F2kV6TA7zRMW/iRlUKRyGVQV8x84jWIqJ3bLNTguElDLGNn1uy96OoEyWkwaB1VhffZgDr8Y6Sd1c8VODhJxfJ2MMvFJLTjIWahnKLmWGBYDTeOG8fGMZle19Td0Kigqji8r58jcjYiKh7Xdqs7/YpTeBCDOI4tvCeS7z1tyijiat3kR6ngeAyr9xNavby6+vLw8yH7I7UTaCaXlgMrgB0bQMBu14EXNj1MQUqrpu6OtjsDTxcFGWjWz6FgT+2CXk8FK5mcmcBQfMXJ+Aiy8WraI4Uf09PN3pq3lr+epWu0GPTqyb3k9rncqjRFHJRw+pipOpKbuz0OFwlLDQyU1935nMjQsn4TbfGbGG0ldmzgtdknK6i/dlX8yrg/pCScbPxMUJKu50ls4tX89D07SVKzESYhurqGU8wRcR2ItNXR84qU5U5uEt07GaMmggDRxfF5NLLMyfMWWg4tvJ5KN7HoLmMSkoq7JKdKdSWWCuypdp+1+a5KUSCWu7vJgDOeqr7K+t/SK067/xO1h+ExWtV38EV/iGP1U8kzaia9+Bc5fRb2HoIgc5PdnUhh6UPZivcY6DGaiSQZU+bLI912A9Rex8jBSa2ZmdCnNWlFP0Ll7Me0Fqtvs1TbvwLo4sBMAFyCNwcDXTQi+gtrapVc2jODj8AqK7Sn7Py/gseJzlCAEAIAQAgCqu2SuvNkSb6KhmEcLs2UfDK3xjm46XeUT2v6WoJU6lXq0vdq/mipsVbxAch9TEVFaHR4lK9RLwOhTnwL5D6RBP2mdSh/aj5L5GSNSU9C7KMTRUpO/uJX/1iO5R/tx8kfLeIpLF1Uv8AeXzZ1YkKRqYrQLPkzJL3yzFKm28ciOoNj6RrOKlFxZNh686FWNWG6dyscQ7Plpw0yorUSSv4shzHoBm9roL+Uc94TLrKWh66n+onWtClRbk+V9Plt7vMhO0+NJO7uVJUpTU4IlhvaYsbtMf8zHhwiOck7Rjsi7hqE4uVWq7zlvbZdEvBEn2F7OHn5Z1UCknQrL3PMG/X3UPxPTQxNRw7lrLY5nEeMxpXp0dZdeS+7+Bc6rYWGgEdA8iRvCdjJNPWTatGctNzeEkZVLtmYg2vv57rn0hjRUZuSOhW4jUq4eNCSVlbXy0R8bdbXyqGnc94nfkZZaXBbMdzFd+Ub/S3GM1KmVabmuDwjqzi5pqHN2+C8TznOxMEkkszMSSTvJJuSesUOyk9z1zx9KKtFP5H4tb+X5xh0vEzHHJ7xP1qwcjDs2bvGx5Jmu+KAf8ALxuqDKk+KxWi+5jOJA/it8o27HwIXxNP/K3wPlp4PG8ZyM1deMtW7nRwicozEnkP+fKIK8Xojq8Lq045pN9EW72U7VgEUcxhZiTJPAE6lPXUjrccRE2ErZf6cvQ536h4cqi/d0dbe1b5/R+/qWmTHQPHEA2n7SURjIoE+0z911uZa9bj27dNOvCIJ10tI6s6uF4XOos9Xux+LIHU7L11bM72snAMfeOYqOSqvhUdAYrtSk7s7NOVCjHLTX58zIezgW0qNf8A29P88Y7PxJP3a/1I/jmy0+mGZgHl++moH7w3j6dY0cWixTrwqaczhFY1uSuCZI+zWndsTpQl7q+ZiOCKpzX5AjT1ETUtZKxzOItRw8lI9JRfPJiAEAIAQBrYlXy5Epps5gktBdmN9NbDQakkkCw5xiUlFXZJSpTqzUIK7ZT/AGqTQ1arA3UyZZU8wSxB+ccrGO9T0PefpuOXBtP/AGf0K4xP2/QfrCj7JvxD+96I28Nm3W3FfpEVWNncvcPq5qeXmvkdCmpzMdJa+07BB5sQB9YjSu7FupUVODnLZJv3anoWqrJNHIDTXCSpShQT0FgABqTpuEdxuMI67I+VwhVxVZqKvKTb95WuOdrrXIpZShffnak+SKRb1JipLFN+yj0FD9Pwir15+i+7+xz8J2kxytN6Ukp7/dy0lDyZ18VuQvGYOtPma4inwzDrLlu/N/RnD2/wrFJWWfXsJqk5QykFEJ/DlAGW9uVjzvCrSk9ZGcBjaUO5RSXmt/XmfXZxVUSzxMrbi1u6uuaUG957a35aW4nhEVLs4z7xfxyxdbD/ANBWvvrq14f9uegKeoWYodGVlYXDKQQR0Ijopp6o8XOEoNxkrNEb2n27pKO6s+eaP+2hBIP5juX69IiqV4x0WrOjhOFVq6Un3Y9X9Fu/l4lSbT9qNVPuEbukO5ZZIJ829o/IdIqynUnu7Lw+526eGweEV4xzy6y+kdvfdlfT6h5rXY6RvGMYLQiq162KleT0X5ofqIBujDbZtGEYbH6WjFjLlYy0VLMnOJcqW0x23KilifQcOu4Ruo32IKldQV5MmtN2N4hNTM/cSb/hmTCX8iUVgPjE0abRzauNhPSxz6TsVxKY7KVlSlU2zzJlw3VQgY28wIkV+ZRqON+6dV+wuuVbpU07H3TnUehymDimbUsRKn5dCI4vgFXRPkqJJS+4mxVv3XGhitUguZ3MJiZSXc1XQxUxJK5Cc9wFVb5y19MgGpN+UQWd7I6naQUHKTS8Of5+Mtr+7+MVVKJdTUqgIJElnAmzABudlXy0JOp1ifs6rVnI5KxeBjNTjS1W7W3na/yt4H3syUTLISlmyXbmhYMbakzBppzNgIjh0sWsRonUc01+cjsyJ6OLo6uvNSCPlG9yJprdWMkDAIvod0ARav2Ep5j5lLy771W2X0BGn0jR00WY4uaVtyYdn2CyaVnWWviZQS7aubHdfgNdw00iegktDlcUnKpFSfUmsWDjHFmbV0izxTmevek5bWNs3ulrZQeFid+kROvTzZb6nQjwvFyo9uoPLvy2623t6HaiU54gDibaYy1JRzZ6KGdcoUHcCzhQT0F79d0R1Z5INouYDDLEYiNOTsn9FcqTDO0mpDEVWWpkPpMlsiDwnflsAPRrjy3xRjiJX72qPUVuC0HG9G8ZLZ3fx/g7Ha1Sjvaacn7OZJyrYaeA5h8nGnSMY2PeUl0Jf0zVvSqUpbqV/fp80Vhiq+JTzFvgf94iovRovcSj34y8Pl/01ZM0qbiJZRUlZlKlVlSlmidrDsbSTOkzd/dzEcj9xw36RDCnJST6HQxOMpVKEoX9pNeV1YybX7YTa2aXcnItxLQnQDnYaXPE+nCLE81R3ZyMMqWEhlhHXr1Jt2ddmvehaqvU5TZpcg6XG8NN6ck+PKLFKglqzj4/ik5txg/X7GLtS7UO5LUWHsFKeGZOS1ktp3crgCNxbhuGuombtojmU6WbvM1+0dqWgwwUUmaZ1RVNLmTXMwuzZSGM06nKGIAA0uCd9iYStawo5nPMtLFXycTbcfiBFOVBcj1FLidRK0vkbVNtNUy1ZJU+ZLR/aVHKg+do3jDKrIrVsT201KSTt1SMCTAReInG2hcjUU1mCoHNracT/SDeURpqtK1tOpsfZBw0iPtGW/2cLWWhhm0pG7X6xvGaZXqYWUdVqdXY/ZOfiM7u5XhVbGZNIuqKenFjrZePQXMTwjmOTia6oq73Lsq3odn6K6pd20G7vpzgfia2ijeTuW+guQDY0ijjf1K8rv8A4Q7Htp5tIiVNZabiM9c9PTm/c0cs3Acpf9odRc+LeL6G+HK2rJKdLtHljt1OP2t4zVJOpl+0TUmy6SSZvduyffHMWJCEAHcdByjEpNSSJaOHjOnKT6mnsd2vVdMwWpJqZO45z96o5q/4vJr35iNsxHKgnsW/X7WYfU4e89stRJNlMoreYZjaJLyHUTCd3xBsLxltNEMI1ITVtH1OBsxs3JwmQ1bUSr1c5rSpIOYo0w+CnlE3JfWxfoeAJOqSiiWc5152v6/U3MI2TxFqpqupqZKzHBWyKZmRCQciBsoWwut9d5OpN4i7GefNc6L4jhlhlQVN6O+9rvq97/mx3q2olS1aVJILHwu17kW3qTz6cI2k1FWiQ0YVKslUq7bpESrdnpMw5gplTPflHI3rbQ+oiu4JnWhiJx03XR6nJqZGIyNZcwVCDgwGf13E+jGNWprbUnjLDVPaWVmkm3cxDlnU9mG8AlT/ACsD9Y17VrdEv7CMtYSNxNvpHGXNHllP/wChG3aoj/8An1OqOpg/aHTS3Ld3OPhtoq7yQeL9I2WJjB3dyGrwWviI5YuKs+d/sYsc7UJsxSlPL7q+mdjme35QNAeusR1MbJq0VYs4T9M0qclKvLN4LRevN/AhFJTNPdJUtbzHawNySSxGp5Aaknle+6KiTk7Lc9FVqRoQlUm7RS91vvtY9IKLAcY7x8ne5+wMGOokK6sjqGVhZlYXBB4EGMNX0ZtGTi1KLs0RVuzXDi2buSNb5RMfL8M27pEP7en0OkuM4y1s3wX2NvbjAPtVG0tB45dnlAaaqLZR5i45XI5QxFLPCy3M8Hx37XFKcn3Xo/J8/R6nn7E5V13aqf8AY/8AOkcuk7Sse8x9PPSzLlr6HGdotI4M5WRrzjoY3juVKrtFlk9jOxv2qZ9rnreTJayKRpMmDXXmq6eZsOBETwp63ObisY1DIt+pNe2Xbc0UgU8lrVNQDqDrLlbi/Rjqq+THhEsnY51KnmZXPZl2YNXgVFQWl0t/CF0ebY2OUn2Uvpm46gcxqo3J6tbLpE29psGwioo6yZhqOk3DzLzMWYpNV3y3GZmuNGINgbqOBjLSaI4TlGST5kQ2F2SnYlP7qX4UWxmTSLqindpxY62XjY7gCRoo3LUq+RalyyOzjCg32RZE2dNCjvZwmG8rMCVLnMFDG2iKpNrEixvG1lexB2lXLnbsuXiVvsdsS9ZUvKlkCTKYiZOtcWDEDLzZraCK0YSm7XO7VxNLC01LLq+X50LPkbJ4QJ4oFktMnBO8dw7EqBl9tgwALXHhA48LiJOzpZsltSj+8xypfuM1o3slZa+StyNPa3ZijNTS0VPJSXMmt3k1wTdJK3vvNrtqB5dY1qUoZlFImweOxCpTr1JNpaJdW/sYdu9m6NRIpKKRL+1VLgAhmJSWurO2p0048M3KM1KcNIxWrMYLG4h5qtabyxXvb2RNsPoqbCaJtQsqUpeY9vE7aXY82Y2AHkInilCJyKtSeJq5nuymsExNsWxuQ9R7BclJd/CqS1aYqdblRfnc+UQp5p6nSnT7DDvKZaClNZXVGJVt0pJEwuxYWzFGtLkoDvOigj03mC1lmexmbVOlGlT9p/jZC9pMUerqJ1RM9qaxa3IWsq+igD0jTNd3LKo9nTyLocJEiVspwhfVlwdhux/eOa+cvglkrIB4zB7T+S7h1vxWM0482QYytbuI3pu28yqxsS6WQs9JAdJRdystG/7s9iFOlhlB5btWja93oQKChDvO19+pxNoe02tnTGkpMlS5ecrmp7+MXtcTG8VjvBAWK9WrKzO1gMBS7SDavdrfx8P+nX7KyGnvIdjldS62P41tfeOK/wCWK+FkpSys6/HqcqVBVo7p2fk/5+ZaTYBL4Fh6j+kdDskeRWPqeByq7CHl6jxLzA1HmIilTaLtHFwqaPRnIqqSXMFpiK45MAfrEbSe5djOUXeLsceZsNTzWsiOrH3G/RrgCNexT2J//oVKavJq3idBOySWALVLg8boDr01EZeCT5kVP9Tyhp2afq19zLI7KJQPjqZjD8qqv1vBYGPNmZ/qqq13aaXm2/sSzAdl6ak1ky/GRYuxzORyudw6CwizTowp+yjiYzieJxf92WnRaL3fc7MSlA4m1e08mglCZNuWY2RF9pyN9uQGlzw8yAY6lRQV2XMFgqmKnlhy3fT85FY1Pa3VlrpKkKvAEMx9TmF/gIpvFz5JHoofp/Dpd6Um/RfRnXwXtdBIWqkZfzyjceqNrbyJ8okhi/8AZFXEfp9pXoyv4P7/AMFj4ZicqoliZJmLMQ8VPyI3g9DrFqMlJXRwK1GpRlkqKzK67SdizdqqnW4NzOQD4uo6/iHrzijisPrnier4FxiLisLXfgm/k/p7uhSlXLysRw4eUawd1clxVPs5tcj9w/DnqJsuRLF3muqL5s1rnoN56CJYblCu7U2+h6loKSTQUaoLJJppZJJ5KCzMep1Y9SYuJWPNyk5O7PPWEUUzHcVLzcwSaxdgDqlOm5emmVdOLXiJyvOyOhGl2eH7Sel9l1Lk242vTCpdNKlSla5AEseELJQWNrbjuA4b+UbVKmQiwmDeIvra3zI6MGwpaTuVefTjGHlussLeblR1KollYKlzoWJHj0MZzRtfqRulV7Rx3cb/AAJZUyqbBcOmGRLCqmoBN2mTW0Bc7ySbX5AaWAtCUlCNzFClLEVVDqVJs/thWlJtLJAedWzSxmG/eZpihWsQbAWG+3h19KkaktlzPQ18FQTVSWiituWn56lpVAlYJhdksZgFgbftJ7j2iOIFr291LRYk1SgcilCWPxVnt8kvz3s0+y/Dfs9LNrqhrPUXms7bxKF2zH97xN5FY0oRyxzPmT8Wr9rWjQp7R0t4/wAbFVbYTaiomfbZyFZVUzdzci5RPCAFvewFtbWJPWK87t5nzO1hOzpw7CL1jv5vxLJ7FdnO7ktWOPHOusu/CWDqf4mHwUc4sYeFlmONxjE5p9lHZb+f8HG7aceadMWhlXISzOF1LTSPAlhvsCDbm3SNa9TvKKJ+F4JdjKvPo7eS5kOXY3E6RBWCQ8sSvHmDLnUDXMUuTbmCN17i0MklqbfucPUfZ3vc520O1VVW5ftM4uq6qoAVAbb8qgAnfqddY1lNy3JKWHp0vYRtYZsFiFTJ72TTEoRdSzKmYflDEE34Hd1jaFNvUhxGMpw7qevyI9gmETaiql0qqRNd+7II1Wx8RYflAYkdDEmUq9soxuz0JtzV/wBnYbLpKNT304Cmp1XV9R4m87X195gYleisjnU+/Nyl5lZT6N6KUcLol77Eaof9W8vXu0t+wQ8Br4mOmuu8ZdbW0RIpZ3nnsfeF9lOIoyZ5cu1ibiYCFNtzf7XitWozekeZ2+GcSw9J5qzfd2Vrt/8AN9SU7G7NTqbFJSzMt0lvMbI2aysrSxfTQkmIaFGUKyT8zqcV4lRxPDZyp3s2o6q2qafyRbkdM8MIAwTaOW2rIpPMgXjDimSRqzjopM+5UlV0VQB0FoJJbGspylrJ3MkZNRACAEAUP2tVzTMRmIfZkqiKPNA5Nud2t6CObiZXqW6HteCUlDCqS3k2/jb6EMiudcQBv4LjM6lmd5ImFG429lhyZdxHnG8JuLuiDEYaliI5aiv9PIuHZLtJk1IEufaTPtxP3bn8hO4/lPMWJi9TxClo9GeUxvBqlF5qfej8V5/dfAg222yKtLefJ8LqMzJ+E8yORtc8tOEQSio9461OrKqlSfXRmv2IYXnxB5jD9hKYjo7kIP8ACXiahZu5zeKZqcMj0d/kTrtxxQysO7pTrUzVlG2/ILzG9CEy/wAUWJu0WzkYan2lWMX1OL2A0S5Kqd+IsksdAAWPxJH8sRUFuy/xWXejE2ts9j3qMReqq3WXh8mWhLZvEyqLlABqCWLa8iLXJ0Tp3ld7GuGxfZ0clP2mznbIYgK/GVnuuVZaN3KG3gRFyothx8RY9b8ogpzz1r8jrYvDftOGZf8AKTV35/ljtdtFBVT0pZVPJeapdi2QXs2UBM3IWL6nSJ68XKyRyuFVaVKUpTdnb/v0HZnspKo5xE51euMvMUU3EmWSBa/vtffyuBpq2KVNReu5niGLnXh3VaF/e/svzw7m2Wyz10+lDMBSyizTVuczNpZR5gEX4AmN6lPO1fYhweMWGhPKu89E+hu7ZYd3tN3RmLJpgQahtx7lBmKpbQXIUX5X0O6NqiurciHC1MlTMleXLzf57yjsfxE4jWy5cpckq6U9Og3LLzZQbczvPoOEUpPPKy8j01Cl+1ouUtXrJvxPQFTMl0dKxAtLp5Wg/KiaDzNgIvNqMfI8rCMq9VLnJ/MgfZPgXed5iNQA02a7d2Tw8RzuOpN1HIA84r4eF++zscXxOS2Fp7JK/wBF9TmYJtfPq8WnsZhFHKkzz3d/uzJRbBmG4sTY3O69t0bQqZpX5EOIwXYUUmu82tTj9j+xK1T/AGqoW8iUbIhGkyYNbnmi8uJ04EHFKF9Wb4/FOC7OO7JntZ9tn4hhj0cxjQ5wzvJYlCVcl+8K6FSi5RfS5YbzE7u3ocuKjGLUtzndluEd9iOI4iyEK06Yki4IuGclmFxyyC/5mglrcxUl3VE+e0vbaXKn93RDvcQsZAmDxCRmazLLG4zmNgbbrAHdaNZTSZLRw8pxbbsjdw2ik7P4a9TPtMq5tu8Ym7TJz3IlhjrlGpJ42ZukbbIhX9SaXI6/Z5Uzfsb1tbNN55M3xGyJKUWXKNwFrtpvBER07pOUi3jFGVSNGittNN22cyTt9h9O82YGmz5s5ru6S7aDRVXOV8KjQfHjESrU4tvds6M+GYyvGEGlGMVZJv3t2vq3q/cdnBe0WiqGCB2lu2gE1ctzyzAlb+ZiSGIhLQpYjg+Jopyaul01/kl0TnLEAIAQAgBACAKn7RdmFNaZzkhJ6CxBt96i5SP5QpA42bkYoYin383U9XwbF3odkt4v4P8An6FYVEsK7KDcKxAPMA2vFU9AndXMcYMn6oJ3Any1jJhtLc/DyMYMkiwLa2ZJHdzQZsrdY+0B0J3jofiIljUa0ZRrYSM3mhoyX9j82WtZVJLbMrywyHccqvuPXxj4GJsI0pOJzP1DGU6VOq+tn52+tj7/AP6ApGaRSTBfKk5lbld5fhJ/lPxi3VfdODw9Xrx/PArzYza+fhzuZSq6TAM6NextexBGoIufj5WqwqOJ3MVglWWu65mXanbepxBlSaVSUCCJUu4W/NiTdj8uQhUqOSGCwNOnUVtXfdmHC8RmU81J0psrobg+liCORBI9Ypxk4u6PSV6EK9N05rRlg/3yxarl5aemyZh+1ly2P8rOco+fnFvt60/ZR598K4dh23Vq+ja+KWr+BydmsBxmjqGqJdMZjOCH7yYhzhiCc33l73AN42hGpF3sQYqvga0Ozc9FtZP7GXG9o8Zl1EuonU7Ikm5EtUJkWIKnOVJubHeTpwtGZTqJ3aNcPhMFUg6cJXb5319CO7U7Z1VeMs1gkoG/dywQpI3FiSSx89OkQzrSmdHC8MpYfVavqzJ2ZywcTpQd2Zj6iU5HzAhR1qIcU7uEnbw+aLV7Xp5XDJtvxNLU+XeA/pFyv7DPOcJt+6i3yv8AIgmL9ohkUdPSURAKyUE2dbcxQZhLHO5N253tziF1csVGJ0afD+1rSrVubdl68zWWjajoBJItWYnlXIdGSnzWAPIuTa3InisaWcI2W7+RazxxdbPL+3TT9Zfx+blgbYsMNwcyZHhORZCHcbv7TafiIztfmYs1JdnA4eDpPF4rXxfu/LFfbP10/C8MmTu8KzashaWWdVUL7c/I2nIDTXw3uDEUJ5YX6l/E4bt8R2cbPLu/oWvgOIzVwuXUVL55gpzOdiAt7oZgFlAAsLDdwiwn3bs41Sn/AFnTj1t9Ct+xrZFps44jUeIBmMq/4ppJzTPIXIH5r+7EVJZu8y/xCSpJUYvzOlt7RNimKyaEX7mmAecRuXOAzHlfLkUdWPWEm5VMqM0KdOlhHWnu9F+fMkG3Mszu4w2nsisA85hosqmlmwvyuRp+7bjCteVoL18hw3LRUsVPlpFdZP7fUp3aGbJaomfZkySQcqDU3Ci2Y31u1r+sUJ5c3d2PW4WNVUl2rvLd+vL0OcY0LB6V2TZzRUxmXzmSma+/2Bvvx5x16d8iufPMaorETybZn8zrRuVhACAEAIAQBr11FLnI0uaiujb1YXB/343jDSaszenUnTkpQdmuhDp3ZVQFrjvlHurM0/xKT84geFgdaPHcUlZ2fjb7HZwrYqhkexToW96Z941+ha9vS0bxowjsipW4liq3tTfpp8jvIgAsAAOmkSlJtvcx1FKjizorDkygj5xhpPczGcou8XYrjaLYulMxx3Xd31Bl+HQ66D2dN27hFOpSjc9Lg8fVdNO9/PUj1Fs7UUNQlTSsJvdk3RvCzKRYryNxfXnY2iOMXB5kW61aniaTpVFa/MsdMUocUp2ks6kTBZ5TkLNUg+6dQVI0YXFxF2M41FoeZr4avg6neVnyfJ+RX+KdkGQkpWyxL/8AWGUgdSDY+ekQPD+J1KfGLrWDv4HJGzmF0xvU4l3zD8FKl93Av4h9I0dOmlq/cWYYvFzadOnbxl+I6Era6ip//CYctxumT2zPfy1t6MIiVaEfYj7y/LhmKr/+iu/KKsvp8jMe1Os4JIHTI3+uMfvKngbL9NYS28vevsS7ZHtEl1LiVPUSpp9kg/dtYXtc+yehv58Is0cUpu0tGcbiXAKmGj2lJ5o/Fff80O5U7Y0KGzVUu/5Tm+agxK69Ncznw4TjZq6pv10+ZEdo8HwuuBaRUSJNQdxDBQ55Ohte/MC/nuiGcaVT2WrnTw1biGCsq0JOHle3k/psVglRMoKtSRadTzASvA21tfirDiOBitFShK/Q7ladLEUGou6kvz1ReMrGKHFKRlaYuSYoDozBXQ79QToQRoRcacY6GeE1a5479tisNUUlF6c0rpkAqKbCMNfvJbNW1Cn7tCwaWjDczlRluOWpvbQbxWbp09U7s7UI4zGd2Uezjzet35X/AIREP7fJrpVXUOXbvkmNpuCODZRfcALAdIhjKUpZmdKrQpUMO6MHumtetuZdO0W1eFmnzTpsmemjLKUq7sRusm8Hh4rW1vF+c6bWup5PD4XFxqdxOL67fEovanaCZXTzNmAKLZZaD2UQblH6nieW6Kc5OTuz0mHw8aEMsfV9WXRgG2tAcOld9OljLJWXMlNqxKoEYd3vYG3KxBi3GpDLqedrYKuq7yRe90/5NbY7tIpppnJMMumlyyO4VrKO6C2tppmuL5RuDAC9rxiFaL30JMVw2rCzjeTe/mbWEdoOHvVT1UpKFlbv2GTvmHhPC/hGUDNqddNNSrQzMxPhmK7OLs34LW3/AEinaDt+k5Xp6T2Hss2baxmAbkXjl1Nyd9yN2+vWrqWkTscM4TKk1Vr7rZdPF+JG8T2OnyZJmlpbZb50UkstnEtuFjlY2NvS4BMRSouKudCjxKlVqZEmr7N89L/FbHS7Pdlpc+eGqmCqpBWU2hmHkb6Zem88rRmhCMpd4i4riqtGl/Si9efT867F7COmeIEAIAQAgBACAEAIAQAgBAHKx6hzrmUeJfmOI/X4xHUjdXLmDr5JZXsyMRXOyRHbHZFagGZLHj3lfe6r+b6xFKDTzQ/6X6NenUh2GI9nk+cf4K0/s0yyQedrEagiNHVzcizDAOi9JaP83PsyOsa5iV0NNzLJn20aNZQvqieliMiyzM4qF5xHkZaWIh1Px6xeV4yqTNZY2C21ML1h8o3VJFeWMk9j4VXfcL/T4xt3YkS7Spsb1BRywbzST+UDT1O+NHURNHCS5nZTFqcWXOFtwymw+AjZRb1I51YU3lbPupNPOUhGRphFkswDZuAHHfwjOV9DRVov/IhdfhzKSLEMDqrCzDzvEsKqvZlCvgpOOam7mpLmsmhHoY3cVIrU606Tyy9zNpZ6nj8YjcWi5GvTlzPq45xg3uupklJeNZOxLShmNkWA0iPcuRSirIkWGYArKpfMXbXKPlwveMpXIpTyrwJ+lBWT1t3Fr3u7DIxuwZvaOmZgrHKBcgXvFnLUmrWOL2uBw8s2fbktfBbLktFduxtU+wc4+3Mlr5At/SNlhZc2Rz47SXsRb9y+526XAaqStpVbe25ZiXXyuWJA8olVKcdpHOqY7C1n/Uo28U9fkr+pzp+19RIcy58hCw90lbjgQdbiNHXnF2ki3DhGHrwz0Zuz66/Y6uGbY080hWJlMff9n+YafG0SQxEZb6FLEcHxFJXj3l4b+77XJCDE5yj9gBACAEAIAQAgBACAOFi+D3JeWPNf1H9IhnT5o6WGxlu5P3/c4JEQnS3OVjGAyaj2xZ/fXf68D6xHOmpFvD4ypR0Wq6Pb+CG1+w85P2ZEwdDY/Bj9CYhdKa21OpTxuGnvePxRH6rDWRirgqw3gixiLO4vYuxoQqRvGSaMBoR70Z7V9DV4Ff7BaMcflDtDCwi5mzLlou5R5nWNXNssRoU48jG9YtwC39BGVTk9bGksXRjLK5GdZ8sfjX4iMZJdDf8Ac0f9l70YKitk2tYN0A/WN4wmVa2Kw1rWv6fU4t9bjTl0iycR2Z6gwBFrKCmeplrMaZJQtnUG5ZBc689/rF1JSiro8xKc6FWXZyas+TKQ232WainmWy5pTXMpyNCvK/vLuPoeMc6pB05HssFiaeNopySut10f8kZNCnL5mNe1kTPA0Xy+LPtKVBuUfX6xh1JPmSQwtKG0fr8zLaNSexeGxWx9E9NIqGpQJjoGs7Mw8wCbWPtDTcRHQpUYOKk0ePx/EsTCtOnGeidtEl/PgTES5UhGYKktFBZiAFAAFyTaJ7RijkOdWtJJtyb9SN7C7XGveqGXKkp17vmZbAgZut0J/itwiKjV7Rsv8R4f+0jT11ad/Nf9+BLonOWIAgHaPbvpXPIb+WbT9YpYr2ken4Dfsp+f0IjFY7pMNg8bYOKdzdWB7u/4SBfL5EX8rdYtYeo75WcDjOCi4dvBarfx8fMnsXDzQgBACAEAIAQAgBACANWsw+XM9pdeY0P/ADzjWUE9yalXqU/Zfocmfs8fwOD0bT5j+kROl0L0OIL/ACXuNR8FnD8IPkw/W0a9nImWNovn8Dn4psiahbTJWo3MGUMvkb/LdGkqDluizQ4rGg7wl6WdmQjHez2skAvLl9+nKXbvAOq31/hv5RXlhJrY7FL9RYWWkk0/h7yCVlW6MUaWUYbw4IYeYNrRqqFtyZ8Ucleml8zRm1DNvb+kSKKWxUqV6lT2mYxroN5jYhO3h2yFdP8A2dJOI5shRf5nsPnGyhJ8ivPFUYbyXzJLQ9kGIOAX7mVzDuSR/IrD5xuqMitLidFbXZLdn+xqTLcPVTjOtr3aLkQ9GNySOgtEkaKW5Uq8TnJWgrFoIoAAAAA0AG4AconOWauLYXKqZZlTkDoeB4HmDvB6iNZRUlZktGvUozz03ZlaYv2Qm5NNUC3BJw3fxr/pipLCf6s9FQ/UOlq0PVfZ/c5krskrCfFNpwOJDOT6DIPrGn7SfVFmX6gw1tIy+H3JVs92WU8lg89zUMNykZZfqtyW9TbpE0MLFavU5eK47WqrLTWVe9+/l+ak/Ai0cMgvbHXPLoQq6CdNVGP5QrPb1Kj0vFbFSah5na4DSjPE3l/irr4L6nE7DZZvVtbT7oX6+M/0+MR4TmXf1E1/TXn9C1ounmBAFfdo8s99KbgZdh5qxJ/zCKWKXeR6jgUl2Mo+PzX8ETisdw6WzKE1cgDfnB9BqfkDG9L20U+INLDTb6fPRfEtuOmeHEAIAQAgBACAEAIAQAgBACAEAIAwVVHLmC0yWjjk6hh8CIWMqTWzOb/dKh/8lS//AAS/9Ma5I9CX9xW/3fvZ0aSglStJcpEH5FC/QRmyRG5SluzYjJqIAQAgBACAEAIAQBqYphsqoltKnIHRt4P1BGoPURrKKkrMko1p0ZqcHZowYBgUmjl91IXKpJY3JJJOlyT0AHpGIQUFZEmJxVTETz1HdnSjcriAOZj+DrUy8jGzDVW5H9QeIiOpTU1Yt4LFyw1TPHVc11K+qdlqpGy90W5MpBU/MW9bRSdCaex6mnxTCzjmzW8Hv+eRLNkNmjT3mzbd6RYAahQd+vFj0/WLNGjl1e5w+J8SWI/p0/ZXx/glEWDjiAEAIAQAgBACAEAIAQAgBACAEAIAQAgBACAEAIAQAgBACAEAIAQAgBACAEAIAQAgBACAEAIAQAgBACAEAIAQAgBACAEAIAQAgBACAEAIAQAgBACAEAIAQAgBACAEAIAQAgBACAEAIAQAgBACAEAIAQAgBACAOLju1VLSaT5wVjqEALP/ACqCQOpsIjnVjDdlvDYGviNacbrrsvezbwPF5dVJWdKzZGuBmFj4WKnTzBjaE1JXRHiMPOhUdOe6N+NiAQAgBACAEAIAQAgBACAEAIAQAgBACAEAIAQAgBACAEAIAQAgBACAEAIAQBD8e7O6aqqftDtMBa2dVIytlAA3i40ABsfgdYgnh4ylmZ1cNxivQo9lFLTZ9CV0tOstFRFCogAVRoABuAiZJJWRzJzlOTlJ3bMsZNRACAEAIAQAgBACAEAIAQAgBACAEAIA/9k="/>
+          <p:cNvSpPr>
+            <a:spLocks noChangeAspect="1" noChangeArrowheads="1"/>
+          </p:cNvSpPr>
+          <p:nvPr/>
+        </p:nvSpPr>
+        <p:spPr bwMode="auto">
+          <a:xfrm>
+            <a:off x="460375" y="160337"/>
+            <a:ext cx="304800" cy="304801"/>
+          </a:xfrm>
+          <a:prstGeom prst="rect">
+            <a:avLst/>
+          </a:prstGeom>
+          <a:noFill/>
+          <a:extLst>
+            <a:ext uri="{909E8E84-426E-40DD-AFC4-6F175D3DCCD1}">
+              <a14:hiddenFill xmlns:a14="http://schemas.microsoft.com/office/drawing/2010/main">
+                <a:solidFill>
+                  <a:srgbClr val="FFFFFF"/>
+                </a:solidFill>
+              </a14:hiddenFill>
+            </a:ext>
+          </a:extLst>
+        </p:spPr>
+        <p:txBody>
+          <a:bodyPr vert="horz" wrap="square" lIns="91440" tIns="45720" rIns="91440" bIns="45720" numCol="1" anchor="t" anchorCtr="0" compatLnSpc="1">
+            <a:prstTxWarp prst="textNoShape">
+              <a:avLst/>
+            </a:prstTxWarp>
+          </a:bodyPr>
+          <a:lstStyle/>
+          <a:p>
+            <a:endParaRPr lang="en-US"/>
+          </a:p>
+        </p:txBody>
+      </p:sp>
+      <p:sp>
+        <p:nvSpPr>
+          <p:cNvPr id="5" name="AutoShape 10" descr="data:image/jpeg;base64,/9j/4AAQSkZJRgABAQAAAQABAAD/2wCEAAkGBxQSEhUUExQWFhUXGSAaGRgXGB0cHBweHxwcHBogHxwcHSggHholHB8cIjEhJSkrLi4uGh8zODMsNyktLisBCgoKDg0OGxAQGywkICY0LDA3LC8sLC8sLywsLCw0LC8sLCwsLCwsLDQsLCwsLCwsLCwsLCwsLDQsLCwsLDQsLP/AABEIAIABiAMBEQACEQEDEQH/xAAcAAACAgMBAQAAAAAAAAAAAAAABwUGAwQIAgH/xABGEAABAgMFBQQIBAMHAwUBAAABAgMABBEFBiExQQcSUWFxEyKBkRQjMkJSYqGxcoKSwaLR8BUkM0NTwuFj0vEWRFSTsjT/xAAbAQACAwEBAQAAAAAAAAAAAAAABAMFBgIBB//EADcRAAEDAgQCCAYCAwACAwAAAAEAAgMEEQUSITFBURMiYXGhsdHhFDKBkcHwI0IGUvEVMyQ0Q//aAAwDAQACEQMRAD8AeMCEQIRAhECEQIRAhBMCFSry7SJWWqhv17g0Qe4DzXl4CsLyVDW6DVW1Lg883Wd1R27/AG9UuLY2izz5NHOxT8LQp/Eaqr0IhR1Q93Yr+DCKWLcZj2+myjZGy56exQh94fEpRKf1rO7XxjkNe/a5TEk1NTaOLW9nH7DVSjRtKx1IWtK0Nk03SoKaVqUmhICqV4HOO/5ITcpYijxBpa0gnnaxCd9kWgmYZbeR7LiQoDhUZdRl4RYNdmFwshNEYpHRu3BstuOlEiBCIEIgQiBCIEIgQiBCIEIgQiBCIEIgQiBCIEIgQiBCIELUtO02pdBcecS2gaqNPADMnkI5c4NFypYoZJXZYxcpcW9taAqmUa3v+o7gPBAx8yOkKvq/9Qr6mwEnWZ30HqqU/eW0JxYQHnlqOTbNU/wt0w5mFzJI82urdtHSU7cxaAOZ181IquvarLZfUtTQSKkqmQkj+OnhWOuilAv+UuK2hkd0YAd3Nv8AhbFm7U5ttkoUlDq/dcXUEDgpKabx51HOsdNqnAWOq4lwOB8mYEtHIfgnZRNr3utF3Fx55tJ0QC2nzSAT4kxG6WQ7lNQ0FGzRrQT26qG/tV/Pt3evaK/nEed3NNdBF/qPsFI2ffCeZPcmXDyWd8eS6/SO2zPGxUEuH00nzMH008lervbWQSEzje7/ANRqpHijPxBPSGWVX+ypqnASNYD9D6+qZUhPNvoDjS0uIOSkmo/88obDgRcKgkifG7K8WPatiPVGiBCIEKt3rvpLyIos77tMGkHvdVHJI5nwBiKSZrN90/R4dNVG7dG8z+6pbOX3tOed3JUFPyMpBoOKlqBp1wEKdNK82atAMNoqZmaXXtJ8gPdWrZdeOZfcmJeaUVKaoQVABQNSlSTTA0P7xNTyOcS1yrMXo4YmskhFgftzBTDhpUaCYEKtS9u+mTBZljVlo1eeGSjo2g61zUrgKDOsRB+d1m7KwdTfDxZ5fmdsOXafwOfcrLEqr0QIRAhECEQIUbb1uMybRdfXujIDNSjwSNT/AEaRw94YLlMU1NJUPyRi/wCO9JS91+5idJQCWmP9NJxUPnOvTLrnFfLO5+nBa2iwuKms46u58u79uq1JSi3lpbaQVrUaJSkYn/jnkIhAJNgrCSRsbS95sAm9dHZi0yA5N0dcz7P/AC09R7564ctYfipgNXarL1uNPk6sPVHPifTzV7m5puXaUtZS22gVJyAHQeQAhkkNFyqZjHyvDW6kpQX72gtzrCpdplQSVA9ositEmuCRWlevGEJqgPGUBajDsJfTyCR7tbbDt7Ux9n0spuzpZKs9ze/USofQiG4RaMKhxJ4fVPI5+WisMSpFECEQIRAhECEQIRAhECEQIRAhECEQIRAhECEQIRAhECFRL6bRmpUqal6OvjAn3EHmR7SvlHiRC0tQG6DdXNBhD57Pk6rfE/vNJ61rVemXC4+4paueQ5JGSRyEIOeXG5WqhgjhbkjFh+781Z7m7PnpyjrpLTBxCqd9Y+UHIfMfAGJoqcv1OgVdXYtHT3YzrO8B3+iZU4/JWLL1SgJJwSkYuOEcScTzJwHkIcJZC1Z9janEZdTft4BUmUsyet1wOvq7GVB7oAw/In3lab58OELBr5zc6BXD5qbDG5Ixmfx9+XcPdeH7FZlbblGJcHdTuFW8aknvkk113aZQFgbMA1etqZJ8Okkk3N/wnEtIIoQCOBh9ZUG2yrFubP5KZqeyDS/jaonzT7J8REL4GO4Kxp8VqYdM1xyOvulderZ/MydVpHbMjHfQMUj5k5jqKjpCclO5mu4Wio8VhqOqeq7kfwVUYXVot+xraflF77DikHUD2VclJOBjtj3MNwoJ6aKduWQX/eBTXurtQZeoibAZc+P/AC1eJxR44c4djqQdHaLNVmCSR9aHrDlx9/3RMFKgRUGoORENKjIsl3f7aGGN6XlCFPZLczS3yGhX9BzOAVmqMvVbur7DcIMlpZvl4Dn7eaX11LsvWk8cVblauvKqc+Z9pZ/5MKxxukKu6ytjo49teA/dgnZLSctZkqsoSENtpKlH3lEDMnVRy8gIsAGxt0WRfJNWTDMbk6dg9lUtj8mpfpM4sUL7lB4EqWem8qn5TEFMCbvPFWeNyNb0cDf6j/ngPFXa2rbYlEb77iUDQe8rklIxJ6Qy97Wi5VRBTSzuyxi/7xSttW9M1bDwlJRJaaV7XxFOqnCMkfKM8qmtISdK6Y5W7LRw0MGHx9PMbuH2v2dvamjd2xW5NhDDQwTmTmpRzUeZ+mA0hxjAxtgs7VVL6iQyP/4OSko7S6IEIgQiBCr18b2NSDdVd51XsNg4nmeCRxiKWURhPUNC+qfYaAbn94pEW3bL026XX17ytBklI4JGg/oxWveXm5Wzp6aOBmSMWHn3rFZVmuTLqWmU7y1HAcOJJ0A1MeNaXGwXU0zIWF7zYBPq5l0WpBvCi3lDvuUz5J4IHDXWLOKIRjtWLrq99U/XRo2H7xVjiVIJYbbpxYRLNDBCypSuZTuhI8N4ny4QnVk2AWi/x+Npc953Fh97+ipFxrtKnplKSD2KCFOq0p8NfiVl0qdIXhjzu7Fb4hWCmiJ/sdvX6LoVKQAAMAMhFosMTdfYEIgQiBCIEIgQiBCIEIgQiBCIEIgQiBCIEIgQiBC+KUACSaAYkmBAF9AlDf3aKp0ql5NRS3kt4Zr4hHBPzZnTDNGaov1WrU4dhAZaSca8By7+3sS1hNX6auz7Z3gmYnEc0MqHkVjj8vnwDsFP/Z32WbxPFt4oD3u9PX7K/Xmt5uRYU85pghIzUrRI/noAYakeGNuVSUlK+pkDG/U8glzdO7rtqvmenqlqvcRkFUOCQNGh9TXnCkcZlOd6vqyrZQx/DU+/E8vfyTaQgAAAAACgAwAGlOUPLMkkm5Srul/fbcmJkYoa3t06ZdkjzSFGEo+vMXLSVv8A8fDmQ8Tb1PjZNaHVmkQIRAhUW9+zdmZq4xRl444DuLPzAZH5h4gwtLTh2o0KuaLGJIbNk6zfEd3ok/bFkPSrhbfbKFaVyUOKTkR0hF7C02K1MFRHO3PGbj93WOy7OcmHUtNJ3lrNAPuSdAMyY8a0uNguppmQsL3mwCuVs2//AGfL/wBnyjylrFe2e3jRJPtIa+EcSMutaMPk6NuRp+voqmCl+Kl+JmbYcG/l3P8AeCrt1rvGbWqquzYbG886ckJ+28caecRRx5z2J+sqxA0WF3HQDmfRNmyL5WTLspaZeCEJGA3HK8ye7Uk6mHWzRNFgVmZsOr5Xl723J7R6qKvZfizZlrslKfcRvAlLSdzepkCV07taHDHARxJNG4W1TNFhlZC/OA0HmTe32uq3NbSXENJYkmUy7SBupJO+sDxwB61iE1JAswWT7MHY55kncXE/Qfv2UDY9kTVpvmhU4o+264SUpHNX2SIjax8rk7PUQUUetgOAHH95p43VuyzINbjQqo4rcPtLP7AaDTzMWMcYYLBY6srZKp+Z+3AcApuJEoiBCIEIgQq9fO9TcgzvGinVVDbfE8TwSNT4RFLKIwnqChfVPsNGjc/vFIK1LRcmHVOvKKlqOJ+wA0A0EVjnFxuVtYYWQsDGCwCxycqt1aW20lS1miUjUn+s48AJNgu3vaxpc42AT8uPdJEg1op5Y9Yv/an5R9c+lnDEIx2rE4hXuqn8mjYfk9qs0TKvRAhaNr2cw+ikwhC0Jx74FBzqco5c1pHWU0M0sbrxEg9i0rMtWQboyw9LJxwQ2tAx6A4mOWujGgIU0sFU/wDkka49pBU3EiTRAhECEQIUW9eOUQrdVNMBXAupr944MjBxCZbR1DhcMdbuKkWnQoBSSFA5EGoPQiO0uQQbFe4F4iBC8uLCQSSABmSaAQL0Ak2C0JW3pVxfZtzDK1/ClxJPkDHAe0mwKmfSzsbmcwgc7FSMdqBECEQIRAhECF8UqgqcAIEbpMbRr9mZKpeWVRgYLWP8w8v+n9+kV88+bqt2WtwvC+hAllHW4Dl7+SX8Kq7TX2Z3Epuzc0nHNpsjLgtQ+LgNM86Uep4P7OWaxbFL3ghPefwPymgTSHFnEnnt63bS3QT6Ix4d2uJ/E4RhwSOUIG88nYFqm5cMpL/3d5+g803pdlKEpQhISlIASkCgAGAAHCHgLaBZdzi4lzjclVvaLeAScmsg0dcqhvjUjFX5RU9acYinkyM7U/hdL8ROAdhqfT6rW2WWH6NJJUoUce9YquYHuD9OPVRjynZlZ3qTGKnpqggbN09fFXGJ1VIgQiBCIELStaymZlstvtpWg6HTmDmDzEcuaHCxUsM8kLs8ZsUpLzTDFlB2VkVKL7n+K6SCptGjaSAKE6nMV40ojIWxXazdaekbLXFs1QOqNhwJ5n996bYdkuTTyGGhVSjnokaqPID+WsQMYXGwVtUTsgjMj9h49inL2Wu2hsSEof7u2fWL1ecGajxSDlpgNAIkkeAMjdvNJ0UD3O+Jm+Y7D/Ucu/8AeaqsQKyW5ZllvTCt1hpbh+VNQOpyHiY6axztgopZ44ReRwHemHdvZQokLnV7o/0mzU9FLyHRNesNx0vFyoqrHQOrAPqfwPX7JoWfINsNhtlCUIGSUig/5PMw41oaLBZ2WV8rszzcrZj1RogQiBCIEKMvFbbckwp504DAJGalHJI5n6Cp0jh7wxtymKWmfUSCNn/BzXPNuWu5NvLedNVKyGiRokcAP5nWKt7y83K3VPAyCMRs2Hj2rQMcKZOzZhc/0Vv0h5Pr3BgD/loOn4jrwy4xY08OUZjusji2IdO7omfKPE+nJXyGVSogQqjfS/bMjVCaOv8AwA4J4FZ06ZnlnEEs4ZpxVpQYXJU9Y6N58+5KObtGdtR4IKlOqUe62nBCee7kAB7x84RLnymy07IaaijLgABz4/vYpW2Nms1Ly6n1KaUEDeWhJNQkZkEgA0GJjt1M5rbpaDGYJZRGARfYnmr3sithb8opDhKiyrdBOe6RVIPTEdAIZpnlzbHgqbGqdsU4c0WzC/14q9QyqZRV47wMyTRceVT4Uj2lngkfvkI4fIGC5TNLSyVL8jB9eA70kb1X2mZ0kFRbZ0aQcKfMc1Hrhyiukmc/uWvo8NhphcC7uZ/HLzX271wpucQHEIS22clOkpCugAJI50pAyB7xcIqcUp6d2VxJPIcFY9nTz8jaKpB04LBqkGqQoI7RKk8imv0rlE0BcyTIUhijYqmkFSzh97XtY/VN+HlllAXuvWzIN7y+84r2Gwe8rnyTxP3yiKWURjVO0VDJVPs3QcT+8exJC8d5pmeXV1Z3a91pPsDhQanmamK98rnnVbClooaZvUGvPipFvZ7O+jqmFJQ2EJK91at1dAK1pSiTTQkGOvh35cygOLU3SiIEm+lwNP36KEtK3JiYUFuurUQkJBqRgBhlrqTqTEbpHO1JTcVNFEC1jRzVq2W2Kuame1WpZZYoTVRopfup5ge0eg4xPTsLnXOwVbjFS2CHI0DM7wHH0TI2gXj9BlSpJ9c53GxzpirokY9aDWGppMje1UGG0fxMwB+Uan0+qQXpTnxrJ/Ef5xW3K22RnIfZPzZ7YCpSVT2lS8533N41I4J/KPqTFlCzK3XdYrE6oTzHL8o0Hr9VSdqN9e0KpOXV3Bg8se8dUA/CNeOWVar1E1+q1W+EYdlAnlGvAcu30S0hNaBMLZfcz0hQmn0+pQfVpPvqGp+QHzPQ1bp4c3WOyo8XxHoh0MZ6x3PIevknND6yap+1O2TLSKgk0W8ezHIEErP6QR4iIKh+VnerXB6fpqkE7N19PFbGzqwRJyaAR6xz1jnUjBP5U0HWvGPYI8jFHilV8RUEjYaD97VYLQnUMNqddUEoQKqJ/rPlEriALlIxxukcGMFyUq7HZXbk+Zh1JEowaJQcjqlPDePtK5UHCEmgzPzHYLSTubhtN0TD13cfz+B903IeWYRAhECEQIRAhVDaJe4SLO42QZhwHcHwjIrPTQanoYgnlyCw3VphlAal+Z3yjft7PVIhRUpVTVSlHqSSfMkmK3dbPRo5BPfZ5dIScuS4kF90esrjujRHQa8T0EWUEWRuu5WMxOvNRLZp6rdvX0W/M3Ms81KpVkAYkgbo/hpHRhj5KFuI1Y0Eh81VLrGUmpxbctZ7Ho7RxfWN4nhugjMmtMchXlEMeVzrNaLc1ZVnTwwB0szsx/qPz+7pktthIASAAMgBQeUNqgJJNyvUC8RAhECEQIRAhfFKABJNAMSTAgC6QG0C9Bnpg7pPYN1S2OPFfVWnKnOKyeXO7sW3w2iFNFr8x39P3iqvECsVf9lN1PSHfSXR6po9wEYLWP8AanPrTgYaposxzHZUmM13RM6FnzHfsHv5J0xYLJIgQqFtGvz6IDLy5BmFDFWYbByP4zoNMzpVaefJ1RurrC8M6c9LJ8vn7JLOLKiVKJKiakk1JJzJJzMV61oAAsE6dj9joblPSKeseJx4JSopAHKoJ8eUWFKwBmbmsljdQ58/RcG+ZVmvdMBuRmVHIMrHiUkAeJIiaQ2YVX0TC+oYBzHmqlsUkymUdcPvu0HRKQPuT5RBSDqkqzx+QOna3kPNWy9F42ZFkuOmpOCED2lngOXE6RNJIGC5VZSUklS/Kz6nkkBb9tuzjxeeVUnID2UjRKRoPvFY95eblbempo6eMMYPfvV12bXED9JqaT6rNts+/wDMofBwGvTNiCDN1nbKoxXFOivDCetxPLsHb5d6l9ot/Vy7no0oQlaQO0coDu1GCUg4VpmdK0iSectOVqVwvC2zN6abY7Dn2lROyxh2bn3Jx5RWW04rOq1DcSMBTBAOXLjEdOC9+cprGHMgphBGLX4dg180wb5XpbkGd9VFOKqG2/iPE8EjU+GsNSyiMXVHQ0L6qTKNANz+8UgbUtJyYdU68oqWrMn6ADQDQRWOcXG5W1hhZCwMYLAJobLLmbgTOTCe8RVlBHsj4z8x04DHXBynht1nLO4xiOa8EZ04n8eq97Yrx7iEybZ7zgCnaaIr3U/mIx5DnHtVJYZQvMDo8zjO7YaDv5/Tz7kppaXU4tLaBvLWoJSBqSaCEQLmwWme8MaXO2C6NurYaZKWbZTQkCq1fEs+0fPAcgIto2BjbLB1lSaiYyH6dg4KHvVcRE+8HXH3E0TupQkJ3UjXMZk5npwiOSAPNyU1R4o6ljyNYO9aVjbL5dh5t4uuObh3glQTQkZVoNDj4Ry2ma03U0+NyyxlmUC/EXRtQvd6K36Oyr17gxIzbQcK/iOQ8TwgqJcoyjdGEUHTv6V46o8T6c0kxFctcrHcW66p98JNQyihdVy0SPmV9BUxNDFnd2JDEK0UsV/7HYfn6LoGWYS2hKEJCUpACUjAADAARZgW0CxDnFzi5xuSskerlK/bYgj0NZFW0qWFDmdwgeKQqE6v+pWiwAj+Ro3sPz7K2TV+pBDXa+kIUCKhCDVZ5bgxB60pE5njAvdVrMLqnPyZCO07fdUBx6bt9/dSCzKIVjwHMn33KZAYCviVbvnPIK6DafC47nrSH9+g8017IsxuWaSy0ndQkYcTxJOpJxJh1rQ0WCzU8z5nl7zqVuR0okQIRAhECFHXgthuTYW+5kkYAZqJySOZMcPeGNuVPTU76iQRt4+HaudbZtRyaeW86arWa8gNEjkBhFU9xcblbuCBkMYjZsP26vWyS63ar9MdT3GzRoH3ljNXROnPpDNNFc5iqbGq7I3oGHU793L6+XenDD6yyWt+7fcnHhZklipRo8sZAe8mvwj3v08RCk0heejYtBh1Kynj+Ln2Gw/Pp91drtWE3JMJZaGWKlaqUc1H+sAANIYjYGNsFUVVU+pkMj/+DkpSO0siBCIEIgQiBCIEJd7XrydkyJVs994VXTRvh+Y4dAqFamSwyjir3BKPpH9M7Zu3f7eiTcV61a37Cslc2+2w3ms4n4R7yjyAjtjC91goKidsERkdw/bLo+y7PRLsoZbFEITuj+Z5k4nrFq1oaLBYKaV0ry925W1HSjVYv7ekSDFU0Ly8G0n6qPyp+poIhmlyN7VYYdQmqlsflG5/H1SBfeUtSlrJUpRJUo5knMmKwm+pW3a0NAa3YK5XQuCudlXXidwkUYrkpQOJPy4bvmdIYigL2k/ZVNbiraeZsY1/27B2dvFSlxL4/wBn70lOoU2lKjuqIxQTiQoDEpJxChXPhjHcM3R9R6XxHD/i7VFOQb+Pd29i2tq17GnZdtiWdQ4HFbyyhQIATikHgSqh/LHtTKC3K0qLBqCSOUyStItoL9vt5rL/AOuZazpNqWlqTDqEUJFQ2FHFRKtaqJNB5iPenbG0NbqVz/4yarndLL1Wk/W3DTu5pZ2vajs06XXllaz5AaADRI4Qm5xcblaGCBkLAyMWCsGzq6vpz9Vj1DVCv5jojxzPLqIlgizu12SOKV3w0Vm/Mduzt9O1PtCQAABQDAAaRZrFk31KTlu7OJx6edUnc7JxxS+1KhgFGtCn2qjLAaZwg+neXlaqnxinjp2g3uABa3Lt2TClmJeyJE49xsVUfecWf9xNABphwhoBsTFRvdNX1HafsAkXeG2nJx9T7uZwCdEpGSRyH1JJite8vdcrY01MynjEbP8Ap5qy7M7o+lu9s8n+7tnI/wCYsYhP4RmfAcYmp4s5udlX4tX/AA7OjYesfAc+/knHbNpolWHHnMEoTWnE5ADmTQDrD73BouVlYIXTyCNu5XN9q2guYececNVuK3jy4AcgKAdIqXOLjcrfQxNijEbdgmLsdu3vKM64ME1Q1XjktXh7I6qhulj/ALlUOOVlgKdvefwPz9k2YdWZRAhRV5rcRJS63l40wSnVSj7KR/WABMcSPDG3KZpKZ1RKI2/8C50tGeW+6t107y1neUf2HIDADgIqnOLjcrdxRNiYGM2C+SMmt5xDTY3lrUEpHM/sMydADA0EmwXskjY2F7tgui7r2EiSl0MoxIxWr4ln2lfy4AARaxsDG2CwlZVOqZTI76DkFLR2lUQIWjbNktTTRaeTvIPgQRkQRiCI5c0OFipoJ3wPD4zYqrSOy2RbXvK7V0aJWvu/wgE+MQilYCrKTG6lzbCw7QPW6uctLpbSEISEpSKBKQAAOQETgAaBVLnueczjcrJHq5RAhECEQIRAhIfaVej0yY3GzVhkkJpkpWSl9NByx1itqJc7rDYLZ4VRfDxZnDrO8By9VB3asVc5MIYRhvGqlfCge0ryy5kRFGwvdYJ2rqW08Rkd/wBPBdGWfJoZbQ02N1CEhKRyH3POLZoDRYLBSSOkeXu3Kpd/73qbIkpOq5pzukpxKK6D5yPIY8IXmlt1G7q3w3D2uHxE+jBz4+3mpS4d00yDPeop9eLi/wDaPlH1OPCncMWQdqWxGvNVJpo0bD8/uytETKuRAhECEQIRAhECFim5hLaFOLNEoSVKPAAVP0jwmwuV0xhe4NbuVzZeC1lTcw4+vNaqgfCnJI8BT6xUveXuJW/poBBE2McPPio+OFOnFsdu/wBmyqbWO+73UV0QDn+ZQ8kph+ljsMx4rK45V55BC3Zu/f7eqY0NqhWOZfS2hS1kJSkFSicgAKk+UeE2FyumNL3Brdyucr126qdmVvKqE5NpPuoGQ66nmTFVJIXuut5R0raaIRjfj2lfLrWIqdmUMJqAcVqHuoHtHroOZEEbM7rL2sqRTQmQ/TtK6NlZZLSEtoAShACUgZADARagWFgsE97nuLnG5Khr3WVJusrcnEJKW0k7+S0gcFDHHhqY4lawi7k3RT1DJA2A6nhwSouHcxNoLdWorbl0GiaEFRJNQmpFO6mlTTUQjDD0lzwWlxHETSBrRYuP27/qdlDXwYl2plbUqD2bXcKlKKitQ9o8KA4YcDHEoaHWam6F0z4Q+bc625Dh6qIYZUtSUIG8pRCUgakmgHnEYF9AmnODQXO2C6OurYaZKWbZTQkCq1fEs+0fPAcgIto2BjbLBVlSaiYyH6dg4KXjtKr4TAhIjaRev01/cbP93aNEUyWrIr6aDljrFbPLnNhstnhVD8NHmd8x37By9fZV+wLIXNvoYbzWcTSoSkYqUeQH7DWImML3WCeqahsERkdw8exdG2TZzcsyhlobqECgH3J4kmpJ4mLVrQ0WCwc0z5nmR51KUu128nbPCVbPq2jVynvOcOiR9SeEJVMlzlC02CUfRs6Z27tu738lTLAslc3MNsIzWcT8KRipR6D9oXYwvdYK2qZ2wRGR3Dz4BdH2dJIYaQ02KIQkJSOQ/eLZoDRYLBSyOkeXu3KxyNrMPFSWnm3Cn2ghYURpjQ4R4HNOxXskEsYBe0i/MLdjpRJD7TLy+lzJQg+pZJSmmSle8rzwHIV1itqJM7rDYLZ4TR/Dw5nfM7XuHAevsqfC6tU3Nj92txBnHB3l1S0Don3ldVHAchzh+ljsM5WYxuszO6Buw37+X08+5MyG1nlqWjaTLCd55xDaeK1AV6VzPSOXODd1JFDJKbMaSexQLW0KzlL3BMAE4VKFhP6ikAdThEfxEd7XTpwmrDc2TxF/tdWhKgQCDUHIiJlXEWX2BCIELw64EgqUQlIxJJoB1JgXoBJsFWZnaHZ6FbpmATxQhah+pKSD4RCaiMcVYswmrcL5PuQPMqesy0mphsOMrS4g6p+x1B5GJGuDhcJGWF8TskgsVtx0o1Rdqt5fRpfsGzR18EVGaUZKPU+yPHhC1TJlbYblXOD0fTS9I75W+J4eqSMVy16eey27Xost2qxR58BRrmlHuJ5HU8zTSLKnjytudysdi9Z08uRvyt8TxPosd/76+jf3aV780ugwFezrlhqs6J8ToD5NNl6rd17huG9N/NNowePtzKzXAub6GkvP9+acxUomu5XEgHVR1Vr9+oYcmp3XOJYj8Qejj0YPH25BWa1LWZlk777qG06bxpXoMyekSucG7lV0MEkxyxtJKhpG/sg8sNomBvE0G8laQT1UkCIxPGTYFNyYXVRtzOZp2EHyKnJy0mWiA6622TiAtaU16VMSlwG5SbIZH6saT3Ba/wD6glf/AJLH/wBqP5xz0jeYUnws/wDo77FSUdpdECEQIVC2xWv2UollJ7z6qH8CcVfXdHiYWqn2bbmrrA6fPOZDs3zO35SUiuWuW7YlmqmZhphObigmvAZqPgmp8I7Y3M4BQ1EwhidIeA/4ulpWXS2hKECiUJCUgaACgHlFsBYWC+fveXuLnblZY9XKXu2O2i1LIl0minz3vwJoT5q3R0BhWqfZuXmrzA6bPKZTs3zPskzFetYnLsbsbs5ZUyod540T+BJoPNW8fARYUrLNzc1k8dqM8oiGzfM+yYcNKjSp2i2yuemW7NlTvd/1hGRUNCfhQKk8xyhKd5e7o2rS4XTtpojVzctO732HurTbbqLJsspawKU7jZ1U4r3jzrVR6GJnkRR6Ktp2ur6y7+Op7hw/CQkVi2qv+x6xO1mVTCh3WB3fxqwHkmvmIapWXdm5KkxypyQiIbu8h7p0xYLJIgQlhtVvjuhUmwrvEUeUNB8A5nXgMNcE6ma3UC0WD4fmInkGnAfn0SmhFaZOfZBYHZS5mVjvvezybGX6jj03YsKaOzcx4rJ43VdJL0Tdm+ft6qfv3eMSMqpYI7VfdaHzUz6JGJ8BrEs0mRt0lh1GamYN/qNT3e656WskkkkkmpJzJOZMVa3AAAsE59kl2+wYMy4n1jw7tc0t5j9R73Tdh+mjytzHisnjVZ0knRNOjfP22+6NpN6VJpIytVTDtEq3c0hWSeS1DyGOognl/o3de4VQg/8AyZtGDnxtx7h4lWC5V2kyEuGxQuK7ziuKqZD5RkPPUxLFGGNska+sdVS5uA2HZ6rR2mXg9ElCEGjr1UI4gU76vAYdVCOaiTI3tKmwmk6ee5+Vup/ASFEVi2il7qWIZ2abYFd0mqyNED2j+w5kRJEzO6yVrKkU8Jk48O/gujmGkoSlKQAlIAAGQAwA8otgLLBOcXEk7lUe/wDf5MnVhii5jUnFLfXiv5fE8CtNPk0G6uMNwo1H8kmjfE+3alAtb84+KlbzzhoK4k8hoEjHgAIRu57uZWpAip49LNaFcn9lMwhhThdbLiUlXZAE1oK0365+FKxOaVwbe6qW47E6UMDTbn7e6texy0lOySm1GvYr3U1+EgKA8DvDpSJ6V12W5KtxyEMqA4f2Hir7DKpVX73XsZkG6r7zivYbBxVzPBPP7xFLKIxqnaKhkqnWboOJ/eKSttW/N2k6EqKlbyqNso9kHSg1PzH6CK98j5D+FroKWCjZcaW3cd/3sCulk7I6t1mHylw+62AQnqT7R6U/eGG0mnWKqZsfs+0TbjmePotfZSXJa0ZiUUagJUFcN5tQAUOoJ8xHlNdshau8YyTUrJh2fYjZNidmktNrcWaIQkqUeAAqYdJAFys1Gxz3Brdyub7x2wucmHH1+8e6PhSPZT4DPnUxUyPL3XW9padtPEI28PE8VM7N7u+mTYKxVlqi18CfcT4nHokxJBHnd2BK4rV/DwafM7Qfkpg35vuWleiyfrJpR3apG9uE6Aaucshrwhqaa3VbuqLD8NEg6afRg8fbz4LNcK5AlPXzB7SaXUkk13K50OqzqrwHP2GHL1juucSxIz/xx6MHj7cgvd+r9tyQLTVHJgj2fdRXIqprwT9tSacM0G68w7C3VPXfozz7vVJW0J96ad33VKdcUaDU8gkDIVyAivc4uNytbFFHCzKwWA/dVbU7M5gSq33nG2ilBX2ZxNAK0UqtEnzif4Z2XMSqw41EZhGwE3Nr+g4+CqFoWg4+UqeWVlKAgFWYSnIf88zEDnF26tI4mRAhgtck/Uq1bLbt+lTXarT6piijhgpfuDw9o9BxianjzOudgq3GKzoYcjT1neXH0T1iyWNRAhECEjNrlo9rPlFe6yhKPE99X3A8Irql1325LY4LDkps3+xJ/CpULK3TG2LWXvvuzBGDadxP4l5+ISKfmhukbclyocemyxNiHE3+g9/JOKH1lUQISG2rTxdtFxOjSUoHlvH6q+kVtS68i2mDRZKUHnc/j8KnmF1aLpO6SEiSlQj2exRT9Ir9Yt4/kFlga0k1Embe581Vdod+hLgy0sd6YVgpScezr93OA08hEE8+Xqt3VjhmGGU9LLo3z9lsbNLoGUbLzw/vDoyOaE57tfiJxPgNMeoIsgud1xiuICd3Rx/KPE8+7koLbfOGsszp3nD1wSn7q84iqzsE5/j8Y67+4fvglZCS0ieuyOWCbOQoZuLWpXUKKR9EiLKmH8axuNPLqsg8APK/5VzhhVKoe0K/Ho392lu9MrwNMezrlhq4dE+J0BWnny9Vu6usMwzpv5ZdGDx9uZ/QmJpCkrUF13wohVTU71e9U6mtYrze+q1jC0tBbt+F7s2ULzzTQzcWlH6lAfvHrRcgLmWTo2OfyBP2XSM1MsycvvLIbZaSB0AFAANTkABFsSGN12WBYySols0XcSkDfC8a5+YLqqpQO62g+6n/ALjmfLQRWSyF7rrbUNG2liyDfieZ9OSzXEsD02bQ2r/DT33PwgjD8xIHQnhHsMed1lziNV8NAXDc6Dv9k07+X3bkUFpndVMEUCRk2NCrnwT+0OTTBgsN1m8Ow19S7O/Rvn3fkrU2a3SU1WcmqmYdqQFZoCsyfnV9BhxjyCK3XdupcVrw/wDgi+QcuNvwFf4ZVIkDtLtr0qeXQ1bZ9WjwPfPiquPACKyofmf3LbYVTdDTi+7tT+PBVWIFZJy7G7E7OXVMqHeeNE8kJNPqqp6BMWFKyzc3NZTHKnPKIhs3zPt+VO3/ALy+gyxUmnaud1sHjqrokY9aDWJJpMje1JYbR/EzWPyjU+n1XP7jhUSpRJUSSScSScSSeNYrFtwABYJz7J7sBhgTLg9a8Kpr7renirM8qRYU0WUZjuVk8ZrTLJ0Lflb4n22V0taYDbDq1ZIbUo+CSYncbAlVELC+RrRxIVD2IMESry/idp+lCf5wvSDqkq6/yB15mt5DzJVpvleZuQY7RXecVg2j4lc+CRmT+5ESyyCMXVdQ0TqqTKNhueQ9eS5/tS0XJh1TryipajifsANANBFY5xcblbaGFkLAxgsAr5sUkkKmH3VCqm0JCeW+VbxHOiaeJhmkaCSVTY/I5sTGDYk3+lvVOImH1lUrNmifSLTnpoYoqoJP43Kp/hR9YTg60jnLSYqeio4oTvp4D1KybZbwbqUSaDiqi3afD7qfEiv5RxgqpP6hc4FSXJndw0HfxKU0IrTK6Xftl7sEyNnIV2zveeeyNTgQn4EJFBvnnShNYZY85cjN1U1NPH0hqaojKNAPXmTy+6ZFybktyCd9RDkwr2nDpXMJrkOJzP0hqKEM14qgxDEn1RyjRo4ev7osG0S+Qkm+zaIMwsYa7ifiI48Bx6R5PNkFhuu8Mw41Ls7/AJB49nqkY4tSlEqJUpRqSSSSTxOZJMV262IAaLDQBOjZxcYSqRMTCazCh3Un/KB/3kZnTLjWwggy9Y7rJ4piZmPRRnq+fso3bFeTdAkmziqinSOHup8czyA4xxVSf0CnwOjuTO7hoPyUqmGlLUlCBvKUQlIGpJoB4mEgLmy0rnBoLjsF0ZdGwkyUqhkUKvaWr4ln2j00HICLWJgY2ywdbVGpmMh24dymYkSiIEIgQuaLyTPazcwv4nV+W8QPpSKiQ3cSvoFIzJAxvYPJR0cJhPTZHI9nZ6VUxdWpZ89wfRIPjFlTNsxY3Gpc9UR/qAPz+VdIYVSiBC53v+gi0ZoH/Ur4FII+kVU//sK3WGkGkjty/Kr8RJ5SkneGbbb7Bp91LZwCEnjoKYip0HGJBI8CwKWkpIHv6R7ATzP7ZMzZxcHsN2Zmk+tzbbPufMr5+WnXJuCDL1nbrP4pivSXihPV4nn2Ds8+5MiG1QJU7cJQ1lnaYd9BPPBSfsryhKrGxWl/x9467O4/vglbCS0avdwr/iRaLDza1t7xUgopvJrmKEgEVxrXUw1DPkFiqbEcKNS/pGEA8bqQtvaa/MkMyLSkKXgFGinDXRKRgk88fCOn1LnaMCgp8Fih/kqHXA+31Kn7lXIEmlU1Mesmt0qFTUIwJOOqzqrwGpMsUOTrO3SNfiXxBEMWjPP25BJZSyokk1JxJ5nExXrXWA0C9MuqQpKkkhSSFJIzBBqCOYMANtV45ocCDsVPzkzO2g24+84pbUumpUQEpBNAAAkAFZr5eESkvkFzsEkxlNSPbGwWc77+PBV2IU8tuzrTel1FTLim1FO6Sk0JB0846a4t2UUsEcwAkbcJmbOrhneE3OJO9XebbVnXPfXX3tQD1OMOQQf2cs/imKC3QQHTYkeQTRhxZxRN67U9FlHntUIO7+I91P8AERHEjsrSUzRwdPO2PmfDj4Lm2Khb9ZZSWU64htPtLUEjqo0EegXNly94Y0uOw1+y6bs+USy0hpHsoSEjoBSLhosLBfPJZDI8vdudUi9pttekzywDVtn1aeo9s+KqjokRW1D8z+5bLCaboacE7u19PBQd3rO9JmmWdHFgH8Oav4QYjjbmcAnKqboYXSch48PFdLoSAAAKAYARbr5+TfUqk7W7XDEiWwe++dwfhGKz0pRP5hC9S/Ky3NW2C0/SVGbg3X68PX6KQurLps+zWy8dzcQXHCdCrvEdRXd8I6jHRx6qGseaurOTW5sPpp7pK3pt9c9MKeXgMkJ+BOg66k8TFfJIXuuVraOlbTRBjfqeZUjs/usZ+Y74IYboXCMK8EA8TrwFeUdwxZ3a7KDEq74WLq/MdvVSyEO2DP7xSpcu5VNR7yK1FDl2ieBzx4x3rA/sSxMeKU1gbPHgfQ/uyt98r8Mf2etcs8la3R2aQD3k7w7xKc0kJrnrSJ5Zm5LtKqqHDZfig2VtgNew2279V7uW01ZlnJXMKShSwXVhRANSO6kA4lW6AKcax7EBHHcryvdJW1ZbGLgaD8n7pN2xaK5l9x9z2nFFRHAZAdAKDwivc4uJJWrghbDG2NuwUlc667loPFCVBCEAFxZFaAmgAGqjjToY7iiMhsl66tZSx5iLk7D94J63du+xJN9mymnxKOKlHio/tkNIsmRtYLBY2qq5Kl+aQ/TgO5eL12+iRl1PLxOSE19pRyHTUngDHkkgY25XtHSuqZQwfU8gud7RnlvurddVvLWaqP8ALgAMAOAirc4uNyt1FG2JgYwaBMHZLdPtVemPJqhB9SDqoHFXRJwHOvCGqaK/XKpMar8g6Bh1O/dy+vl3pnXgtZEpLuPryQMB8RySkcyaCHHvDW3KztNA6eURt4rnCfnFvurdcNVrUVKPM8OQyA4CKlxLjcrfRxtjYGN2CYOx67u+4qccHdb7rVdVe8rwGHUnhDVLHc5iqPHKvK0QN3Op7uATfh5ZZECEQIRAhcsuGpJOZNYpl9HGgXmPF6ujLjopZ8qB/ooPmKxbRfIFg8QN6qTvKnIkSaIEJe7Rrhrm1iYlyntd3dWhWAXTIg6KAwxwIplTFWeAvOZqvMLxRtO3opduB5eypMjs0tBxVFNJaGqlrSR5IKiYXFNIVcSYzSNFw6/cD+bJlXRuExJUcPrX/jUME/gTp1xMNxQNZrxWercUlqeqOq3lz7/2yt0TqsRAhRl4rEbnGFMu5HEEZpUMlDmPtURw9geLFMUtS+nkEjP+hJu0tmc+2shDaXk6KQtKfNKyCD59YQdTPB01Wrixmle27jlPIg/hbNlbLJxwjtShhOtSFq8Ak0/ij1tK876KObHKdg6l3H7Dx9EzrrXQl5EerTvOEUU6uhUeQ+FPIeNYcjiazZZ6sxCaqPWNhyG3up9QrgYlSKSd4NmM026r0ZIeaJ7tFJSpI0CgoitMqg48orn0zgerqFr6bGoHsHSnK7u08FuXd2UvLUFTag2jVCCFLPIqHdT1FY6jpSfmUNVjsbRaEXPM7ep8EyJ27jKpNcm2kNtqQUjdGRzB5mtCa4mGzGMmUKhjrJBUCdxub3SfOzS0N/c7JFK/4naJ3eue9/DCPw0l7WWp/wDM0mXNmPdY39PFMC52zlqUIdfIeeGIw7iD8oOZ+Y+AEMxU4bqdSqOuxd84yR9Vvie/0V5hlU6IEJc7a57dlmWgf8RwqPMIH81JhWrd1QFfYBFeVz+Q8/8AhSdivWqVs2XSPa2i1XJsKcPgKD+JQPhE9O28gVZi8uSkd22H79Anfbc92Eu89/ptqV4gEj6xYvdlaSshTxdLK1nMgJA3WuvMWg4Q3gkH1jqvZBOJ/ErkPGkVkcTpDottWVsVI3rb8AP3QJ03YuZLSIBQjfd1dXirnTRI5DxrFhHC1myyVXiM1SbONhyG3urCo0xOUSpBKaXV/bNr7+crLYjgQDh+tYr+FMJD+aW/ALTOH/j6HL/d/wC+A8Sse2K8RW4mTQe6iinaaqOKU9AMepHCPKqS5yhdYHSZWmd250HdxP4S4YZUtSUIG8pRCUgakmgHnCgF9FfucGguOwXRl0rCTJSyGU03s1q+JZ9o/sOQEWsbAxtlg62qdUzGQ7cOwLftGQafbLbyErQcwoYdeRHGO3NDhYqCKV8Tg5hsUjrJuqifnn25VRRLIJPaK79BkKYiu8oEipyitbEJHkN2WxmrnUtM10wu88Nv23HtXu/t0m7PS165brrhPtAABKRjxNakUx4x7NEI7a6rnDq99UXdUNaPMqnwurVPnZdYvo0ihShRx71iuND7A/TQ9SYs6dmVnesXi9T01QQNm6eviratYAJJAAFSTkBE6rACTYLn6/t5jPTJUknsW6paHLVR5qP0oIq5pc7uxbfDqIUsVj8x39PotC61hqnZlDCcAcVqHuoHtHroOZEcxszusp6ypFNCZD9O0royTlUNIS22kJQgBKQNAMotQABYLBPe57i5xuSk3tavJ274lmzVtk96mSnMj+kYdSqEKmTMco4LV4LR9FH0rt3bd3v6KmWRZy5l5tlv23FUHLiTyAqfCF2tLjYK2mmbDGZHbBdI2TZyJZlDLYohtNB+5PMmpPMmLZrQ0WCwM0zppDI7cqHsC+LU4+4ywhxQb9p3u7mdBTGprjTDIGOGTB7iAmqnD5KeNr5CNeHFWSJUgiBCIELmS25bsph9v4HVp8lGn0ioeLOIX0Knfnia7mB5LSjhTLoTZzNByzpYj3Ubh6oJT+0WsBvGFhsUYWVbx23++qskSpBECEQIRAhECEQIRAhECEQIRAhECFjU8kZqA6kQXXoaTwQl9JyUk9CI8uvS0jcLJHq5RAhECEQIRAhECEpNuCvWyo03F/dP8oRq9wtP/j/ySd4/KWUJrQpjbEmgZl9WoaAHirH7CG6QdYlUOPuPRMHb+E0Lw2X6VLrY3ikLoFEZ7u8CoDmQCK84ce3M2yzlNP0Eokte3nbRbNnSDcu2lppAQhIoEj+sScydY6a0NFguJZXyvL3m5K2Y9UaW+0+9B/8A4JXvOuUS5u4kBWSB8yteA64KVEv9G7q/wiiH/wBmXRo1H049w81OWHZqLIs5alUK0pLjpHvLpgkcskj/AJiRjRFGk6iZ1fVADYmw7B+6lIibmVOrW4s1WtRUo8yamK0m5uVs2Maxoa3YaK87HrG7WaU+od1hOH41VA8khXmIZpWXdm5Kmxyo6OERjd3kPdOqLBZJUDajeUtoElL1U+/RJ3c0pVhT8S8ulTwhaoksMg3Ku8Iow53xEnyt8x+ArBcq7qZGWS1gXD3nFDVR/YZDpziSKPI2yRr6s1Mxfw2HclFtQtTt7QcANUtAND8uK/HfJHhCNQ7M/uWowiDoqVvN2v328FBWBZ3pMyyz/qLAP4a1V/CDEbG5nAJypm6GF0nIePDxXTCEgAAYAYARbr5+TfVLba7ejs0ehtHvrFXSNEaJ6q15dYUqZbDKFf4JRZndO8aDbv5/Tz7koYQWoTv2SWF2Ep2yh6yY73RA9geOKvzDhFjTMytvzWPxqq6Wfoxs3T68fRb+0O84kZY7h9e5VLY4cV9E/ciO55cje1Q4ZRfEy6/KN/T6pAk1xOJ1JisW2Ti2QXb7Jozbg77oo3XRvj1UfoBxh6mjsMxWVxuszv6Fuw37/bzWXaZeRWFnytVPvUSvdzSlXu8ioZ8E1Ooj2eT+jdyucJo2/wD2ZtGt27xx+nmrLc67qJGWS0KFZ7ziviUc/AZDkImijDG2VfXVbqqUvO3AdinIkSaIEIgQkhtdsYsznbAdx8VroFpACh4ih8TFdUss6/Na/BKgSQdGd2+R2VGhZXKY2yK8yWVqlXVUS6rebJyC8in8wApzHOG6aSxylUON0RkaJmDUb93P6JxQ+sqiBCIEIgQiBCIELTtC1WGBV55tv8agPoTHJc1u5UscEkujGk9wVWtLafIt13FLeP8A00EDzXQU6ViF1SwbaqyiwSqf8wDe8+l1VbR2uvKqGGG0Di4orPkN0feIXVZ4BWUWARj/ANjye7T1Vbnr/Wg7nMKQODYSn6gV+sQmeQ8U/HhVIz+l+/VQsxaj7ntvOr/E4o/cxGXuO5TbYIm/K0D6BaZEcqVFIEXW9J2xMNf4b7qPwuKA8q0jsPcNioX08T/mYD9ArVY+1CcaoHdx9PzDdV4KSKeYMTNqnjfVVs+CU8nyXafuPsfVMu7F+JWdolKuzd/03MCfwnJXhjyhuOZr+9Z+rwyem1Iu3mPzyVmiZV6IEIgQlftvkyUSzwySpSD+YBQ//JhOrGgK0X+PyDM9ncft/wBSnhFaZXDZXbCZeeAWaIeT2dTkFVBRXxFPzQxTPyv14qqxinMtPdu7dfpx9U+IsljEQIS+v9tBTLhTEqoLfOCljFLf/cvlprwKs1QG6N3V5huEulIkmFm8ufsjZtcssf3uaBMwupSFYlAOZNf8xWvAGmpgghy9Z26MVxES/wAMXyjx9gve2aeKJJDY/wA1wA9Egq+4THtU6zLLzAo81QXch56eqSsVy1qcWxJafRXkgjfD1VDWhQnd8MFeRh+k+UrK4+HdM08LfkqZvxfdqRQUJIXMEd1GifmXTIcsz9RJNMGDtSmH4a+pdc6M58+wfuihdmt2HCo2hN1U85i2FZgHNZ4EjADQdcI4IzfO7dN4rWsA+Gh0aN7eXrzKYM2+G21rOSElR6AVhomwuqNjS5waOK5gfeK1KWrFSiVHqTU/WKcm5uvorWhoDRsNFcdkTIVaKSc0trUnrgn7ExPTD+RVWNuIpSBxITTvpeluQZKjRTqqhtHE8TwSNT4aw7LKIws3QUL6qSw+Ubn94rn6cmlurU44oqWslSlHUn+soqySTcrcMY2NoY0WAXmXa31pTWm8oJr1IEAFyhzsrSeS6Qta1WJFjfdUEIQAlIGZoKBKRqYtnOawXKwMMEtTJlYLk/tyuf7yW45OvqecwrglOiEjJI/c6kmKyR5e65W3paZlNEI2/fmV6upY/pk20x7qjVZ4IGKvMYdSIImZ3ALysqPh4HScRt38E3r731as9vsmd1T+7RKB7LYpgVdBknXpD00wjFhusvh+GvqnZ3/Lz593qtfZvdVbVZyaqZl2pG9mgHMn51a8BhxjyCIjru3KkxSua/8Agh+RvLj7BXyGVSogQiBCIEKLvJYbc6wpl3I4pUM0qGSh0+oJEcSMDxYpilqX00gkZ/0ckgLx3feknS28n8Kx7KxxB/bMRWSRlhsVt6WrjqWZmH6cQooxGmVdrtbSpmWAQ6PSGxlvGiwOS9fzV6wzHUubodVUVWDQzHMzqnw+3or3JbUpFY75caPBSCfqjehkVTDuqWTBKpp6tj3H1stpzaTZw/zyejbn/bHvxMfNRjB6w/18R6qLndrUon/DbecPGiUjzJr9I4NWwbJmPAZz8zgPFQytpU9MmkpKDqErdP0AA8Y4+Je75Qmhg1LDrNJ5D1XpNhW5Of4z5ZSdCsIw/C0PoTBknfubI+Jwyn+RmY91/Fy3JHZC1m/MuLOZ3EhP1VvE9Y6FIOJUUn+QP2jYB36+inZXZrZ6KVZUsjVbiz9AQPpEgpoxwST8Zq3f2t3AKRRcyQH/ALRnxSD9476FnJQHEao//ofusb9xrPWKGVbH4apPmkgx4YIzwXrcTq2m4kPn5qv2tsnllglhxxlWgJ30+R731iJ1K07aJ6HHZm/+wBw+x9PBLW8t1JmRV65NUE0S4jFB8dDyP1hSSJzN1oKSuhqR1DryO6g4iTizyUk48rdabW4rghJUfoMI6DSdguJJGRi7yB3mymE3Jnz/AO1c8aD7mO+gk5JQ4lSD/wDQLUmruzbOK5Z9NMd7cUQPzAU+seGN44FSsrKeTRr2n6jyVzuXtMW0QzOkrbGAdzWn8YzUOefWJ4qkjR6qa/Bmv68Gh5cD3cvLuTdl30uJStCgpKhUKSagjiCIeBB1CzDmuYS1wsQskerlRN6rFE5KuME0KhVKuChik9K58iY4kZnaQmaOpNPM2QcPLiuc52UWy4ptxJStBopJ0P8ALWusVJBBsVvI3tkaHtNwVhjxdq5WLtLnJdAQrceSBQFwHeA07wIr41POGGVL2i26qZ8Gp5XZhdp7NvsvFpX3tCfIZQd3fw7NhJBV1VUqpxxA4wOmkfoPBdRYbSUo6R2tuLv2yvFwdniZbdfmQFP5pQMUt/8AcvnkNOMMQ0+XV26p8SxYzXji0bz4n2TBhpUaWG3Fo9nKq90LWD1ISR9EmE6saArRf4+4ZpBxsP3xSmhFaZZJeYW2d5C1INKVSopNOFRpHoJGy5cxrxZwv3plbP8AZ6pakzM4khNd5DSs1HPeXXTXdOevAuQ09+s5UGJYsGgxQHvPLsHr9k2odWYUbeRlS5SZQn2lMuAdSggRxILtITFK4NnY47AjzXNAioX0BbEjOuMrS40soWnJScxx8KaR01xabhcSRtkaWPFwUw7jXUennROzxUtGBQF5uEZYaNjhkembUMRec71RYhXR0zPh6ewPG3D38u9Lh9JClA5hRr1qawod1ftIIFl4jxeqzWVd+YnGHZp1TnYsNLUlS1ElRSkkJRvV7tRicvHKdsbnguOwVfNVw08jYWAZnEbcLnc28FWYgVgs0nMuNrCmlqQsYBSCQccMxjHocRqFw9jXts8AjtTQ2e3EKVCbnBVQO8htWJrnvrr72oB6nGG6eMHruWdxTFBboYNuJ/A7E0d4cYduFnF83xxguEIKxxEeoQVjDnAhfEOA5HOBC9wIWtaEg2+gtvIS4g5pUKj/AIPOPHNDhYqSOV8TszDYqg2tskYWSZd5bXyqG+nwxCvMmFXUjTsbK6hx6VukjQ7wPooF3ZHNA919gjnvj/aYjNI7mnRj8HFrvBZZfZC+fbmWk/hSpX33Y9FIeJXLsfi/qwn6geqm5HZHLJp2rzrnIbqAfoT9YkFI3iUnJj8x+RoHirJZ1yZFmm5LNkjVY3z/AB1p4RK2Fg4JCXEqqTd5+mnkp9CABQAAcBhEqSJJ1K9QLxECEQIRAhECEQIWCdlEPIU24kLQoUUkioIjwgEWK7jkdG4OabEJVS+y1XpykKJ9ETRYVXvKByRXRQoanhTjCQpev2LSOxsfDhwHX2twHb6eyadnWe0wgNsoS2gZBIp/5PMw61oaLBZyWV8rszzcrZj1RogQom2Ltys0PXMIUfipRQ6KFFfWOHRtduEzBWTwf+txHZw+2ygrMu6/ZqiZVan5YmqpdZG+niptWAJ+U0rxrETY3R/LqOSdlq4qwfzDK/8A2Gx7x+VcGXQpIUMjjiCD4g4g8jDAN1VOBabFe4F4q7eu50vPirgKHQKJdRTepwOik8j4UiKSFr90/R4hLSmzdRyO3sl/M7IpgH1cw0ocVBST5De+8KmkdwKu24/ER1mEfY+i27O2QGoL8yKahpOP6lZfpjptJzKil/yAW/jZ9z+B6pgXfu3LySd1hsJJ9pZxWrqo4+GUNMjazZUlTWTVBvIfpw+yl47SqIEKMvFYjc6wpl2tDiFDNKhkRz/5jh7A8WKYpal9PIJGf9CWB2RTG9QTDO58VFV/Tl9YT+EdfdaL/wA/Db5Df6efsrldbZ7LSZDivXPDJaxgk/KjIHmannDEdO1mu5VVWYtNUDKOq3kPyVcInVUiBCIEJX3l2VFx1Tkq4hCVmpbWDRJOe6U1w5UwhOSlubtK0VJjgYwNmaSRxH5W5drZY0yoLmlh9QyQBRvxrirxoORjqOlA1dqoqrHJJBliGXt4+yYaRTAZQ0qJLa9my8vvLelnUo7Q7ykLBpvHMpKeJxpTOvSFJKbMbtK0FFjfRRiOVpNuI5dq+3d2UNtqC5tztSMm0AhHiTiocsPGBlKBq7VeVWOveMsIy9p39kw1yqC2Wt0dmU7u6BQbpFKUGQpDVhayow9wdnvrvftSmmdkL3aENzDfZ1wKwreA5gChPiPCEjSG+hWmbj8eXrMN+zZXG6uz+WkyFn1zw99YwSflTkOpqecTx07W9pVVWYrNUdUdVvIfk/oVr3MIkDLBVhN18Lce5V4gNwZULyqX5n+v5R0hAZyxyygQvqGqUxy/rGBC/9k="/>
+          <p:cNvSpPr>
+            <a:spLocks noChangeAspect="1" noChangeArrowheads="1"/>
+          </p:cNvSpPr>
+          <p:nvPr/>
+        </p:nvSpPr>
+        <p:spPr bwMode="auto">
+          <a:xfrm>
+            <a:off x="612775" y="312737"/>
+            <a:ext cx="304800" cy="304801"/>
+          </a:xfrm>
+          <a:prstGeom prst="rect">
+            <a:avLst/>
+          </a:prstGeom>
+          <a:noFill/>
+          <a:extLst>
+            <a:ext uri="{909E8E84-426E-40DD-AFC4-6F175D3DCCD1}">
+              <a14:hiddenFill xmlns:a14="http://schemas.microsoft.com/office/drawing/2010/main">
+                <a:solidFill>
+                  <a:srgbClr val="FFFFFF"/>
+                </a:solidFill>
+              </a14:hiddenFill>
+            </a:ext>
+          </a:extLst>
+        </p:spPr>
+        <p:txBody>
+          <a:bodyPr vert="horz" wrap="square" lIns="91440" tIns="45720" rIns="91440" bIns="45720" numCol="1" anchor="t" anchorCtr="0" compatLnSpc="1">
+            <a:prstTxWarp prst="textNoShape">
+              <a:avLst/>
+            </a:prstTxWarp>
+          </a:bodyPr>
+          <a:lstStyle/>
+          <a:p>
+            <a:endParaRPr lang="en-US"/>
+          </a:p>
+        </p:txBody>
+      </p:sp>
+      <p:sp>
+        <p:nvSpPr>
+          <p:cNvPr id="7" name="AutoShape 12" descr="data:image/jpeg;base64,/9j/4AAQSkZJRgABAQAAAQABAAD/2wCEAAkGBxQSEhUUExQWFhUXGSAaGRgXGB0cHBweHxwcHBogHxwcHSggHholHB8cIjEhJSkrLi4uGh8zODMsNyktLisBCgoKDg0OGxAQGywkICY0LDA3LC8sLC8sLywsLCw0LC8sLCwsLCwsLDQsLCwsLCwsLCwsLCwsLDQsLCwsLDQsLP/AABEIAIABiAMBEQACEQEDEQH/xAAcAAACAgMBAQAAAAAAAAAAAAAABwUGAwQIAgH/xABGEAABAgMFBQQIBAMHAwUBAAABAgMABBEFBiExQQcSUWFxEyKBkRQjMkJSYqGxcoKSwaLR8BUkM0NTwuFj0vEWRFSTsjT/xAAbAQACAwEBAQAAAAAAAAAAAAAABAMFBgIBB//EADcRAAEDAgQCCAYCAwACAwAAAAEAAgMEEQUSITFBURMiYXGhsdHhFDKBkcHwI0IGUvEVMyQ0Q//aAAwDAQACEQMRAD8AeMCEQIRAhECEQIRAhBMCFSry7SJWWqhv17g0Qe4DzXl4CsLyVDW6DVW1Lg883Wd1R27/AG9UuLY2izz5NHOxT8LQp/Eaqr0IhR1Q93Yr+DCKWLcZj2+myjZGy56exQh94fEpRKf1rO7XxjkNe/a5TEk1NTaOLW9nH7DVSjRtKx1IWtK0Nk03SoKaVqUmhICqV4HOO/5ITcpYijxBpa0gnnaxCd9kWgmYZbeR7LiQoDhUZdRl4RYNdmFwshNEYpHRu3BstuOlEiBCIEIgQiBCIEIgQiBCIEIgQiBCIEIgQiBCIEIgQiBCIELUtO02pdBcecS2gaqNPADMnkI5c4NFypYoZJXZYxcpcW9taAqmUa3v+o7gPBAx8yOkKvq/9Qr6mwEnWZ30HqqU/eW0JxYQHnlqOTbNU/wt0w5mFzJI82urdtHSU7cxaAOZ181IquvarLZfUtTQSKkqmQkj+OnhWOuilAv+UuK2hkd0YAd3Nv8AhbFm7U5ttkoUlDq/dcXUEDgpKabx51HOsdNqnAWOq4lwOB8mYEtHIfgnZRNr3utF3Fx55tJ0QC2nzSAT4kxG6WQ7lNQ0FGzRrQT26qG/tV/Pt3evaK/nEed3NNdBF/qPsFI2ffCeZPcmXDyWd8eS6/SO2zPGxUEuH00nzMH008lervbWQSEzje7/ANRqpHijPxBPSGWVX+ypqnASNYD9D6+qZUhPNvoDjS0uIOSkmo/88obDgRcKgkifG7K8WPatiPVGiBCIEKt3rvpLyIos77tMGkHvdVHJI5nwBiKSZrN90/R4dNVG7dG8z+6pbOX3tOed3JUFPyMpBoOKlqBp1wEKdNK82atAMNoqZmaXXtJ8gPdWrZdeOZfcmJeaUVKaoQVABQNSlSTTA0P7xNTyOcS1yrMXo4YmskhFgftzBTDhpUaCYEKtS9u+mTBZljVlo1eeGSjo2g61zUrgKDOsRB+d1m7KwdTfDxZ5fmdsOXafwOfcrLEqr0QIRAhECEQIUbb1uMybRdfXujIDNSjwSNT/AEaRw94YLlMU1NJUPyRi/wCO9JS91+5idJQCWmP9NJxUPnOvTLrnFfLO5+nBa2iwuKms46u58u79uq1JSi3lpbaQVrUaJSkYn/jnkIhAJNgrCSRsbS95sAm9dHZi0yA5N0dcz7P/AC09R7564ctYfipgNXarL1uNPk6sPVHPifTzV7m5puXaUtZS22gVJyAHQeQAhkkNFyqZjHyvDW6kpQX72gtzrCpdplQSVA9ositEmuCRWlevGEJqgPGUBajDsJfTyCR7tbbDt7Ux9n0spuzpZKs9ze/USofQiG4RaMKhxJ4fVPI5+WisMSpFECEQIRAhECEQIRAhECEQIRAhECEQIRAhECEQIRAhECFRL6bRmpUqal6OvjAn3EHmR7SvlHiRC0tQG6DdXNBhD57Pk6rfE/vNJ61rVemXC4+4paueQ5JGSRyEIOeXG5WqhgjhbkjFh+781Z7m7PnpyjrpLTBxCqd9Y+UHIfMfAGJoqcv1OgVdXYtHT3YzrO8B3+iZU4/JWLL1SgJJwSkYuOEcScTzJwHkIcJZC1Z9janEZdTft4BUmUsyet1wOvq7GVB7oAw/In3lab58OELBr5zc6BXD5qbDG5Ixmfx9+XcPdeH7FZlbblGJcHdTuFW8aknvkk113aZQFgbMA1etqZJ8Okkk3N/wnEtIIoQCOBh9ZUG2yrFubP5KZqeyDS/jaonzT7J8REL4GO4Kxp8VqYdM1xyOvulderZ/MydVpHbMjHfQMUj5k5jqKjpCclO5mu4Wio8VhqOqeq7kfwVUYXVot+xraflF77DikHUD2VclJOBjtj3MNwoJ6aKduWQX/eBTXurtQZeoibAZc+P/AC1eJxR44c4djqQdHaLNVmCSR9aHrDlx9/3RMFKgRUGoORENKjIsl3f7aGGN6XlCFPZLczS3yGhX9BzOAVmqMvVbur7DcIMlpZvl4Dn7eaX11LsvWk8cVblauvKqc+Z9pZ/5MKxxukKu6ytjo49teA/dgnZLSctZkqsoSENtpKlH3lEDMnVRy8gIsAGxt0WRfJNWTDMbk6dg9lUtj8mpfpM4sUL7lB4EqWem8qn5TEFMCbvPFWeNyNb0cDf6j/ngPFXa2rbYlEb77iUDQe8rklIxJ6Qy97Wi5VRBTSzuyxi/7xSttW9M1bDwlJRJaaV7XxFOqnCMkfKM8qmtISdK6Y5W7LRw0MGHx9PMbuH2v2dvamjd2xW5NhDDQwTmTmpRzUeZ+mA0hxjAxtgs7VVL6iQyP/4OSko7S6IEIgQiBCr18b2NSDdVd51XsNg4nmeCRxiKWURhPUNC+qfYaAbn94pEW3bL026XX17ytBklI4JGg/oxWveXm5Wzp6aOBmSMWHn3rFZVmuTLqWmU7y1HAcOJJ0A1MeNaXGwXU0zIWF7zYBPq5l0WpBvCi3lDvuUz5J4IHDXWLOKIRjtWLrq99U/XRo2H7xVjiVIJYbbpxYRLNDBCypSuZTuhI8N4ny4QnVk2AWi/x+Npc953Fh97+ipFxrtKnplKSD2KCFOq0p8NfiVl0qdIXhjzu7Fb4hWCmiJ/sdvX6LoVKQAAMAMhFosMTdfYEIgQiBCIEIgQiBCIEIgQiBCIEIgQiBCIEIgQiBC+KUACSaAYkmBAF9AlDf3aKp0ql5NRS3kt4Zr4hHBPzZnTDNGaov1WrU4dhAZaSca8By7+3sS1hNX6auz7Z3gmYnEc0MqHkVjj8vnwDsFP/Z32WbxPFt4oD3u9PX7K/Xmt5uRYU85pghIzUrRI/noAYakeGNuVSUlK+pkDG/U8glzdO7rtqvmenqlqvcRkFUOCQNGh9TXnCkcZlOd6vqyrZQx/DU+/E8vfyTaQgAAAAACgAwAGlOUPLMkkm5Srul/fbcmJkYoa3t06ZdkjzSFGEo+vMXLSVv8A8fDmQ8Tb1PjZNaHVmkQIRAhUW9+zdmZq4xRl444DuLPzAZH5h4gwtLTh2o0KuaLGJIbNk6zfEd3ok/bFkPSrhbfbKFaVyUOKTkR0hF7C02K1MFRHO3PGbj93WOy7OcmHUtNJ3lrNAPuSdAMyY8a0uNguppmQsL3mwCuVs2//AGfL/wBnyjylrFe2e3jRJPtIa+EcSMutaMPk6NuRp+voqmCl+Kl+JmbYcG/l3P8AeCrt1rvGbWqquzYbG886ckJ+28caecRRx5z2J+sqxA0WF3HQDmfRNmyL5WTLspaZeCEJGA3HK8ye7Uk6mHWzRNFgVmZsOr5Xl723J7R6qKvZfizZlrslKfcRvAlLSdzepkCV07taHDHARxJNG4W1TNFhlZC/OA0HmTe32uq3NbSXENJYkmUy7SBupJO+sDxwB61iE1JAswWT7MHY55kncXE/Qfv2UDY9kTVpvmhU4o+264SUpHNX2SIjax8rk7PUQUUetgOAHH95p43VuyzINbjQqo4rcPtLP7AaDTzMWMcYYLBY6srZKp+Z+3AcApuJEoiBCIEIgQq9fO9TcgzvGinVVDbfE8TwSNT4RFLKIwnqChfVPsNGjc/vFIK1LRcmHVOvKKlqOJ+wA0A0EVjnFxuVtYYWQsDGCwCxycqt1aW20lS1miUjUn+s48AJNgu3vaxpc42AT8uPdJEg1op5Y9Yv/an5R9c+lnDEIx2rE4hXuqn8mjYfk9qs0TKvRAhaNr2cw+ikwhC0Jx74FBzqco5c1pHWU0M0sbrxEg9i0rMtWQboyw9LJxwQ2tAx6A4mOWujGgIU0sFU/wDkka49pBU3EiTRAhECEQIUW9eOUQrdVNMBXAupr944MjBxCZbR1DhcMdbuKkWnQoBSSFA5EGoPQiO0uQQbFe4F4iBC8uLCQSSABmSaAQL0Ak2C0JW3pVxfZtzDK1/ClxJPkDHAe0mwKmfSzsbmcwgc7FSMdqBECEQIRAhECF8UqgqcAIEbpMbRr9mZKpeWVRgYLWP8w8v+n9+kV88+bqt2WtwvC+hAllHW4Dl7+SX8Kq7TX2Z3Epuzc0nHNpsjLgtQ+LgNM86Uep4P7OWaxbFL3ghPefwPymgTSHFnEnnt63bS3QT6Ix4d2uJ/E4RhwSOUIG88nYFqm5cMpL/3d5+g803pdlKEpQhISlIASkCgAGAAHCHgLaBZdzi4lzjclVvaLeAScmsg0dcqhvjUjFX5RU9acYinkyM7U/hdL8ROAdhqfT6rW2WWH6NJJUoUce9YquYHuD9OPVRjynZlZ3qTGKnpqggbN09fFXGJ1VIgQiBCIELStaymZlstvtpWg6HTmDmDzEcuaHCxUsM8kLs8ZsUpLzTDFlB2VkVKL7n+K6SCptGjaSAKE6nMV40ojIWxXazdaekbLXFs1QOqNhwJ5n996bYdkuTTyGGhVSjnokaqPID+WsQMYXGwVtUTsgjMj9h49inL2Wu2hsSEof7u2fWL1ecGajxSDlpgNAIkkeAMjdvNJ0UD3O+Jm+Y7D/Ucu/8AeaqsQKyW5ZllvTCt1hpbh+VNQOpyHiY6axztgopZ44ReRwHemHdvZQokLnV7o/0mzU9FLyHRNesNx0vFyoqrHQOrAPqfwPX7JoWfINsNhtlCUIGSUig/5PMw41oaLBZ2WV8rszzcrZj1RogQiBCIEKMvFbbckwp504DAJGalHJI5n6Cp0jh7wxtymKWmfUSCNn/BzXPNuWu5NvLedNVKyGiRokcAP5nWKt7y83K3VPAyCMRs2Hj2rQMcKZOzZhc/0Vv0h5Pr3BgD/loOn4jrwy4xY08OUZjusji2IdO7omfKPE+nJXyGVSogQqjfS/bMjVCaOv8AwA4J4FZ06ZnlnEEs4ZpxVpQYXJU9Y6N58+5KObtGdtR4IKlOqUe62nBCee7kAB7x84RLnymy07IaaijLgABz4/vYpW2Nms1Ly6n1KaUEDeWhJNQkZkEgA0GJjt1M5rbpaDGYJZRGARfYnmr3sithb8opDhKiyrdBOe6RVIPTEdAIZpnlzbHgqbGqdsU4c0WzC/14q9QyqZRV47wMyTRceVT4Uj2lngkfvkI4fIGC5TNLSyVL8jB9eA70kb1X2mZ0kFRbZ0aQcKfMc1Hrhyiukmc/uWvo8NhphcC7uZ/HLzX271wpucQHEIS22clOkpCugAJI50pAyB7xcIqcUp6d2VxJPIcFY9nTz8jaKpB04LBqkGqQoI7RKk8imv0rlE0BcyTIUhijYqmkFSzh97XtY/VN+HlllAXuvWzIN7y+84r2Gwe8rnyTxP3yiKWURjVO0VDJVPs3QcT+8exJC8d5pmeXV1Z3a91pPsDhQanmamK98rnnVbClooaZvUGvPipFvZ7O+jqmFJQ2EJK91at1dAK1pSiTTQkGOvh35cygOLU3SiIEm+lwNP36KEtK3JiYUFuurUQkJBqRgBhlrqTqTEbpHO1JTcVNFEC1jRzVq2W2Kuame1WpZZYoTVRopfup5ge0eg4xPTsLnXOwVbjFS2CHI0DM7wHH0TI2gXj9BlSpJ9c53GxzpirokY9aDWGppMje1UGG0fxMwB+Uan0+qQXpTnxrJ/Ef5xW3K22RnIfZPzZ7YCpSVT2lS8533N41I4J/KPqTFlCzK3XdYrE6oTzHL8o0Hr9VSdqN9e0KpOXV3Bg8se8dUA/CNeOWVar1E1+q1W+EYdlAnlGvAcu30S0hNaBMLZfcz0hQmn0+pQfVpPvqGp+QHzPQ1bp4c3WOyo8XxHoh0MZ6x3PIevknND6yap+1O2TLSKgk0W8ezHIEErP6QR4iIKh+VnerXB6fpqkE7N19PFbGzqwRJyaAR6xz1jnUjBP5U0HWvGPYI8jFHilV8RUEjYaD97VYLQnUMNqddUEoQKqJ/rPlEriALlIxxukcGMFyUq7HZXbk+Zh1JEowaJQcjqlPDePtK5UHCEmgzPzHYLSTubhtN0TD13cfz+B903IeWYRAhECEQIRAhVDaJe4SLO42QZhwHcHwjIrPTQanoYgnlyCw3VphlAal+Z3yjft7PVIhRUpVTVSlHqSSfMkmK3dbPRo5BPfZ5dIScuS4kF90esrjujRHQa8T0EWUEWRuu5WMxOvNRLZp6rdvX0W/M3Ms81KpVkAYkgbo/hpHRhj5KFuI1Y0Eh81VLrGUmpxbctZ7Ho7RxfWN4nhugjMmtMchXlEMeVzrNaLc1ZVnTwwB0szsx/qPz+7pktthIASAAMgBQeUNqgJJNyvUC8RAhECEQIRAhfFKABJNAMSTAgC6QG0C9Bnpg7pPYN1S2OPFfVWnKnOKyeXO7sW3w2iFNFr8x39P3iqvECsVf9lN1PSHfSXR6po9wEYLWP8AanPrTgYaposxzHZUmM13RM6FnzHfsHv5J0xYLJIgQqFtGvz6IDLy5BmFDFWYbByP4zoNMzpVaefJ1RurrC8M6c9LJ8vn7JLOLKiVKJKiakk1JJzJJzMV61oAAsE6dj9joblPSKeseJx4JSopAHKoJ8eUWFKwBmbmsljdQ58/RcG+ZVmvdMBuRmVHIMrHiUkAeJIiaQ2YVX0TC+oYBzHmqlsUkymUdcPvu0HRKQPuT5RBSDqkqzx+QOna3kPNWy9F42ZFkuOmpOCED2lngOXE6RNJIGC5VZSUklS/Kz6nkkBb9tuzjxeeVUnID2UjRKRoPvFY95eblbempo6eMMYPfvV12bXED9JqaT6rNts+/wDMofBwGvTNiCDN1nbKoxXFOivDCetxPLsHb5d6l9ot/Vy7no0oQlaQO0coDu1GCUg4VpmdK0iSectOVqVwvC2zN6abY7Dn2lROyxh2bn3Jx5RWW04rOq1DcSMBTBAOXLjEdOC9+cprGHMgphBGLX4dg180wb5XpbkGd9VFOKqG2/iPE8EjU+GsNSyiMXVHQ0L6qTKNANz+8UgbUtJyYdU68oqWrMn6ADQDQRWOcXG5W1hhZCwMYLAJobLLmbgTOTCe8RVlBHsj4z8x04DHXBynht1nLO4xiOa8EZ04n8eq97Yrx7iEybZ7zgCnaaIr3U/mIx5DnHtVJYZQvMDo8zjO7YaDv5/Tz7kppaXU4tLaBvLWoJSBqSaCEQLmwWme8MaXO2C6NurYaZKWbZTQkCq1fEs+0fPAcgIto2BjbLB1lSaiYyH6dg4KHvVcRE+8HXH3E0TupQkJ3UjXMZk5npwiOSAPNyU1R4o6ljyNYO9aVjbL5dh5t4uuObh3glQTQkZVoNDj4Ry2ma03U0+NyyxlmUC/EXRtQvd6K36Oyr17gxIzbQcK/iOQ8TwgqJcoyjdGEUHTv6V46o8T6c0kxFctcrHcW66p98JNQyihdVy0SPmV9BUxNDFnd2JDEK0UsV/7HYfn6LoGWYS2hKEJCUpACUjAADAARZgW0CxDnFzi5xuSskerlK/bYgj0NZFW0qWFDmdwgeKQqE6v+pWiwAj+Ro3sPz7K2TV+pBDXa+kIUCKhCDVZ5bgxB60pE5njAvdVrMLqnPyZCO07fdUBx6bt9/dSCzKIVjwHMn33KZAYCviVbvnPIK6DafC47nrSH9+g8017IsxuWaSy0ndQkYcTxJOpJxJh1rQ0WCzU8z5nl7zqVuR0okQIRAhECFHXgthuTYW+5kkYAZqJySOZMcPeGNuVPTU76iQRt4+HaudbZtRyaeW86arWa8gNEjkBhFU9xcblbuCBkMYjZsP26vWyS63ar9MdT3GzRoH3ljNXROnPpDNNFc5iqbGq7I3oGHU793L6+XenDD6yyWt+7fcnHhZklipRo8sZAe8mvwj3v08RCk0heejYtBh1Kynj+Ln2Gw/Pp91drtWE3JMJZaGWKlaqUc1H+sAANIYjYGNsFUVVU+pkMj/+DkpSO0siBCIEIgQiBCIEJd7XrydkyJVs994VXTRvh+Y4dAqFamSwyjir3BKPpH9M7Zu3f7eiTcV61a37Cslc2+2w3ms4n4R7yjyAjtjC91goKidsERkdw/bLo+y7PRLsoZbFEITuj+Z5k4nrFq1oaLBYKaV0ry925W1HSjVYv7ekSDFU0Ly8G0n6qPyp+poIhmlyN7VYYdQmqlsflG5/H1SBfeUtSlrJUpRJUo5knMmKwm+pW3a0NAa3YK5XQuCudlXXidwkUYrkpQOJPy4bvmdIYigL2k/ZVNbiraeZsY1/27B2dvFSlxL4/wBn70lOoU2lKjuqIxQTiQoDEpJxChXPhjHcM3R9R6XxHD/i7VFOQb+Pd29i2tq17GnZdtiWdQ4HFbyyhQIATikHgSqh/LHtTKC3K0qLBqCSOUyStItoL9vt5rL/AOuZazpNqWlqTDqEUJFQ2FHFRKtaqJNB5iPenbG0NbqVz/4yarndLL1Wk/W3DTu5pZ2vajs06XXllaz5AaADRI4Qm5xcblaGCBkLAyMWCsGzq6vpz9Vj1DVCv5jojxzPLqIlgizu12SOKV3w0Vm/Mduzt9O1PtCQAABQDAAaRZrFk31KTlu7OJx6edUnc7JxxS+1KhgFGtCn2qjLAaZwg+neXlaqnxinjp2g3uABa3Lt2TClmJeyJE49xsVUfecWf9xNABphwhoBsTFRvdNX1HafsAkXeG2nJx9T7uZwCdEpGSRyH1JJite8vdcrY01MynjEbP8Ap5qy7M7o+lu9s8n+7tnI/wCYsYhP4RmfAcYmp4s5udlX4tX/AA7OjYesfAc+/knHbNpolWHHnMEoTWnE5ADmTQDrD73BouVlYIXTyCNu5XN9q2guYececNVuK3jy4AcgKAdIqXOLjcrfQxNijEbdgmLsdu3vKM64ME1Q1XjktXh7I6qhulj/ALlUOOVlgKdvefwPz9k2YdWZRAhRV5rcRJS63l40wSnVSj7KR/WABMcSPDG3KZpKZ1RKI2/8C50tGeW+6t107y1neUf2HIDADgIqnOLjcrdxRNiYGM2C+SMmt5xDTY3lrUEpHM/sMydADA0EmwXskjY2F7tgui7r2EiSl0MoxIxWr4ln2lfy4AARaxsDG2CwlZVOqZTI76DkFLR2lUQIWjbNktTTRaeTvIPgQRkQRiCI5c0OFipoJ3wPD4zYqrSOy2RbXvK7V0aJWvu/wgE+MQilYCrKTG6lzbCw7QPW6uctLpbSEISEpSKBKQAAOQETgAaBVLnueczjcrJHq5RAhECEQIRAhIfaVej0yY3GzVhkkJpkpWSl9NByx1itqJc7rDYLZ4VRfDxZnDrO8By9VB3asVc5MIYRhvGqlfCge0ryy5kRFGwvdYJ2rqW08Rkd/wBPBdGWfJoZbQ02N1CEhKRyH3POLZoDRYLBSSOkeXu3Kpd/73qbIkpOq5pzukpxKK6D5yPIY8IXmlt1G7q3w3D2uHxE+jBz4+3mpS4d00yDPeop9eLi/wDaPlH1OPCncMWQdqWxGvNVJpo0bD8/uytETKuRAhECEQIRAhECFim5hLaFOLNEoSVKPAAVP0jwmwuV0xhe4NbuVzZeC1lTcw4+vNaqgfCnJI8BT6xUveXuJW/poBBE2McPPio+OFOnFsdu/wBmyqbWO+73UV0QDn+ZQ8kph+ljsMx4rK45V55BC3Zu/f7eqY0NqhWOZfS2hS1kJSkFSicgAKk+UeE2FyumNL3Brdyucr126qdmVvKqE5NpPuoGQ66nmTFVJIXuut5R0raaIRjfj2lfLrWIqdmUMJqAcVqHuoHtHroOZEEbM7rL2sqRTQmQ/TtK6NlZZLSEtoAShACUgZADARagWFgsE97nuLnG5Khr3WVJusrcnEJKW0k7+S0gcFDHHhqY4lawi7k3RT1DJA2A6nhwSouHcxNoLdWorbl0GiaEFRJNQmpFO6mlTTUQjDD0lzwWlxHETSBrRYuP27/qdlDXwYl2plbUqD2bXcKlKKitQ9o8KA4YcDHEoaHWam6F0z4Q+bc625Dh6qIYZUtSUIG8pRCUgakmgHnEYF9AmnODQXO2C6OurYaZKWbZTQkCq1fEs+0fPAcgIto2BjbLBVlSaiYyH6dg4KXjtKr4TAhIjaRev01/cbP93aNEUyWrIr6aDljrFbPLnNhstnhVD8NHmd8x37By9fZV+wLIXNvoYbzWcTSoSkYqUeQH7DWImML3WCeqahsERkdw8exdG2TZzcsyhlobqECgH3J4kmpJ4mLVrQ0WCwc0z5nmR51KUu128nbPCVbPq2jVynvOcOiR9SeEJVMlzlC02CUfRs6Z27tu738lTLAslc3MNsIzWcT8KRipR6D9oXYwvdYK2qZ2wRGR3Dz4BdH2dJIYaQ02KIQkJSOQ/eLZoDRYLBSyOkeXu3KxyNrMPFSWnm3Cn2ghYURpjQ4R4HNOxXskEsYBe0i/MLdjpRJD7TLy+lzJQg+pZJSmmSle8rzwHIV1itqJM7rDYLZ4TR/Dw5nfM7XuHAevsqfC6tU3Nj92txBnHB3l1S0Don3ldVHAchzh+ljsM5WYxuszO6Buw37+X08+5MyG1nlqWjaTLCd55xDaeK1AV6VzPSOXODd1JFDJKbMaSexQLW0KzlL3BMAE4VKFhP6ikAdThEfxEd7XTpwmrDc2TxF/tdWhKgQCDUHIiJlXEWX2BCIELw64EgqUQlIxJJoB1JgXoBJsFWZnaHZ6FbpmATxQhah+pKSD4RCaiMcVYswmrcL5PuQPMqesy0mphsOMrS4g6p+x1B5GJGuDhcJGWF8TskgsVtx0o1Rdqt5fRpfsGzR18EVGaUZKPU+yPHhC1TJlbYblXOD0fTS9I75W+J4eqSMVy16eey27Xost2qxR58BRrmlHuJ5HU8zTSLKnjytudysdi9Z08uRvyt8TxPosd/76+jf3aV780ugwFezrlhqs6J8ToD5NNl6rd17huG9N/NNowePtzKzXAub6GkvP9+acxUomu5XEgHVR1Vr9+oYcmp3XOJYj8Qejj0YPH25BWa1LWZlk777qG06bxpXoMyekSucG7lV0MEkxyxtJKhpG/sg8sNomBvE0G8laQT1UkCIxPGTYFNyYXVRtzOZp2EHyKnJy0mWiA6622TiAtaU16VMSlwG5SbIZH6saT3Ba/wD6glf/AJLH/wBqP5xz0jeYUnws/wDo77FSUdpdECEQIVC2xWv2UollJ7z6qH8CcVfXdHiYWqn2bbmrrA6fPOZDs3zO35SUiuWuW7YlmqmZhphObigmvAZqPgmp8I7Y3M4BQ1EwhidIeA/4ulpWXS2hKECiUJCUgaACgHlFsBYWC+fveXuLnblZY9XKXu2O2i1LIl0minz3vwJoT5q3R0BhWqfZuXmrzA6bPKZTs3zPskzFetYnLsbsbs5ZUyod540T+BJoPNW8fARYUrLNzc1k8dqM8oiGzfM+yYcNKjSp2i2yuemW7NlTvd/1hGRUNCfhQKk8xyhKd5e7o2rS4XTtpojVzctO732HurTbbqLJsspawKU7jZ1U4r3jzrVR6GJnkRR6Ktp2ur6y7+Op7hw/CQkVi2qv+x6xO1mVTCh3WB3fxqwHkmvmIapWXdm5KkxypyQiIbu8h7p0xYLJIgQlhtVvjuhUmwrvEUeUNB8A5nXgMNcE6ma3UC0WD4fmInkGnAfn0SmhFaZOfZBYHZS5mVjvvezybGX6jj03YsKaOzcx4rJ43VdJL0Tdm+ft6qfv3eMSMqpYI7VfdaHzUz6JGJ8BrEs0mRt0lh1GamYN/qNT3e656WskkkkkmpJzJOZMVa3AAAsE59kl2+wYMy4n1jw7tc0t5j9R73Tdh+mjytzHisnjVZ0knRNOjfP22+6NpN6VJpIytVTDtEq3c0hWSeS1DyGOognl/o3de4VQg/8AyZtGDnxtx7h4lWC5V2kyEuGxQuK7ziuKqZD5RkPPUxLFGGNska+sdVS5uA2HZ6rR2mXg9ElCEGjr1UI4gU76vAYdVCOaiTI3tKmwmk6ee5+Vup/ASFEVi2il7qWIZ2abYFd0mqyNED2j+w5kRJEzO6yVrKkU8Jk48O/gujmGkoSlKQAlIAAGQAwA8otgLLBOcXEk7lUe/wDf5MnVhii5jUnFLfXiv5fE8CtNPk0G6uMNwo1H8kmjfE+3alAtb84+KlbzzhoK4k8hoEjHgAIRu57uZWpAip49LNaFcn9lMwhhThdbLiUlXZAE1oK0365+FKxOaVwbe6qW47E6UMDTbn7e6texy0lOySm1GvYr3U1+EgKA8DvDpSJ6V12W5KtxyEMqA4f2Hir7DKpVX73XsZkG6r7zivYbBxVzPBPP7xFLKIxqnaKhkqnWboOJ/eKSttW/N2k6EqKlbyqNso9kHSg1PzH6CK98j5D+FroKWCjZcaW3cd/3sCulk7I6t1mHylw+62AQnqT7R6U/eGG0mnWKqZsfs+0TbjmePotfZSXJa0ZiUUagJUFcN5tQAUOoJ8xHlNdshau8YyTUrJh2fYjZNidmktNrcWaIQkqUeAAqYdJAFys1Gxz3Brdyub7x2wucmHH1+8e6PhSPZT4DPnUxUyPL3XW9padtPEI28PE8VM7N7u+mTYKxVlqi18CfcT4nHokxJBHnd2BK4rV/DwafM7Qfkpg35vuWleiyfrJpR3apG9uE6Aaucshrwhqaa3VbuqLD8NEg6afRg8fbz4LNcK5AlPXzB7SaXUkk13K50OqzqrwHP2GHL1juucSxIz/xx6MHj7cgvd+r9tyQLTVHJgj2fdRXIqprwT9tSacM0G68w7C3VPXfozz7vVJW0J96ad33VKdcUaDU8gkDIVyAivc4uNytbFFHCzKwWA/dVbU7M5gSq33nG2ilBX2ZxNAK0UqtEnzif4Z2XMSqw41EZhGwE3Nr+g4+CqFoWg4+UqeWVlKAgFWYSnIf88zEDnF26tI4mRAhgtck/Uq1bLbt+lTXarT6piijhgpfuDw9o9BxianjzOudgq3GKzoYcjT1neXH0T1iyWNRAhECEjNrlo9rPlFe6yhKPE99X3A8Irql1325LY4LDkps3+xJ/CpULK3TG2LWXvvuzBGDadxP4l5+ISKfmhukbclyocemyxNiHE3+g9/JOKH1lUQISG2rTxdtFxOjSUoHlvH6q+kVtS68i2mDRZKUHnc/j8KnmF1aLpO6SEiSlQj2exRT9Ir9Yt4/kFlga0k1Embe581Vdod+hLgy0sd6YVgpScezr93OA08hEE8+Xqt3VjhmGGU9LLo3z9lsbNLoGUbLzw/vDoyOaE57tfiJxPgNMeoIsgud1xiuICd3Rx/KPE8+7koLbfOGsszp3nD1wSn7q84iqzsE5/j8Y67+4fvglZCS0ieuyOWCbOQoZuLWpXUKKR9EiLKmH8axuNPLqsg8APK/5VzhhVKoe0K/Ho392lu9MrwNMezrlhq4dE+J0BWnny9Vu6usMwzpv5ZdGDx9uZ/QmJpCkrUF13wohVTU71e9U6mtYrze+q1jC0tBbt+F7s2ULzzTQzcWlH6lAfvHrRcgLmWTo2OfyBP2XSM1MsycvvLIbZaSB0AFAANTkABFsSGN12WBYySols0XcSkDfC8a5+YLqqpQO62g+6n/ALjmfLQRWSyF7rrbUNG2liyDfieZ9OSzXEsD02bQ2r/DT33PwgjD8xIHQnhHsMed1lziNV8NAXDc6Dv9k07+X3bkUFpndVMEUCRk2NCrnwT+0OTTBgsN1m8Ow19S7O/Rvn3fkrU2a3SU1WcmqmYdqQFZoCsyfnV9BhxjyCK3XdupcVrw/wDgi+QcuNvwFf4ZVIkDtLtr0qeXQ1bZ9WjwPfPiquPACKyofmf3LbYVTdDTi+7tT+PBVWIFZJy7G7E7OXVMqHeeNE8kJNPqqp6BMWFKyzc3NZTHKnPKIhs3zPt+VO3/ALy+gyxUmnaud1sHjqrokY9aDWJJpMje1JYbR/EzWPyjU+n1XP7jhUSpRJUSSScSScSSeNYrFtwABYJz7J7sBhgTLg9a8Kpr7renirM8qRYU0WUZjuVk8ZrTLJ0Lflb4n22V0taYDbDq1ZIbUo+CSYncbAlVELC+RrRxIVD2IMESry/idp+lCf5wvSDqkq6/yB15mt5DzJVpvleZuQY7RXecVg2j4lc+CRmT+5ESyyCMXVdQ0TqqTKNhueQ9eS5/tS0XJh1TryipajifsANANBFY5xcblbaGFkLAxgsAr5sUkkKmH3VCqm0JCeW+VbxHOiaeJhmkaCSVTY/I5sTGDYk3+lvVOImH1lUrNmifSLTnpoYoqoJP43Kp/hR9YTg60jnLSYqeio4oTvp4D1KybZbwbqUSaDiqi3afD7qfEiv5RxgqpP6hc4FSXJndw0HfxKU0IrTK6Xftl7sEyNnIV2zveeeyNTgQn4EJFBvnnShNYZY85cjN1U1NPH0hqaojKNAPXmTy+6ZFybktyCd9RDkwr2nDpXMJrkOJzP0hqKEM14qgxDEn1RyjRo4ev7osG0S+Qkm+zaIMwsYa7ifiI48Bx6R5PNkFhuu8Mw41Ls7/AJB49nqkY4tSlEqJUpRqSSSSTxOZJMV262IAaLDQBOjZxcYSqRMTCazCh3Un/KB/3kZnTLjWwggy9Y7rJ4piZmPRRnq+fso3bFeTdAkmziqinSOHup8czyA4xxVSf0CnwOjuTO7hoPyUqmGlLUlCBvKUQlIGpJoB4mEgLmy0rnBoLjsF0ZdGwkyUqhkUKvaWr4ln2j00HICLWJgY2ywdbVGpmMh24dymYkSiIEIgQuaLyTPazcwv4nV+W8QPpSKiQ3cSvoFIzJAxvYPJR0cJhPTZHI9nZ6VUxdWpZ89wfRIPjFlTNsxY3Gpc9UR/qAPz+VdIYVSiBC53v+gi0ZoH/Ur4FII+kVU//sK3WGkGkjty/Kr8RJ5SkneGbbb7Bp91LZwCEnjoKYip0HGJBI8CwKWkpIHv6R7ATzP7ZMzZxcHsN2Zmk+tzbbPufMr5+WnXJuCDL1nbrP4pivSXihPV4nn2Ds8+5MiG1QJU7cJQ1lnaYd9BPPBSfsryhKrGxWl/x9467O4/vglbCS0avdwr/iRaLDza1t7xUgopvJrmKEgEVxrXUw1DPkFiqbEcKNS/pGEA8bqQtvaa/MkMyLSkKXgFGinDXRKRgk88fCOn1LnaMCgp8Fih/kqHXA+31Kn7lXIEmlU1Mesmt0qFTUIwJOOqzqrwGpMsUOTrO3SNfiXxBEMWjPP25BJZSyokk1JxJ5nExXrXWA0C9MuqQpKkkhSSFJIzBBqCOYMANtV45ocCDsVPzkzO2g24+84pbUumpUQEpBNAAAkAFZr5eESkvkFzsEkxlNSPbGwWc77+PBV2IU8tuzrTel1FTLim1FO6Sk0JB0846a4t2UUsEcwAkbcJmbOrhneE3OJO9XebbVnXPfXX3tQD1OMOQQf2cs/imKC3QQHTYkeQTRhxZxRN67U9FlHntUIO7+I91P8AERHEjsrSUzRwdPO2PmfDj4Lm2Khb9ZZSWU64htPtLUEjqo0EegXNly94Y0uOw1+y6bs+USy0hpHsoSEjoBSLhosLBfPJZDI8vdudUi9pttekzywDVtn1aeo9s+KqjokRW1D8z+5bLCaboacE7u19PBQd3rO9JmmWdHFgH8Oav4QYjjbmcAnKqboYXSch48PFdLoSAAAKAYARbr5+TfUqk7W7XDEiWwe++dwfhGKz0pRP5hC9S/Ky3NW2C0/SVGbg3X68PX6KQurLps+zWy8dzcQXHCdCrvEdRXd8I6jHRx6qGseaurOTW5sPpp7pK3pt9c9MKeXgMkJ+BOg66k8TFfJIXuuVraOlbTRBjfqeZUjs/usZ+Y74IYboXCMK8EA8TrwFeUdwxZ3a7KDEq74WLq/MdvVSyEO2DP7xSpcu5VNR7yK1FDl2ieBzx4x3rA/sSxMeKU1gbPHgfQ/uyt98r8Mf2etcs8la3R2aQD3k7w7xKc0kJrnrSJ5Zm5LtKqqHDZfig2VtgNew2279V7uW01ZlnJXMKShSwXVhRANSO6kA4lW6AKcax7EBHHcryvdJW1ZbGLgaD8n7pN2xaK5l9x9z2nFFRHAZAdAKDwivc4uJJWrghbDG2NuwUlc667loPFCVBCEAFxZFaAmgAGqjjToY7iiMhsl66tZSx5iLk7D94J63du+xJN9mymnxKOKlHio/tkNIsmRtYLBY2qq5Kl+aQ/TgO5eL12+iRl1PLxOSE19pRyHTUngDHkkgY25XtHSuqZQwfU8gud7RnlvurddVvLWaqP8ALgAMAOAirc4uNyt1FG2JgYwaBMHZLdPtVemPJqhB9SDqoHFXRJwHOvCGqaK/XKpMar8g6Bh1O/dy+vl3pnXgtZEpLuPryQMB8RySkcyaCHHvDW3KztNA6eURt4rnCfnFvurdcNVrUVKPM8OQyA4CKlxLjcrfRxtjYGN2CYOx67u+4qccHdb7rVdVe8rwGHUnhDVLHc5iqPHKvK0QN3Op7uATfh5ZZECEQIRAhcsuGpJOZNYpl9HGgXmPF6ujLjopZ8qB/ooPmKxbRfIFg8QN6qTvKnIkSaIEJe7Rrhrm1iYlyntd3dWhWAXTIg6KAwxwIplTFWeAvOZqvMLxRtO3opduB5eypMjs0tBxVFNJaGqlrSR5IKiYXFNIVcSYzSNFw6/cD+bJlXRuExJUcPrX/jUME/gTp1xMNxQNZrxWercUlqeqOq3lz7/2yt0TqsRAhRl4rEbnGFMu5HEEZpUMlDmPtURw9geLFMUtS+nkEjP+hJu0tmc+2shDaXk6KQtKfNKyCD59YQdTPB01Wrixmle27jlPIg/hbNlbLJxwjtShhOtSFq8Ak0/ij1tK876KObHKdg6l3H7Dx9EzrrXQl5EerTvOEUU6uhUeQ+FPIeNYcjiazZZ6sxCaqPWNhyG3up9QrgYlSKSd4NmM026r0ZIeaJ7tFJSpI0CgoitMqg48orn0zgerqFr6bGoHsHSnK7u08FuXd2UvLUFTag2jVCCFLPIqHdT1FY6jpSfmUNVjsbRaEXPM7ep8EyJ27jKpNcm2kNtqQUjdGRzB5mtCa4mGzGMmUKhjrJBUCdxub3SfOzS0N/c7JFK/4naJ3eue9/DCPw0l7WWp/wDM0mXNmPdY39PFMC52zlqUIdfIeeGIw7iD8oOZ+Y+AEMxU4bqdSqOuxd84yR9Vvie/0V5hlU6IEJc7a57dlmWgf8RwqPMIH81JhWrd1QFfYBFeVz+Q8/8AhSdivWqVs2XSPa2i1XJsKcPgKD+JQPhE9O28gVZi8uSkd22H79Anfbc92Eu89/ptqV4gEj6xYvdlaSshTxdLK1nMgJA3WuvMWg4Q3gkH1jqvZBOJ/ErkPGkVkcTpDottWVsVI3rb8AP3QJ03YuZLSIBQjfd1dXirnTRI5DxrFhHC1myyVXiM1SbONhyG3urCo0xOUSpBKaXV/bNr7+crLYjgQDh+tYr+FMJD+aW/ALTOH/j6HL/d/wC+A8Sse2K8RW4mTQe6iinaaqOKU9AMepHCPKqS5yhdYHSZWmd250HdxP4S4YZUtSUIG8pRCUgakmgHnCgF9FfucGguOwXRl0rCTJSyGU03s1q+JZ9o/sOQEWsbAxtlg62qdUzGQ7cOwLftGQafbLbyErQcwoYdeRHGO3NDhYqCKV8Tg5hsUjrJuqifnn25VRRLIJPaK79BkKYiu8oEipyitbEJHkN2WxmrnUtM10wu88Nv23HtXu/t0m7PS165brrhPtAABKRjxNakUx4x7NEI7a6rnDq99UXdUNaPMqnwurVPnZdYvo0ihShRx71iuND7A/TQ9SYs6dmVnesXi9T01QQNm6eviratYAJJAAFSTkBE6rACTYLn6/t5jPTJUknsW6paHLVR5qP0oIq5pc7uxbfDqIUsVj8x39PotC61hqnZlDCcAcVqHuoHtHroOZEcxszusp6ypFNCZD9O0royTlUNIS22kJQgBKQNAMotQABYLBPe57i5xuSk3tavJ274lmzVtk96mSnMj+kYdSqEKmTMco4LV4LR9FH0rt3bd3v6KmWRZy5l5tlv23FUHLiTyAqfCF2tLjYK2mmbDGZHbBdI2TZyJZlDLYohtNB+5PMmpPMmLZrQ0WCwM0zppDI7cqHsC+LU4+4ywhxQb9p3u7mdBTGprjTDIGOGTB7iAmqnD5KeNr5CNeHFWSJUgiBCIELmS25bsph9v4HVp8lGn0ioeLOIX0Knfnia7mB5LSjhTLoTZzNByzpYj3Ubh6oJT+0WsBvGFhsUYWVbx23++qskSpBECEQIRAhECEQIRAhECEQIRAhECFjU8kZqA6kQXXoaTwQl9JyUk9CI8uvS0jcLJHq5RAhECEQIRAhECEpNuCvWyo03F/dP8oRq9wtP/j/ySd4/KWUJrQpjbEmgZl9WoaAHirH7CG6QdYlUOPuPRMHb+E0Lw2X6VLrY3ikLoFEZ7u8CoDmQCK84ce3M2yzlNP0Eokte3nbRbNnSDcu2lppAQhIoEj+sScydY6a0NFguJZXyvL3m5K2Y9UaW+0+9B/8A4JXvOuUS5u4kBWSB8yteA64KVEv9G7q/wiiH/wBmXRo1H049w81OWHZqLIs5alUK0pLjpHvLpgkcskj/AJiRjRFGk6iZ1fVADYmw7B+6lIibmVOrW4s1WtRUo8yamK0m5uVs2Maxoa3YaK87HrG7WaU+od1hOH41VA8khXmIZpWXdm5Kmxyo6OERjd3kPdOqLBZJUDajeUtoElL1U+/RJ3c0pVhT8S8ulTwhaoksMg3Ku8Iow53xEnyt8x+ArBcq7qZGWS1gXD3nFDVR/YZDpziSKPI2yRr6s1Mxfw2HclFtQtTt7QcANUtAND8uK/HfJHhCNQ7M/uWowiDoqVvN2v328FBWBZ3pMyyz/qLAP4a1V/CDEbG5nAJypm6GF0nIePDxXTCEgAAYAYARbr5+TfVLba7ejs0ehtHvrFXSNEaJ6q15dYUqZbDKFf4JRZndO8aDbv5/Tz7koYQWoTv2SWF2Ep2yh6yY73RA9geOKvzDhFjTMytvzWPxqq6Wfoxs3T68fRb+0O84kZY7h9e5VLY4cV9E/ciO55cje1Q4ZRfEy6/KN/T6pAk1xOJ1JisW2Ti2QXb7Jozbg77oo3XRvj1UfoBxh6mjsMxWVxuszv6Fuw37/bzWXaZeRWFnytVPvUSvdzSlXu8ioZ8E1Ooj2eT+jdyucJo2/wD2ZtGt27xx+nmrLc67qJGWS0KFZ7ziviUc/AZDkImijDG2VfXVbqqUvO3AdinIkSaIEIgQkhtdsYsznbAdx8VroFpACh4ih8TFdUss6/Na/BKgSQdGd2+R2VGhZXKY2yK8yWVqlXVUS6rebJyC8in8wApzHOG6aSxylUON0RkaJmDUb93P6JxQ+sqiBCIEIgQiBCIELTtC1WGBV55tv8agPoTHJc1u5UscEkujGk9wVWtLafIt13FLeP8A00EDzXQU6ViF1SwbaqyiwSqf8wDe8+l1VbR2uvKqGGG0Di4orPkN0feIXVZ4BWUWARj/ANjye7T1Vbnr/Wg7nMKQODYSn6gV+sQmeQ8U/HhVIz+l+/VQsxaj7ntvOr/E4o/cxGXuO5TbYIm/K0D6BaZEcqVFIEXW9J2xMNf4b7qPwuKA8q0jsPcNioX08T/mYD9ArVY+1CcaoHdx9PzDdV4KSKeYMTNqnjfVVs+CU8nyXafuPsfVMu7F+JWdolKuzd/03MCfwnJXhjyhuOZr+9Z+rwyem1Iu3mPzyVmiZV6IEIgQlftvkyUSzwySpSD+YBQ//JhOrGgK0X+PyDM9ncft/wBSnhFaZXDZXbCZeeAWaIeT2dTkFVBRXxFPzQxTPyv14qqxinMtPdu7dfpx9U+IsljEQIS+v9tBTLhTEqoLfOCljFLf/cvlprwKs1QG6N3V5huEulIkmFm8ufsjZtcssf3uaBMwupSFYlAOZNf8xWvAGmpgghy9Z26MVxES/wAMXyjx9gve2aeKJJDY/wA1wA9Egq+4THtU6zLLzAo81QXch56eqSsVy1qcWxJafRXkgjfD1VDWhQnd8MFeRh+k+UrK4+HdM08LfkqZvxfdqRQUJIXMEd1GifmXTIcsz9RJNMGDtSmH4a+pdc6M58+wfuihdmt2HCo2hN1U85i2FZgHNZ4EjADQdcI4IzfO7dN4rWsA+Gh0aN7eXrzKYM2+G21rOSElR6AVhomwuqNjS5waOK5gfeK1KWrFSiVHqTU/WKcm5uvorWhoDRsNFcdkTIVaKSc0trUnrgn7ExPTD+RVWNuIpSBxITTvpeluQZKjRTqqhtHE8TwSNT4aw7LKIws3QUL6qSw+Ubn94rn6cmlurU44oqWslSlHUn+soqySTcrcMY2NoY0WAXmXa31pTWm8oJr1IEAFyhzsrSeS6Qta1WJFjfdUEIQAlIGZoKBKRqYtnOawXKwMMEtTJlYLk/tyuf7yW45OvqecwrglOiEjJI/c6kmKyR5e65W3paZlNEI2/fmV6upY/pk20x7qjVZ4IGKvMYdSIImZ3ALysqPh4HScRt38E3r731as9vsmd1T+7RKB7LYpgVdBknXpD00wjFhusvh+GvqnZ3/Lz593qtfZvdVbVZyaqZl2pG9mgHMn51a8BhxjyCIjru3KkxSua/8Agh+RvLj7BXyGVSogQiBCIEKLvJYbc6wpl3I4pUM0qGSh0+oJEcSMDxYpilqX00gkZ/0ckgLx3feknS28n8Kx7KxxB/bMRWSRlhsVt6WrjqWZmH6cQooxGmVdrtbSpmWAQ6PSGxlvGiwOS9fzV6wzHUubodVUVWDQzHMzqnw+3or3JbUpFY75caPBSCfqjehkVTDuqWTBKpp6tj3H1stpzaTZw/zyejbn/bHvxMfNRjB6w/18R6qLndrUon/DbecPGiUjzJr9I4NWwbJmPAZz8zgPFQytpU9MmkpKDqErdP0AA8Y4+Je75Qmhg1LDrNJ5D1XpNhW5Of4z5ZSdCsIw/C0PoTBknfubI+Jwyn+RmY91/Fy3JHZC1m/MuLOZ3EhP1VvE9Y6FIOJUUn+QP2jYB36+inZXZrZ6KVZUsjVbiz9AQPpEgpoxwST8Zq3f2t3AKRRcyQH/ALRnxSD9476FnJQHEao//ofusb9xrPWKGVbH4apPmkgx4YIzwXrcTq2m4kPn5qv2tsnllglhxxlWgJ30+R731iJ1K07aJ6HHZm/+wBw+x9PBLW8t1JmRV65NUE0S4jFB8dDyP1hSSJzN1oKSuhqR1DryO6g4iTizyUk48rdabW4rghJUfoMI6DSdguJJGRi7yB3mymE3Jnz/AO1c8aD7mO+gk5JQ4lSD/wDQLUmruzbOK5Z9NMd7cUQPzAU+seGN44FSsrKeTRr2n6jyVzuXtMW0QzOkrbGAdzWn8YzUOefWJ4qkjR6qa/Bmv68Gh5cD3cvLuTdl30uJStCgpKhUKSagjiCIeBB1CzDmuYS1wsQskerlRN6rFE5KuME0KhVKuChik9K58iY4kZnaQmaOpNPM2QcPLiuc52UWy4ptxJStBopJ0P8ALWusVJBBsVvI3tkaHtNwVhjxdq5WLtLnJdAQrceSBQFwHeA07wIr41POGGVL2i26qZ8Gp5XZhdp7NvsvFpX3tCfIZQd3fw7NhJBV1VUqpxxA4wOmkfoPBdRYbSUo6R2tuLv2yvFwdniZbdfmQFP5pQMUt/8AcvnkNOMMQ0+XV26p8SxYzXji0bz4n2TBhpUaWG3Fo9nKq90LWD1ISR9EmE6saArRf4+4ZpBxsP3xSmhFaZZJeYW2d5C1INKVSopNOFRpHoJGy5cxrxZwv3plbP8AZ6pakzM4khNd5DSs1HPeXXTXdOevAuQ09+s5UGJYsGgxQHvPLsHr9k2odWYUbeRlS5SZQn2lMuAdSggRxILtITFK4NnY47AjzXNAioX0BbEjOuMrS40soWnJScxx8KaR01xabhcSRtkaWPFwUw7jXUennROzxUtGBQF5uEZYaNjhkembUMRec71RYhXR0zPh6ewPG3D38u9Lh9JClA5hRr1qawod1ftIIFl4jxeqzWVd+YnGHZp1TnYsNLUlS1ElRSkkJRvV7tRicvHKdsbnguOwVfNVw08jYWAZnEbcLnc28FWYgVgs0nMuNrCmlqQsYBSCQccMxjHocRqFw9jXts8AjtTQ2e3EKVCbnBVQO8htWJrnvrr72oB6nGG6eMHruWdxTFBboYNuJ/A7E0d4cYduFnF83xxguEIKxxEeoQVjDnAhfEOA5HOBC9wIWtaEg2+gtvIS4g5pUKj/AIPOPHNDhYqSOV8TszDYqg2tskYWSZd5bXyqG+nwxCvMmFXUjTsbK6hx6VukjQ7wPooF3ZHNA919gjnvj/aYjNI7mnRj8HFrvBZZfZC+fbmWk/hSpX33Y9FIeJXLsfi/qwn6geqm5HZHLJp2rzrnIbqAfoT9YkFI3iUnJj8x+RoHirJZ1yZFmm5LNkjVY3z/AB1p4RK2Fg4JCXEqqTd5+mnkp9CABQAAcBhEqSJJ1K9QLxECEQIRAhECEQIWCdlEPIU24kLQoUUkioIjwgEWK7jkdG4OabEJVS+y1XpykKJ9ETRYVXvKByRXRQoanhTjCQpev2LSOxsfDhwHX2twHb6eyadnWe0wgNsoS2gZBIp/5PMw61oaLBZyWV8rszzcrZj1RogQom2Ltys0PXMIUfipRQ6KFFfWOHRtduEzBWTwf+txHZw+2ygrMu6/ZqiZVan5YmqpdZG+niptWAJ+U0rxrETY3R/LqOSdlq4qwfzDK/8A2Gx7x+VcGXQpIUMjjiCD4g4g8jDAN1VOBabFe4F4q7eu50vPirgKHQKJdRTepwOik8j4UiKSFr90/R4hLSmzdRyO3sl/M7IpgH1cw0ocVBST5De+8KmkdwKu24/ER1mEfY+i27O2QGoL8yKahpOP6lZfpjptJzKil/yAW/jZ9z+B6pgXfu3LySd1hsJJ9pZxWrqo4+GUNMjazZUlTWTVBvIfpw+yl47SqIEKMvFYjc6wpl2tDiFDNKhkRz/5jh7A8WKYpal9PIJGf9CWB2RTG9QTDO58VFV/Tl9YT+EdfdaL/wA/Db5Df6efsrldbZ7LSZDivXPDJaxgk/KjIHmannDEdO1mu5VVWYtNUDKOq3kPyVcInVUiBCIEJX3l2VFx1Tkq4hCVmpbWDRJOe6U1w5UwhOSlubtK0VJjgYwNmaSRxH5W5drZY0yoLmlh9QyQBRvxrirxoORjqOlA1dqoqrHJJBliGXt4+yYaRTAZQ0qJLa9my8vvLelnUo7Q7ykLBpvHMpKeJxpTOvSFJKbMbtK0FFjfRRiOVpNuI5dq+3d2UNtqC5tztSMm0AhHiTiocsPGBlKBq7VeVWOveMsIy9p39kw1yqC2Wt0dmU7u6BQbpFKUGQpDVhayow9wdnvrvftSmmdkL3aENzDfZ1wKwreA5gChPiPCEjSG+hWmbj8eXrMN+zZXG6uz+WkyFn1zw99YwSflTkOpqecTx07W9pVVWYrNUdUdVvIfk/oVr3MIkDLBVhN18Lce5V4gNwZULyqX5n+v5R0hAZyxyygQvqGqUxy/rGBC/9k="/>
+          <p:cNvSpPr>
+            <a:spLocks noChangeAspect="1" noChangeArrowheads="1"/>
+          </p:cNvSpPr>
+          <p:nvPr/>
+        </p:nvSpPr>
+        <p:spPr bwMode="auto">
+          <a:xfrm>
+            <a:off x="765175" y="465137"/>
+            <a:ext cx="304800" cy="304801"/>
+          </a:xfrm>
+          <a:prstGeom prst="rect">
+            <a:avLst/>
+          </a:prstGeom>
+          <a:noFill/>
+          <a:extLst>
+            <a:ext uri="{909E8E84-426E-40DD-AFC4-6F175D3DCCD1}">
+              <a14:hiddenFill xmlns:a14="http://schemas.microsoft.com/office/drawing/2010/main">
+                <a:solidFill>
+                  <a:srgbClr val="FFFFFF"/>
+                </a:solidFill>
+              </a14:hiddenFill>
+            </a:ext>
+          </a:extLst>
+        </p:spPr>
+        <p:txBody>
+          <a:bodyPr vert="horz" wrap="square" lIns="91440" tIns="45720" rIns="91440" bIns="45720" numCol="1" anchor="t" anchorCtr="0" compatLnSpc="1">
+            <a:prstTxWarp prst="textNoShape">
+              <a:avLst/>
+            </a:prstTxWarp>
+          </a:bodyPr>
+          <a:lstStyle/>
+          <a:p>
+            <a:endParaRPr lang="en-US"/>
+          </a:p>
+        </p:txBody>
+      </p:sp>
+      <p:pic>
+        <p:nvPicPr>
+          <p:cNvPr id="2062" name="Picture 14" descr="http://3.bp.blogspot.com/-3REYcax42Qo/T6WlsyG29sI/AAAAAAAAFXE/zecE9b-hIsI/s1600/coca-universoPNG.png"/>
+          <p:cNvPicPr>
+            <a:picLocks noChangeAspect="1" noChangeArrowheads="1"/>
+          </p:cNvPicPr>
+          <p:nvPr/>
+        </p:nvPicPr>
+        <p:blipFill>
+          <a:blip r:embed="rId3">
+            <a:extLst>
+              <a:ext uri="{28A0092B-C50C-407E-A947-70E740481C1C}">
+                <a14:useLocalDpi xmlns:a14="http://schemas.microsoft.com/office/drawing/2010/main" val="0"/>
+              </a:ext>
+            </a:extLst>
+          </a:blip>
+          <a:srcRect/>
+          <a:stretch>
+            <a:fillRect/>
+          </a:stretch>
+        </p:blipFill>
+        <p:spPr bwMode="auto">
+          <a:xfrm>
+            <a:off x="765175" y="2789022"/>
+            <a:ext cx="1676400" cy="1671611"/>
+          </a:xfrm>
+          <a:prstGeom prst="rect">
+            <a:avLst/>
+          </a:prstGeom>
+          <a:noFill/>
+          <a:extLst>
+            <a:ext uri="{909E8E84-426E-40DD-AFC4-6F175D3DCCD1}">
+              <a14:hiddenFill xmlns:a14="http://schemas.microsoft.com/office/drawing/2010/main">
+                <a:solidFill>
+                  <a:srgbClr val="FFFFFF"/>
+                </a:solidFill>
+              </a14:hiddenFill>
+            </a:ext>
+          </a:extLst>
+        </p:spPr>
+      </p:pic>
     </p:spTree>
     <p:extLst>
       <p:ext uri="{BB962C8B-B14F-4D97-AF65-F5344CB8AC3E}">
-        <p14:creationId xmlns:p14="http://schemas.microsoft.com/office/powerpoint/2010/main" val="1200544047"/>
+        <p14:creationId xmlns:p14="http://schemas.microsoft.com/office/powerpoint/2010/main" val="516903489"/>
       </p:ext>
     </p:extLst>
   </p:cSld>
